--- a/Assicurazioni/Tecniche crittografiche_ita.pptx
+++ b/Assicurazioni/Tecniche crittografiche_ita.pptx
@@ -5,7 +5,7 @@
     <p:sldMasterId id="2147483648" r:id="rId5"/>
   </p:sldMasterIdLst>
   <p:notesMasterIdLst>
-    <p:notesMasterId r:id="rId13"/>
+    <p:notesMasterId r:id="rId14"/>
   </p:notesMasterIdLst>
   <p:sldIdLst>
     <p:sldId id="256" r:id="rId6"/>
@@ -14,7 +14,8 @@
     <p:sldId id="367" r:id="rId9"/>
     <p:sldId id="368" r:id="rId10"/>
     <p:sldId id="369" r:id="rId11"/>
-    <p:sldId id="343" r:id="rId12"/>
+    <p:sldId id="370" r:id="rId12"/>
+    <p:sldId id="343" r:id="rId13"/>
   </p:sldIdLst>
   <p:sldSz cx="12192000" cy="6858000"/>
   <p:notesSz cx="6858000" cy="9144000"/>
@@ -272,7 +273,7 @@
               <a:pPr>
                 <a:defRPr/>
               </a:pPr>
-              <a:t>3/14/2023</a:t>
+              <a:t>3/16/2023</a:t>
             </a:fld>
             <a:endParaRPr lang="en-US"/>
           </a:p>
@@ -7988,7 +7989,7 @@
         <p:spPr>
           <a:xfrm>
             <a:off x="323469" y="1307410"/>
-            <a:ext cx="7607881" cy="4392612"/>
+            <a:ext cx="8145282" cy="4392612"/>
           </a:xfrm>
         </p:spPr>
         <p:txBody>
@@ -8008,10 +8009,10 @@
                 <a:ea typeface="Tahoma" panose="020B0604030504040204" pitchFamily="34" charset="0"/>
                 <a:cs typeface="Tahoma" panose="020B0604030504040204" pitchFamily="34" charset="0"/>
               </a:rPr>
-              <a:t>Lo svantaggio è che questo tipo di cifratura funziona grazie a un’unica chiave di lettura e non fa distinzione tra chiave privata e chiave pubblica.</a:t>
-            </a:r>
-            <a:br>
-              <a:rPr lang="it-IT" sz="2400">
+              <a:t>Lo </a:t>
+            </a:r>
+            <a:r>
+              <a:rPr lang="it-IT" sz="2400" b="1">
                 <a:solidFill>
                   <a:schemeClr val="tx1"/>
                 </a:solidFill>
@@ -8019,7 +8020,8 @@
                 <a:ea typeface="Tahoma" panose="020B0604030504040204" pitchFamily="34" charset="0"/>
                 <a:cs typeface="Tahoma" panose="020B0604030504040204" pitchFamily="34" charset="0"/>
               </a:rPr>
-            </a:br>
+              <a:t>svantaggio</a:t>
+            </a:r>
             <a:r>
               <a:rPr lang="it-IT" sz="2400">
                 <a:solidFill>
@@ -8029,7 +8031,151 @@
                 <a:ea typeface="Tahoma" panose="020B0604030504040204" pitchFamily="34" charset="0"/>
                 <a:cs typeface="Tahoma" panose="020B0604030504040204" pitchFamily="34" charset="0"/>
               </a:rPr>
-              <a:t>La chiave è solo privata e per far sì che entrambe le parti di una comunicazione ne entrino in possesso, è necessario creare un momento di scambio: che lo scambio avvenga in maniera fisica o virtuale, il rischio è molto alto, e c’è la concreta possibilità che la chiave venga intercettata da un malintenzionato.</a:t>
+              <a:t> è che questo tipo di cifratura funziona grazie a un’unica chiave di lettura e </a:t>
+            </a:r>
+            <a:r>
+              <a:rPr lang="it-IT" sz="2400" b="1">
+                <a:solidFill>
+                  <a:schemeClr val="tx1"/>
+                </a:solidFill>
+                <a:latin typeface="Tahoma" panose="020B0604030504040204" pitchFamily="34" charset="0"/>
+                <a:ea typeface="Tahoma" panose="020B0604030504040204" pitchFamily="34" charset="0"/>
+                <a:cs typeface="Tahoma" panose="020B0604030504040204" pitchFamily="34" charset="0"/>
+              </a:rPr>
+              <a:t>non fa distinzione</a:t>
+            </a:r>
+            <a:r>
+              <a:rPr lang="it-IT" sz="2400">
+                <a:solidFill>
+                  <a:schemeClr val="tx1"/>
+                </a:solidFill>
+                <a:latin typeface="Tahoma" panose="020B0604030504040204" pitchFamily="34" charset="0"/>
+                <a:ea typeface="Tahoma" panose="020B0604030504040204" pitchFamily="34" charset="0"/>
+                <a:cs typeface="Tahoma" panose="020B0604030504040204" pitchFamily="34" charset="0"/>
+              </a:rPr>
+              <a:t> tra chiave privata e chiave pubblica.</a:t>
+            </a:r>
+          </a:p>
+          <a:p>
+            <a:pPr marL="342900" indent="-342900" algn="l">
+              <a:buFont typeface="Wingdings" panose="05000000000000000000" pitchFamily="2" charset="2"/>
+              <a:buChar char="ü"/>
+            </a:pPr>
+            <a:r>
+              <a:rPr lang="it-IT" sz="2400">
+                <a:solidFill>
+                  <a:schemeClr val="tx1"/>
+                </a:solidFill>
+                <a:latin typeface="Tahoma" panose="020B0604030504040204" pitchFamily="34" charset="0"/>
+                <a:ea typeface="Tahoma" panose="020B0604030504040204" pitchFamily="34" charset="0"/>
+                <a:cs typeface="Tahoma" panose="020B0604030504040204" pitchFamily="34" charset="0"/>
+              </a:rPr>
+              <a:t>La chiave è solo privata e per far sì che entrambe le parti di una comunicazione ne entrino in possesso, è necessario creare un momento di scambio: che lo scambio avvenga in maniera fisica o virtuale, il </a:t>
+            </a:r>
+            <a:r>
+              <a:rPr lang="it-IT" sz="2400" b="1">
+                <a:solidFill>
+                  <a:schemeClr val="tx1"/>
+                </a:solidFill>
+                <a:latin typeface="Tahoma" panose="020B0604030504040204" pitchFamily="34" charset="0"/>
+                <a:ea typeface="Tahoma" panose="020B0604030504040204" pitchFamily="34" charset="0"/>
+                <a:cs typeface="Tahoma" panose="020B0604030504040204" pitchFamily="34" charset="0"/>
+              </a:rPr>
+              <a:t>rischio è molto alto</a:t>
+            </a:r>
+            <a:r>
+              <a:rPr lang="it-IT" sz="2400">
+                <a:solidFill>
+                  <a:schemeClr val="tx1"/>
+                </a:solidFill>
+                <a:latin typeface="Tahoma" panose="020B0604030504040204" pitchFamily="34" charset="0"/>
+                <a:ea typeface="Tahoma" panose="020B0604030504040204" pitchFamily="34" charset="0"/>
+                <a:cs typeface="Tahoma" panose="020B0604030504040204" pitchFamily="34" charset="0"/>
+              </a:rPr>
+              <a:t>, e c’è la concreta possibilità che la chiave venga intercettata da un malintenzionato.</a:t>
+            </a:r>
+          </a:p>
+          <a:p>
+            <a:pPr marL="342900" indent="-342900" algn="l">
+              <a:buFont typeface="Wingdings" panose="05000000000000000000" pitchFamily="2" charset="2"/>
+              <a:buChar char="ü"/>
+            </a:pPr>
+            <a:r>
+              <a:rPr lang="it-IT" sz="2400">
+                <a:solidFill>
+                  <a:schemeClr val="tx1"/>
+                </a:solidFill>
+                <a:latin typeface="Tahoma" panose="020B0604030504040204" pitchFamily="34" charset="0"/>
+                <a:ea typeface="Tahoma" panose="020B0604030504040204" pitchFamily="34" charset="0"/>
+                <a:cs typeface="Tahoma" panose="020B0604030504040204" pitchFamily="34" charset="0"/>
+              </a:rPr>
+              <a:t>Il </a:t>
+            </a:r>
+            <a:r>
+              <a:rPr lang="it-IT" sz="2400" b="1">
+                <a:solidFill>
+                  <a:schemeClr val="tx1"/>
+                </a:solidFill>
+                <a:latin typeface="Tahoma" panose="020B0604030504040204" pitchFamily="34" charset="0"/>
+                <a:ea typeface="Tahoma" panose="020B0604030504040204" pitchFamily="34" charset="0"/>
+                <a:cs typeface="Tahoma" panose="020B0604030504040204" pitchFamily="34" charset="0"/>
+              </a:rPr>
+              <a:t>livello</a:t>
+            </a:r>
+            <a:r>
+              <a:rPr lang="it-IT" sz="2400">
+                <a:solidFill>
+                  <a:schemeClr val="tx1"/>
+                </a:solidFill>
+                <a:latin typeface="Tahoma" panose="020B0604030504040204" pitchFamily="34" charset="0"/>
+                <a:ea typeface="Tahoma" panose="020B0604030504040204" pitchFamily="34" charset="0"/>
+                <a:cs typeface="Tahoma" panose="020B0604030504040204" pitchFamily="34" charset="0"/>
+              </a:rPr>
+              <a:t> </a:t>
+            </a:r>
+            <a:r>
+              <a:rPr lang="it-IT" sz="2400" b="1">
+                <a:solidFill>
+                  <a:schemeClr val="tx1"/>
+                </a:solidFill>
+                <a:latin typeface="Tahoma" panose="020B0604030504040204" pitchFamily="34" charset="0"/>
+                <a:ea typeface="Tahoma" panose="020B0604030504040204" pitchFamily="34" charset="0"/>
+                <a:cs typeface="Tahoma" panose="020B0604030504040204" pitchFamily="34" charset="0"/>
+              </a:rPr>
+              <a:t>di</a:t>
+            </a:r>
+            <a:r>
+              <a:rPr lang="it-IT" sz="2400">
+                <a:solidFill>
+                  <a:schemeClr val="tx1"/>
+                </a:solidFill>
+                <a:latin typeface="Tahoma" panose="020B0604030504040204" pitchFamily="34" charset="0"/>
+                <a:ea typeface="Tahoma" panose="020B0604030504040204" pitchFamily="34" charset="0"/>
+                <a:cs typeface="Tahoma" panose="020B0604030504040204" pitchFamily="34" charset="0"/>
+              </a:rPr>
+              <a:t> </a:t>
+            </a:r>
+            <a:r>
+              <a:rPr lang="it-IT" sz="2400" b="1">
+                <a:solidFill>
+                  <a:schemeClr val="tx1"/>
+                </a:solidFill>
+                <a:latin typeface="Tahoma" panose="020B0604030504040204" pitchFamily="34" charset="0"/>
+                <a:ea typeface="Tahoma" panose="020B0604030504040204" pitchFamily="34" charset="0"/>
+                <a:cs typeface="Tahoma" panose="020B0604030504040204" pitchFamily="34" charset="0"/>
+              </a:rPr>
+              <a:t>sicurezza</a:t>
+            </a:r>
+            <a:r>
+              <a:rPr lang="it-IT" sz="2400">
+                <a:solidFill>
+                  <a:schemeClr val="tx1"/>
+                </a:solidFill>
+                <a:latin typeface="Tahoma" panose="020B0604030504040204" pitchFamily="34" charset="0"/>
+                <a:ea typeface="Tahoma" panose="020B0604030504040204" pitchFamily="34" charset="0"/>
+                <a:cs typeface="Tahoma" panose="020B0604030504040204" pitchFamily="34" charset="0"/>
+              </a:rPr>
+              <a:t> è quindi minore rispetto alla crittografia asimmetrica, perché una volta scoperta la chiave è possibile accedere ai messaggi senza difficoltà.</a:t>
             </a:r>
           </a:p>
         </p:txBody>
@@ -8132,8 +8278,8 @@
         </p:blipFill>
         <p:spPr>
           <a:xfrm>
-            <a:off x="8185857" y="2442795"/>
-            <a:ext cx="3682674" cy="2072933"/>
+            <a:off x="8750105" y="2442795"/>
+            <a:ext cx="3118426" cy="2072933"/>
           </a:xfrm>
           <a:prstGeom prst="rect">
             <a:avLst/>
@@ -8172,6 +8318,230 @@
       </p:grpSpPr>
       <p:sp>
         <p:nvSpPr>
+          <p:cNvPr id="2" name="Segnaposto testo 1">
+            <a:extLst>
+              <a:ext uri="{FF2B5EF4-FFF2-40B4-BE49-F238E27FC236}">
+                <a16:creationId xmlns:a16="http://schemas.microsoft.com/office/drawing/2014/main" id="{E5AE986C-196F-4141-A898-FA4C4198CDCC}"/>
+              </a:ext>
+            </a:extLst>
+          </p:cNvPr>
+          <p:cNvSpPr>
+            <a:spLocks noGrp="1"/>
+          </p:cNvSpPr>
+          <p:nvPr>
+            <p:ph type="body" idx="1"/>
+          </p:nvPr>
+        </p:nvSpPr>
+        <p:spPr>
+          <a:xfrm>
+            <a:off x="323469" y="1307410"/>
+            <a:ext cx="8145282" cy="4392612"/>
+          </a:xfrm>
+        </p:spPr>
+        <p:txBody>
+          <a:bodyPr/>
+          <a:lstStyle/>
+          <a:p>
+            <a:pPr marL="342900" indent="-342900" algn="l">
+              <a:buFont typeface="Wingdings" panose="05000000000000000000" pitchFamily="2" charset="2"/>
+              <a:buChar char="ü"/>
+            </a:pPr>
+            <a:r>
+              <a:rPr lang="it-IT" sz="2400">
+                <a:solidFill>
+                  <a:schemeClr val="tx1"/>
+                </a:solidFill>
+                <a:latin typeface="Tahoma" panose="020B0604030504040204" pitchFamily="34" charset="0"/>
+                <a:ea typeface="Tahoma" panose="020B0604030504040204" pitchFamily="34" charset="0"/>
+                <a:cs typeface="Tahoma" panose="020B0604030504040204" pitchFamily="34" charset="0"/>
+              </a:rPr>
+              <a:t>La </a:t>
+            </a:r>
+            <a:r>
+              <a:rPr lang="it-IT" sz="2400" b="1">
+                <a:solidFill>
+                  <a:schemeClr val="tx1"/>
+                </a:solidFill>
+                <a:latin typeface="Tahoma" panose="020B0604030504040204" pitchFamily="34" charset="0"/>
+                <a:ea typeface="Tahoma" panose="020B0604030504040204" pitchFamily="34" charset="0"/>
+                <a:cs typeface="Tahoma" panose="020B0604030504040204" pitchFamily="34" charset="0"/>
+              </a:rPr>
+              <a:t>crittografia</a:t>
+            </a:r>
+            <a:r>
+              <a:rPr lang="it-IT" sz="2400">
+                <a:solidFill>
+                  <a:schemeClr val="tx1"/>
+                </a:solidFill>
+                <a:latin typeface="Tahoma" panose="020B0604030504040204" pitchFamily="34" charset="0"/>
+                <a:ea typeface="Tahoma" panose="020B0604030504040204" pitchFamily="34" charset="0"/>
+                <a:cs typeface="Tahoma" panose="020B0604030504040204" pitchFamily="34" charset="0"/>
+              </a:rPr>
+              <a:t> </a:t>
+            </a:r>
+            <a:r>
+              <a:rPr lang="it-IT" sz="2400" b="1">
+                <a:solidFill>
+                  <a:schemeClr val="tx1"/>
+                </a:solidFill>
+                <a:latin typeface="Tahoma" panose="020B0604030504040204" pitchFamily="34" charset="0"/>
+                <a:ea typeface="Tahoma" panose="020B0604030504040204" pitchFamily="34" charset="0"/>
+                <a:cs typeface="Tahoma" panose="020B0604030504040204" pitchFamily="34" charset="0"/>
+              </a:rPr>
+              <a:t>asimmetrica</a:t>
+            </a:r>
+            <a:r>
+              <a:rPr lang="it-IT" sz="2400">
+                <a:solidFill>
+                  <a:schemeClr val="tx1"/>
+                </a:solidFill>
+                <a:latin typeface="Tahoma" panose="020B0604030504040204" pitchFamily="34" charset="0"/>
+                <a:ea typeface="Tahoma" panose="020B0604030504040204" pitchFamily="34" charset="0"/>
+                <a:cs typeface="Tahoma" panose="020B0604030504040204" pitchFamily="34" charset="0"/>
+              </a:rPr>
+              <a:t> si distingue per essere un tipo di cifratura che non si basa su un’unica chiave di codifica, bensì su due chiavi distinte ma correlate.</a:t>
+            </a:r>
+          </a:p>
+          <a:p>
+            <a:pPr marL="342900" indent="-342900" algn="l">
+              <a:buFont typeface="Wingdings" panose="05000000000000000000" pitchFamily="2" charset="2"/>
+              <a:buChar char="ü"/>
+            </a:pPr>
+            <a:r>
+              <a:rPr lang="it-IT" sz="2400">
+                <a:solidFill>
+                  <a:schemeClr val="tx1"/>
+                </a:solidFill>
+                <a:latin typeface="Tahoma" panose="020B0604030504040204" pitchFamily="34" charset="0"/>
+                <a:ea typeface="Tahoma" panose="020B0604030504040204" pitchFamily="34" charset="0"/>
+                <a:cs typeface="Tahoma" panose="020B0604030504040204" pitchFamily="34" charset="0"/>
+              </a:rPr>
+              <a:t>Gli </a:t>
+            </a:r>
+            <a:r>
+              <a:rPr lang="it-IT" sz="2400" b="1">
+                <a:solidFill>
+                  <a:schemeClr val="tx1"/>
+                </a:solidFill>
+                <a:latin typeface="Tahoma" panose="020B0604030504040204" pitchFamily="34" charset="0"/>
+                <a:ea typeface="Tahoma" panose="020B0604030504040204" pitchFamily="34" charset="0"/>
+                <a:cs typeface="Tahoma" panose="020B0604030504040204" pitchFamily="34" charset="0"/>
+              </a:rPr>
+              <a:t>algoritmi</a:t>
+            </a:r>
+            <a:r>
+              <a:rPr lang="it-IT" sz="2400">
+                <a:solidFill>
+                  <a:schemeClr val="tx1"/>
+                </a:solidFill>
+                <a:latin typeface="Tahoma" panose="020B0604030504040204" pitchFamily="34" charset="0"/>
+                <a:ea typeface="Tahoma" panose="020B0604030504040204" pitchFamily="34" charset="0"/>
+                <a:cs typeface="Tahoma" panose="020B0604030504040204" pitchFamily="34" charset="0"/>
+              </a:rPr>
+              <a:t> utilizzano infatti una </a:t>
+            </a:r>
+            <a:r>
+              <a:rPr lang="it-IT" sz="2400" b="1">
+                <a:solidFill>
+                  <a:schemeClr val="tx1"/>
+                </a:solidFill>
+                <a:latin typeface="Tahoma" panose="020B0604030504040204" pitchFamily="34" charset="0"/>
+                <a:ea typeface="Tahoma" panose="020B0604030504040204" pitchFamily="34" charset="0"/>
+                <a:cs typeface="Tahoma" panose="020B0604030504040204" pitchFamily="34" charset="0"/>
+              </a:rPr>
+              <a:t>chiave pubblica</a:t>
+            </a:r>
+            <a:r>
+              <a:rPr lang="it-IT" sz="2400">
+                <a:solidFill>
+                  <a:schemeClr val="tx1"/>
+                </a:solidFill>
+                <a:latin typeface="Tahoma" panose="020B0604030504040204" pitchFamily="34" charset="0"/>
+                <a:ea typeface="Tahoma" panose="020B0604030504040204" pitchFamily="34" charset="0"/>
+                <a:cs typeface="Tahoma" panose="020B0604030504040204" pitchFamily="34" charset="0"/>
+              </a:rPr>
+              <a:t> e una </a:t>
+            </a:r>
+            <a:r>
+              <a:rPr lang="it-IT" sz="2400" b="1">
+                <a:solidFill>
+                  <a:schemeClr val="tx1"/>
+                </a:solidFill>
+                <a:latin typeface="Tahoma" panose="020B0604030504040204" pitchFamily="34" charset="0"/>
+                <a:ea typeface="Tahoma" panose="020B0604030504040204" pitchFamily="34" charset="0"/>
+                <a:cs typeface="Tahoma" panose="020B0604030504040204" pitchFamily="34" charset="0"/>
+              </a:rPr>
+              <a:t>chiave privata</a:t>
+            </a:r>
+            <a:r>
+              <a:rPr lang="it-IT" sz="2400">
+                <a:solidFill>
+                  <a:schemeClr val="tx1"/>
+                </a:solidFill>
+                <a:latin typeface="Tahoma" panose="020B0604030504040204" pitchFamily="34" charset="0"/>
+                <a:ea typeface="Tahoma" panose="020B0604030504040204" pitchFamily="34" charset="0"/>
+                <a:cs typeface="Tahoma" panose="020B0604030504040204" pitchFamily="34" charset="0"/>
+              </a:rPr>
+              <a:t>: quella pubblica è condivisa tra mittente e destinatario e quella privata è individuale.</a:t>
+            </a:r>
+            <a:br>
+              <a:rPr lang="it-IT" sz="2400">
+                <a:solidFill>
+                  <a:schemeClr val="tx1"/>
+                </a:solidFill>
+                <a:latin typeface="Tahoma" panose="020B0604030504040204" pitchFamily="34" charset="0"/>
+                <a:ea typeface="Tahoma" panose="020B0604030504040204" pitchFamily="34" charset="0"/>
+                <a:cs typeface="Tahoma" panose="020B0604030504040204" pitchFamily="34" charset="0"/>
+              </a:rPr>
+            </a:br>
+            <a:r>
+              <a:rPr lang="it-IT" sz="2400">
+                <a:solidFill>
+                  <a:schemeClr val="tx1"/>
+                </a:solidFill>
+                <a:latin typeface="Tahoma" panose="020B0604030504040204" pitchFamily="34" charset="0"/>
+                <a:ea typeface="Tahoma" panose="020B0604030504040204" pitchFamily="34" charset="0"/>
+                <a:cs typeface="Tahoma" panose="020B0604030504040204" pitchFamily="34" charset="0"/>
+              </a:rPr>
+              <a:t>La prima è accessibile a chiunque voglia scambiare informazioni con l’entità proprietaria, la seconda è segreta e conosciuta solo dal legittimo proprietario.</a:t>
+            </a:r>
+            <a:br>
+              <a:rPr lang="it-IT" sz="2400">
+                <a:solidFill>
+                  <a:schemeClr val="tx1"/>
+                </a:solidFill>
+                <a:latin typeface="Tahoma" panose="020B0604030504040204" pitchFamily="34" charset="0"/>
+                <a:ea typeface="Tahoma" panose="020B0604030504040204" pitchFamily="34" charset="0"/>
+                <a:cs typeface="Tahoma" panose="020B0604030504040204" pitchFamily="34" charset="0"/>
+              </a:rPr>
+            </a:br>
+            <a:endParaRPr lang="it-IT" sz="2400">
+              <a:solidFill>
+                <a:schemeClr val="tx1"/>
+              </a:solidFill>
+              <a:latin typeface="Tahoma" panose="020B0604030504040204" pitchFamily="34" charset="0"/>
+              <a:ea typeface="Tahoma" panose="020B0604030504040204" pitchFamily="34" charset="0"/>
+              <a:cs typeface="Tahoma" panose="020B0604030504040204" pitchFamily="34" charset="0"/>
+            </a:endParaRPr>
+          </a:p>
+          <a:p>
+            <a:pPr marL="342900" indent="-342900" algn="l">
+              <a:buFont typeface="Wingdings" panose="05000000000000000000" pitchFamily="2" charset="2"/>
+              <a:buChar char="ü"/>
+            </a:pPr>
+            <a:endParaRPr lang="it-IT" sz="2400">
+              <a:solidFill>
+                <a:schemeClr val="tx1"/>
+              </a:solidFill>
+              <a:latin typeface="Tahoma" panose="020B0604030504040204" pitchFamily="34" charset="0"/>
+              <a:ea typeface="Tahoma" panose="020B0604030504040204" pitchFamily="34" charset="0"/>
+              <a:cs typeface="Tahoma" panose="020B0604030504040204" pitchFamily="34" charset="0"/>
+            </a:endParaRPr>
+          </a:p>
+        </p:txBody>
+      </p:sp>
+      <p:sp>
+        <p:nvSpPr>
           <p:cNvPr id="7" name="Segnaposto numero diapositiva 6">
             <a:extLst>
               <a:ext uri="{FF2B5EF4-FFF2-40B4-BE49-F238E27FC236}">
@@ -8200,6 +8570,142 @@
                 <a:defRPr/>
               </a:pPr>
               <a:t>7</a:t>
+            </a:fld>
+            <a:endParaRPr lang="en-US" dirty="0"/>
+          </a:p>
+        </p:txBody>
+      </p:sp>
+      <p:sp>
+        <p:nvSpPr>
+          <p:cNvPr id="6" name="Titolo 4">
+            <a:extLst>
+              <a:ext uri="{FF2B5EF4-FFF2-40B4-BE49-F238E27FC236}">
+                <a16:creationId xmlns:a16="http://schemas.microsoft.com/office/drawing/2014/main" id="{CF9A4806-60B4-80DC-1F76-D2EB3E6C376B}"/>
+              </a:ext>
+            </a:extLst>
+          </p:cNvPr>
+          <p:cNvSpPr>
+            <a:spLocks noGrp="1"/>
+          </p:cNvSpPr>
+          <p:nvPr>
+            <p:ph type="title"/>
+          </p:nvPr>
+        </p:nvSpPr>
+        <p:spPr>
+          <a:xfrm>
+            <a:off x="461169" y="422999"/>
+            <a:ext cx="11269662" cy="384721"/>
+          </a:xfrm>
+        </p:spPr>
+        <p:txBody>
+          <a:bodyPr/>
+          <a:lstStyle/>
+          <a:p>
+            <a:r>
+              <a:rPr lang="it-IT" sz="2800">
+                <a:solidFill>
+                  <a:schemeClr val="tx1"/>
+                </a:solidFill>
+                <a:latin typeface="Tahoma" panose="020B0604030504040204" pitchFamily="34" charset="0"/>
+                <a:ea typeface="Tahoma" panose="020B0604030504040204" pitchFamily="34" charset="0"/>
+                <a:cs typeface="Tahoma" panose="020B0604030504040204" pitchFamily="34" charset="0"/>
+              </a:rPr>
+              <a:t>Crittografia asimmetrica</a:t>
+            </a:r>
+            <a:endParaRPr lang="it-IT" dirty="0"/>
+          </a:p>
+        </p:txBody>
+      </p:sp>
+      <p:pic>
+        <p:nvPicPr>
+          <p:cNvPr id="9" name="Immagine 8" descr="Immagine che contiene diagramma&#10;&#10;Descrizione generata automaticamente">
+            <a:extLst>
+              <a:ext uri="{FF2B5EF4-FFF2-40B4-BE49-F238E27FC236}">
+                <a16:creationId xmlns:a16="http://schemas.microsoft.com/office/drawing/2014/main" id="{03971C30-EDA4-BC29-4957-228CF4737F89}"/>
+              </a:ext>
+            </a:extLst>
+          </p:cNvPr>
+          <p:cNvPicPr>
+            <a:picLocks noChangeAspect="1"/>
+          </p:cNvPicPr>
+          <p:nvPr/>
+        </p:nvPicPr>
+        <p:blipFill>
+          <a:blip r:embed="rId2"/>
+          <a:stretch>
+            <a:fillRect/>
+          </a:stretch>
+        </p:blipFill>
+        <p:spPr>
+          <a:xfrm>
+            <a:off x="8314006" y="2297409"/>
+            <a:ext cx="3877994" cy="4099816"/>
+          </a:xfrm>
+          <a:prstGeom prst="rect">
+            <a:avLst/>
+          </a:prstGeom>
+        </p:spPr>
+      </p:pic>
+    </p:spTree>
+    <p:extLst>
+      <p:ext uri="{BB962C8B-B14F-4D97-AF65-F5344CB8AC3E}">
+        <p14:creationId xmlns:p14="http://schemas.microsoft.com/office/powerpoint/2010/main" val="1814644548"/>
+      </p:ext>
+    </p:extLst>
+  </p:cSld>
+  <p:clrMapOvr>
+    <a:masterClrMapping/>
+  </p:clrMapOvr>
+</p:sld>
+</file>
+
+<file path=ppt/slides/slide8.xml><?xml version="1.0" encoding="utf-8"?>
+<p:sld xmlns:a="http://schemas.openxmlformats.org/drawingml/2006/main" xmlns:r="http://schemas.openxmlformats.org/officeDocument/2006/relationships" xmlns:p="http://schemas.openxmlformats.org/presentationml/2006/main">
+  <p:cSld>
+    <p:spTree>
+      <p:nvGrpSpPr>
+        <p:cNvPr id="1" name=""/>
+        <p:cNvGrpSpPr/>
+        <p:nvPr/>
+      </p:nvGrpSpPr>
+      <p:grpSpPr>
+        <a:xfrm>
+          <a:off x="0" y="0"/>
+          <a:ext cx="0" cy="0"/>
+          <a:chOff x="0" y="0"/>
+          <a:chExt cx="0" cy="0"/>
+        </a:xfrm>
+      </p:grpSpPr>
+      <p:sp>
+        <p:nvSpPr>
+          <p:cNvPr id="7" name="Segnaposto numero diapositiva 6">
+            <a:extLst>
+              <a:ext uri="{FF2B5EF4-FFF2-40B4-BE49-F238E27FC236}">
+                <a16:creationId xmlns:a16="http://schemas.microsoft.com/office/drawing/2014/main" id="{AB740BE9-E218-4144-BFDE-AE473D230A3D}"/>
+              </a:ext>
+            </a:extLst>
+          </p:cNvPr>
+          <p:cNvSpPr>
+            <a:spLocks noGrp="1"/>
+          </p:cNvSpPr>
+          <p:nvPr>
+            <p:ph type="sldNum" sz="quarter" idx="12"/>
+          </p:nvPr>
+        </p:nvSpPr>
+        <p:spPr/>
+        <p:txBody>
+          <a:bodyPr/>
+          <a:lstStyle/>
+          <a:p>
+            <a:pPr>
+              <a:defRPr/>
+            </a:pPr>
+            <a:fld id="{48B4153A-D4C5-4CEF-8992-0D8815C829E3}" type="slidenum">
+              <a:rPr lang="en-US" smtClean="0"/>
+              <a:pPr>
+                <a:defRPr/>
+              </a:pPr>
+              <a:t>8</a:t>
             </a:fld>
             <a:endParaRPr lang="en-US" dirty="0"/>
           </a:p>
@@ -8885,20 +9391,6 @@
 </file>
 
 <file path=customXml/item1.xml><?xml version="1.0" encoding="utf-8"?>
-<p:properties xmlns:p="http://schemas.microsoft.com/office/2006/metadata/properties" xmlns:xsi="http://www.w3.org/2001/XMLSchema-instance" xmlns:pc="http://schemas.microsoft.com/office/infopath/2007/PartnerControls">
-  <documentManagement>
-    <SottoCategoria xmlns="679261c3-551f-4e86-913f-177e0e529669">-</SottoCategoria>
-    <Categoria xmlns="c58f2efd-82a8-4ecf-b395-8c25e928921d">Power Point</Categoria>
-    <_dlc_DocId xmlns="459159c4-d20a-4ff3-9b11-fbd127bd52e5">INTRANET-14-158</_dlc_DocId>
-    <_dlc_DocIdUrl xmlns="459159c4-d20a-4ff3-9b11-fbd127bd52e5">
-      <Url>https://intranet.istat.it/Collaborativi/_layouts/15/DocIdRedir.aspx?ID=INTRANET-14-158</Url>
-      <Description>INTRANET-14-158</Description>
-    </_dlc_DocIdUrl>
-  </documentManagement>
-</p:properties>
-</file>
-
-<file path=customXml/item2.xml><?xml version="1.0" encoding="utf-8"?>
 <ct:contentTypeSchema xmlns:ct="http://schemas.microsoft.com/office/2006/metadata/contentType" xmlns:ma="http://schemas.microsoft.com/office/2006/metadata/properties/metaAttributes" ct:_="" ma:_="" ma:contentTypeName="Documento" ma:contentTypeID="0x010100661A2BE3120D674DA36C11D6006822D4" ma:contentTypeVersion="3" ma:contentTypeDescription="Creare un nuovo documento." ma:contentTypeScope="" ma:versionID="2ad8b07f9840a1ce9cd199d874146b74">
   <xsd:schema xmlns:xsd="http://www.w3.org/2001/XMLSchema" xmlns:xs="http://www.w3.org/2001/XMLSchema" xmlns:p="http://schemas.microsoft.com/office/2006/metadata/properties" xmlns:ns2="c58f2efd-82a8-4ecf-b395-8c25e928921d" xmlns:ns3="459159c4-d20a-4ff3-9b11-fbd127bd52e5" xmlns:ns4="679261c3-551f-4e86-913f-177e0e529669" targetNamespace="http://schemas.microsoft.com/office/2006/metadata/properties" ma:root="true" ma:fieldsID="fffb0e16fb90ffea59fef1085e90ecca" ns2:_="" ns3:_="" ns4:_="">
     <xsd:import namespace="c58f2efd-82a8-4ecf-b395-8c25e928921d"/>
@@ -9085,7 +9577,30 @@
 </ct:contentTypeSchema>
 </file>
 
+<file path=customXml/item2.xml><?xml version="1.0" encoding="utf-8"?>
+<p:properties xmlns:p="http://schemas.microsoft.com/office/2006/metadata/properties" xmlns:xsi="http://www.w3.org/2001/XMLSchema-instance" xmlns:pc="http://schemas.microsoft.com/office/infopath/2007/PartnerControls">
+  <documentManagement>
+    <SottoCategoria xmlns="679261c3-551f-4e86-913f-177e0e529669">-</SottoCategoria>
+    <Categoria xmlns="c58f2efd-82a8-4ecf-b395-8c25e928921d">Power Point</Categoria>
+    <_dlc_DocId xmlns="459159c4-d20a-4ff3-9b11-fbd127bd52e5">INTRANET-14-158</_dlc_DocId>
+    <_dlc_DocIdUrl xmlns="459159c4-d20a-4ff3-9b11-fbd127bd52e5">
+      <Url>https://intranet.istat.it/Collaborativi/_layouts/15/DocIdRedir.aspx?ID=INTRANET-14-158</Url>
+      <Description>INTRANET-14-158</Description>
+    </_dlc_DocIdUrl>
+  </documentManagement>
+</p:properties>
+</file>
+
 <file path=customXml/item3.xml><?xml version="1.0" encoding="utf-8"?>
+<?mso-contentType ?>
+<FormTemplates xmlns="http://schemas.microsoft.com/sharepoint/v3/contenttype/forms">
+  <Display>DocumentLibraryForm</Display>
+  <Edit>DocumentLibraryForm</Edit>
+  <New>DocumentLibraryForm</New>
+</FormTemplates>
+</file>
+
+<file path=customXml/item4.xml><?xml version="1.0" encoding="utf-8"?>
 <?mso-contentType ?>
 <spe:Receivers xmlns:spe="http://schemas.microsoft.com/sharepoint/events">
   <Receiver>
@@ -9135,34 +9650,7 @@
 </spe:Receivers>
 </file>
 
-<file path=customXml/item4.xml><?xml version="1.0" encoding="utf-8"?>
-<?mso-contentType ?>
-<FormTemplates xmlns="http://schemas.microsoft.com/sharepoint/v3/contenttype/forms">
-  <Display>DocumentLibraryForm</Display>
-  <Edit>DocumentLibraryForm</Edit>
-  <New>DocumentLibraryForm</New>
-</FormTemplates>
-</file>
-
 <file path=customXml/itemProps1.xml><?xml version="1.0" encoding="utf-8"?>
-<ds:datastoreItem xmlns:ds="http://schemas.openxmlformats.org/officeDocument/2006/customXml" ds:itemID="{3EF378BC-F4D0-4510-B4EC-07B6EFE18CF8}">
-  <ds:schemaRefs>
-    <ds:schemaRef ds:uri="http://schemas.microsoft.com/office/infopath/2007/PartnerControls"/>
-    <ds:schemaRef ds:uri="http://purl.org/dc/elements/1.1/"/>
-    <ds:schemaRef ds:uri="http://schemas.microsoft.com/office/2006/metadata/properties"/>
-    <ds:schemaRef ds:uri="http://schemas.openxmlformats.org/package/2006/metadata/core-properties"/>
-    <ds:schemaRef ds:uri="http://purl.org/dc/terms/"/>
-    <ds:schemaRef ds:uri="679261c3-551f-4e86-913f-177e0e529669"/>
-    <ds:schemaRef ds:uri="459159c4-d20a-4ff3-9b11-fbd127bd52e5"/>
-    <ds:schemaRef ds:uri="http://schemas.microsoft.com/office/2006/documentManagement/types"/>
-    <ds:schemaRef ds:uri="c58f2efd-82a8-4ecf-b395-8c25e928921d"/>
-    <ds:schemaRef ds:uri="http://www.w3.org/XML/1998/namespace"/>
-    <ds:schemaRef ds:uri="http://purl.org/dc/dcmitype/"/>
-  </ds:schemaRefs>
-</ds:datastoreItem>
-</file>
-
-<file path=customXml/itemProps2.xml><?xml version="1.0" encoding="utf-8"?>
 <ds:datastoreItem xmlns:ds="http://schemas.openxmlformats.org/officeDocument/2006/customXml" ds:itemID="{3F66F418-6054-4EA5-BF8E-6AF3CEAE6265}">
   <ds:schemaRefs>
     <ds:schemaRef ds:uri="http://schemas.microsoft.com/office/2006/metadata/contentType"/>
@@ -9182,18 +9670,36 @@
 </ds:datastoreItem>
 </file>
 
+<file path=customXml/itemProps2.xml><?xml version="1.0" encoding="utf-8"?>
+<ds:datastoreItem xmlns:ds="http://schemas.openxmlformats.org/officeDocument/2006/customXml" ds:itemID="{3EF378BC-F4D0-4510-B4EC-07B6EFE18CF8}">
+  <ds:schemaRefs>
+    <ds:schemaRef ds:uri="http://schemas.microsoft.com/office/infopath/2007/PartnerControls"/>
+    <ds:schemaRef ds:uri="http://purl.org/dc/elements/1.1/"/>
+    <ds:schemaRef ds:uri="http://schemas.microsoft.com/office/2006/metadata/properties"/>
+    <ds:schemaRef ds:uri="http://schemas.openxmlformats.org/package/2006/metadata/core-properties"/>
+    <ds:schemaRef ds:uri="http://purl.org/dc/terms/"/>
+    <ds:schemaRef ds:uri="679261c3-551f-4e86-913f-177e0e529669"/>
+    <ds:schemaRef ds:uri="459159c4-d20a-4ff3-9b11-fbd127bd52e5"/>
+    <ds:schemaRef ds:uri="http://schemas.microsoft.com/office/2006/documentManagement/types"/>
+    <ds:schemaRef ds:uri="c58f2efd-82a8-4ecf-b395-8c25e928921d"/>
+    <ds:schemaRef ds:uri="http://www.w3.org/XML/1998/namespace"/>
+    <ds:schemaRef ds:uri="http://purl.org/dc/dcmitype/"/>
+  </ds:schemaRefs>
+</ds:datastoreItem>
+</file>
+
 <file path=customXml/itemProps3.xml><?xml version="1.0" encoding="utf-8"?>
+<ds:datastoreItem xmlns:ds="http://schemas.openxmlformats.org/officeDocument/2006/customXml" ds:itemID="{BD9C238D-4D5C-4783-820B-4854DCE45D41}">
+  <ds:schemaRefs>
+    <ds:schemaRef ds:uri="http://schemas.microsoft.com/sharepoint/v3/contenttype/forms"/>
+  </ds:schemaRefs>
+</ds:datastoreItem>
+</file>
+
+<file path=customXml/itemProps4.xml><?xml version="1.0" encoding="utf-8"?>
 <ds:datastoreItem xmlns:ds="http://schemas.openxmlformats.org/officeDocument/2006/customXml" ds:itemID="{D9296C4F-9DE9-4B43-AA80-1FC85656CFFA}">
   <ds:schemaRefs>
     <ds:schemaRef ds:uri="http://schemas.microsoft.com/sharepoint/events"/>
   </ds:schemaRefs>
 </ds:datastoreItem>
-</file>
-
-<file path=customXml/itemProps4.xml><?xml version="1.0" encoding="utf-8"?>
-<ds:datastoreItem xmlns:ds="http://schemas.openxmlformats.org/officeDocument/2006/customXml" ds:itemID="{BD9C238D-4D5C-4783-820B-4854DCE45D41}">
-  <ds:schemaRefs>
-    <ds:schemaRef ds:uri="http://schemas.microsoft.com/sharepoint/v3/contenttype/forms"/>
-  </ds:schemaRefs>
-</ds:datastoreItem>
 </file>
--- a/Assicurazioni/Tecniche crittografiche_ita.pptx
+++ b/Assicurazioni/Tecniche crittografiche_ita.pptx
@@ -5,7 +5,7 @@
     <p:sldMasterId id="2147483648" r:id="rId5"/>
   </p:sldMasterIdLst>
   <p:notesMasterIdLst>
-    <p:notesMasterId r:id="rId14"/>
+    <p:notesMasterId r:id="rId18"/>
   </p:notesMasterIdLst>
   <p:sldIdLst>
     <p:sldId id="256" r:id="rId6"/>
@@ -15,7 +15,11 @@
     <p:sldId id="368" r:id="rId10"/>
     <p:sldId id="369" r:id="rId11"/>
     <p:sldId id="370" r:id="rId12"/>
-    <p:sldId id="343" r:id="rId13"/>
+    <p:sldId id="371" r:id="rId13"/>
+    <p:sldId id="373" r:id="rId14"/>
+    <p:sldId id="372" r:id="rId15"/>
+    <p:sldId id="374" r:id="rId16"/>
+    <p:sldId id="343" r:id="rId17"/>
   </p:sldIdLst>
   <p:sldSz cx="12192000" cy="6858000"/>
   <p:notesSz cx="6858000" cy="9144000"/>
@@ -273,7 +277,7 @@
               <a:pPr>
                 <a:defRPr/>
               </a:pPr>
-              <a:t>3/16/2023</a:t>
+              <a:t>4/17/2023</a:t>
             </a:fld>
             <a:endParaRPr lang="en-US"/>
           </a:p>
@@ -6794,6 +6798,1510 @@
 </p:sld>
 </file>
 
+<file path=ppt/slides/slide10.xml><?xml version="1.0" encoding="utf-8"?>
+<p:sld xmlns:a="http://schemas.openxmlformats.org/drawingml/2006/main" xmlns:r="http://schemas.openxmlformats.org/officeDocument/2006/relationships" xmlns:p="http://schemas.openxmlformats.org/presentationml/2006/main">
+  <p:cSld>
+    <p:spTree>
+      <p:nvGrpSpPr>
+        <p:cNvPr id="1" name=""/>
+        <p:cNvGrpSpPr/>
+        <p:nvPr/>
+      </p:nvGrpSpPr>
+      <p:grpSpPr>
+        <a:xfrm>
+          <a:off x="0" y="0"/>
+          <a:ext cx="0" cy="0"/>
+          <a:chOff x="0" y="0"/>
+          <a:chExt cx="0" cy="0"/>
+        </a:xfrm>
+      </p:grpSpPr>
+      <p:sp>
+        <p:nvSpPr>
+          <p:cNvPr id="2" name="Segnaposto testo 1">
+            <a:extLst>
+              <a:ext uri="{FF2B5EF4-FFF2-40B4-BE49-F238E27FC236}">
+                <a16:creationId xmlns:a16="http://schemas.microsoft.com/office/drawing/2014/main" id="{E5AE986C-196F-4141-A898-FA4C4198CDCC}"/>
+              </a:ext>
+            </a:extLst>
+          </p:cNvPr>
+          <p:cNvSpPr>
+            <a:spLocks noGrp="1"/>
+          </p:cNvSpPr>
+          <p:nvPr>
+            <p:ph type="body" idx="1"/>
+          </p:nvPr>
+        </p:nvSpPr>
+        <p:spPr>
+          <a:xfrm>
+            <a:off x="560785" y="1232694"/>
+            <a:ext cx="11070430" cy="4392612"/>
+          </a:xfrm>
+        </p:spPr>
+        <p:txBody>
+          <a:bodyPr/>
+          <a:lstStyle/>
+          <a:p>
+            <a:pPr marL="342900" indent="-342900" algn="l">
+              <a:buFont typeface="Wingdings" panose="05000000000000000000" pitchFamily="2" charset="2"/>
+              <a:buChar char="ü"/>
+            </a:pPr>
+            <a:r>
+              <a:rPr lang="it-IT" sz="2400">
+                <a:solidFill>
+                  <a:schemeClr val="tx1"/>
+                </a:solidFill>
+                <a:latin typeface="Tahoma" panose="020B0604030504040204" pitchFamily="34" charset="0"/>
+                <a:ea typeface="Tahoma" panose="020B0604030504040204" pitchFamily="34" charset="0"/>
+                <a:cs typeface="Tahoma" panose="020B0604030504040204" pitchFamily="34" charset="0"/>
+              </a:rPr>
+              <a:t>Inoltre la </a:t>
+            </a:r>
+            <a:r>
+              <a:rPr lang="it-IT" sz="2400" b="1">
+                <a:solidFill>
+                  <a:schemeClr val="tx1"/>
+                </a:solidFill>
+                <a:latin typeface="Tahoma" panose="020B0604030504040204" pitchFamily="34" charset="0"/>
+                <a:ea typeface="Tahoma" panose="020B0604030504040204" pitchFamily="34" charset="0"/>
+                <a:cs typeface="Tahoma" panose="020B0604030504040204" pitchFamily="34" charset="0"/>
+              </a:rPr>
+              <a:t>crittografia</a:t>
+            </a:r>
+            <a:r>
+              <a:rPr lang="it-IT" sz="2400">
+                <a:solidFill>
+                  <a:schemeClr val="tx1"/>
+                </a:solidFill>
+                <a:latin typeface="Tahoma" panose="020B0604030504040204" pitchFamily="34" charset="0"/>
+                <a:ea typeface="Tahoma" panose="020B0604030504040204" pitchFamily="34" charset="0"/>
+                <a:cs typeface="Tahoma" panose="020B0604030504040204" pitchFamily="34" charset="0"/>
+              </a:rPr>
+              <a:t> </a:t>
+            </a:r>
+            <a:r>
+              <a:rPr lang="it-IT" sz="2400" b="1">
+                <a:solidFill>
+                  <a:schemeClr val="tx1"/>
+                </a:solidFill>
+                <a:latin typeface="Tahoma" panose="020B0604030504040204" pitchFamily="34" charset="0"/>
+                <a:ea typeface="Tahoma" panose="020B0604030504040204" pitchFamily="34" charset="0"/>
+                <a:cs typeface="Tahoma" panose="020B0604030504040204" pitchFamily="34" charset="0"/>
+              </a:rPr>
+              <a:t>asimmetrica</a:t>
+            </a:r>
+            <a:r>
+              <a:rPr lang="it-IT" sz="2400">
+                <a:solidFill>
+                  <a:schemeClr val="tx1"/>
+                </a:solidFill>
+                <a:latin typeface="Tahoma" panose="020B0604030504040204" pitchFamily="34" charset="0"/>
+                <a:ea typeface="Tahoma" panose="020B0604030504040204" pitchFamily="34" charset="0"/>
+                <a:cs typeface="Tahoma" panose="020B0604030504040204" pitchFamily="34" charset="0"/>
+              </a:rPr>
+              <a:t> riesce più facilmente a garantire l’integrità e </a:t>
+            </a:r>
+            <a:r>
+              <a:rPr lang="it-IT" sz="2400" b="1">
+                <a:solidFill>
+                  <a:schemeClr val="tx1"/>
+                </a:solidFill>
+                <a:latin typeface="Tahoma" panose="020B0604030504040204" pitchFamily="34" charset="0"/>
+                <a:ea typeface="Tahoma" panose="020B0604030504040204" pitchFamily="34" charset="0"/>
+                <a:cs typeface="Tahoma" panose="020B0604030504040204" pitchFamily="34" charset="0"/>
+              </a:rPr>
+              <a:t>autenticità</a:t>
+            </a:r>
+            <a:r>
+              <a:rPr lang="it-IT" sz="2400">
+                <a:solidFill>
+                  <a:schemeClr val="tx1"/>
+                </a:solidFill>
+                <a:latin typeface="Tahoma" panose="020B0604030504040204" pitchFamily="34" charset="0"/>
+                <a:ea typeface="Tahoma" panose="020B0604030504040204" pitchFamily="34" charset="0"/>
+                <a:cs typeface="Tahoma" panose="020B0604030504040204" pitchFamily="34" charset="0"/>
+              </a:rPr>
+              <a:t> dei dati e il non ripudio da parte del </a:t>
+            </a:r>
+            <a:r>
+              <a:rPr lang="it-IT" sz="2400" b="1">
+                <a:solidFill>
+                  <a:schemeClr val="tx1"/>
+                </a:solidFill>
+                <a:latin typeface="Tahoma" panose="020B0604030504040204" pitchFamily="34" charset="0"/>
+                <a:ea typeface="Tahoma" panose="020B0604030504040204" pitchFamily="34" charset="0"/>
+                <a:cs typeface="Tahoma" panose="020B0604030504040204" pitchFamily="34" charset="0"/>
+              </a:rPr>
+              <a:t>mittente</a:t>
+            </a:r>
+            <a:r>
+              <a:rPr lang="it-IT" sz="2400">
+                <a:solidFill>
+                  <a:schemeClr val="tx1"/>
+                </a:solidFill>
+                <a:latin typeface="Tahoma" panose="020B0604030504040204" pitchFamily="34" charset="0"/>
+                <a:ea typeface="Tahoma" panose="020B0604030504040204" pitchFamily="34" charset="0"/>
+                <a:cs typeface="Tahoma" panose="020B0604030504040204" pitchFamily="34" charset="0"/>
+              </a:rPr>
+              <a:t>.</a:t>
+            </a:r>
+          </a:p>
+          <a:p>
+            <a:pPr marL="342900" indent="-342900" algn="l">
+              <a:buFont typeface="Wingdings" panose="05000000000000000000" pitchFamily="2" charset="2"/>
+              <a:buChar char="ü"/>
+            </a:pPr>
+            <a:r>
+              <a:rPr lang="it-IT" sz="2400">
+                <a:solidFill>
+                  <a:schemeClr val="tx1"/>
+                </a:solidFill>
+                <a:latin typeface="Tahoma" panose="020B0604030504040204" pitchFamily="34" charset="0"/>
+                <a:ea typeface="Tahoma" panose="020B0604030504040204" pitchFamily="34" charset="0"/>
+                <a:cs typeface="Tahoma" panose="020B0604030504040204" pitchFamily="34" charset="0"/>
+              </a:rPr>
+              <a:t>Parlando invece di </a:t>
+            </a:r>
+            <a:r>
+              <a:rPr lang="it-IT" sz="2400" b="1">
+                <a:solidFill>
+                  <a:schemeClr val="tx1"/>
+                </a:solidFill>
+                <a:latin typeface="Tahoma" panose="020B0604030504040204" pitchFamily="34" charset="0"/>
+                <a:ea typeface="Tahoma" panose="020B0604030504040204" pitchFamily="34" charset="0"/>
+                <a:cs typeface="Tahoma" panose="020B0604030504040204" pitchFamily="34" charset="0"/>
+              </a:rPr>
+              <a:t>svantaggi</a:t>
+            </a:r>
+            <a:r>
+              <a:rPr lang="it-IT" sz="2400">
+                <a:solidFill>
+                  <a:schemeClr val="tx1"/>
+                </a:solidFill>
+                <a:latin typeface="Tahoma" panose="020B0604030504040204" pitchFamily="34" charset="0"/>
+                <a:ea typeface="Tahoma" panose="020B0604030504040204" pitchFamily="34" charset="0"/>
+                <a:cs typeface="Tahoma" panose="020B0604030504040204" pitchFamily="34" charset="0"/>
+              </a:rPr>
+              <a:t>, è importante sottolineare che le due </a:t>
+            </a:r>
+            <a:r>
+              <a:rPr lang="it-IT" sz="2400" b="1">
+                <a:solidFill>
+                  <a:schemeClr val="tx1"/>
+                </a:solidFill>
+                <a:latin typeface="Tahoma" panose="020B0604030504040204" pitchFamily="34" charset="0"/>
+                <a:ea typeface="Tahoma" panose="020B0604030504040204" pitchFamily="34" charset="0"/>
+                <a:cs typeface="Tahoma" panose="020B0604030504040204" pitchFamily="34" charset="0"/>
+              </a:rPr>
+              <a:t>chiavi</a:t>
+            </a:r>
+            <a:r>
+              <a:rPr lang="it-IT" sz="2400">
+                <a:solidFill>
+                  <a:schemeClr val="tx1"/>
+                </a:solidFill>
+                <a:latin typeface="Tahoma" panose="020B0604030504040204" pitchFamily="34" charset="0"/>
+                <a:ea typeface="Tahoma" panose="020B0604030504040204" pitchFamily="34" charset="0"/>
+                <a:cs typeface="Tahoma" panose="020B0604030504040204" pitchFamily="34" charset="0"/>
+              </a:rPr>
+              <a:t> sono correlate tramite determinati </a:t>
+            </a:r>
+            <a:r>
+              <a:rPr lang="it-IT" sz="2400" b="1">
+                <a:solidFill>
+                  <a:schemeClr val="tx1"/>
+                </a:solidFill>
+                <a:latin typeface="Tahoma" panose="020B0604030504040204" pitchFamily="34" charset="0"/>
+                <a:ea typeface="Tahoma" panose="020B0604030504040204" pitchFamily="34" charset="0"/>
+                <a:cs typeface="Tahoma" panose="020B0604030504040204" pitchFamily="34" charset="0"/>
+              </a:rPr>
+              <a:t>schemi</a:t>
+            </a:r>
+            <a:r>
+              <a:rPr lang="it-IT" sz="2400">
+                <a:solidFill>
+                  <a:schemeClr val="tx1"/>
+                </a:solidFill>
+                <a:latin typeface="Tahoma" panose="020B0604030504040204" pitchFamily="34" charset="0"/>
+                <a:ea typeface="Tahoma" panose="020B0604030504040204" pitchFamily="34" charset="0"/>
+                <a:cs typeface="Tahoma" panose="020B0604030504040204" pitchFamily="34" charset="0"/>
+              </a:rPr>
+              <a:t> </a:t>
+            </a:r>
+            <a:r>
+              <a:rPr lang="it-IT" sz="2400" b="1">
+                <a:solidFill>
+                  <a:schemeClr val="tx1"/>
+                </a:solidFill>
+                <a:latin typeface="Tahoma" panose="020B0604030504040204" pitchFamily="34" charset="0"/>
+                <a:ea typeface="Tahoma" panose="020B0604030504040204" pitchFamily="34" charset="0"/>
+                <a:cs typeface="Tahoma" panose="020B0604030504040204" pitchFamily="34" charset="0"/>
+              </a:rPr>
+              <a:t>matematici</a:t>
+            </a:r>
+            <a:r>
+              <a:rPr lang="it-IT" sz="2400">
+                <a:solidFill>
+                  <a:schemeClr val="tx1"/>
+                </a:solidFill>
+                <a:latin typeface="Tahoma" panose="020B0604030504040204" pitchFamily="34" charset="0"/>
+                <a:ea typeface="Tahoma" panose="020B0604030504040204" pitchFamily="34" charset="0"/>
+                <a:cs typeface="Tahoma" panose="020B0604030504040204" pitchFamily="34" charset="0"/>
+              </a:rPr>
+              <a:t>: le chiavi vengono generate grazie a dei </a:t>
+            </a:r>
+            <a:r>
+              <a:rPr lang="it-IT" sz="2400" b="1">
+                <a:solidFill>
+                  <a:schemeClr val="tx1"/>
+                </a:solidFill>
+                <a:latin typeface="Tahoma" panose="020B0604030504040204" pitchFamily="34" charset="0"/>
+                <a:ea typeface="Tahoma" panose="020B0604030504040204" pitchFamily="34" charset="0"/>
+                <a:cs typeface="Tahoma" panose="020B0604030504040204" pitchFamily="34" charset="0"/>
+              </a:rPr>
+              <a:t>calcoli</a:t>
+            </a:r>
+            <a:r>
+              <a:rPr lang="it-IT" sz="2400">
+                <a:solidFill>
+                  <a:schemeClr val="tx1"/>
+                </a:solidFill>
+                <a:latin typeface="Tahoma" panose="020B0604030504040204" pitchFamily="34" charset="0"/>
+                <a:ea typeface="Tahoma" panose="020B0604030504040204" pitchFamily="34" charset="0"/>
+                <a:cs typeface="Tahoma" panose="020B0604030504040204" pitchFamily="34" charset="0"/>
+              </a:rPr>
+              <a:t> </a:t>
+            </a:r>
+            <a:r>
+              <a:rPr lang="it-IT" sz="2400" b="1">
+                <a:solidFill>
+                  <a:schemeClr val="tx1"/>
+                </a:solidFill>
+                <a:latin typeface="Tahoma" panose="020B0604030504040204" pitchFamily="34" charset="0"/>
+                <a:ea typeface="Tahoma" panose="020B0604030504040204" pitchFamily="34" charset="0"/>
+                <a:cs typeface="Tahoma" panose="020B0604030504040204" pitchFamily="34" charset="0"/>
+              </a:rPr>
+              <a:t>predefiniti</a:t>
+            </a:r>
+            <a:r>
+              <a:rPr lang="it-IT" sz="2400">
+                <a:solidFill>
+                  <a:schemeClr val="tx1"/>
+                </a:solidFill>
+                <a:latin typeface="Tahoma" panose="020B0604030504040204" pitchFamily="34" charset="0"/>
+                <a:ea typeface="Tahoma" panose="020B0604030504040204" pitchFamily="34" charset="0"/>
+                <a:cs typeface="Tahoma" panose="020B0604030504040204" pitchFamily="34" charset="0"/>
+              </a:rPr>
+              <a:t> che potrebbero essere sfruttati dagli </a:t>
+            </a:r>
+            <a:r>
+              <a:rPr lang="it-IT" sz="2400" b="1">
+                <a:solidFill>
+                  <a:schemeClr val="tx1"/>
+                </a:solidFill>
+                <a:latin typeface="Tahoma" panose="020B0604030504040204" pitchFamily="34" charset="0"/>
+                <a:ea typeface="Tahoma" panose="020B0604030504040204" pitchFamily="34" charset="0"/>
+                <a:cs typeface="Tahoma" panose="020B0604030504040204" pitchFamily="34" charset="0"/>
+              </a:rPr>
+              <a:t>hacker</a:t>
+            </a:r>
+            <a:r>
+              <a:rPr lang="it-IT" sz="2400">
+                <a:solidFill>
+                  <a:schemeClr val="tx1"/>
+                </a:solidFill>
+                <a:latin typeface="Tahoma" panose="020B0604030504040204" pitchFamily="34" charset="0"/>
+                <a:ea typeface="Tahoma" panose="020B0604030504040204" pitchFamily="34" charset="0"/>
+                <a:cs typeface="Tahoma" panose="020B0604030504040204" pitchFamily="34" charset="0"/>
+              </a:rPr>
+              <a:t> per forzare la </a:t>
+            </a:r>
+            <a:r>
+              <a:rPr lang="it-IT" sz="2400" b="1">
+                <a:solidFill>
+                  <a:schemeClr val="tx1"/>
+                </a:solidFill>
+                <a:latin typeface="Tahoma" panose="020B0604030504040204" pitchFamily="34" charset="0"/>
+                <a:ea typeface="Tahoma" panose="020B0604030504040204" pitchFamily="34" charset="0"/>
+                <a:cs typeface="Tahoma" panose="020B0604030504040204" pitchFamily="34" charset="0"/>
+              </a:rPr>
+              <a:t>cifratura</a:t>
+            </a:r>
+            <a:r>
+              <a:rPr lang="it-IT" sz="2400">
+                <a:solidFill>
+                  <a:schemeClr val="tx1"/>
+                </a:solidFill>
+                <a:latin typeface="Tahoma" panose="020B0604030504040204" pitchFamily="34" charset="0"/>
+                <a:ea typeface="Tahoma" panose="020B0604030504040204" pitchFamily="34" charset="0"/>
+                <a:cs typeface="Tahoma" panose="020B0604030504040204" pitchFamily="34" charset="0"/>
+              </a:rPr>
+              <a:t>.</a:t>
+            </a:r>
+          </a:p>
+          <a:p>
+            <a:pPr marL="342900" indent="-342900" algn="l">
+              <a:buFont typeface="Wingdings" panose="05000000000000000000" pitchFamily="2" charset="2"/>
+              <a:buChar char="ü"/>
+            </a:pPr>
+            <a:r>
+              <a:rPr lang="it-IT" sz="2400">
+                <a:solidFill>
+                  <a:schemeClr val="tx1"/>
+                </a:solidFill>
+                <a:latin typeface="Tahoma" panose="020B0604030504040204" pitchFamily="34" charset="0"/>
+                <a:ea typeface="Tahoma" panose="020B0604030504040204" pitchFamily="34" charset="0"/>
+                <a:cs typeface="Tahoma" panose="020B0604030504040204" pitchFamily="34" charset="0"/>
+              </a:rPr>
+              <a:t>Per ovviare a questa </a:t>
+            </a:r>
+            <a:r>
+              <a:rPr lang="it-IT" sz="2400" b="1">
+                <a:solidFill>
+                  <a:schemeClr val="tx1"/>
+                </a:solidFill>
+                <a:latin typeface="Tahoma" panose="020B0604030504040204" pitchFamily="34" charset="0"/>
+                <a:ea typeface="Tahoma" panose="020B0604030504040204" pitchFamily="34" charset="0"/>
+                <a:cs typeface="Tahoma" panose="020B0604030504040204" pitchFamily="34" charset="0"/>
+              </a:rPr>
+              <a:t>eventualità</a:t>
+            </a:r>
+            <a:r>
+              <a:rPr lang="it-IT" sz="2400">
+                <a:solidFill>
+                  <a:schemeClr val="tx1"/>
+                </a:solidFill>
+                <a:latin typeface="Tahoma" panose="020B0604030504040204" pitchFamily="34" charset="0"/>
+                <a:ea typeface="Tahoma" panose="020B0604030504040204" pitchFamily="34" charset="0"/>
+                <a:cs typeface="Tahoma" panose="020B0604030504040204" pitchFamily="34" charset="0"/>
+              </a:rPr>
+              <a:t>, le chiavi della </a:t>
+            </a:r>
+            <a:r>
+              <a:rPr lang="it-IT" sz="2400" b="1">
+                <a:solidFill>
+                  <a:schemeClr val="tx1"/>
+                </a:solidFill>
+                <a:latin typeface="Tahoma" panose="020B0604030504040204" pitchFamily="34" charset="0"/>
+                <a:ea typeface="Tahoma" panose="020B0604030504040204" pitchFamily="34" charset="0"/>
+                <a:cs typeface="Tahoma" panose="020B0604030504040204" pitchFamily="34" charset="0"/>
+              </a:rPr>
+              <a:t>crittografia asimmetrica</a:t>
+            </a:r>
+            <a:r>
+              <a:rPr lang="it-IT" sz="2400">
+                <a:solidFill>
+                  <a:schemeClr val="tx1"/>
+                </a:solidFill>
+                <a:latin typeface="Tahoma" panose="020B0604030504040204" pitchFamily="34" charset="0"/>
+                <a:ea typeface="Tahoma" panose="020B0604030504040204" pitchFamily="34" charset="0"/>
+                <a:cs typeface="Tahoma" panose="020B0604030504040204" pitchFamily="34" charset="0"/>
+              </a:rPr>
+              <a:t> sono quindi molto </a:t>
+            </a:r>
+            <a:r>
+              <a:rPr lang="it-IT" sz="2400" b="1">
+                <a:solidFill>
+                  <a:schemeClr val="tx1"/>
+                </a:solidFill>
+                <a:latin typeface="Tahoma" panose="020B0604030504040204" pitchFamily="34" charset="0"/>
+                <a:ea typeface="Tahoma" panose="020B0604030504040204" pitchFamily="34" charset="0"/>
+                <a:cs typeface="Tahoma" panose="020B0604030504040204" pitchFamily="34" charset="0"/>
+              </a:rPr>
+              <a:t>lunghe</a:t>
+            </a:r>
+            <a:r>
+              <a:rPr lang="it-IT" sz="2400">
+                <a:solidFill>
+                  <a:schemeClr val="tx1"/>
+                </a:solidFill>
+                <a:latin typeface="Tahoma" panose="020B0604030504040204" pitchFamily="34" charset="0"/>
+                <a:ea typeface="Tahoma" panose="020B0604030504040204" pitchFamily="34" charset="0"/>
+                <a:cs typeface="Tahoma" panose="020B0604030504040204" pitchFamily="34" charset="0"/>
+              </a:rPr>
+              <a:t> e </a:t>
+            </a:r>
+            <a:r>
+              <a:rPr lang="it-IT" sz="2400" b="1">
+                <a:solidFill>
+                  <a:schemeClr val="tx1"/>
+                </a:solidFill>
+                <a:latin typeface="Tahoma" panose="020B0604030504040204" pitchFamily="34" charset="0"/>
+                <a:ea typeface="Tahoma" panose="020B0604030504040204" pitchFamily="34" charset="0"/>
+                <a:cs typeface="Tahoma" panose="020B0604030504040204" pitchFamily="34" charset="0"/>
+              </a:rPr>
+              <a:t>complesse</a:t>
+            </a:r>
+            <a:r>
+              <a:rPr lang="it-IT" sz="2400">
+                <a:solidFill>
+                  <a:schemeClr val="tx1"/>
+                </a:solidFill>
+                <a:latin typeface="Tahoma" panose="020B0604030504040204" pitchFamily="34" charset="0"/>
+                <a:ea typeface="Tahoma" panose="020B0604030504040204" pitchFamily="34" charset="0"/>
+                <a:cs typeface="Tahoma" panose="020B0604030504040204" pitchFamily="34" charset="0"/>
+              </a:rPr>
+              <a:t>, rendendo più sicuro il sistema ma allo stesso tempo </a:t>
+            </a:r>
+            <a:r>
+              <a:rPr lang="it-IT" sz="2400" b="1">
+                <a:solidFill>
+                  <a:schemeClr val="tx1"/>
+                </a:solidFill>
+                <a:latin typeface="Tahoma" panose="020B0604030504040204" pitchFamily="34" charset="0"/>
+                <a:ea typeface="Tahoma" panose="020B0604030504040204" pitchFamily="34" charset="0"/>
+                <a:cs typeface="Tahoma" panose="020B0604030504040204" pitchFamily="34" charset="0"/>
+              </a:rPr>
+              <a:t>rallentando</a:t>
+            </a:r>
+            <a:r>
+              <a:rPr lang="it-IT" sz="2400">
+                <a:solidFill>
+                  <a:schemeClr val="tx1"/>
+                </a:solidFill>
+                <a:latin typeface="Tahoma" panose="020B0604030504040204" pitchFamily="34" charset="0"/>
+                <a:ea typeface="Tahoma" panose="020B0604030504040204" pitchFamily="34" charset="0"/>
+                <a:cs typeface="Tahoma" panose="020B0604030504040204" pitchFamily="34" charset="0"/>
+              </a:rPr>
+              <a:t> </a:t>
+            </a:r>
+            <a:r>
+              <a:rPr lang="it-IT" sz="2400" b="1">
+                <a:solidFill>
+                  <a:schemeClr val="tx1"/>
+                </a:solidFill>
+                <a:latin typeface="Tahoma" panose="020B0604030504040204" pitchFamily="34" charset="0"/>
+                <a:ea typeface="Tahoma" panose="020B0604030504040204" pitchFamily="34" charset="0"/>
+                <a:cs typeface="Tahoma" panose="020B0604030504040204" pitchFamily="34" charset="0"/>
+              </a:rPr>
+              <a:t>il</a:t>
+            </a:r>
+            <a:r>
+              <a:rPr lang="it-IT" sz="2400">
+                <a:solidFill>
+                  <a:schemeClr val="tx1"/>
+                </a:solidFill>
+                <a:latin typeface="Tahoma" panose="020B0604030504040204" pitchFamily="34" charset="0"/>
+                <a:ea typeface="Tahoma" panose="020B0604030504040204" pitchFamily="34" charset="0"/>
+                <a:cs typeface="Tahoma" panose="020B0604030504040204" pitchFamily="34" charset="0"/>
+              </a:rPr>
+              <a:t> </a:t>
+            </a:r>
+            <a:r>
+              <a:rPr lang="it-IT" sz="2400" b="1">
+                <a:solidFill>
+                  <a:schemeClr val="tx1"/>
+                </a:solidFill>
+                <a:latin typeface="Tahoma" panose="020B0604030504040204" pitchFamily="34" charset="0"/>
+                <a:ea typeface="Tahoma" panose="020B0604030504040204" pitchFamily="34" charset="0"/>
+                <a:cs typeface="Tahoma" panose="020B0604030504040204" pitchFamily="34" charset="0"/>
+              </a:rPr>
+              <a:t>funzionamento</a:t>
+            </a:r>
+            <a:r>
+              <a:rPr lang="it-IT" sz="2400">
+                <a:solidFill>
+                  <a:schemeClr val="tx1"/>
+                </a:solidFill>
+                <a:latin typeface="Tahoma" panose="020B0604030504040204" pitchFamily="34" charset="0"/>
+                <a:ea typeface="Tahoma" panose="020B0604030504040204" pitchFamily="34" charset="0"/>
+                <a:cs typeface="Tahoma" panose="020B0604030504040204" pitchFamily="34" charset="0"/>
+              </a:rPr>
+              <a:t> della crittografia nel suo insieme.</a:t>
+            </a:r>
+          </a:p>
+          <a:p>
+            <a:pPr marL="342900" indent="-342900" algn="l">
+              <a:buFont typeface="Wingdings" panose="05000000000000000000" pitchFamily="2" charset="2"/>
+              <a:buChar char="ü"/>
+            </a:pPr>
+            <a:r>
+              <a:rPr lang="it-IT" sz="2400">
+                <a:solidFill>
+                  <a:schemeClr val="tx1"/>
+                </a:solidFill>
+                <a:latin typeface="Tahoma" panose="020B0604030504040204" pitchFamily="34" charset="0"/>
+                <a:ea typeface="Tahoma" panose="020B0604030504040204" pitchFamily="34" charset="0"/>
+                <a:cs typeface="Tahoma" panose="020B0604030504040204" pitchFamily="34" charset="0"/>
+              </a:rPr>
+              <a:t>Infine non c’è alcuna </a:t>
+            </a:r>
+            <a:r>
+              <a:rPr lang="it-IT" sz="2400" b="1">
+                <a:solidFill>
+                  <a:schemeClr val="tx1"/>
+                </a:solidFill>
+                <a:latin typeface="Tahoma" panose="020B0604030504040204" pitchFamily="34" charset="0"/>
+                <a:ea typeface="Tahoma" panose="020B0604030504040204" pitchFamily="34" charset="0"/>
+                <a:cs typeface="Tahoma" panose="020B0604030504040204" pitchFamily="34" charset="0"/>
+              </a:rPr>
+              <a:t>garanzia</a:t>
+            </a:r>
+            <a:r>
+              <a:rPr lang="it-IT" sz="2400">
+                <a:solidFill>
+                  <a:schemeClr val="tx1"/>
+                </a:solidFill>
+                <a:latin typeface="Tahoma" panose="020B0604030504040204" pitchFamily="34" charset="0"/>
+                <a:ea typeface="Tahoma" panose="020B0604030504040204" pitchFamily="34" charset="0"/>
+                <a:cs typeface="Tahoma" panose="020B0604030504040204" pitchFamily="34" charset="0"/>
+              </a:rPr>
+              <a:t> che una </a:t>
+            </a:r>
+            <a:r>
+              <a:rPr lang="it-IT" sz="2400" b="1">
+                <a:solidFill>
+                  <a:schemeClr val="tx1"/>
+                </a:solidFill>
+                <a:latin typeface="Tahoma" panose="020B0604030504040204" pitchFamily="34" charset="0"/>
+                <a:ea typeface="Tahoma" panose="020B0604030504040204" pitchFamily="34" charset="0"/>
+                <a:cs typeface="Tahoma" panose="020B0604030504040204" pitchFamily="34" charset="0"/>
+              </a:rPr>
+              <a:t>chiave</a:t>
+            </a:r>
+            <a:r>
+              <a:rPr lang="it-IT" sz="2400">
+                <a:solidFill>
+                  <a:schemeClr val="tx1"/>
+                </a:solidFill>
+                <a:latin typeface="Tahoma" panose="020B0604030504040204" pitchFamily="34" charset="0"/>
+                <a:ea typeface="Tahoma" panose="020B0604030504040204" pitchFamily="34" charset="0"/>
+                <a:cs typeface="Tahoma" panose="020B0604030504040204" pitchFamily="34" charset="0"/>
+              </a:rPr>
+              <a:t> appartenga realmente alla </a:t>
+            </a:r>
+            <a:r>
+              <a:rPr lang="it-IT" sz="2400" b="1">
+                <a:solidFill>
+                  <a:schemeClr val="tx1"/>
+                </a:solidFill>
+                <a:latin typeface="Tahoma" panose="020B0604030504040204" pitchFamily="34" charset="0"/>
+                <a:ea typeface="Tahoma" panose="020B0604030504040204" pitchFamily="34" charset="0"/>
+                <a:cs typeface="Tahoma" panose="020B0604030504040204" pitchFamily="34" charset="0"/>
+              </a:rPr>
+              <a:t>persona</a:t>
+            </a:r>
+            <a:r>
+              <a:rPr lang="it-IT" sz="2400">
+                <a:solidFill>
+                  <a:schemeClr val="tx1"/>
+                </a:solidFill>
+                <a:latin typeface="Tahoma" panose="020B0604030504040204" pitchFamily="34" charset="0"/>
+                <a:ea typeface="Tahoma" panose="020B0604030504040204" pitchFamily="34" charset="0"/>
+                <a:cs typeface="Tahoma" panose="020B0604030504040204" pitchFamily="34" charset="0"/>
+              </a:rPr>
+              <a:t> </a:t>
+            </a:r>
+            <a:r>
+              <a:rPr lang="it-IT" sz="2400" b="1">
+                <a:solidFill>
+                  <a:schemeClr val="tx1"/>
+                </a:solidFill>
+                <a:latin typeface="Tahoma" panose="020B0604030504040204" pitchFamily="34" charset="0"/>
+                <a:ea typeface="Tahoma" panose="020B0604030504040204" pitchFamily="34" charset="0"/>
+                <a:cs typeface="Tahoma" panose="020B0604030504040204" pitchFamily="34" charset="0"/>
+              </a:rPr>
+              <a:t>designata</a:t>
+            </a:r>
+            <a:r>
+              <a:rPr lang="it-IT" sz="2400">
+                <a:solidFill>
+                  <a:schemeClr val="tx1"/>
+                </a:solidFill>
+                <a:latin typeface="Tahoma" panose="020B0604030504040204" pitchFamily="34" charset="0"/>
+                <a:ea typeface="Tahoma" panose="020B0604030504040204" pitchFamily="34" charset="0"/>
+                <a:cs typeface="Tahoma" panose="020B0604030504040204" pitchFamily="34" charset="0"/>
+              </a:rPr>
+              <a:t> e non è raro finire nel mirino di </a:t>
+            </a:r>
+            <a:r>
+              <a:rPr lang="it-IT" sz="2400" b="1">
+                <a:solidFill>
+                  <a:schemeClr val="tx1"/>
+                </a:solidFill>
+                <a:latin typeface="Tahoma" panose="020B0604030504040204" pitchFamily="34" charset="0"/>
+                <a:ea typeface="Tahoma" panose="020B0604030504040204" pitchFamily="34" charset="0"/>
+                <a:cs typeface="Tahoma" panose="020B0604030504040204" pitchFamily="34" charset="0"/>
+              </a:rPr>
+              <a:t>attacchi</a:t>
+            </a:r>
+            <a:r>
+              <a:rPr lang="it-IT" sz="2400">
+                <a:solidFill>
+                  <a:schemeClr val="tx1"/>
+                </a:solidFill>
+                <a:latin typeface="Tahoma" panose="020B0604030504040204" pitchFamily="34" charset="0"/>
+                <a:ea typeface="Tahoma" panose="020B0604030504040204" pitchFamily="34" charset="0"/>
+                <a:cs typeface="Tahoma" panose="020B0604030504040204" pitchFamily="34" charset="0"/>
+              </a:rPr>
+              <a:t> </a:t>
+            </a:r>
+            <a:r>
+              <a:rPr lang="it-IT" sz="2400" b="1">
+                <a:solidFill>
+                  <a:schemeClr val="tx1"/>
+                </a:solidFill>
+                <a:latin typeface="Tahoma" panose="020B0604030504040204" pitchFamily="34" charset="0"/>
+                <a:ea typeface="Tahoma" panose="020B0604030504040204" pitchFamily="34" charset="0"/>
+                <a:cs typeface="Tahoma" panose="020B0604030504040204" pitchFamily="34" charset="0"/>
+              </a:rPr>
+              <a:t>"man in the middle e spoofing"</a:t>
+            </a:r>
+            <a:r>
+              <a:rPr lang="it-IT" sz="2400">
+                <a:solidFill>
+                  <a:schemeClr val="tx1"/>
+                </a:solidFill>
+                <a:latin typeface="Tahoma" panose="020B0604030504040204" pitchFamily="34" charset="0"/>
+                <a:ea typeface="Tahoma" panose="020B0604030504040204" pitchFamily="34" charset="0"/>
+                <a:cs typeface="Tahoma" panose="020B0604030504040204" pitchFamily="34" charset="0"/>
+              </a:rPr>
+              <a:t>.</a:t>
+            </a:r>
+          </a:p>
+        </p:txBody>
+      </p:sp>
+      <p:sp>
+        <p:nvSpPr>
+          <p:cNvPr id="7" name="Segnaposto numero diapositiva 6">
+            <a:extLst>
+              <a:ext uri="{FF2B5EF4-FFF2-40B4-BE49-F238E27FC236}">
+                <a16:creationId xmlns:a16="http://schemas.microsoft.com/office/drawing/2014/main" id="{AB740BE9-E218-4144-BFDE-AE473D230A3D}"/>
+              </a:ext>
+            </a:extLst>
+          </p:cNvPr>
+          <p:cNvSpPr>
+            <a:spLocks noGrp="1"/>
+          </p:cNvSpPr>
+          <p:nvPr>
+            <p:ph type="sldNum" sz="quarter" idx="12"/>
+          </p:nvPr>
+        </p:nvSpPr>
+        <p:spPr/>
+        <p:txBody>
+          <a:bodyPr/>
+          <a:lstStyle/>
+          <a:p>
+            <a:pPr>
+              <a:defRPr/>
+            </a:pPr>
+            <a:fld id="{48B4153A-D4C5-4CEF-8992-0D8815C829E3}" type="slidenum">
+              <a:rPr lang="en-US" smtClean="0"/>
+              <a:pPr>
+                <a:defRPr/>
+              </a:pPr>
+              <a:t>10</a:t>
+            </a:fld>
+            <a:endParaRPr lang="en-US" dirty="0"/>
+          </a:p>
+        </p:txBody>
+      </p:sp>
+      <p:sp>
+        <p:nvSpPr>
+          <p:cNvPr id="6" name="Titolo 4">
+            <a:extLst>
+              <a:ext uri="{FF2B5EF4-FFF2-40B4-BE49-F238E27FC236}">
+                <a16:creationId xmlns:a16="http://schemas.microsoft.com/office/drawing/2014/main" id="{CF9A4806-60B4-80DC-1F76-D2EB3E6C376B}"/>
+              </a:ext>
+            </a:extLst>
+          </p:cNvPr>
+          <p:cNvSpPr>
+            <a:spLocks noGrp="1"/>
+          </p:cNvSpPr>
+          <p:nvPr>
+            <p:ph type="title"/>
+          </p:nvPr>
+        </p:nvSpPr>
+        <p:spPr>
+          <a:xfrm>
+            <a:off x="461169" y="422999"/>
+            <a:ext cx="11269662" cy="384721"/>
+          </a:xfrm>
+        </p:spPr>
+        <p:txBody>
+          <a:bodyPr/>
+          <a:lstStyle/>
+          <a:p>
+            <a:r>
+              <a:rPr lang="it-IT" sz="2800">
+                <a:solidFill>
+                  <a:schemeClr val="tx1"/>
+                </a:solidFill>
+                <a:latin typeface="Tahoma" panose="020B0604030504040204" pitchFamily="34" charset="0"/>
+                <a:ea typeface="Tahoma" panose="020B0604030504040204" pitchFamily="34" charset="0"/>
+                <a:cs typeface="Tahoma" panose="020B0604030504040204" pitchFamily="34" charset="0"/>
+              </a:rPr>
+              <a:t>Crittografia asimmetrica</a:t>
+            </a:r>
+            <a:endParaRPr lang="it-IT" dirty="0"/>
+          </a:p>
+        </p:txBody>
+      </p:sp>
+    </p:spTree>
+    <p:extLst>
+      <p:ext uri="{BB962C8B-B14F-4D97-AF65-F5344CB8AC3E}">
+        <p14:creationId xmlns:p14="http://schemas.microsoft.com/office/powerpoint/2010/main" val="1243484906"/>
+      </p:ext>
+    </p:extLst>
+  </p:cSld>
+  <p:clrMapOvr>
+    <a:masterClrMapping/>
+  </p:clrMapOvr>
+</p:sld>
+</file>
+
+<file path=ppt/slides/slide11.xml><?xml version="1.0" encoding="utf-8"?>
+<p:sld xmlns:a="http://schemas.openxmlformats.org/drawingml/2006/main" xmlns:r="http://schemas.openxmlformats.org/officeDocument/2006/relationships" xmlns:p="http://schemas.openxmlformats.org/presentationml/2006/main">
+  <p:cSld>
+    <p:spTree>
+      <p:nvGrpSpPr>
+        <p:cNvPr id="1" name=""/>
+        <p:cNvGrpSpPr/>
+        <p:nvPr/>
+      </p:nvGrpSpPr>
+      <p:grpSpPr>
+        <a:xfrm>
+          <a:off x="0" y="0"/>
+          <a:ext cx="0" cy="0"/>
+          <a:chOff x="0" y="0"/>
+          <a:chExt cx="0" cy="0"/>
+        </a:xfrm>
+      </p:grpSpPr>
+      <p:sp>
+        <p:nvSpPr>
+          <p:cNvPr id="2" name="Segnaposto testo 1">
+            <a:extLst>
+              <a:ext uri="{FF2B5EF4-FFF2-40B4-BE49-F238E27FC236}">
+                <a16:creationId xmlns:a16="http://schemas.microsoft.com/office/drawing/2014/main" id="{E5AE986C-196F-4141-A898-FA4C4198CDCC}"/>
+              </a:ext>
+            </a:extLst>
+          </p:cNvPr>
+          <p:cNvSpPr>
+            <a:spLocks noGrp="1"/>
+          </p:cNvSpPr>
+          <p:nvPr>
+            <p:ph type="body" idx="1"/>
+          </p:nvPr>
+        </p:nvSpPr>
+        <p:spPr>
+          <a:xfrm>
+            <a:off x="560785" y="1232694"/>
+            <a:ext cx="8340328" cy="4392612"/>
+          </a:xfrm>
+        </p:spPr>
+        <p:txBody>
+          <a:bodyPr/>
+          <a:lstStyle/>
+          <a:p>
+            <a:pPr marL="342900" indent="-342900" algn="l">
+              <a:buFont typeface="Wingdings" panose="05000000000000000000" pitchFamily="2" charset="2"/>
+              <a:buChar char="ü"/>
+            </a:pPr>
+            <a:r>
+              <a:rPr lang="it-IT" sz="2400">
+                <a:solidFill>
+                  <a:schemeClr val="tx1"/>
+                </a:solidFill>
+                <a:latin typeface="Tahoma" panose="020B0604030504040204" pitchFamily="34" charset="0"/>
+                <a:ea typeface="Tahoma" panose="020B0604030504040204" pitchFamily="34" charset="0"/>
+                <a:cs typeface="Tahoma" panose="020B0604030504040204" pitchFamily="34" charset="0"/>
+              </a:rPr>
+              <a:t>La </a:t>
+            </a:r>
+            <a:r>
+              <a:rPr lang="it-IT" sz="2400" b="1">
+                <a:solidFill>
+                  <a:schemeClr val="tx1"/>
+                </a:solidFill>
+                <a:latin typeface="Tahoma" panose="020B0604030504040204" pitchFamily="34" charset="0"/>
+                <a:ea typeface="Tahoma" panose="020B0604030504040204" pitchFamily="34" charset="0"/>
+                <a:cs typeface="Tahoma" panose="020B0604030504040204" pitchFamily="34" charset="0"/>
+              </a:rPr>
+              <a:t>crittografia</a:t>
+            </a:r>
+            <a:r>
+              <a:rPr lang="it-IT" sz="2400">
+                <a:solidFill>
+                  <a:schemeClr val="tx1"/>
+                </a:solidFill>
+                <a:latin typeface="Tahoma" panose="020B0604030504040204" pitchFamily="34" charset="0"/>
+                <a:ea typeface="Tahoma" panose="020B0604030504040204" pitchFamily="34" charset="0"/>
+                <a:cs typeface="Tahoma" panose="020B0604030504040204" pitchFamily="34" charset="0"/>
+              </a:rPr>
+              <a:t> </a:t>
+            </a:r>
+            <a:r>
+              <a:rPr lang="it-IT" sz="2400" b="1">
+                <a:solidFill>
+                  <a:schemeClr val="tx1"/>
+                </a:solidFill>
+                <a:latin typeface="Tahoma" panose="020B0604030504040204" pitchFamily="34" charset="0"/>
+                <a:ea typeface="Tahoma" panose="020B0604030504040204" pitchFamily="34" charset="0"/>
+                <a:cs typeface="Tahoma" panose="020B0604030504040204" pitchFamily="34" charset="0"/>
+              </a:rPr>
+              <a:t>quantistica</a:t>
+            </a:r>
+            <a:r>
+              <a:rPr lang="it-IT" sz="2400">
+                <a:solidFill>
+                  <a:schemeClr val="tx1"/>
+                </a:solidFill>
+                <a:latin typeface="Tahoma" panose="020B0604030504040204" pitchFamily="34" charset="0"/>
+                <a:ea typeface="Tahoma" panose="020B0604030504040204" pitchFamily="34" charset="0"/>
+                <a:cs typeface="Tahoma" panose="020B0604030504040204" pitchFamily="34" charset="0"/>
+              </a:rPr>
+              <a:t> è un approccio alla crittografia che, nella fase dello scambio della chiave di decodifica, si serve dei </a:t>
+            </a:r>
+            <a:r>
+              <a:rPr lang="it-IT" sz="2400" b="1">
+                <a:solidFill>
+                  <a:schemeClr val="tx1"/>
+                </a:solidFill>
+                <a:latin typeface="Tahoma" panose="020B0604030504040204" pitchFamily="34" charset="0"/>
+                <a:ea typeface="Tahoma" panose="020B0604030504040204" pitchFamily="34" charset="0"/>
+                <a:cs typeface="Tahoma" panose="020B0604030504040204" pitchFamily="34" charset="0"/>
+              </a:rPr>
+              <a:t>principi</a:t>
+            </a:r>
+            <a:r>
+              <a:rPr lang="it-IT" sz="2400">
+                <a:solidFill>
+                  <a:schemeClr val="tx1"/>
+                </a:solidFill>
+                <a:latin typeface="Tahoma" panose="020B0604030504040204" pitchFamily="34" charset="0"/>
+                <a:ea typeface="Tahoma" panose="020B0604030504040204" pitchFamily="34" charset="0"/>
+                <a:cs typeface="Tahoma" panose="020B0604030504040204" pitchFamily="34" charset="0"/>
+              </a:rPr>
+              <a:t> della </a:t>
+            </a:r>
+            <a:r>
+              <a:rPr lang="it-IT" sz="2400" b="1">
+                <a:solidFill>
+                  <a:schemeClr val="tx1"/>
+                </a:solidFill>
+                <a:latin typeface="Tahoma" panose="020B0604030504040204" pitchFamily="34" charset="0"/>
+                <a:ea typeface="Tahoma" panose="020B0604030504040204" pitchFamily="34" charset="0"/>
+                <a:cs typeface="Tahoma" panose="020B0604030504040204" pitchFamily="34" charset="0"/>
+              </a:rPr>
+              <a:t>meccanica</a:t>
+            </a:r>
+            <a:r>
+              <a:rPr lang="it-IT" sz="2400">
+                <a:solidFill>
+                  <a:schemeClr val="tx1"/>
+                </a:solidFill>
+                <a:latin typeface="Tahoma" panose="020B0604030504040204" pitchFamily="34" charset="0"/>
+                <a:ea typeface="Tahoma" panose="020B0604030504040204" pitchFamily="34" charset="0"/>
+                <a:cs typeface="Tahoma" panose="020B0604030504040204" pitchFamily="34" charset="0"/>
+              </a:rPr>
+              <a:t> </a:t>
+            </a:r>
+            <a:r>
+              <a:rPr lang="it-IT" sz="2400" b="1">
+                <a:solidFill>
+                  <a:schemeClr val="tx1"/>
+                </a:solidFill>
+                <a:latin typeface="Tahoma" panose="020B0604030504040204" pitchFamily="34" charset="0"/>
+                <a:ea typeface="Tahoma" panose="020B0604030504040204" pitchFamily="34" charset="0"/>
+                <a:cs typeface="Tahoma" panose="020B0604030504040204" pitchFamily="34" charset="0"/>
+              </a:rPr>
+              <a:t>quantistica</a:t>
+            </a:r>
+            <a:r>
+              <a:rPr lang="it-IT" sz="2400">
+                <a:solidFill>
+                  <a:schemeClr val="tx1"/>
+                </a:solidFill>
+                <a:latin typeface="Tahoma" panose="020B0604030504040204" pitchFamily="34" charset="0"/>
+                <a:ea typeface="Tahoma" panose="020B0604030504040204" pitchFamily="34" charset="0"/>
+                <a:cs typeface="Tahoma" panose="020B0604030504040204" pitchFamily="34" charset="0"/>
+              </a:rPr>
+              <a:t>.</a:t>
+            </a:r>
+          </a:p>
+          <a:p>
+            <a:pPr marL="342900" indent="-342900" algn="l">
+              <a:buFont typeface="Wingdings" panose="05000000000000000000" pitchFamily="2" charset="2"/>
+              <a:buChar char="ü"/>
+            </a:pPr>
+            <a:r>
+              <a:rPr lang="it-IT" sz="2400">
+                <a:solidFill>
+                  <a:schemeClr val="tx1"/>
+                </a:solidFill>
+                <a:latin typeface="Tahoma" panose="020B0604030504040204" pitchFamily="34" charset="0"/>
+                <a:ea typeface="Tahoma" panose="020B0604030504040204" pitchFamily="34" charset="0"/>
+                <a:cs typeface="Tahoma" panose="020B0604030504040204" pitchFamily="34" charset="0"/>
+              </a:rPr>
+              <a:t>In questo </a:t>
+            </a:r>
+            <a:r>
+              <a:rPr lang="it-IT" sz="2400" b="1">
+                <a:solidFill>
+                  <a:schemeClr val="tx1"/>
+                </a:solidFill>
+                <a:latin typeface="Tahoma" panose="020B0604030504040204" pitchFamily="34" charset="0"/>
+                <a:ea typeface="Tahoma" panose="020B0604030504040204" pitchFamily="34" charset="0"/>
+                <a:cs typeface="Tahoma" panose="020B0604030504040204" pitchFamily="34" charset="0"/>
+              </a:rPr>
+              <a:t>modo</a:t>
+            </a:r>
+            <a:r>
+              <a:rPr lang="it-IT" sz="2400">
+                <a:solidFill>
+                  <a:schemeClr val="tx1"/>
+                </a:solidFill>
+                <a:latin typeface="Tahoma" panose="020B0604030504040204" pitchFamily="34" charset="0"/>
+                <a:ea typeface="Tahoma" panose="020B0604030504040204" pitchFamily="34" charset="0"/>
+                <a:cs typeface="Tahoma" panose="020B0604030504040204" pitchFamily="34" charset="0"/>
+              </a:rPr>
+              <a:t> si evita che la </a:t>
+            </a:r>
+            <a:r>
+              <a:rPr lang="it-IT" sz="2400" b="1">
+                <a:solidFill>
+                  <a:schemeClr val="tx1"/>
+                </a:solidFill>
+                <a:latin typeface="Tahoma" panose="020B0604030504040204" pitchFamily="34" charset="0"/>
+                <a:ea typeface="Tahoma" panose="020B0604030504040204" pitchFamily="34" charset="0"/>
+                <a:cs typeface="Tahoma" panose="020B0604030504040204" pitchFamily="34" charset="0"/>
+              </a:rPr>
+              <a:t>chiave</a:t>
+            </a:r>
+            <a:r>
+              <a:rPr lang="it-IT" sz="2400">
+                <a:solidFill>
+                  <a:schemeClr val="tx1"/>
+                </a:solidFill>
+                <a:latin typeface="Tahoma" panose="020B0604030504040204" pitchFamily="34" charset="0"/>
+                <a:ea typeface="Tahoma" panose="020B0604030504040204" pitchFamily="34" charset="0"/>
+                <a:cs typeface="Tahoma" panose="020B0604030504040204" pitchFamily="34" charset="0"/>
+              </a:rPr>
+              <a:t> possa essere </a:t>
+            </a:r>
+            <a:r>
+              <a:rPr lang="it-IT" sz="2400" b="1">
+                <a:solidFill>
+                  <a:schemeClr val="tx1"/>
+                </a:solidFill>
+                <a:latin typeface="Tahoma" panose="020B0604030504040204" pitchFamily="34" charset="0"/>
+                <a:ea typeface="Tahoma" panose="020B0604030504040204" pitchFamily="34" charset="0"/>
+                <a:cs typeface="Tahoma" panose="020B0604030504040204" pitchFamily="34" charset="0"/>
+              </a:rPr>
+              <a:t>intercettata</a:t>
+            </a:r>
+            <a:r>
+              <a:rPr lang="it-IT" sz="2400">
+                <a:solidFill>
+                  <a:schemeClr val="tx1"/>
+                </a:solidFill>
+                <a:latin typeface="Tahoma" panose="020B0604030504040204" pitchFamily="34" charset="0"/>
+                <a:ea typeface="Tahoma" panose="020B0604030504040204" pitchFamily="34" charset="0"/>
+                <a:cs typeface="Tahoma" panose="020B0604030504040204" pitchFamily="34" charset="0"/>
+              </a:rPr>
+              <a:t> senza che le parti coinvolte se ne accorgano.</a:t>
+            </a:r>
+          </a:p>
+          <a:p>
+            <a:pPr marL="342900" indent="-342900" algn="l">
+              <a:buFont typeface="Wingdings" panose="05000000000000000000" pitchFamily="2" charset="2"/>
+              <a:buChar char="ü"/>
+            </a:pPr>
+            <a:r>
+              <a:rPr lang="it-IT" sz="2400">
+                <a:solidFill>
+                  <a:schemeClr val="tx1"/>
+                </a:solidFill>
+                <a:latin typeface="Tahoma" panose="020B0604030504040204" pitchFamily="34" charset="0"/>
+                <a:ea typeface="Tahoma" panose="020B0604030504040204" pitchFamily="34" charset="0"/>
+                <a:cs typeface="Tahoma" panose="020B0604030504040204" pitchFamily="34" charset="0"/>
+              </a:rPr>
+              <a:t>Entrando nel dettaglio, la </a:t>
+            </a:r>
+            <a:r>
+              <a:rPr lang="it-IT" sz="2400" b="1">
+                <a:solidFill>
+                  <a:schemeClr val="tx1"/>
+                </a:solidFill>
+                <a:latin typeface="Tahoma" panose="020B0604030504040204" pitchFamily="34" charset="0"/>
+                <a:ea typeface="Tahoma" panose="020B0604030504040204" pitchFamily="34" charset="0"/>
+                <a:cs typeface="Tahoma" panose="020B0604030504040204" pitchFamily="34" charset="0"/>
+              </a:rPr>
+              <a:t>definizione</a:t>
+            </a:r>
+            <a:r>
+              <a:rPr lang="it-IT" sz="2400">
+                <a:solidFill>
+                  <a:schemeClr val="tx1"/>
+                </a:solidFill>
+                <a:latin typeface="Tahoma" panose="020B0604030504040204" pitchFamily="34" charset="0"/>
+                <a:ea typeface="Tahoma" panose="020B0604030504040204" pitchFamily="34" charset="0"/>
+                <a:cs typeface="Tahoma" panose="020B0604030504040204" pitchFamily="34" charset="0"/>
+              </a:rPr>
+              <a:t> esatta è </a:t>
+            </a:r>
+            <a:r>
+              <a:rPr lang="it-IT" sz="2400" b="1">
+                <a:solidFill>
+                  <a:schemeClr val="tx1"/>
+                </a:solidFill>
+                <a:latin typeface="Tahoma" panose="020B0604030504040204" pitchFamily="34" charset="0"/>
+                <a:ea typeface="Tahoma" panose="020B0604030504040204" pitchFamily="34" charset="0"/>
+                <a:cs typeface="Tahoma" panose="020B0604030504040204" pitchFamily="34" charset="0"/>
+              </a:rPr>
+              <a:t>distribuzione</a:t>
+            </a:r>
+            <a:r>
+              <a:rPr lang="it-IT" sz="2400">
+                <a:solidFill>
+                  <a:schemeClr val="tx1"/>
+                </a:solidFill>
+                <a:latin typeface="Tahoma" panose="020B0604030504040204" pitchFamily="34" charset="0"/>
+                <a:ea typeface="Tahoma" panose="020B0604030504040204" pitchFamily="34" charset="0"/>
+                <a:cs typeface="Tahoma" panose="020B0604030504040204" pitchFamily="34" charset="0"/>
+              </a:rPr>
+              <a:t> </a:t>
+            </a:r>
+            <a:r>
+              <a:rPr lang="it-IT" sz="2400" b="1">
+                <a:solidFill>
+                  <a:schemeClr val="tx1"/>
+                </a:solidFill>
+                <a:latin typeface="Tahoma" panose="020B0604030504040204" pitchFamily="34" charset="0"/>
+                <a:ea typeface="Tahoma" panose="020B0604030504040204" pitchFamily="34" charset="0"/>
+                <a:cs typeface="Tahoma" panose="020B0604030504040204" pitchFamily="34" charset="0"/>
+              </a:rPr>
+              <a:t>quantistica</a:t>
+            </a:r>
+            <a:r>
+              <a:rPr lang="it-IT" sz="2400">
+                <a:solidFill>
+                  <a:schemeClr val="tx1"/>
+                </a:solidFill>
+                <a:latin typeface="Tahoma" panose="020B0604030504040204" pitchFamily="34" charset="0"/>
+                <a:ea typeface="Tahoma" panose="020B0604030504040204" pitchFamily="34" charset="0"/>
+                <a:cs typeface="Tahoma" panose="020B0604030504040204" pitchFamily="34" charset="0"/>
+              </a:rPr>
+              <a:t> di chiavi, cioè una trasmissione di dati in grado di vantare una condizione di </a:t>
+            </a:r>
+            <a:r>
+              <a:rPr lang="it-IT" sz="2400" b="1">
+                <a:solidFill>
+                  <a:schemeClr val="tx1"/>
+                </a:solidFill>
+                <a:latin typeface="Tahoma" panose="020B0604030504040204" pitchFamily="34" charset="0"/>
+                <a:ea typeface="Tahoma" panose="020B0604030504040204" pitchFamily="34" charset="0"/>
+                <a:cs typeface="Tahoma" panose="020B0604030504040204" pitchFamily="34" charset="0"/>
+              </a:rPr>
+              <a:t>segretezza</a:t>
+            </a:r>
+            <a:r>
+              <a:rPr lang="it-IT" sz="2400">
+                <a:solidFill>
+                  <a:schemeClr val="tx1"/>
+                </a:solidFill>
+                <a:latin typeface="Tahoma" panose="020B0604030504040204" pitchFamily="34" charset="0"/>
+                <a:ea typeface="Tahoma" panose="020B0604030504040204" pitchFamily="34" charset="0"/>
+                <a:cs typeface="Tahoma" panose="020B0604030504040204" pitchFamily="34" charset="0"/>
+              </a:rPr>
+              <a:t> </a:t>
+            </a:r>
+            <a:r>
+              <a:rPr lang="it-IT" sz="2400" b="1">
+                <a:solidFill>
+                  <a:schemeClr val="tx1"/>
+                </a:solidFill>
+                <a:latin typeface="Tahoma" panose="020B0604030504040204" pitchFamily="34" charset="0"/>
+                <a:ea typeface="Tahoma" panose="020B0604030504040204" pitchFamily="34" charset="0"/>
+                <a:cs typeface="Tahoma" panose="020B0604030504040204" pitchFamily="34" charset="0"/>
+              </a:rPr>
+              <a:t>perfetta</a:t>
+            </a:r>
+            <a:r>
+              <a:rPr lang="it-IT" sz="2400">
+                <a:solidFill>
+                  <a:schemeClr val="tx1"/>
+                </a:solidFill>
+                <a:latin typeface="Tahoma" panose="020B0604030504040204" pitchFamily="34" charset="0"/>
+                <a:ea typeface="Tahoma" panose="020B0604030504040204" pitchFamily="34" charset="0"/>
+                <a:cs typeface="Tahoma" panose="020B0604030504040204" pitchFamily="34" charset="0"/>
+              </a:rPr>
+              <a:t> dal punto di vista matematico.</a:t>
+            </a:r>
+          </a:p>
+          <a:p>
+            <a:pPr marL="342900" indent="-342900" algn="l">
+              <a:buFont typeface="Wingdings" panose="05000000000000000000" pitchFamily="2" charset="2"/>
+              <a:buChar char="ü"/>
+            </a:pPr>
+            <a:r>
+              <a:rPr lang="it-IT" sz="2400">
+                <a:solidFill>
+                  <a:schemeClr val="tx1"/>
+                </a:solidFill>
+                <a:latin typeface="Tahoma" panose="020B0604030504040204" pitchFamily="34" charset="0"/>
+                <a:ea typeface="Tahoma" panose="020B0604030504040204" pitchFamily="34" charset="0"/>
+                <a:cs typeface="Tahoma" panose="020B0604030504040204" pitchFamily="34" charset="0"/>
+              </a:rPr>
+              <a:t>L’obiettivo è infatti creare una sorta di </a:t>
+            </a:r>
+            <a:r>
+              <a:rPr lang="it-IT" sz="2400" b="1">
+                <a:solidFill>
+                  <a:schemeClr val="tx1"/>
+                </a:solidFill>
+                <a:latin typeface="Tahoma" panose="020B0604030504040204" pitchFamily="34" charset="0"/>
+                <a:ea typeface="Tahoma" panose="020B0604030504040204" pitchFamily="34" charset="0"/>
+                <a:cs typeface="Tahoma" panose="020B0604030504040204" pitchFamily="34" charset="0"/>
+              </a:rPr>
+              <a:t>cifrario</a:t>
+            </a:r>
+            <a:r>
+              <a:rPr lang="it-IT" sz="2400">
+                <a:solidFill>
+                  <a:schemeClr val="tx1"/>
+                </a:solidFill>
+                <a:latin typeface="Tahoma" panose="020B0604030504040204" pitchFamily="34" charset="0"/>
+                <a:ea typeface="Tahoma" panose="020B0604030504040204" pitchFamily="34" charset="0"/>
+                <a:cs typeface="Tahoma" panose="020B0604030504040204" pitchFamily="34" charset="0"/>
+              </a:rPr>
+              <a:t> </a:t>
+            </a:r>
+            <a:r>
+              <a:rPr lang="it-IT" sz="2400" b="1">
+                <a:solidFill>
+                  <a:schemeClr val="tx1"/>
+                </a:solidFill>
+                <a:latin typeface="Tahoma" panose="020B0604030504040204" pitchFamily="34" charset="0"/>
+                <a:ea typeface="Tahoma" panose="020B0604030504040204" pitchFamily="34" charset="0"/>
+                <a:cs typeface="Tahoma" panose="020B0604030504040204" pitchFamily="34" charset="0"/>
+              </a:rPr>
+              <a:t>perfetto</a:t>
+            </a:r>
+            <a:r>
+              <a:rPr lang="it-IT" sz="2400">
+                <a:solidFill>
+                  <a:schemeClr val="tx1"/>
+                </a:solidFill>
+                <a:latin typeface="Tahoma" panose="020B0604030504040204" pitchFamily="34" charset="0"/>
+                <a:ea typeface="Tahoma" panose="020B0604030504040204" pitchFamily="34" charset="0"/>
+                <a:cs typeface="Tahoma" panose="020B0604030504040204" pitchFamily="34" charset="0"/>
+              </a:rPr>
+              <a:t> che non prevede un momento di scambio su un canale necessariamente sicuro.</a:t>
+            </a:r>
+          </a:p>
+          <a:p>
+            <a:pPr marL="342900" indent="-342900" algn="l">
+              <a:buFont typeface="Wingdings" panose="05000000000000000000" pitchFamily="2" charset="2"/>
+              <a:buChar char="ü"/>
+            </a:pPr>
+            <a:endParaRPr lang="it-IT" sz="2400">
+              <a:solidFill>
+                <a:schemeClr val="tx1"/>
+              </a:solidFill>
+              <a:latin typeface="Tahoma" panose="020B0604030504040204" pitchFamily="34" charset="0"/>
+              <a:ea typeface="Tahoma" panose="020B0604030504040204" pitchFamily="34" charset="0"/>
+              <a:cs typeface="Tahoma" panose="020B0604030504040204" pitchFamily="34" charset="0"/>
+            </a:endParaRPr>
+          </a:p>
+        </p:txBody>
+      </p:sp>
+      <p:sp>
+        <p:nvSpPr>
+          <p:cNvPr id="7" name="Segnaposto numero diapositiva 6">
+            <a:extLst>
+              <a:ext uri="{FF2B5EF4-FFF2-40B4-BE49-F238E27FC236}">
+                <a16:creationId xmlns:a16="http://schemas.microsoft.com/office/drawing/2014/main" id="{AB740BE9-E218-4144-BFDE-AE473D230A3D}"/>
+              </a:ext>
+            </a:extLst>
+          </p:cNvPr>
+          <p:cNvSpPr>
+            <a:spLocks noGrp="1"/>
+          </p:cNvSpPr>
+          <p:nvPr>
+            <p:ph type="sldNum" sz="quarter" idx="12"/>
+          </p:nvPr>
+        </p:nvSpPr>
+        <p:spPr/>
+        <p:txBody>
+          <a:bodyPr/>
+          <a:lstStyle/>
+          <a:p>
+            <a:pPr>
+              <a:defRPr/>
+            </a:pPr>
+            <a:fld id="{48B4153A-D4C5-4CEF-8992-0D8815C829E3}" type="slidenum">
+              <a:rPr lang="en-US" smtClean="0"/>
+              <a:pPr>
+                <a:defRPr/>
+              </a:pPr>
+              <a:t>11</a:t>
+            </a:fld>
+            <a:endParaRPr lang="en-US" dirty="0"/>
+          </a:p>
+        </p:txBody>
+      </p:sp>
+      <p:sp>
+        <p:nvSpPr>
+          <p:cNvPr id="6" name="Titolo 4">
+            <a:extLst>
+              <a:ext uri="{FF2B5EF4-FFF2-40B4-BE49-F238E27FC236}">
+                <a16:creationId xmlns:a16="http://schemas.microsoft.com/office/drawing/2014/main" id="{CF9A4806-60B4-80DC-1F76-D2EB3E6C376B}"/>
+              </a:ext>
+            </a:extLst>
+          </p:cNvPr>
+          <p:cNvSpPr>
+            <a:spLocks noGrp="1"/>
+          </p:cNvSpPr>
+          <p:nvPr>
+            <p:ph type="title"/>
+          </p:nvPr>
+        </p:nvSpPr>
+        <p:spPr>
+          <a:xfrm>
+            <a:off x="461169" y="422999"/>
+            <a:ext cx="11269662" cy="384721"/>
+          </a:xfrm>
+        </p:spPr>
+        <p:txBody>
+          <a:bodyPr/>
+          <a:lstStyle/>
+          <a:p>
+            <a:r>
+              <a:rPr lang="it-IT" sz="2800">
+                <a:solidFill>
+                  <a:schemeClr val="tx1"/>
+                </a:solidFill>
+                <a:latin typeface="Tahoma" panose="020B0604030504040204" pitchFamily="34" charset="0"/>
+                <a:ea typeface="Tahoma" panose="020B0604030504040204" pitchFamily="34" charset="0"/>
+                <a:cs typeface="Tahoma" panose="020B0604030504040204" pitchFamily="34" charset="0"/>
+              </a:rPr>
+              <a:t>Crittografia </a:t>
+            </a:r>
+            <a:r>
+              <a:rPr lang="it-IT">
+                <a:solidFill>
+                  <a:schemeClr val="tx1"/>
+                </a:solidFill>
+                <a:latin typeface="Tahoma" panose="020B0604030504040204" pitchFamily="34" charset="0"/>
+                <a:ea typeface="Tahoma" panose="020B0604030504040204" pitchFamily="34" charset="0"/>
+                <a:cs typeface="Tahoma" panose="020B0604030504040204" pitchFamily="34" charset="0"/>
+              </a:rPr>
+              <a:t>quantistica</a:t>
+            </a:r>
+            <a:endParaRPr lang="it-IT" dirty="0"/>
+          </a:p>
+        </p:txBody>
+      </p:sp>
+      <p:pic>
+        <p:nvPicPr>
+          <p:cNvPr id="4" name="Immagine 3">
+            <a:extLst>
+              <a:ext uri="{FF2B5EF4-FFF2-40B4-BE49-F238E27FC236}">
+                <a16:creationId xmlns:a16="http://schemas.microsoft.com/office/drawing/2014/main" id="{A81483AA-B02D-6076-C2DE-83B5A2086B5F}"/>
+              </a:ext>
+            </a:extLst>
+          </p:cNvPr>
+          <p:cNvPicPr>
+            <a:picLocks noChangeAspect="1"/>
+          </p:cNvPicPr>
+          <p:nvPr/>
+        </p:nvPicPr>
+        <p:blipFill>
+          <a:blip r:embed="rId2"/>
+          <a:stretch>
+            <a:fillRect/>
+          </a:stretch>
+        </p:blipFill>
+        <p:spPr>
+          <a:xfrm>
+            <a:off x="8759031" y="2243137"/>
+            <a:ext cx="2971800" cy="1543050"/>
+          </a:xfrm>
+          <a:prstGeom prst="rect">
+            <a:avLst/>
+          </a:prstGeom>
+        </p:spPr>
+      </p:pic>
+    </p:spTree>
+    <p:extLst>
+      <p:ext uri="{BB962C8B-B14F-4D97-AF65-F5344CB8AC3E}">
+        <p14:creationId xmlns:p14="http://schemas.microsoft.com/office/powerpoint/2010/main" val="3413512589"/>
+      </p:ext>
+    </p:extLst>
+  </p:cSld>
+  <p:clrMapOvr>
+    <a:masterClrMapping/>
+  </p:clrMapOvr>
+</p:sld>
+</file>
+
+<file path=ppt/slides/slide12.xml><?xml version="1.0" encoding="utf-8"?>
+<p:sld xmlns:a="http://schemas.openxmlformats.org/drawingml/2006/main" xmlns:r="http://schemas.openxmlformats.org/officeDocument/2006/relationships" xmlns:p="http://schemas.openxmlformats.org/presentationml/2006/main">
+  <p:cSld>
+    <p:spTree>
+      <p:nvGrpSpPr>
+        <p:cNvPr id="1" name=""/>
+        <p:cNvGrpSpPr/>
+        <p:nvPr/>
+      </p:nvGrpSpPr>
+      <p:grpSpPr>
+        <a:xfrm>
+          <a:off x="0" y="0"/>
+          <a:ext cx="0" cy="0"/>
+          <a:chOff x="0" y="0"/>
+          <a:chExt cx="0" cy="0"/>
+        </a:xfrm>
+      </p:grpSpPr>
+      <p:sp>
+        <p:nvSpPr>
+          <p:cNvPr id="7" name="Segnaposto numero diapositiva 6">
+            <a:extLst>
+              <a:ext uri="{FF2B5EF4-FFF2-40B4-BE49-F238E27FC236}">
+                <a16:creationId xmlns:a16="http://schemas.microsoft.com/office/drawing/2014/main" id="{AB740BE9-E218-4144-BFDE-AE473D230A3D}"/>
+              </a:ext>
+            </a:extLst>
+          </p:cNvPr>
+          <p:cNvSpPr>
+            <a:spLocks noGrp="1"/>
+          </p:cNvSpPr>
+          <p:nvPr>
+            <p:ph type="sldNum" sz="quarter" idx="12"/>
+          </p:nvPr>
+        </p:nvSpPr>
+        <p:spPr/>
+        <p:txBody>
+          <a:bodyPr/>
+          <a:lstStyle/>
+          <a:p>
+            <a:pPr>
+              <a:defRPr/>
+            </a:pPr>
+            <a:fld id="{48B4153A-D4C5-4CEF-8992-0D8815C829E3}" type="slidenum">
+              <a:rPr lang="en-US" smtClean="0"/>
+              <a:pPr>
+                <a:defRPr/>
+              </a:pPr>
+              <a:t>12</a:t>
+            </a:fld>
+            <a:endParaRPr lang="en-US" dirty="0"/>
+          </a:p>
+        </p:txBody>
+      </p:sp>
+      <p:sp>
+        <p:nvSpPr>
+          <p:cNvPr id="5" name="Titolo 4">
+            <a:extLst>
+              <a:ext uri="{FF2B5EF4-FFF2-40B4-BE49-F238E27FC236}">
+                <a16:creationId xmlns:a16="http://schemas.microsoft.com/office/drawing/2014/main" id="{82C46BA2-B380-4357-B125-BA9F08A643F5}"/>
+              </a:ext>
+            </a:extLst>
+          </p:cNvPr>
+          <p:cNvSpPr>
+            <a:spLocks noGrp="1"/>
+          </p:cNvSpPr>
+          <p:nvPr>
+            <p:ph type="title"/>
+          </p:nvPr>
+        </p:nvSpPr>
+        <p:spPr>
+          <a:xfrm>
+            <a:off x="468895" y="503475"/>
+            <a:ext cx="11269308" cy="384721"/>
+          </a:xfrm>
+        </p:spPr>
+        <p:txBody>
+          <a:bodyPr/>
+          <a:lstStyle/>
+          <a:p>
+            <a:r>
+              <a:rPr lang="it-IT" altLang="it-IT"/>
+              <a:t>Bibliografia</a:t>
+            </a:r>
+            <a:endParaRPr lang="it-IT" dirty="0"/>
+          </a:p>
+        </p:txBody>
+      </p:sp>
+      <p:sp>
+        <p:nvSpPr>
+          <p:cNvPr id="3" name="Segnaposto testo 2">
+            <a:extLst>
+              <a:ext uri="{FF2B5EF4-FFF2-40B4-BE49-F238E27FC236}">
+                <a16:creationId xmlns:a16="http://schemas.microsoft.com/office/drawing/2014/main" id="{15CD42DB-61E6-AA3D-7125-BF4BEDB5D886}"/>
+              </a:ext>
+            </a:extLst>
+          </p:cNvPr>
+          <p:cNvSpPr>
+            <a:spLocks noGrp="1"/>
+          </p:cNvSpPr>
+          <p:nvPr>
+            <p:ph type="body" idx="1"/>
+          </p:nvPr>
+        </p:nvSpPr>
+        <p:spPr>
+          <a:xfrm>
+            <a:off x="477519" y="1557338"/>
+            <a:ext cx="11043921" cy="4392612"/>
+          </a:xfrm>
+        </p:spPr>
+        <p:txBody>
+          <a:bodyPr/>
+          <a:lstStyle/>
+          <a:p>
+            <a:endParaRPr lang="it-IT" dirty="0"/>
+          </a:p>
+          <a:p>
+            <a:endParaRPr lang="it-IT" dirty="0"/>
+          </a:p>
+        </p:txBody>
+      </p:sp>
+      <p:sp>
+        <p:nvSpPr>
+          <p:cNvPr id="6" name="CasellaDiTesto 5">
+            <a:extLst>
+              <a:ext uri="{FF2B5EF4-FFF2-40B4-BE49-F238E27FC236}">
+                <a16:creationId xmlns:a16="http://schemas.microsoft.com/office/drawing/2014/main" id="{D6391C8D-6662-4D50-C544-D76CB446DE8E}"/>
+              </a:ext>
+            </a:extLst>
+          </p:cNvPr>
+          <p:cNvSpPr txBox="1"/>
+          <p:nvPr/>
+        </p:nvSpPr>
+        <p:spPr>
+          <a:xfrm>
+            <a:off x="477519" y="1372672"/>
+            <a:ext cx="6098344" cy="369332"/>
+          </a:xfrm>
+          <a:prstGeom prst="rect">
+            <a:avLst/>
+          </a:prstGeom>
+          <a:noFill/>
+        </p:spPr>
+        <p:txBody>
+          <a:bodyPr wrap="square">
+            <a:spAutoFit/>
+          </a:bodyPr>
+          <a:lstStyle/>
+          <a:p>
+            <a:r>
+              <a:rPr lang="it-IT"/>
+              <a:t>https://www.it-impresa.it/blog/tipi-di-crittografia/</a:t>
+            </a:r>
+          </a:p>
+        </p:txBody>
+      </p:sp>
+    </p:spTree>
+    <p:extLst>
+      <p:ext uri="{BB962C8B-B14F-4D97-AF65-F5344CB8AC3E}">
+        <p14:creationId xmlns:p14="http://schemas.microsoft.com/office/powerpoint/2010/main" val="3490964097"/>
+      </p:ext>
+    </p:extLst>
+  </p:cSld>
+  <p:clrMapOvr>
+    <a:masterClrMapping/>
+  </p:clrMapOvr>
+</p:sld>
+</file>
+
 <file path=ppt/slides/slide2.xml><?xml version="1.0" encoding="utf-8"?>
 <p:sld xmlns:a="http://schemas.openxmlformats.org/drawingml/2006/main" xmlns:r="http://schemas.openxmlformats.org/officeDocument/2006/relationships" xmlns:p="http://schemas.openxmlformats.org/presentationml/2006/main">
   <p:cSld>
@@ -8678,6 +10186,297 @@
       </p:grpSpPr>
       <p:sp>
         <p:nvSpPr>
+          <p:cNvPr id="2" name="Segnaposto testo 1">
+            <a:extLst>
+              <a:ext uri="{FF2B5EF4-FFF2-40B4-BE49-F238E27FC236}">
+                <a16:creationId xmlns:a16="http://schemas.microsoft.com/office/drawing/2014/main" id="{E5AE986C-196F-4141-A898-FA4C4198CDCC}"/>
+              </a:ext>
+            </a:extLst>
+          </p:cNvPr>
+          <p:cNvSpPr>
+            <a:spLocks noGrp="1"/>
+          </p:cNvSpPr>
+          <p:nvPr>
+            <p:ph type="body" idx="1"/>
+          </p:nvPr>
+        </p:nvSpPr>
+        <p:spPr>
+          <a:xfrm>
+            <a:off x="323469" y="1307410"/>
+            <a:ext cx="11407362" cy="4392612"/>
+          </a:xfrm>
+        </p:spPr>
+        <p:txBody>
+          <a:bodyPr/>
+          <a:lstStyle/>
+          <a:p>
+            <a:pPr marL="342900" indent="-342900" algn="l">
+              <a:buFont typeface="Wingdings" panose="05000000000000000000" pitchFamily="2" charset="2"/>
+              <a:buChar char="ü"/>
+            </a:pPr>
+            <a:r>
+              <a:rPr lang="it-IT" sz="2400">
+                <a:solidFill>
+                  <a:schemeClr val="tx1"/>
+                </a:solidFill>
+                <a:latin typeface="Tahoma" panose="020B0604030504040204" pitchFamily="34" charset="0"/>
+                <a:ea typeface="Tahoma" panose="020B0604030504040204" pitchFamily="34" charset="0"/>
+                <a:cs typeface="Tahoma" panose="020B0604030504040204" pitchFamily="34" charset="0"/>
+              </a:rPr>
+              <a:t>Per poter </a:t>
+            </a:r>
+            <a:r>
+              <a:rPr lang="it-IT" sz="2400" b="1">
+                <a:solidFill>
+                  <a:schemeClr val="tx1"/>
+                </a:solidFill>
+                <a:latin typeface="Tahoma" panose="020B0604030504040204" pitchFamily="34" charset="0"/>
+                <a:ea typeface="Tahoma" panose="020B0604030504040204" pitchFamily="34" charset="0"/>
+                <a:cs typeface="Tahoma" panose="020B0604030504040204" pitchFamily="34" charset="0"/>
+              </a:rPr>
+              <a:t>decifrare</a:t>
+            </a:r>
+            <a:r>
+              <a:rPr lang="it-IT" sz="2400">
+                <a:solidFill>
+                  <a:schemeClr val="tx1"/>
+                </a:solidFill>
+                <a:latin typeface="Tahoma" panose="020B0604030504040204" pitchFamily="34" charset="0"/>
+                <a:ea typeface="Tahoma" panose="020B0604030504040204" pitchFamily="34" charset="0"/>
+                <a:cs typeface="Tahoma" panose="020B0604030504040204" pitchFamily="34" charset="0"/>
+              </a:rPr>
+              <a:t> il </a:t>
+            </a:r>
+            <a:r>
+              <a:rPr lang="it-IT" sz="2400" b="1">
+                <a:solidFill>
+                  <a:schemeClr val="tx1"/>
+                </a:solidFill>
+                <a:latin typeface="Tahoma" panose="020B0604030504040204" pitchFamily="34" charset="0"/>
+                <a:ea typeface="Tahoma" panose="020B0604030504040204" pitchFamily="34" charset="0"/>
+                <a:cs typeface="Tahoma" panose="020B0604030504040204" pitchFamily="34" charset="0"/>
+              </a:rPr>
+              <a:t>messaggio</a:t>
+            </a:r>
+            <a:r>
+              <a:rPr lang="it-IT" sz="2400">
+                <a:solidFill>
+                  <a:schemeClr val="tx1"/>
+                </a:solidFill>
+                <a:latin typeface="Tahoma" panose="020B0604030504040204" pitchFamily="34" charset="0"/>
+                <a:ea typeface="Tahoma" panose="020B0604030504040204" pitchFamily="34" charset="0"/>
+                <a:cs typeface="Tahoma" panose="020B0604030504040204" pitchFamily="34" charset="0"/>
+              </a:rPr>
+              <a:t> è necessario essere in possesso di entrambe le </a:t>
+            </a:r>
+            <a:r>
+              <a:rPr lang="it-IT" sz="2400" b="1">
+                <a:solidFill>
+                  <a:schemeClr val="tx1"/>
+                </a:solidFill>
+                <a:latin typeface="Tahoma" panose="020B0604030504040204" pitchFamily="34" charset="0"/>
+                <a:ea typeface="Tahoma" panose="020B0604030504040204" pitchFamily="34" charset="0"/>
+                <a:cs typeface="Tahoma" panose="020B0604030504040204" pitchFamily="34" charset="0"/>
+              </a:rPr>
+              <a:t>chiavi</a:t>
+            </a:r>
+            <a:r>
+              <a:rPr lang="it-IT" sz="2400">
+                <a:solidFill>
+                  <a:schemeClr val="tx1"/>
+                </a:solidFill>
+                <a:latin typeface="Tahoma" panose="020B0604030504040204" pitchFamily="34" charset="0"/>
+                <a:ea typeface="Tahoma" panose="020B0604030504040204" pitchFamily="34" charset="0"/>
+                <a:cs typeface="Tahoma" panose="020B0604030504040204" pitchFamily="34" charset="0"/>
+              </a:rPr>
+              <a:t> e il livello di </a:t>
+            </a:r>
+            <a:r>
+              <a:rPr lang="it-IT" sz="2400" b="1">
+                <a:solidFill>
+                  <a:schemeClr val="tx1"/>
+                </a:solidFill>
+                <a:latin typeface="Tahoma" panose="020B0604030504040204" pitchFamily="34" charset="0"/>
+                <a:ea typeface="Tahoma" panose="020B0604030504040204" pitchFamily="34" charset="0"/>
+                <a:cs typeface="Tahoma" panose="020B0604030504040204" pitchFamily="34" charset="0"/>
+              </a:rPr>
+              <a:t>sicurezza</a:t>
+            </a:r>
+            <a:r>
+              <a:rPr lang="it-IT" sz="2400">
+                <a:solidFill>
+                  <a:schemeClr val="tx1"/>
+                </a:solidFill>
+                <a:latin typeface="Tahoma" panose="020B0604030504040204" pitchFamily="34" charset="0"/>
+                <a:ea typeface="Tahoma" panose="020B0604030504040204" pitchFamily="34" charset="0"/>
+                <a:cs typeface="Tahoma" panose="020B0604030504040204" pitchFamily="34" charset="0"/>
+              </a:rPr>
+              <a:t> garantito è quindi decisamente maggiore rispetto alla </a:t>
+            </a:r>
+            <a:r>
+              <a:rPr lang="it-IT" sz="2400" b="1">
+                <a:solidFill>
+                  <a:schemeClr val="tx1"/>
+                </a:solidFill>
+                <a:latin typeface="Tahoma" panose="020B0604030504040204" pitchFamily="34" charset="0"/>
+                <a:ea typeface="Tahoma" panose="020B0604030504040204" pitchFamily="34" charset="0"/>
+                <a:cs typeface="Tahoma" panose="020B0604030504040204" pitchFamily="34" charset="0"/>
+              </a:rPr>
+              <a:t>crittografia</a:t>
+            </a:r>
+            <a:r>
+              <a:rPr lang="it-IT" sz="2400">
+                <a:solidFill>
+                  <a:schemeClr val="tx1"/>
+                </a:solidFill>
+                <a:latin typeface="Tahoma" panose="020B0604030504040204" pitchFamily="34" charset="0"/>
+                <a:ea typeface="Tahoma" panose="020B0604030504040204" pitchFamily="34" charset="0"/>
+                <a:cs typeface="Tahoma" panose="020B0604030504040204" pitchFamily="34" charset="0"/>
+              </a:rPr>
+              <a:t> </a:t>
+            </a:r>
+            <a:r>
+              <a:rPr lang="it-IT" sz="2400" b="1">
+                <a:solidFill>
+                  <a:schemeClr val="tx1"/>
+                </a:solidFill>
+                <a:latin typeface="Tahoma" panose="020B0604030504040204" pitchFamily="34" charset="0"/>
+                <a:ea typeface="Tahoma" panose="020B0604030504040204" pitchFamily="34" charset="0"/>
+                <a:cs typeface="Tahoma" panose="020B0604030504040204" pitchFamily="34" charset="0"/>
+              </a:rPr>
+              <a:t>simmetrica</a:t>
+            </a:r>
+            <a:r>
+              <a:rPr lang="it-IT" sz="2400">
+                <a:solidFill>
+                  <a:schemeClr val="tx1"/>
+                </a:solidFill>
+                <a:latin typeface="Tahoma" panose="020B0604030504040204" pitchFamily="34" charset="0"/>
+                <a:ea typeface="Tahoma" panose="020B0604030504040204" pitchFamily="34" charset="0"/>
+                <a:cs typeface="Tahoma" panose="020B0604030504040204" pitchFamily="34" charset="0"/>
+              </a:rPr>
+              <a:t>.</a:t>
+            </a:r>
+          </a:p>
+          <a:p>
+            <a:pPr marL="342900" indent="-342900" algn="l">
+              <a:buFont typeface="Wingdings" panose="05000000000000000000" pitchFamily="2" charset="2"/>
+              <a:buChar char="ü"/>
+            </a:pPr>
+            <a:r>
+              <a:rPr lang="it-IT" sz="2400">
+                <a:solidFill>
+                  <a:schemeClr val="tx1"/>
+                </a:solidFill>
+                <a:latin typeface="Tahoma" panose="020B0604030504040204" pitchFamily="34" charset="0"/>
+                <a:ea typeface="Tahoma" panose="020B0604030504040204" pitchFamily="34" charset="0"/>
+                <a:cs typeface="Tahoma" panose="020B0604030504040204" pitchFamily="34" charset="0"/>
+              </a:rPr>
+              <a:t>Nell’ipotesi che qualcuno riesca a intercettare la </a:t>
+            </a:r>
+            <a:r>
+              <a:rPr lang="it-IT" sz="2400" b="1">
+                <a:solidFill>
+                  <a:schemeClr val="tx1"/>
+                </a:solidFill>
+                <a:latin typeface="Tahoma" panose="020B0604030504040204" pitchFamily="34" charset="0"/>
+                <a:ea typeface="Tahoma" panose="020B0604030504040204" pitchFamily="34" charset="0"/>
+                <a:cs typeface="Tahoma" panose="020B0604030504040204" pitchFamily="34" charset="0"/>
+              </a:rPr>
+              <a:t>chiave</a:t>
+            </a:r>
+            <a:r>
+              <a:rPr lang="it-IT" sz="2400">
+                <a:solidFill>
+                  <a:schemeClr val="tx1"/>
+                </a:solidFill>
+                <a:latin typeface="Tahoma" panose="020B0604030504040204" pitchFamily="34" charset="0"/>
+                <a:ea typeface="Tahoma" panose="020B0604030504040204" pitchFamily="34" charset="0"/>
+                <a:cs typeface="Tahoma" panose="020B0604030504040204" pitchFamily="34" charset="0"/>
+              </a:rPr>
+              <a:t> </a:t>
+            </a:r>
+            <a:r>
+              <a:rPr lang="it-IT" sz="2400" b="1">
+                <a:solidFill>
+                  <a:schemeClr val="tx1"/>
+                </a:solidFill>
+                <a:latin typeface="Tahoma" panose="020B0604030504040204" pitchFamily="34" charset="0"/>
+                <a:ea typeface="Tahoma" panose="020B0604030504040204" pitchFamily="34" charset="0"/>
+                <a:cs typeface="Tahoma" panose="020B0604030504040204" pitchFamily="34" charset="0"/>
+              </a:rPr>
+              <a:t>pubblica</a:t>
+            </a:r>
+            <a:r>
+              <a:rPr lang="it-IT" sz="2400">
+                <a:solidFill>
+                  <a:schemeClr val="tx1"/>
+                </a:solidFill>
+                <a:latin typeface="Tahoma" panose="020B0604030504040204" pitchFamily="34" charset="0"/>
+                <a:ea typeface="Tahoma" panose="020B0604030504040204" pitchFamily="34" charset="0"/>
+                <a:cs typeface="Tahoma" panose="020B0604030504040204" pitchFamily="34" charset="0"/>
+              </a:rPr>
+              <a:t>, infatti, non avrebbe comunque accesso a quella privata e non potrebbe, così, accedere alle </a:t>
+            </a:r>
+            <a:r>
+              <a:rPr lang="it-IT" sz="2400" b="1">
+                <a:solidFill>
+                  <a:schemeClr val="tx1"/>
+                </a:solidFill>
+                <a:latin typeface="Tahoma" panose="020B0604030504040204" pitchFamily="34" charset="0"/>
+                <a:ea typeface="Tahoma" panose="020B0604030504040204" pitchFamily="34" charset="0"/>
+                <a:cs typeface="Tahoma" panose="020B0604030504040204" pitchFamily="34" charset="0"/>
+              </a:rPr>
+              <a:t>informazioni</a:t>
+            </a:r>
+            <a:r>
+              <a:rPr lang="it-IT" sz="2400">
+                <a:solidFill>
+                  <a:schemeClr val="tx1"/>
+                </a:solidFill>
+                <a:latin typeface="Tahoma" panose="020B0604030504040204" pitchFamily="34" charset="0"/>
+                <a:ea typeface="Tahoma" panose="020B0604030504040204" pitchFamily="34" charset="0"/>
+                <a:cs typeface="Tahoma" panose="020B0604030504040204" pitchFamily="34" charset="0"/>
+              </a:rPr>
+              <a:t>.</a:t>
+            </a:r>
+            <a:br>
+              <a:rPr lang="it-IT" sz="2400">
+                <a:solidFill>
+                  <a:schemeClr val="tx1"/>
+                </a:solidFill>
+                <a:latin typeface="Tahoma" panose="020B0604030504040204" pitchFamily="34" charset="0"/>
+                <a:ea typeface="Tahoma" panose="020B0604030504040204" pitchFamily="34" charset="0"/>
+                <a:cs typeface="Tahoma" panose="020B0604030504040204" pitchFamily="34" charset="0"/>
+              </a:rPr>
+            </a:br>
+            <a:endParaRPr lang="it-IT" sz="2400">
+              <a:solidFill>
+                <a:schemeClr val="tx1"/>
+              </a:solidFill>
+              <a:latin typeface="Tahoma" panose="020B0604030504040204" pitchFamily="34" charset="0"/>
+              <a:ea typeface="Tahoma" panose="020B0604030504040204" pitchFamily="34" charset="0"/>
+              <a:cs typeface="Tahoma" panose="020B0604030504040204" pitchFamily="34" charset="0"/>
+            </a:endParaRPr>
+          </a:p>
+          <a:p>
+            <a:pPr marL="342900" indent="-342900" algn="l">
+              <a:buFont typeface="Wingdings" panose="05000000000000000000" pitchFamily="2" charset="2"/>
+              <a:buChar char="ü"/>
+            </a:pPr>
+            <a:endParaRPr lang="it-IT" sz="2400">
+              <a:solidFill>
+                <a:schemeClr val="tx1"/>
+              </a:solidFill>
+              <a:latin typeface="Tahoma" panose="020B0604030504040204" pitchFamily="34" charset="0"/>
+              <a:ea typeface="Tahoma" panose="020B0604030504040204" pitchFamily="34" charset="0"/>
+              <a:cs typeface="Tahoma" panose="020B0604030504040204" pitchFamily="34" charset="0"/>
+            </a:endParaRPr>
+          </a:p>
+        </p:txBody>
+      </p:sp>
+      <p:sp>
+        <p:nvSpPr>
           <p:cNvPr id="7" name="Segnaposto numero diapositiva 6">
             <a:extLst>
               <a:ext uri="{FF2B5EF4-FFF2-40B4-BE49-F238E27FC236}">
@@ -8713,10 +10512,10 @@
       </p:sp>
       <p:sp>
         <p:nvSpPr>
-          <p:cNvPr id="5" name="Titolo 4">
+          <p:cNvPr id="6" name="Titolo 4">
             <a:extLst>
               <a:ext uri="{FF2B5EF4-FFF2-40B4-BE49-F238E27FC236}">
-                <a16:creationId xmlns:a16="http://schemas.microsoft.com/office/drawing/2014/main" id="{82C46BA2-B380-4357-B125-BA9F08A643F5}"/>
+                <a16:creationId xmlns:a16="http://schemas.microsoft.com/office/drawing/2014/main" id="{CF9A4806-60B4-80DC-1F76-D2EB3E6C376B}"/>
               </a:ext>
             </a:extLst>
           </p:cNvPr>
@@ -8729,8 +10528,8 @@
         </p:nvSpPr>
         <p:spPr>
           <a:xfrm>
-            <a:off x="468895" y="503475"/>
-            <a:ext cx="11269308" cy="384721"/>
+            <a:off x="461169" y="422999"/>
+            <a:ext cx="11269662" cy="384721"/>
           </a:xfrm>
         </p:spPr>
         <p:txBody>
@@ -8738,19 +10537,86 @@
           <a:lstStyle/>
           <a:p>
             <a:r>
-              <a:rPr lang="it-IT" altLang="it-IT"/>
-              <a:t>Bibliografia</a:t>
+              <a:rPr lang="it-IT" sz="2800">
+                <a:solidFill>
+                  <a:schemeClr val="tx1"/>
+                </a:solidFill>
+                <a:latin typeface="Tahoma" panose="020B0604030504040204" pitchFamily="34" charset="0"/>
+                <a:ea typeface="Tahoma" panose="020B0604030504040204" pitchFamily="34" charset="0"/>
+                <a:cs typeface="Tahoma" panose="020B0604030504040204" pitchFamily="34" charset="0"/>
+              </a:rPr>
+              <a:t>Crittografia asimmetrica</a:t>
             </a:r>
             <a:endParaRPr lang="it-IT" dirty="0"/>
           </a:p>
         </p:txBody>
       </p:sp>
-      <p:sp>
-        <p:nvSpPr>
-          <p:cNvPr id="3" name="Segnaposto testo 2">
+      <p:pic>
+        <p:nvPicPr>
+          <p:cNvPr id="4" name="Immagine 3" descr="Immagine che contiene diagramma&#10;&#10;Descrizione generata automaticamente">
             <a:extLst>
               <a:ext uri="{FF2B5EF4-FFF2-40B4-BE49-F238E27FC236}">
-                <a16:creationId xmlns:a16="http://schemas.microsoft.com/office/drawing/2014/main" id="{15CD42DB-61E6-AA3D-7125-BF4BEDB5D886}"/>
+                <a16:creationId xmlns:a16="http://schemas.microsoft.com/office/drawing/2014/main" id="{13E4D6AC-2177-24FE-13D6-8AE8942D21C9}"/>
+              </a:ext>
+            </a:extLst>
+          </p:cNvPr>
+          <p:cNvPicPr>
+            <a:picLocks noChangeAspect="1"/>
+          </p:cNvPicPr>
+          <p:nvPr/>
+        </p:nvPicPr>
+        <p:blipFill>
+          <a:blip r:embed="rId2"/>
+          <a:stretch>
+            <a:fillRect/>
+          </a:stretch>
+        </p:blipFill>
+        <p:spPr>
+          <a:xfrm>
+            <a:off x="4424362" y="3556523"/>
+            <a:ext cx="6562725" cy="3051966"/>
+          </a:xfrm>
+          <a:prstGeom prst="rect">
+            <a:avLst/>
+          </a:prstGeom>
+        </p:spPr>
+      </p:pic>
+    </p:spTree>
+    <p:extLst>
+      <p:ext uri="{BB962C8B-B14F-4D97-AF65-F5344CB8AC3E}">
+        <p14:creationId xmlns:p14="http://schemas.microsoft.com/office/powerpoint/2010/main" val="545625196"/>
+      </p:ext>
+    </p:extLst>
+  </p:cSld>
+  <p:clrMapOvr>
+    <a:masterClrMapping/>
+  </p:clrMapOvr>
+</p:sld>
+</file>
+
+<file path=ppt/slides/slide9.xml><?xml version="1.0" encoding="utf-8"?>
+<p:sld xmlns:a="http://schemas.openxmlformats.org/drawingml/2006/main" xmlns:r="http://schemas.openxmlformats.org/officeDocument/2006/relationships" xmlns:p="http://schemas.openxmlformats.org/presentationml/2006/main">
+  <p:cSld>
+    <p:spTree>
+      <p:nvGrpSpPr>
+        <p:cNvPr id="1" name=""/>
+        <p:cNvGrpSpPr/>
+        <p:nvPr/>
+      </p:nvGrpSpPr>
+      <p:grpSpPr>
+        <a:xfrm>
+          <a:off x="0" y="0"/>
+          <a:ext cx="0" cy="0"/>
+          <a:chOff x="0" y="0"/>
+          <a:chExt cx="0" cy="0"/>
+        </a:xfrm>
+      </p:grpSpPr>
+      <p:sp>
+        <p:nvSpPr>
+          <p:cNvPr id="2" name="Segnaposto testo 1">
+            <a:extLst>
+              <a:ext uri="{FF2B5EF4-FFF2-40B4-BE49-F238E27FC236}">
+                <a16:creationId xmlns:a16="http://schemas.microsoft.com/office/drawing/2014/main" id="{E5AE986C-196F-4141-A898-FA4C4198CDCC}"/>
               </a:ext>
             </a:extLst>
           </p:cNvPr>
@@ -8763,60 +10629,638 @@
         </p:nvSpPr>
         <p:spPr>
           <a:xfrm>
-            <a:off x="477519" y="1557338"/>
-            <a:ext cx="11043921" cy="4392612"/>
+            <a:off x="323469" y="1307410"/>
+            <a:ext cx="7806119" cy="4392612"/>
           </a:xfrm>
         </p:spPr>
         <p:txBody>
           <a:bodyPr/>
           <a:lstStyle/>
           <a:p>
-            <a:endParaRPr lang="it-IT" dirty="0"/>
-          </a:p>
-          <a:p>
-            <a:endParaRPr lang="it-IT" dirty="0"/>
+            <a:pPr marL="342900" indent="-342900" algn="l">
+              <a:buFont typeface="Wingdings" panose="05000000000000000000" pitchFamily="2" charset="2"/>
+              <a:buChar char="ü"/>
+            </a:pPr>
+            <a:r>
+              <a:rPr lang="it-IT" sz="2400">
+                <a:solidFill>
+                  <a:schemeClr val="tx1"/>
+                </a:solidFill>
+                <a:latin typeface="Tahoma" panose="020B0604030504040204" pitchFamily="34" charset="0"/>
+                <a:ea typeface="Tahoma" panose="020B0604030504040204" pitchFamily="34" charset="0"/>
+                <a:cs typeface="Tahoma" panose="020B0604030504040204" pitchFamily="34" charset="0"/>
+              </a:rPr>
+              <a:t>Rispetto alla </a:t>
+            </a:r>
+            <a:r>
+              <a:rPr lang="it-IT" sz="2400" b="1">
+                <a:solidFill>
+                  <a:schemeClr val="tx1"/>
+                </a:solidFill>
+                <a:latin typeface="Tahoma" panose="020B0604030504040204" pitchFamily="34" charset="0"/>
+                <a:ea typeface="Tahoma" panose="020B0604030504040204" pitchFamily="34" charset="0"/>
+                <a:cs typeface="Tahoma" panose="020B0604030504040204" pitchFamily="34" charset="0"/>
+              </a:rPr>
+              <a:t>crittografia</a:t>
+            </a:r>
+            <a:r>
+              <a:rPr lang="it-IT" sz="2400">
+                <a:solidFill>
+                  <a:schemeClr val="tx1"/>
+                </a:solidFill>
+                <a:latin typeface="Tahoma" panose="020B0604030504040204" pitchFamily="34" charset="0"/>
+                <a:ea typeface="Tahoma" panose="020B0604030504040204" pitchFamily="34" charset="0"/>
+                <a:cs typeface="Tahoma" panose="020B0604030504040204" pitchFamily="34" charset="0"/>
+              </a:rPr>
+              <a:t> </a:t>
+            </a:r>
+            <a:r>
+              <a:rPr lang="it-IT" sz="2400" b="1">
+                <a:solidFill>
+                  <a:schemeClr val="tx1"/>
+                </a:solidFill>
+                <a:latin typeface="Tahoma" panose="020B0604030504040204" pitchFamily="34" charset="0"/>
+                <a:ea typeface="Tahoma" panose="020B0604030504040204" pitchFamily="34" charset="0"/>
+                <a:cs typeface="Tahoma" panose="020B0604030504040204" pitchFamily="34" charset="0"/>
+              </a:rPr>
+              <a:t>simmetrica</a:t>
+            </a:r>
+            <a:r>
+              <a:rPr lang="it-IT" sz="2400">
+                <a:solidFill>
+                  <a:schemeClr val="tx1"/>
+                </a:solidFill>
+                <a:latin typeface="Tahoma" panose="020B0604030504040204" pitchFamily="34" charset="0"/>
+                <a:ea typeface="Tahoma" panose="020B0604030504040204" pitchFamily="34" charset="0"/>
+                <a:cs typeface="Tahoma" panose="020B0604030504040204" pitchFamily="34" charset="0"/>
+              </a:rPr>
+              <a:t> che usa un’unica chiave, la </a:t>
+            </a:r>
+            <a:r>
+              <a:rPr lang="it-IT" sz="2400" b="1">
+                <a:solidFill>
+                  <a:schemeClr val="tx1"/>
+                </a:solidFill>
+                <a:latin typeface="Tahoma" panose="020B0604030504040204" pitchFamily="34" charset="0"/>
+                <a:ea typeface="Tahoma" panose="020B0604030504040204" pitchFamily="34" charset="0"/>
+                <a:cs typeface="Tahoma" panose="020B0604030504040204" pitchFamily="34" charset="0"/>
+              </a:rPr>
+              <a:t>crittografia</a:t>
+            </a:r>
+            <a:r>
+              <a:rPr lang="it-IT" sz="2400">
+                <a:solidFill>
+                  <a:schemeClr val="tx1"/>
+                </a:solidFill>
+                <a:latin typeface="Tahoma" panose="020B0604030504040204" pitchFamily="34" charset="0"/>
+                <a:ea typeface="Tahoma" panose="020B0604030504040204" pitchFamily="34" charset="0"/>
+                <a:cs typeface="Tahoma" panose="020B0604030504040204" pitchFamily="34" charset="0"/>
+              </a:rPr>
+              <a:t> </a:t>
+            </a:r>
+            <a:r>
+              <a:rPr lang="it-IT" sz="2400" b="1">
+                <a:solidFill>
+                  <a:schemeClr val="tx1"/>
+                </a:solidFill>
+                <a:latin typeface="Tahoma" panose="020B0604030504040204" pitchFamily="34" charset="0"/>
+                <a:ea typeface="Tahoma" panose="020B0604030504040204" pitchFamily="34" charset="0"/>
+                <a:cs typeface="Tahoma" panose="020B0604030504040204" pitchFamily="34" charset="0"/>
+              </a:rPr>
+              <a:t>asimmetrica</a:t>
+            </a:r>
+            <a:r>
+              <a:rPr lang="it-IT" sz="2400">
+                <a:solidFill>
+                  <a:schemeClr val="tx1"/>
+                </a:solidFill>
+                <a:latin typeface="Tahoma" panose="020B0604030504040204" pitchFamily="34" charset="0"/>
+                <a:ea typeface="Tahoma" panose="020B0604030504040204" pitchFamily="34" charset="0"/>
+                <a:cs typeface="Tahoma" panose="020B0604030504040204" pitchFamily="34" charset="0"/>
+              </a:rPr>
+              <a:t> si serve di due chiavi di codifica: la </a:t>
+            </a:r>
+            <a:r>
+              <a:rPr lang="it-IT" sz="2400" b="1">
+                <a:solidFill>
+                  <a:schemeClr val="tx1"/>
+                </a:solidFill>
+                <a:latin typeface="Tahoma" panose="020B0604030504040204" pitchFamily="34" charset="0"/>
+                <a:ea typeface="Tahoma" panose="020B0604030504040204" pitchFamily="34" charset="0"/>
+                <a:cs typeface="Tahoma" panose="020B0604030504040204" pitchFamily="34" charset="0"/>
+              </a:rPr>
+              <a:t>chiave</a:t>
+            </a:r>
+            <a:r>
+              <a:rPr lang="it-IT" sz="2400">
+                <a:solidFill>
+                  <a:schemeClr val="tx1"/>
+                </a:solidFill>
+                <a:latin typeface="Tahoma" panose="020B0604030504040204" pitchFamily="34" charset="0"/>
+                <a:ea typeface="Tahoma" panose="020B0604030504040204" pitchFamily="34" charset="0"/>
+                <a:cs typeface="Tahoma" panose="020B0604030504040204" pitchFamily="34" charset="0"/>
+              </a:rPr>
+              <a:t> </a:t>
+            </a:r>
+            <a:r>
+              <a:rPr lang="it-IT" sz="2400" b="1">
+                <a:solidFill>
+                  <a:schemeClr val="tx1"/>
+                </a:solidFill>
+                <a:latin typeface="Tahoma" panose="020B0604030504040204" pitchFamily="34" charset="0"/>
+                <a:ea typeface="Tahoma" panose="020B0604030504040204" pitchFamily="34" charset="0"/>
+                <a:cs typeface="Tahoma" panose="020B0604030504040204" pitchFamily="34" charset="0"/>
+              </a:rPr>
+              <a:t>pubblica</a:t>
+            </a:r>
+            <a:r>
+              <a:rPr lang="it-IT" sz="2400">
+                <a:solidFill>
+                  <a:schemeClr val="tx1"/>
+                </a:solidFill>
+                <a:latin typeface="Tahoma" panose="020B0604030504040204" pitchFamily="34" charset="0"/>
+                <a:ea typeface="Tahoma" panose="020B0604030504040204" pitchFamily="34" charset="0"/>
+                <a:cs typeface="Tahoma" panose="020B0604030504040204" pitchFamily="34" charset="0"/>
+              </a:rPr>
+              <a:t> e la </a:t>
+            </a:r>
+            <a:r>
+              <a:rPr lang="it-IT" sz="2400" b="1">
+                <a:solidFill>
+                  <a:schemeClr val="tx1"/>
+                </a:solidFill>
+                <a:latin typeface="Tahoma" panose="020B0604030504040204" pitchFamily="34" charset="0"/>
+                <a:ea typeface="Tahoma" panose="020B0604030504040204" pitchFamily="34" charset="0"/>
+                <a:cs typeface="Tahoma" panose="020B0604030504040204" pitchFamily="34" charset="0"/>
+              </a:rPr>
+              <a:t>chiave</a:t>
+            </a:r>
+            <a:r>
+              <a:rPr lang="it-IT" sz="2400">
+                <a:solidFill>
+                  <a:schemeClr val="tx1"/>
+                </a:solidFill>
+                <a:latin typeface="Tahoma" panose="020B0604030504040204" pitchFamily="34" charset="0"/>
+                <a:ea typeface="Tahoma" panose="020B0604030504040204" pitchFamily="34" charset="0"/>
+                <a:cs typeface="Tahoma" panose="020B0604030504040204" pitchFamily="34" charset="0"/>
+              </a:rPr>
+              <a:t> </a:t>
+            </a:r>
+            <a:r>
+              <a:rPr lang="it-IT" sz="2400" b="1">
+                <a:solidFill>
+                  <a:schemeClr val="tx1"/>
+                </a:solidFill>
+                <a:latin typeface="Tahoma" panose="020B0604030504040204" pitchFamily="34" charset="0"/>
+                <a:ea typeface="Tahoma" panose="020B0604030504040204" pitchFamily="34" charset="0"/>
+                <a:cs typeface="Tahoma" panose="020B0604030504040204" pitchFamily="34" charset="0"/>
+              </a:rPr>
+              <a:t>privata</a:t>
+            </a:r>
+            <a:r>
+              <a:rPr lang="it-IT" sz="2400">
+                <a:solidFill>
+                  <a:schemeClr val="tx1"/>
+                </a:solidFill>
+                <a:latin typeface="Tahoma" panose="020B0604030504040204" pitchFamily="34" charset="0"/>
+                <a:ea typeface="Tahoma" panose="020B0604030504040204" pitchFamily="34" charset="0"/>
+                <a:cs typeface="Tahoma" panose="020B0604030504040204" pitchFamily="34" charset="0"/>
+              </a:rPr>
+              <a:t>.</a:t>
+            </a:r>
+          </a:p>
+          <a:p>
+            <a:pPr marL="342900" indent="-342900" algn="l">
+              <a:buFont typeface="Wingdings" panose="05000000000000000000" pitchFamily="2" charset="2"/>
+              <a:buChar char="ü"/>
+            </a:pPr>
+            <a:r>
+              <a:rPr lang="it-IT" sz="2400">
+                <a:solidFill>
+                  <a:schemeClr val="tx1"/>
+                </a:solidFill>
+                <a:latin typeface="Tahoma" panose="020B0604030504040204" pitchFamily="34" charset="0"/>
+                <a:ea typeface="Tahoma" panose="020B0604030504040204" pitchFamily="34" charset="0"/>
+                <a:cs typeface="Tahoma" panose="020B0604030504040204" pitchFamily="34" charset="0"/>
+              </a:rPr>
+              <a:t>Il primo evidente </a:t>
+            </a:r>
+            <a:r>
+              <a:rPr lang="it-IT" sz="2400" b="1">
+                <a:solidFill>
+                  <a:schemeClr val="tx1"/>
+                </a:solidFill>
+                <a:latin typeface="Tahoma" panose="020B0604030504040204" pitchFamily="34" charset="0"/>
+                <a:ea typeface="Tahoma" panose="020B0604030504040204" pitchFamily="34" charset="0"/>
+                <a:cs typeface="Tahoma" panose="020B0604030504040204" pitchFamily="34" charset="0"/>
+              </a:rPr>
+              <a:t>vantaggio</a:t>
+            </a:r>
+            <a:r>
+              <a:rPr lang="it-IT" sz="2400">
+                <a:solidFill>
+                  <a:schemeClr val="tx1"/>
+                </a:solidFill>
+                <a:latin typeface="Tahoma" panose="020B0604030504040204" pitchFamily="34" charset="0"/>
+                <a:ea typeface="Tahoma" panose="020B0604030504040204" pitchFamily="34" charset="0"/>
+                <a:cs typeface="Tahoma" panose="020B0604030504040204" pitchFamily="34" charset="0"/>
+              </a:rPr>
+              <a:t> di questo tipo di </a:t>
+            </a:r>
+            <a:r>
+              <a:rPr lang="it-IT" sz="2400" b="1">
+                <a:solidFill>
+                  <a:schemeClr val="tx1"/>
+                </a:solidFill>
+                <a:latin typeface="Tahoma" panose="020B0604030504040204" pitchFamily="34" charset="0"/>
+                <a:ea typeface="Tahoma" panose="020B0604030504040204" pitchFamily="34" charset="0"/>
+                <a:cs typeface="Tahoma" panose="020B0604030504040204" pitchFamily="34" charset="0"/>
+              </a:rPr>
+              <a:t>cifratura</a:t>
+            </a:r>
+            <a:r>
+              <a:rPr lang="it-IT" sz="2400">
+                <a:solidFill>
+                  <a:schemeClr val="tx1"/>
+                </a:solidFill>
+                <a:latin typeface="Tahoma" panose="020B0604030504040204" pitchFamily="34" charset="0"/>
+                <a:ea typeface="Tahoma" panose="020B0604030504040204" pitchFamily="34" charset="0"/>
+                <a:cs typeface="Tahoma" panose="020B0604030504040204" pitchFamily="34" charset="0"/>
+              </a:rPr>
+              <a:t> è, come già anticipato, la </a:t>
+            </a:r>
+            <a:r>
+              <a:rPr lang="it-IT" sz="2400" b="1">
+                <a:solidFill>
+                  <a:schemeClr val="tx1"/>
+                </a:solidFill>
+                <a:latin typeface="Tahoma" panose="020B0604030504040204" pitchFamily="34" charset="0"/>
+                <a:ea typeface="Tahoma" panose="020B0604030504040204" pitchFamily="34" charset="0"/>
+                <a:cs typeface="Tahoma" panose="020B0604030504040204" pitchFamily="34" charset="0"/>
+              </a:rPr>
+              <a:t>maggiore</a:t>
+            </a:r>
+            <a:r>
+              <a:rPr lang="it-IT" sz="2400">
+                <a:solidFill>
+                  <a:schemeClr val="tx1"/>
+                </a:solidFill>
+                <a:latin typeface="Tahoma" panose="020B0604030504040204" pitchFamily="34" charset="0"/>
+                <a:ea typeface="Tahoma" panose="020B0604030504040204" pitchFamily="34" charset="0"/>
+                <a:cs typeface="Tahoma" panose="020B0604030504040204" pitchFamily="34" charset="0"/>
+              </a:rPr>
+              <a:t> </a:t>
+            </a:r>
+            <a:r>
+              <a:rPr lang="it-IT" sz="2400" b="1">
+                <a:solidFill>
+                  <a:schemeClr val="tx1"/>
+                </a:solidFill>
+                <a:latin typeface="Tahoma" panose="020B0604030504040204" pitchFamily="34" charset="0"/>
+                <a:ea typeface="Tahoma" panose="020B0604030504040204" pitchFamily="34" charset="0"/>
+                <a:cs typeface="Tahoma" panose="020B0604030504040204" pitchFamily="34" charset="0"/>
+              </a:rPr>
+              <a:t>sicurezza</a:t>
+            </a:r>
+            <a:r>
+              <a:rPr lang="it-IT" sz="2400">
+                <a:solidFill>
+                  <a:schemeClr val="tx1"/>
+                </a:solidFill>
+                <a:latin typeface="Tahoma" panose="020B0604030504040204" pitchFamily="34" charset="0"/>
+                <a:ea typeface="Tahoma" panose="020B0604030504040204" pitchFamily="34" charset="0"/>
+                <a:cs typeface="Tahoma" panose="020B0604030504040204" pitchFamily="34" charset="0"/>
+              </a:rPr>
+              <a:t> che può </a:t>
+            </a:r>
+            <a:r>
+              <a:rPr lang="it-IT" sz="2400" b="1">
+                <a:solidFill>
+                  <a:schemeClr val="tx1"/>
+                </a:solidFill>
+                <a:latin typeface="Tahoma" panose="020B0604030504040204" pitchFamily="34" charset="0"/>
+                <a:ea typeface="Tahoma" panose="020B0604030504040204" pitchFamily="34" charset="0"/>
+                <a:cs typeface="Tahoma" panose="020B0604030504040204" pitchFamily="34" charset="0"/>
+              </a:rPr>
+              <a:t>assicurare</a:t>
+            </a:r>
+            <a:r>
+              <a:rPr lang="it-IT" sz="2400">
+                <a:solidFill>
+                  <a:schemeClr val="tx1"/>
+                </a:solidFill>
+                <a:latin typeface="Tahoma" panose="020B0604030504040204" pitchFamily="34" charset="0"/>
+                <a:ea typeface="Tahoma" panose="020B0604030504040204" pitchFamily="34" charset="0"/>
+                <a:cs typeface="Tahoma" panose="020B0604030504040204" pitchFamily="34" charset="0"/>
+              </a:rPr>
+              <a:t>.</a:t>
+            </a:r>
+          </a:p>
+          <a:p>
+            <a:pPr marL="342900" indent="-342900" algn="l">
+              <a:buFont typeface="Wingdings" panose="05000000000000000000" pitchFamily="2" charset="2"/>
+              <a:buChar char="ü"/>
+            </a:pPr>
+            <a:r>
+              <a:rPr lang="it-IT" sz="2400">
+                <a:solidFill>
+                  <a:schemeClr val="tx1"/>
+                </a:solidFill>
+                <a:latin typeface="Tahoma" panose="020B0604030504040204" pitchFamily="34" charset="0"/>
+                <a:ea typeface="Tahoma" panose="020B0604030504040204" pitchFamily="34" charset="0"/>
+                <a:cs typeface="Tahoma" panose="020B0604030504040204" pitchFamily="34" charset="0"/>
+              </a:rPr>
+              <a:t>Basandosi su due </a:t>
+            </a:r>
+            <a:r>
+              <a:rPr lang="it-IT" sz="2400" b="1">
+                <a:solidFill>
+                  <a:schemeClr val="tx1"/>
+                </a:solidFill>
+                <a:latin typeface="Tahoma" panose="020B0604030504040204" pitchFamily="34" charset="0"/>
+                <a:ea typeface="Tahoma" panose="020B0604030504040204" pitchFamily="34" charset="0"/>
+                <a:cs typeface="Tahoma" panose="020B0604030504040204" pitchFamily="34" charset="0"/>
+              </a:rPr>
+              <a:t>chiavi</a:t>
+            </a:r>
+            <a:r>
+              <a:rPr lang="it-IT" sz="2400">
+                <a:solidFill>
+                  <a:schemeClr val="tx1"/>
+                </a:solidFill>
+                <a:latin typeface="Tahoma" panose="020B0604030504040204" pitchFamily="34" charset="0"/>
+                <a:ea typeface="Tahoma" panose="020B0604030504040204" pitchFamily="34" charset="0"/>
+                <a:cs typeface="Tahoma" panose="020B0604030504040204" pitchFamily="34" charset="0"/>
+              </a:rPr>
+              <a:t> </a:t>
+            </a:r>
+            <a:r>
+              <a:rPr lang="it-IT" sz="2400" b="1">
+                <a:solidFill>
+                  <a:schemeClr val="tx1"/>
+                </a:solidFill>
+                <a:latin typeface="Tahoma" panose="020B0604030504040204" pitchFamily="34" charset="0"/>
+                <a:ea typeface="Tahoma" panose="020B0604030504040204" pitchFamily="34" charset="0"/>
+                <a:cs typeface="Tahoma" panose="020B0604030504040204" pitchFamily="34" charset="0"/>
+              </a:rPr>
+              <a:t>distinte</a:t>
+            </a:r>
+            <a:r>
+              <a:rPr lang="it-IT" sz="2400">
+                <a:solidFill>
+                  <a:schemeClr val="tx1"/>
+                </a:solidFill>
+                <a:latin typeface="Tahoma" panose="020B0604030504040204" pitchFamily="34" charset="0"/>
+                <a:ea typeface="Tahoma" panose="020B0604030504040204" pitchFamily="34" charset="0"/>
+                <a:cs typeface="Tahoma" panose="020B0604030504040204" pitchFamily="34" charset="0"/>
+              </a:rPr>
+              <a:t>, infatti, riesce a </a:t>
+            </a:r>
+            <a:r>
+              <a:rPr lang="it-IT" sz="2400" b="1">
+                <a:solidFill>
+                  <a:schemeClr val="tx1"/>
+                </a:solidFill>
+                <a:latin typeface="Tahoma" panose="020B0604030504040204" pitchFamily="34" charset="0"/>
+                <a:ea typeface="Tahoma" panose="020B0604030504040204" pitchFamily="34" charset="0"/>
+                <a:cs typeface="Tahoma" panose="020B0604030504040204" pitchFamily="34" charset="0"/>
+              </a:rPr>
+              <a:t>proteggere</a:t>
+            </a:r>
+            <a:r>
+              <a:rPr lang="it-IT" sz="2400">
+                <a:solidFill>
+                  <a:schemeClr val="tx1"/>
+                </a:solidFill>
+                <a:latin typeface="Tahoma" panose="020B0604030504040204" pitchFamily="34" charset="0"/>
+                <a:ea typeface="Tahoma" panose="020B0604030504040204" pitchFamily="34" charset="0"/>
+                <a:cs typeface="Tahoma" panose="020B0604030504040204" pitchFamily="34" charset="0"/>
+              </a:rPr>
+              <a:t> i dati anche nel caso in cui un </a:t>
+            </a:r>
+            <a:r>
+              <a:rPr lang="it-IT" sz="2400" b="1">
+                <a:solidFill>
+                  <a:schemeClr val="tx1"/>
+                </a:solidFill>
+                <a:latin typeface="Tahoma" panose="020B0604030504040204" pitchFamily="34" charset="0"/>
+                <a:ea typeface="Tahoma" panose="020B0604030504040204" pitchFamily="34" charset="0"/>
+                <a:cs typeface="Tahoma" panose="020B0604030504040204" pitchFamily="34" charset="0"/>
+              </a:rPr>
+              <a:t>utente</a:t>
+            </a:r>
+            <a:r>
+              <a:rPr lang="it-IT" sz="2400">
+                <a:solidFill>
+                  <a:schemeClr val="tx1"/>
+                </a:solidFill>
+                <a:latin typeface="Tahoma" panose="020B0604030504040204" pitchFamily="34" charset="0"/>
+                <a:ea typeface="Tahoma" panose="020B0604030504040204" pitchFamily="34" charset="0"/>
+                <a:cs typeface="Tahoma" panose="020B0604030504040204" pitchFamily="34" charset="0"/>
+              </a:rPr>
+              <a:t> venga a conoscenza di una delle </a:t>
+            </a:r>
+            <a:r>
+              <a:rPr lang="it-IT" sz="2400" b="1">
+                <a:solidFill>
+                  <a:schemeClr val="tx1"/>
+                </a:solidFill>
+                <a:latin typeface="Tahoma" panose="020B0604030504040204" pitchFamily="34" charset="0"/>
+                <a:ea typeface="Tahoma" panose="020B0604030504040204" pitchFamily="34" charset="0"/>
+                <a:cs typeface="Tahoma" panose="020B0604030504040204" pitchFamily="34" charset="0"/>
+              </a:rPr>
+              <a:t>chiavi</a:t>
+            </a:r>
+            <a:r>
+              <a:rPr lang="it-IT" sz="2400">
+                <a:solidFill>
+                  <a:schemeClr val="tx1"/>
+                </a:solidFill>
+                <a:latin typeface="Tahoma" panose="020B0604030504040204" pitchFamily="34" charset="0"/>
+                <a:ea typeface="Tahoma" panose="020B0604030504040204" pitchFamily="34" charset="0"/>
+                <a:cs typeface="Tahoma" panose="020B0604030504040204" pitchFamily="34" charset="0"/>
+              </a:rPr>
+              <a:t> </a:t>
+            </a:r>
+            <a:r>
+              <a:rPr lang="it-IT" sz="2400" b="1">
+                <a:solidFill>
+                  <a:schemeClr val="tx1"/>
+                </a:solidFill>
+                <a:latin typeface="Tahoma" panose="020B0604030504040204" pitchFamily="34" charset="0"/>
+                <a:ea typeface="Tahoma" panose="020B0604030504040204" pitchFamily="34" charset="0"/>
+                <a:cs typeface="Tahoma" panose="020B0604030504040204" pitchFamily="34" charset="0"/>
+              </a:rPr>
+              <a:t>di</a:t>
+            </a:r>
+            <a:r>
+              <a:rPr lang="it-IT" sz="2400">
+                <a:solidFill>
+                  <a:schemeClr val="tx1"/>
+                </a:solidFill>
+                <a:latin typeface="Tahoma" panose="020B0604030504040204" pitchFamily="34" charset="0"/>
+                <a:ea typeface="Tahoma" panose="020B0604030504040204" pitchFamily="34" charset="0"/>
+                <a:cs typeface="Tahoma" panose="020B0604030504040204" pitchFamily="34" charset="0"/>
+              </a:rPr>
+              <a:t> </a:t>
+            </a:r>
+            <a:r>
+              <a:rPr lang="it-IT" sz="2400" b="1">
+                <a:solidFill>
+                  <a:schemeClr val="tx1"/>
+                </a:solidFill>
+                <a:latin typeface="Tahoma" panose="020B0604030504040204" pitchFamily="34" charset="0"/>
+                <a:ea typeface="Tahoma" panose="020B0604030504040204" pitchFamily="34" charset="0"/>
+                <a:cs typeface="Tahoma" panose="020B0604030504040204" pitchFamily="34" charset="0"/>
+              </a:rPr>
+              <a:t>lettura</a:t>
+            </a:r>
+            <a:r>
+              <a:rPr lang="it-IT" sz="2400">
+                <a:solidFill>
+                  <a:schemeClr val="tx1"/>
+                </a:solidFill>
+                <a:latin typeface="Tahoma" panose="020B0604030504040204" pitchFamily="34" charset="0"/>
+                <a:ea typeface="Tahoma" panose="020B0604030504040204" pitchFamily="34" charset="0"/>
+                <a:cs typeface="Tahoma" panose="020B0604030504040204" pitchFamily="34" charset="0"/>
+              </a:rPr>
+              <a:t>, dato che per </a:t>
+            </a:r>
+            <a:r>
+              <a:rPr lang="it-IT" sz="2400" b="1">
+                <a:solidFill>
+                  <a:schemeClr val="tx1"/>
+                </a:solidFill>
+                <a:latin typeface="Tahoma" panose="020B0604030504040204" pitchFamily="34" charset="0"/>
+                <a:ea typeface="Tahoma" panose="020B0604030504040204" pitchFamily="34" charset="0"/>
+                <a:cs typeface="Tahoma" panose="020B0604030504040204" pitchFamily="34" charset="0"/>
+              </a:rPr>
+              <a:t>accedere</a:t>
+            </a:r>
+            <a:r>
+              <a:rPr lang="it-IT" sz="2400">
+                <a:solidFill>
+                  <a:schemeClr val="tx1"/>
+                </a:solidFill>
+                <a:latin typeface="Tahoma" panose="020B0604030504040204" pitchFamily="34" charset="0"/>
+                <a:ea typeface="Tahoma" panose="020B0604030504040204" pitchFamily="34" charset="0"/>
+                <a:cs typeface="Tahoma" panose="020B0604030504040204" pitchFamily="34" charset="0"/>
+              </a:rPr>
+              <a:t> alle informazioni avrebbe comunque bisogno anche dell’altra chiave.</a:t>
+            </a:r>
           </a:p>
         </p:txBody>
       </p:sp>
       <p:sp>
         <p:nvSpPr>
-          <p:cNvPr id="6" name="CasellaDiTesto 5">
+          <p:cNvPr id="7" name="Segnaposto numero diapositiva 6">
             <a:extLst>
               <a:ext uri="{FF2B5EF4-FFF2-40B4-BE49-F238E27FC236}">
-                <a16:creationId xmlns:a16="http://schemas.microsoft.com/office/drawing/2014/main" id="{D6391C8D-6662-4D50-C544-D76CB446DE8E}"/>
+                <a16:creationId xmlns:a16="http://schemas.microsoft.com/office/drawing/2014/main" id="{AB740BE9-E218-4144-BFDE-AE473D230A3D}"/>
               </a:ext>
             </a:extLst>
           </p:cNvPr>
-          <p:cNvSpPr txBox="1"/>
+          <p:cNvSpPr>
+            <a:spLocks noGrp="1"/>
+          </p:cNvSpPr>
+          <p:nvPr>
+            <p:ph type="sldNum" sz="quarter" idx="12"/>
+          </p:nvPr>
+        </p:nvSpPr>
+        <p:spPr/>
+        <p:txBody>
+          <a:bodyPr/>
+          <a:lstStyle/>
+          <a:p>
+            <a:pPr>
+              <a:defRPr/>
+            </a:pPr>
+            <a:fld id="{48B4153A-D4C5-4CEF-8992-0D8815C829E3}" type="slidenum">
+              <a:rPr lang="en-US" smtClean="0"/>
+              <a:pPr>
+                <a:defRPr/>
+              </a:pPr>
+              <a:t>9</a:t>
+            </a:fld>
+            <a:endParaRPr lang="en-US" dirty="0"/>
+          </a:p>
+        </p:txBody>
+      </p:sp>
+      <p:sp>
+        <p:nvSpPr>
+          <p:cNvPr id="6" name="Titolo 4">
+            <a:extLst>
+              <a:ext uri="{FF2B5EF4-FFF2-40B4-BE49-F238E27FC236}">
+                <a16:creationId xmlns:a16="http://schemas.microsoft.com/office/drawing/2014/main" id="{CF9A4806-60B4-80DC-1F76-D2EB3E6C376B}"/>
+              </a:ext>
+            </a:extLst>
+          </p:cNvPr>
+          <p:cNvSpPr>
+            <a:spLocks noGrp="1"/>
+          </p:cNvSpPr>
+          <p:nvPr>
+            <p:ph type="title"/>
+          </p:nvPr>
+        </p:nvSpPr>
+        <p:spPr>
+          <a:xfrm>
+            <a:off x="461169" y="422999"/>
+            <a:ext cx="11269662" cy="384721"/>
+          </a:xfrm>
+        </p:spPr>
+        <p:txBody>
+          <a:bodyPr/>
+          <a:lstStyle/>
+          <a:p>
+            <a:r>
+              <a:rPr lang="it-IT" sz="2800">
+                <a:solidFill>
+                  <a:schemeClr val="tx1"/>
+                </a:solidFill>
+                <a:latin typeface="Tahoma" panose="020B0604030504040204" pitchFamily="34" charset="0"/>
+                <a:ea typeface="Tahoma" panose="020B0604030504040204" pitchFamily="34" charset="0"/>
+                <a:cs typeface="Tahoma" panose="020B0604030504040204" pitchFamily="34" charset="0"/>
+              </a:rPr>
+              <a:t>Crittografia asimmetrica</a:t>
+            </a:r>
+            <a:endParaRPr lang="it-IT" dirty="0"/>
+          </a:p>
+        </p:txBody>
+      </p:sp>
+      <p:pic>
+        <p:nvPicPr>
+          <p:cNvPr id="5" name="Immagine 4">
+            <a:extLst>
+              <a:ext uri="{FF2B5EF4-FFF2-40B4-BE49-F238E27FC236}">
+                <a16:creationId xmlns:a16="http://schemas.microsoft.com/office/drawing/2014/main" id="{6533BBBB-6847-249C-7DA0-738D502C01CE}"/>
+              </a:ext>
+            </a:extLst>
+          </p:cNvPr>
+          <p:cNvPicPr>
+            <a:picLocks noChangeAspect="1"/>
+          </p:cNvPicPr>
           <p:nvPr/>
-        </p:nvSpPr>
-        <p:spPr>
-          <a:xfrm>
-            <a:off x="477519" y="1372672"/>
-            <a:ext cx="6098344" cy="369332"/>
+        </p:nvPicPr>
+        <p:blipFill>
+          <a:blip r:embed="rId2"/>
+          <a:stretch>
+            <a:fillRect/>
+          </a:stretch>
+        </p:blipFill>
+        <p:spPr>
+          <a:xfrm>
+            <a:off x="7717207" y="2437358"/>
+            <a:ext cx="4151324" cy="2362201"/>
           </a:xfrm>
           <a:prstGeom prst="rect">
             <a:avLst/>
           </a:prstGeom>
-          <a:noFill/>
-        </p:spPr>
-        <p:txBody>
-          <a:bodyPr wrap="square">
-            <a:spAutoFit/>
-          </a:bodyPr>
-          <a:lstStyle/>
-          <a:p>
-            <a:r>
-              <a:rPr lang="it-IT"/>
-              <a:t>https://www.it-impresa.it/blog/tipi-di-crittografia/</a:t>
-            </a:r>
-          </a:p>
-        </p:txBody>
-      </p:sp>
+        </p:spPr>
+      </p:pic>
     </p:spTree>
     <p:extLst>
       <p:ext uri="{BB962C8B-B14F-4D97-AF65-F5344CB8AC3E}">
-        <p14:creationId xmlns:p14="http://schemas.microsoft.com/office/powerpoint/2010/main" val="3490964097"/>
+        <p14:creationId xmlns:p14="http://schemas.microsoft.com/office/powerpoint/2010/main" val="240827482"/>
       </p:ext>
     </p:extLst>
   </p:cSld>
@@ -9391,6 +11835,20 @@
 </file>
 
 <file path=customXml/item1.xml><?xml version="1.0" encoding="utf-8"?>
+<p:properties xmlns:p="http://schemas.microsoft.com/office/2006/metadata/properties" xmlns:xsi="http://www.w3.org/2001/XMLSchema-instance" xmlns:pc="http://schemas.microsoft.com/office/infopath/2007/PartnerControls">
+  <documentManagement>
+    <SottoCategoria xmlns="679261c3-551f-4e86-913f-177e0e529669">-</SottoCategoria>
+    <Categoria xmlns="c58f2efd-82a8-4ecf-b395-8c25e928921d">Power Point</Categoria>
+    <_dlc_DocId xmlns="459159c4-d20a-4ff3-9b11-fbd127bd52e5">INTRANET-14-158</_dlc_DocId>
+    <_dlc_DocIdUrl xmlns="459159c4-d20a-4ff3-9b11-fbd127bd52e5">
+      <Url>https://intranet.istat.it/Collaborativi/_layouts/15/DocIdRedir.aspx?ID=INTRANET-14-158</Url>
+      <Description>INTRANET-14-158</Description>
+    </_dlc_DocIdUrl>
+  </documentManagement>
+</p:properties>
+</file>
+
+<file path=customXml/item2.xml><?xml version="1.0" encoding="utf-8"?>
 <ct:contentTypeSchema xmlns:ct="http://schemas.microsoft.com/office/2006/metadata/contentType" xmlns:ma="http://schemas.microsoft.com/office/2006/metadata/properties/metaAttributes" ct:_="" ma:_="" ma:contentTypeName="Documento" ma:contentTypeID="0x010100661A2BE3120D674DA36C11D6006822D4" ma:contentTypeVersion="3" ma:contentTypeDescription="Creare un nuovo documento." ma:contentTypeScope="" ma:versionID="2ad8b07f9840a1ce9cd199d874146b74">
   <xsd:schema xmlns:xsd="http://www.w3.org/2001/XMLSchema" xmlns:xs="http://www.w3.org/2001/XMLSchema" xmlns:p="http://schemas.microsoft.com/office/2006/metadata/properties" xmlns:ns2="c58f2efd-82a8-4ecf-b395-8c25e928921d" xmlns:ns3="459159c4-d20a-4ff3-9b11-fbd127bd52e5" xmlns:ns4="679261c3-551f-4e86-913f-177e0e529669" targetNamespace="http://schemas.microsoft.com/office/2006/metadata/properties" ma:root="true" ma:fieldsID="fffb0e16fb90ffea59fef1085e90ecca" ns2:_="" ns3:_="" ns4:_="">
     <xsd:import namespace="c58f2efd-82a8-4ecf-b395-8c25e928921d"/>
@@ -9577,30 +12035,7 @@
 </ct:contentTypeSchema>
 </file>
 
-<file path=customXml/item2.xml><?xml version="1.0" encoding="utf-8"?>
-<p:properties xmlns:p="http://schemas.microsoft.com/office/2006/metadata/properties" xmlns:xsi="http://www.w3.org/2001/XMLSchema-instance" xmlns:pc="http://schemas.microsoft.com/office/infopath/2007/PartnerControls">
-  <documentManagement>
-    <SottoCategoria xmlns="679261c3-551f-4e86-913f-177e0e529669">-</SottoCategoria>
-    <Categoria xmlns="c58f2efd-82a8-4ecf-b395-8c25e928921d">Power Point</Categoria>
-    <_dlc_DocId xmlns="459159c4-d20a-4ff3-9b11-fbd127bd52e5">INTRANET-14-158</_dlc_DocId>
-    <_dlc_DocIdUrl xmlns="459159c4-d20a-4ff3-9b11-fbd127bd52e5">
-      <Url>https://intranet.istat.it/Collaborativi/_layouts/15/DocIdRedir.aspx?ID=INTRANET-14-158</Url>
-      <Description>INTRANET-14-158</Description>
-    </_dlc_DocIdUrl>
-  </documentManagement>
-</p:properties>
-</file>
-
 <file path=customXml/item3.xml><?xml version="1.0" encoding="utf-8"?>
-<?mso-contentType ?>
-<FormTemplates xmlns="http://schemas.microsoft.com/sharepoint/v3/contenttype/forms">
-  <Display>DocumentLibraryForm</Display>
-  <Edit>DocumentLibraryForm</Edit>
-  <New>DocumentLibraryForm</New>
-</FormTemplates>
-</file>
-
-<file path=customXml/item4.xml><?xml version="1.0" encoding="utf-8"?>
 <?mso-contentType ?>
 <spe:Receivers xmlns:spe="http://schemas.microsoft.com/sharepoint/events">
   <Receiver>
@@ -9650,7 +12085,34 @@
 </spe:Receivers>
 </file>
 
+<file path=customXml/item4.xml><?xml version="1.0" encoding="utf-8"?>
+<?mso-contentType ?>
+<FormTemplates xmlns="http://schemas.microsoft.com/sharepoint/v3/contenttype/forms">
+  <Display>DocumentLibraryForm</Display>
+  <Edit>DocumentLibraryForm</Edit>
+  <New>DocumentLibraryForm</New>
+</FormTemplates>
+</file>
+
 <file path=customXml/itemProps1.xml><?xml version="1.0" encoding="utf-8"?>
+<ds:datastoreItem xmlns:ds="http://schemas.openxmlformats.org/officeDocument/2006/customXml" ds:itemID="{3EF378BC-F4D0-4510-B4EC-07B6EFE18CF8}">
+  <ds:schemaRefs>
+    <ds:schemaRef ds:uri="http://schemas.microsoft.com/office/infopath/2007/PartnerControls"/>
+    <ds:schemaRef ds:uri="http://purl.org/dc/elements/1.1/"/>
+    <ds:schemaRef ds:uri="http://schemas.microsoft.com/office/2006/metadata/properties"/>
+    <ds:schemaRef ds:uri="http://schemas.openxmlformats.org/package/2006/metadata/core-properties"/>
+    <ds:schemaRef ds:uri="http://purl.org/dc/terms/"/>
+    <ds:schemaRef ds:uri="679261c3-551f-4e86-913f-177e0e529669"/>
+    <ds:schemaRef ds:uri="459159c4-d20a-4ff3-9b11-fbd127bd52e5"/>
+    <ds:schemaRef ds:uri="http://schemas.microsoft.com/office/2006/documentManagement/types"/>
+    <ds:schemaRef ds:uri="c58f2efd-82a8-4ecf-b395-8c25e928921d"/>
+    <ds:schemaRef ds:uri="http://www.w3.org/XML/1998/namespace"/>
+    <ds:schemaRef ds:uri="http://purl.org/dc/dcmitype/"/>
+  </ds:schemaRefs>
+</ds:datastoreItem>
+</file>
+
+<file path=customXml/itemProps2.xml><?xml version="1.0" encoding="utf-8"?>
 <ds:datastoreItem xmlns:ds="http://schemas.openxmlformats.org/officeDocument/2006/customXml" ds:itemID="{3F66F418-6054-4EA5-BF8E-6AF3CEAE6265}">
   <ds:schemaRefs>
     <ds:schemaRef ds:uri="http://schemas.microsoft.com/office/2006/metadata/contentType"/>
@@ -9670,36 +12132,18 @@
 </ds:datastoreItem>
 </file>
 
-<file path=customXml/itemProps2.xml><?xml version="1.0" encoding="utf-8"?>
-<ds:datastoreItem xmlns:ds="http://schemas.openxmlformats.org/officeDocument/2006/customXml" ds:itemID="{3EF378BC-F4D0-4510-B4EC-07B6EFE18CF8}">
+<file path=customXml/itemProps3.xml><?xml version="1.0" encoding="utf-8"?>
+<ds:datastoreItem xmlns:ds="http://schemas.openxmlformats.org/officeDocument/2006/customXml" ds:itemID="{D9296C4F-9DE9-4B43-AA80-1FC85656CFFA}">
   <ds:schemaRefs>
-    <ds:schemaRef ds:uri="http://schemas.microsoft.com/office/infopath/2007/PartnerControls"/>
-    <ds:schemaRef ds:uri="http://purl.org/dc/elements/1.1/"/>
-    <ds:schemaRef ds:uri="http://schemas.microsoft.com/office/2006/metadata/properties"/>
-    <ds:schemaRef ds:uri="http://schemas.openxmlformats.org/package/2006/metadata/core-properties"/>
-    <ds:schemaRef ds:uri="http://purl.org/dc/terms/"/>
-    <ds:schemaRef ds:uri="679261c3-551f-4e86-913f-177e0e529669"/>
-    <ds:schemaRef ds:uri="459159c4-d20a-4ff3-9b11-fbd127bd52e5"/>
-    <ds:schemaRef ds:uri="http://schemas.microsoft.com/office/2006/documentManagement/types"/>
-    <ds:schemaRef ds:uri="c58f2efd-82a8-4ecf-b395-8c25e928921d"/>
-    <ds:schemaRef ds:uri="http://www.w3.org/XML/1998/namespace"/>
-    <ds:schemaRef ds:uri="http://purl.org/dc/dcmitype/"/>
+    <ds:schemaRef ds:uri="http://schemas.microsoft.com/sharepoint/events"/>
   </ds:schemaRefs>
 </ds:datastoreItem>
 </file>
 
-<file path=customXml/itemProps3.xml><?xml version="1.0" encoding="utf-8"?>
+<file path=customXml/itemProps4.xml><?xml version="1.0" encoding="utf-8"?>
 <ds:datastoreItem xmlns:ds="http://schemas.openxmlformats.org/officeDocument/2006/customXml" ds:itemID="{BD9C238D-4D5C-4783-820B-4854DCE45D41}">
   <ds:schemaRefs>
     <ds:schemaRef ds:uri="http://schemas.microsoft.com/sharepoint/v3/contenttype/forms"/>
   </ds:schemaRefs>
 </ds:datastoreItem>
-</file>
-
-<file path=customXml/itemProps4.xml><?xml version="1.0" encoding="utf-8"?>
-<ds:datastoreItem xmlns:ds="http://schemas.openxmlformats.org/officeDocument/2006/customXml" ds:itemID="{D9296C4F-9DE9-4B43-AA80-1FC85656CFFA}">
-  <ds:schemaRefs>
-    <ds:schemaRef ds:uri="http://schemas.microsoft.com/sharepoint/events"/>
-  </ds:schemaRefs>
-</ds:datastoreItem>
 </file>
--- a/Assicurazioni/Tecniche crittografiche_ita.pptx
+++ b/Assicurazioni/Tecniche crittografiche_ita.pptx
@@ -5,7 +5,7 @@
     <p:sldMasterId id="2147483648" r:id="rId5"/>
   </p:sldMasterIdLst>
   <p:notesMasterIdLst>
-    <p:notesMasterId r:id="rId18"/>
+    <p:notesMasterId r:id="rId29"/>
   </p:notesMasterIdLst>
   <p:sldIdLst>
     <p:sldId id="256" r:id="rId6"/>
@@ -19,7 +19,18 @@
     <p:sldId id="373" r:id="rId14"/>
     <p:sldId id="372" r:id="rId15"/>
     <p:sldId id="374" r:id="rId16"/>
-    <p:sldId id="343" r:id="rId17"/>
+    <p:sldId id="375" r:id="rId17"/>
+    <p:sldId id="376" r:id="rId18"/>
+    <p:sldId id="377" r:id="rId19"/>
+    <p:sldId id="378" r:id="rId20"/>
+    <p:sldId id="379" r:id="rId21"/>
+    <p:sldId id="380" r:id="rId22"/>
+    <p:sldId id="381" r:id="rId23"/>
+    <p:sldId id="382" r:id="rId24"/>
+    <p:sldId id="383" r:id="rId25"/>
+    <p:sldId id="384" r:id="rId26"/>
+    <p:sldId id="385" r:id="rId27"/>
+    <p:sldId id="343" r:id="rId28"/>
   </p:sldIdLst>
   <p:sldSz cx="12192000" cy="6858000"/>
   <p:notesSz cx="6858000" cy="9144000"/>
@@ -593,6 +604,906 @@
     </a:lvl9pPr>
   </p:notesStyle>
 </p:notesMaster>
+</file>
+
+<file path=ppt/notesSlides/notesSlide1.xml><?xml version="1.0" encoding="utf-8"?>
+<p:notes xmlns:a="http://schemas.openxmlformats.org/drawingml/2006/main" xmlns:r="http://schemas.openxmlformats.org/officeDocument/2006/relationships" xmlns:p="http://schemas.openxmlformats.org/presentationml/2006/main">
+  <p:cSld>
+    <p:spTree>
+      <p:nvGrpSpPr>
+        <p:cNvPr id="1" name=""/>
+        <p:cNvGrpSpPr/>
+        <p:nvPr/>
+      </p:nvGrpSpPr>
+      <p:grpSpPr>
+        <a:xfrm>
+          <a:off x="0" y="0"/>
+          <a:ext cx="0" cy="0"/>
+          <a:chOff x="0" y="0"/>
+          <a:chExt cx="0" cy="0"/>
+        </a:xfrm>
+      </p:grpSpPr>
+      <p:sp>
+        <p:nvSpPr>
+          <p:cNvPr id="2" name="Segnaposto immagine diapositiva 1"/>
+          <p:cNvSpPr>
+            <a:spLocks noGrp="1" noRot="1" noChangeAspect="1"/>
+          </p:cNvSpPr>
+          <p:nvPr>
+            <p:ph type="sldImg"/>
+          </p:nvPr>
+        </p:nvSpPr>
+        <p:spPr/>
+      </p:sp>
+      <p:sp>
+        <p:nvSpPr>
+          <p:cNvPr id="3" name="Segnaposto note 2"/>
+          <p:cNvSpPr>
+            <a:spLocks noGrp="1"/>
+          </p:cNvSpPr>
+          <p:nvPr>
+            <p:ph type="body" idx="1"/>
+          </p:nvPr>
+        </p:nvSpPr>
+        <p:spPr/>
+        <p:txBody>
+          <a:bodyPr/>
+          <a:lstStyle/>
+          <a:p>
+            <a:endParaRPr lang="it-IT" dirty="0"/>
+          </a:p>
+        </p:txBody>
+      </p:sp>
+      <p:sp>
+        <p:nvSpPr>
+          <p:cNvPr id="4" name="Segnaposto numero diapositiva 3"/>
+          <p:cNvSpPr>
+            <a:spLocks noGrp="1"/>
+          </p:cNvSpPr>
+          <p:nvPr>
+            <p:ph type="sldNum" sz="quarter" idx="10"/>
+          </p:nvPr>
+        </p:nvSpPr>
+        <p:spPr/>
+        <p:txBody>
+          <a:bodyPr/>
+          <a:lstStyle/>
+          <a:p>
+            <a:pPr>
+              <a:defRPr/>
+            </a:pPr>
+            <a:fld id="{F5F5882C-B867-4FE7-97C9-87FBF93DC802}" type="slidenum">
+              <a:rPr lang="en-US" smtClean="0"/>
+              <a:pPr>
+                <a:defRPr/>
+              </a:pPr>
+              <a:t>13</a:t>
+            </a:fld>
+            <a:endParaRPr lang="en-US"/>
+          </a:p>
+        </p:txBody>
+      </p:sp>
+    </p:spTree>
+    <p:extLst>
+      <p:ext uri="{BB962C8B-B14F-4D97-AF65-F5344CB8AC3E}">
+        <p14:creationId xmlns:p14="http://schemas.microsoft.com/office/powerpoint/2010/main" val="1340330234"/>
+      </p:ext>
+    </p:extLst>
+  </p:cSld>
+  <p:clrMapOvr>
+    <a:masterClrMapping/>
+  </p:clrMapOvr>
+</p:notes>
+</file>
+
+<file path=ppt/notesSlides/notesSlide10.xml><?xml version="1.0" encoding="utf-8"?>
+<p:notes xmlns:a="http://schemas.openxmlformats.org/drawingml/2006/main" xmlns:r="http://schemas.openxmlformats.org/officeDocument/2006/relationships" xmlns:p="http://schemas.openxmlformats.org/presentationml/2006/main">
+  <p:cSld>
+    <p:spTree>
+      <p:nvGrpSpPr>
+        <p:cNvPr id="1" name=""/>
+        <p:cNvGrpSpPr/>
+        <p:nvPr/>
+      </p:nvGrpSpPr>
+      <p:grpSpPr>
+        <a:xfrm>
+          <a:off x="0" y="0"/>
+          <a:ext cx="0" cy="0"/>
+          <a:chOff x="0" y="0"/>
+          <a:chExt cx="0" cy="0"/>
+        </a:xfrm>
+      </p:grpSpPr>
+      <p:sp>
+        <p:nvSpPr>
+          <p:cNvPr id="2" name="Segnaposto immagine diapositiva 1"/>
+          <p:cNvSpPr>
+            <a:spLocks noGrp="1" noRot="1" noChangeAspect="1"/>
+          </p:cNvSpPr>
+          <p:nvPr>
+            <p:ph type="sldImg"/>
+          </p:nvPr>
+        </p:nvSpPr>
+        <p:spPr/>
+      </p:sp>
+      <p:sp>
+        <p:nvSpPr>
+          <p:cNvPr id="3" name="Segnaposto note 2"/>
+          <p:cNvSpPr>
+            <a:spLocks noGrp="1"/>
+          </p:cNvSpPr>
+          <p:nvPr>
+            <p:ph type="body" idx="1"/>
+          </p:nvPr>
+        </p:nvSpPr>
+        <p:spPr/>
+        <p:txBody>
+          <a:bodyPr/>
+          <a:lstStyle/>
+          <a:p>
+            <a:endParaRPr lang="it-IT" dirty="0"/>
+          </a:p>
+        </p:txBody>
+      </p:sp>
+      <p:sp>
+        <p:nvSpPr>
+          <p:cNvPr id="4" name="Segnaposto numero diapositiva 3"/>
+          <p:cNvSpPr>
+            <a:spLocks noGrp="1"/>
+          </p:cNvSpPr>
+          <p:nvPr>
+            <p:ph type="sldNum" sz="quarter" idx="10"/>
+          </p:nvPr>
+        </p:nvSpPr>
+        <p:spPr/>
+        <p:txBody>
+          <a:bodyPr/>
+          <a:lstStyle/>
+          <a:p>
+            <a:pPr>
+              <a:defRPr/>
+            </a:pPr>
+            <a:fld id="{F5F5882C-B867-4FE7-97C9-87FBF93DC802}" type="slidenum">
+              <a:rPr lang="en-US" smtClean="0"/>
+              <a:pPr>
+                <a:defRPr/>
+              </a:pPr>
+              <a:t>22</a:t>
+            </a:fld>
+            <a:endParaRPr lang="en-US"/>
+          </a:p>
+        </p:txBody>
+      </p:sp>
+    </p:spTree>
+    <p:extLst>
+      <p:ext uri="{BB962C8B-B14F-4D97-AF65-F5344CB8AC3E}">
+        <p14:creationId xmlns:p14="http://schemas.microsoft.com/office/powerpoint/2010/main" val="1964872635"/>
+      </p:ext>
+    </p:extLst>
+  </p:cSld>
+  <p:clrMapOvr>
+    <a:masterClrMapping/>
+  </p:clrMapOvr>
+</p:notes>
+</file>
+
+<file path=ppt/notesSlides/notesSlide2.xml><?xml version="1.0" encoding="utf-8"?>
+<p:notes xmlns:a="http://schemas.openxmlformats.org/drawingml/2006/main" xmlns:r="http://schemas.openxmlformats.org/officeDocument/2006/relationships" xmlns:p="http://schemas.openxmlformats.org/presentationml/2006/main">
+  <p:cSld>
+    <p:spTree>
+      <p:nvGrpSpPr>
+        <p:cNvPr id="1" name=""/>
+        <p:cNvGrpSpPr/>
+        <p:nvPr/>
+      </p:nvGrpSpPr>
+      <p:grpSpPr>
+        <a:xfrm>
+          <a:off x="0" y="0"/>
+          <a:ext cx="0" cy="0"/>
+          <a:chOff x="0" y="0"/>
+          <a:chExt cx="0" cy="0"/>
+        </a:xfrm>
+      </p:grpSpPr>
+      <p:sp>
+        <p:nvSpPr>
+          <p:cNvPr id="2" name="Segnaposto immagine diapositiva 1"/>
+          <p:cNvSpPr>
+            <a:spLocks noGrp="1" noRot="1" noChangeAspect="1"/>
+          </p:cNvSpPr>
+          <p:nvPr>
+            <p:ph type="sldImg"/>
+          </p:nvPr>
+        </p:nvSpPr>
+        <p:spPr/>
+      </p:sp>
+      <p:sp>
+        <p:nvSpPr>
+          <p:cNvPr id="3" name="Segnaposto note 2"/>
+          <p:cNvSpPr>
+            <a:spLocks noGrp="1"/>
+          </p:cNvSpPr>
+          <p:nvPr>
+            <p:ph type="body" idx="1"/>
+          </p:nvPr>
+        </p:nvSpPr>
+        <p:spPr/>
+        <p:txBody>
+          <a:bodyPr/>
+          <a:lstStyle/>
+          <a:p>
+            <a:endParaRPr lang="it-IT" dirty="0"/>
+          </a:p>
+        </p:txBody>
+      </p:sp>
+      <p:sp>
+        <p:nvSpPr>
+          <p:cNvPr id="4" name="Segnaposto numero diapositiva 3"/>
+          <p:cNvSpPr>
+            <a:spLocks noGrp="1"/>
+          </p:cNvSpPr>
+          <p:nvPr>
+            <p:ph type="sldNum" sz="quarter" idx="10"/>
+          </p:nvPr>
+        </p:nvSpPr>
+        <p:spPr/>
+        <p:txBody>
+          <a:bodyPr/>
+          <a:lstStyle/>
+          <a:p>
+            <a:pPr>
+              <a:defRPr/>
+            </a:pPr>
+            <a:fld id="{F5F5882C-B867-4FE7-97C9-87FBF93DC802}" type="slidenum">
+              <a:rPr lang="en-US" smtClean="0"/>
+              <a:pPr>
+                <a:defRPr/>
+              </a:pPr>
+              <a:t>14</a:t>
+            </a:fld>
+            <a:endParaRPr lang="en-US"/>
+          </a:p>
+        </p:txBody>
+      </p:sp>
+    </p:spTree>
+    <p:extLst>
+      <p:ext uri="{BB962C8B-B14F-4D97-AF65-F5344CB8AC3E}">
+        <p14:creationId xmlns:p14="http://schemas.microsoft.com/office/powerpoint/2010/main" val="2979822776"/>
+      </p:ext>
+    </p:extLst>
+  </p:cSld>
+  <p:clrMapOvr>
+    <a:masterClrMapping/>
+  </p:clrMapOvr>
+</p:notes>
+</file>
+
+<file path=ppt/notesSlides/notesSlide3.xml><?xml version="1.0" encoding="utf-8"?>
+<p:notes xmlns:a="http://schemas.openxmlformats.org/drawingml/2006/main" xmlns:r="http://schemas.openxmlformats.org/officeDocument/2006/relationships" xmlns:p="http://schemas.openxmlformats.org/presentationml/2006/main">
+  <p:cSld>
+    <p:spTree>
+      <p:nvGrpSpPr>
+        <p:cNvPr id="1" name=""/>
+        <p:cNvGrpSpPr/>
+        <p:nvPr/>
+      </p:nvGrpSpPr>
+      <p:grpSpPr>
+        <a:xfrm>
+          <a:off x="0" y="0"/>
+          <a:ext cx="0" cy="0"/>
+          <a:chOff x="0" y="0"/>
+          <a:chExt cx="0" cy="0"/>
+        </a:xfrm>
+      </p:grpSpPr>
+      <p:sp>
+        <p:nvSpPr>
+          <p:cNvPr id="2" name="Segnaposto immagine diapositiva 1"/>
+          <p:cNvSpPr>
+            <a:spLocks noGrp="1" noRot="1" noChangeAspect="1"/>
+          </p:cNvSpPr>
+          <p:nvPr>
+            <p:ph type="sldImg"/>
+          </p:nvPr>
+        </p:nvSpPr>
+        <p:spPr/>
+      </p:sp>
+      <p:sp>
+        <p:nvSpPr>
+          <p:cNvPr id="3" name="Segnaposto note 2"/>
+          <p:cNvSpPr>
+            <a:spLocks noGrp="1"/>
+          </p:cNvSpPr>
+          <p:nvPr>
+            <p:ph type="body" idx="1"/>
+          </p:nvPr>
+        </p:nvSpPr>
+        <p:spPr/>
+        <p:txBody>
+          <a:bodyPr/>
+          <a:lstStyle/>
+          <a:p>
+            <a:endParaRPr lang="it-IT" dirty="0"/>
+          </a:p>
+        </p:txBody>
+      </p:sp>
+      <p:sp>
+        <p:nvSpPr>
+          <p:cNvPr id="4" name="Segnaposto numero diapositiva 3"/>
+          <p:cNvSpPr>
+            <a:spLocks noGrp="1"/>
+          </p:cNvSpPr>
+          <p:nvPr>
+            <p:ph type="sldNum" sz="quarter" idx="10"/>
+          </p:nvPr>
+        </p:nvSpPr>
+        <p:spPr/>
+        <p:txBody>
+          <a:bodyPr/>
+          <a:lstStyle/>
+          <a:p>
+            <a:pPr>
+              <a:defRPr/>
+            </a:pPr>
+            <a:fld id="{F5F5882C-B867-4FE7-97C9-87FBF93DC802}" type="slidenum">
+              <a:rPr lang="en-US" smtClean="0"/>
+              <a:pPr>
+                <a:defRPr/>
+              </a:pPr>
+              <a:t>15</a:t>
+            </a:fld>
+            <a:endParaRPr lang="en-US"/>
+          </a:p>
+        </p:txBody>
+      </p:sp>
+    </p:spTree>
+    <p:extLst>
+      <p:ext uri="{BB962C8B-B14F-4D97-AF65-F5344CB8AC3E}">
+        <p14:creationId xmlns:p14="http://schemas.microsoft.com/office/powerpoint/2010/main" val="2413591244"/>
+      </p:ext>
+    </p:extLst>
+  </p:cSld>
+  <p:clrMapOvr>
+    <a:masterClrMapping/>
+  </p:clrMapOvr>
+</p:notes>
+</file>
+
+<file path=ppt/notesSlides/notesSlide4.xml><?xml version="1.0" encoding="utf-8"?>
+<p:notes xmlns:a="http://schemas.openxmlformats.org/drawingml/2006/main" xmlns:r="http://schemas.openxmlformats.org/officeDocument/2006/relationships" xmlns:p="http://schemas.openxmlformats.org/presentationml/2006/main">
+  <p:cSld>
+    <p:spTree>
+      <p:nvGrpSpPr>
+        <p:cNvPr id="1" name=""/>
+        <p:cNvGrpSpPr/>
+        <p:nvPr/>
+      </p:nvGrpSpPr>
+      <p:grpSpPr>
+        <a:xfrm>
+          <a:off x="0" y="0"/>
+          <a:ext cx="0" cy="0"/>
+          <a:chOff x="0" y="0"/>
+          <a:chExt cx="0" cy="0"/>
+        </a:xfrm>
+      </p:grpSpPr>
+      <p:sp>
+        <p:nvSpPr>
+          <p:cNvPr id="2" name="Segnaposto immagine diapositiva 1"/>
+          <p:cNvSpPr>
+            <a:spLocks noGrp="1" noRot="1" noChangeAspect="1"/>
+          </p:cNvSpPr>
+          <p:nvPr>
+            <p:ph type="sldImg"/>
+          </p:nvPr>
+        </p:nvSpPr>
+        <p:spPr/>
+      </p:sp>
+      <p:sp>
+        <p:nvSpPr>
+          <p:cNvPr id="3" name="Segnaposto note 2"/>
+          <p:cNvSpPr>
+            <a:spLocks noGrp="1"/>
+          </p:cNvSpPr>
+          <p:nvPr>
+            <p:ph type="body" idx="1"/>
+          </p:nvPr>
+        </p:nvSpPr>
+        <p:spPr/>
+        <p:txBody>
+          <a:bodyPr/>
+          <a:lstStyle/>
+          <a:p>
+            <a:endParaRPr lang="it-IT" dirty="0"/>
+          </a:p>
+        </p:txBody>
+      </p:sp>
+      <p:sp>
+        <p:nvSpPr>
+          <p:cNvPr id="4" name="Segnaposto numero diapositiva 3"/>
+          <p:cNvSpPr>
+            <a:spLocks noGrp="1"/>
+          </p:cNvSpPr>
+          <p:nvPr>
+            <p:ph type="sldNum" sz="quarter" idx="10"/>
+          </p:nvPr>
+        </p:nvSpPr>
+        <p:spPr/>
+        <p:txBody>
+          <a:bodyPr/>
+          <a:lstStyle/>
+          <a:p>
+            <a:pPr>
+              <a:defRPr/>
+            </a:pPr>
+            <a:fld id="{F5F5882C-B867-4FE7-97C9-87FBF93DC802}" type="slidenum">
+              <a:rPr lang="en-US" smtClean="0"/>
+              <a:pPr>
+                <a:defRPr/>
+              </a:pPr>
+              <a:t>16</a:t>
+            </a:fld>
+            <a:endParaRPr lang="en-US"/>
+          </a:p>
+        </p:txBody>
+      </p:sp>
+    </p:spTree>
+    <p:extLst>
+      <p:ext uri="{BB962C8B-B14F-4D97-AF65-F5344CB8AC3E}">
+        <p14:creationId xmlns:p14="http://schemas.microsoft.com/office/powerpoint/2010/main" val="4087499373"/>
+      </p:ext>
+    </p:extLst>
+  </p:cSld>
+  <p:clrMapOvr>
+    <a:masterClrMapping/>
+  </p:clrMapOvr>
+</p:notes>
+</file>
+
+<file path=ppt/notesSlides/notesSlide5.xml><?xml version="1.0" encoding="utf-8"?>
+<p:notes xmlns:a="http://schemas.openxmlformats.org/drawingml/2006/main" xmlns:r="http://schemas.openxmlformats.org/officeDocument/2006/relationships" xmlns:p="http://schemas.openxmlformats.org/presentationml/2006/main">
+  <p:cSld>
+    <p:spTree>
+      <p:nvGrpSpPr>
+        <p:cNvPr id="1" name=""/>
+        <p:cNvGrpSpPr/>
+        <p:nvPr/>
+      </p:nvGrpSpPr>
+      <p:grpSpPr>
+        <a:xfrm>
+          <a:off x="0" y="0"/>
+          <a:ext cx="0" cy="0"/>
+          <a:chOff x="0" y="0"/>
+          <a:chExt cx="0" cy="0"/>
+        </a:xfrm>
+      </p:grpSpPr>
+      <p:sp>
+        <p:nvSpPr>
+          <p:cNvPr id="2" name="Segnaposto immagine diapositiva 1"/>
+          <p:cNvSpPr>
+            <a:spLocks noGrp="1" noRot="1" noChangeAspect="1"/>
+          </p:cNvSpPr>
+          <p:nvPr>
+            <p:ph type="sldImg"/>
+          </p:nvPr>
+        </p:nvSpPr>
+        <p:spPr/>
+      </p:sp>
+      <p:sp>
+        <p:nvSpPr>
+          <p:cNvPr id="3" name="Segnaposto note 2"/>
+          <p:cNvSpPr>
+            <a:spLocks noGrp="1"/>
+          </p:cNvSpPr>
+          <p:nvPr>
+            <p:ph type="body" idx="1"/>
+          </p:nvPr>
+        </p:nvSpPr>
+        <p:spPr/>
+        <p:txBody>
+          <a:bodyPr/>
+          <a:lstStyle/>
+          <a:p>
+            <a:endParaRPr lang="it-IT" dirty="0"/>
+          </a:p>
+        </p:txBody>
+      </p:sp>
+      <p:sp>
+        <p:nvSpPr>
+          <p:cNvPr id="4" name="Segnaposto numero diapositiva 3"/>
+          <p:cNvSpPr>
+            <a:spLocks noGrp="1"/>
+          </p:cNvSpPr>
+          <p:nvPr>
+            <p:ph type="sldNum" sz="quarter" idx="10"/>
+          </p:nvPr>
+        </p:nvSpPr>
+        <p:spPr/>
+        <p:txBody>
+          <a:bodyPr/>
+          <a:lstStyle/>
+          <a:p>
+            <a:pPr>
+              <a:defRPr/>
+            </a:pPr>
+            <a:fld id="{F5F5882C-B867-4FE7-97C9-87FBF93DC802}" type="slidenum">
+              <a:rPr lang="en-US" smtClean="0"/>
+              <a:pPr>
+                <a:defRPr/>
+              </a:pPr>
+              <a:t>17</a:t>
+            </a:fld>
+            <a:endParaRPr lang="en-US"/>
+          </a:p>
+        </p:txBody>
+      </p:sp>
+    </p:spTree>
+    <p:extLst>
+      <p:ext uri="{BB962C8B-B14F-4D97-AF65-F5344CB8AC3E}">
+        <p14:creationId xmlns:p14="http://schemas.microsoft.com/office/powerpoint/2010/main" val="1541858447"/>
+      </p:ext>
+    </p:extLst>
+  </p:cSld>
+  <p:clrMapOvr>
+    <a:masterClrMapping/>
+  </p:clrMapOvr>
+</p:notes>
+</file>
+
+<file path=ppt/notesSlides/notesSlide6.xml><?xml version="1.0" encoding="utf-8"?>
+<p:notes xmlns:a="http://schemas.openxmlformats.org/drawingml/2006/main" xmlns:r="http://schemas.openxmlformats.org/officeDocument/2006/relationships" xmlns:p="http://schemas.openxmlformats.org/presentationml/2006/main">
+  <p:cSld>
+    <p:spTree>
+      <p:nvGrpSpPr>
+        <p:cNvPr id="1" name=""/>
+        <p:cNvGrpSpPr/>
+        <p:nvPr/>
+      </p:nvGrpSpPr>
+      <p:grpSpPr>
+        <a:xfrm>
+          <a:off x="0" y="0"/>
+          <a:ext cx="0" cy="0"/>
+          <a:chOff x="0" y="0"/>
+          <a:chExt cx="0" cy="0"/>
+        </a:xfrm>
+      </p:grpSpPr>
+      <p:sp>
+        <p:nvSpPr>
+          <p:cNvPr id="2" name="Segnaposto immagine diapositiva 1"/>
+          <p:cNvSpPr>
+            <a:spLocks noGrp="1" noRot="1" noChangeAspect="1"/>
+          </p:cNvSpPr>
+          <p:nvPr>
+            <p:ph type="sldImg"/>
+          </p:nvPr>
+        </p:nvSpPr>
+        <p:spPr/>
+      </p:sp>
+      <p:sp>
+        <p:nvSpPr>
+          <p:cNvPr id="3" name="Segnaposto note 2"/>
+          <p:cNvSpPr>
+            <a:spLocks noGrp="1"/>
+          </p:cNvSpPr>
+          <p:nvPr>
+            <p:ph type="body" idx="1"/>
+          </p:nvPr>
+        </p:nvSpPr>
+        <p:spPr/>
+        <p:txBody>
+          <a:bodyPr/>
+          <a:lstStyle/>
+          <a:p>
+            <a:endParaRPr lang="it-IT" dirty="0"/>
+          </a:p>
+        </p:txBody>
+      </p:sp>
+      <p:sp>
+        <p:nvSpPr>
+          <p:cNvPr id="4" name="Segnaposto numero diapositiva 3"/>
+          <p:cNvSpPr>
+            <a:spLocks noGrp="1"/>
+          </p:cNvSpPr>
+          <p:nvPr>
+            <p:ph type="sldNum" sz="quarter" idx="10"/>
+          </p:nvPr>
+        </p:nvSpPr>
+        <p:spPr/>
+        <p:txBody>
+          <a:bodyPr/>
+          <a:lstStyle/>
+          <a:p>
+            <a:pPr>
+              <a:defRPr/>
+            </a:pPr>
+            <a:fld id="{F5F5882C-B867-4FE7-97C9-87FBF93DC802}" type="slidenum">
+              <a:rPr lang="en-US" smtClean="0"/>
+              <a:pPr>
+                <a:defRPr/>
+              </a:pPr>
+              <a:t>18</a:t>
+            </a:fld>
+            <a:endParaRPr lang="en-US"/>
+          </a:p>
+        </p:txBody>
+      </p:sp>
+    </p:spTree>
+    <p:extLst>
+      <p:ext uri="{BB962C8B-B14F-4D97-AF65-F5344CB8AC3E}">
+        <p14:creationId xmlns:p14="http://schemas.microsoft.com/office/powerpoint/2010/main" val="3229094064"/>
+      </p:ext>
+    </p:extLst>
+  </p:cSld>
+  <p:clrMapOvr>
+    <a:masterClrMapping/>
+  </p:clrMapOvr>
+</p:notes>
+</file>
+
+<file path=ppt/notesSlides/notesSlide7.xml><?xml version="1.0" encoding="utf-8"?>
+<p:notes xmlns:a="http://schemas.openxmlformats.org/drawingml/2006/main" xmlns:r="http://schemas.openxmlformats.org/officeDocument/2006/relationships" xmlns:p="http://schemas.openxmlformats.org/presentationml/2006/main">
+  <p:cSld>
+    <p:spTree>
+      <p:nvGrpSpPr>
+        <p:cNvPr id="1" name=""/>
+        <p:cNvGrpSpPr/>
+        <p:nvPr/>
+      </p:nvGrpSpPr>
+      <p:grpSpPr>
+        <a:xfrm>
+          <a:off x="0" y="0"/>
+          <a:ext cx="0" cy="0"/>
+          <a:chOff x="0" y="0"/>
+          <a:chExt cx="0" cy="0"/>
+        </a:xfrm>
+      </p:grpSpPr>
+      <p:sp>
+        <p:nvSpPr>
+          <p:cNvPr id="2" name="Segnaposto immagine diapositiva 1"/>
+          <p:cNvSpPr>
+            <a:spLocks noGrp="1" noRot="1" noChangeAspect="1"/>
+          </p:cNvSpPr>
+          <p:nvPr>
+            <p:ph type="sldImg"/>
+          </p:nvPr>
+        </p:nvSpPr>
+        <p:spPr/>
+      </p:sp>
+      <p:sp>
+        <p:nvSpPr>
+          <p:cNvPr id="3" name="Segnaposto note 2"/>
+          <p:cNvSpPr>
+            <a:spLocks noGrp="1"/>
+          </p:cNvSpPr>
+          <p:nvPr>
+            <p:ph type="body" idx="1"/>
+          </p:nvPr>
+        </p:nvSpPr>
+        <p:spPr/>
+        <p:txBody>
+          <a:bodyPr/>
+          <a:lstStyle/>
+          <a:p>
+            <a:endParaRPr lang="it-IT" dirty="0"/>
+          </a:p>
+        </p:txBody>
+      </p:sp>
+      <p:sp>
+        <p:nvSpPr>
+          <p:cNvPr id="4" name="Segnaposto numero diapositiva 3"/>
+          <p:cNvSpPr>
+            <a:spLocks noGrp="1"/>
+          </p:cNvSpPr>
+          <p:nvPr>
+            <p:ph type="sldNum" sz="quarter" idx="10"/>
+          </p:nvPr>
+        </p:nvSpPr>
+        <p:spPr/>
+        <p:txBody>
+          <a:bodyPr/>
+          <a:lstStyle/>
+          <a:p>
+            <a:pPr>
+              <a:defRPr/>
+            </a:pPr>
+            <a:fld id="{F5F5882C-B867-4FE7-97C9-87FBF93DC802}" type="slidenum">
+              <a:rPr lang="en-US" smtClean="0"/>
+              <a:pPr>
+                <a:defRPr/>
+              </a:pPr>
+              <a:t>19</a:t>
+            </a:fld>
+            <a:endParaRPr lang="en-US"/>
+          </a:p>
+        </p:txBody>
+      </p:sp>
+    </p:spTree>
+    <p:extLst>
+      <p:ext uri="{BB962C8B-B14F-4D97-AF65-F5344CB8AC3E}">
+        <p14:creationId xmlns:p14="http://schemas.microsoft.com/office/powerpoint/2010/main" val="1760030295"/>
+      </p:ext>
+    </p:extLst>
+  </p:cSld>
+  <p:clrMapOvr>
+    <a:masterClrMapping/>
+  </p:clrMapOvr>
+</p:notes>
+</file>
+
+<file path=ppt/notesSlides/notesSlide8.xml><?xml version="1.0" encoding="utf-8"?>
+<p:notes xmlns:a="http://schemas.openxmlformats.org/drawingml/2006/main" xmlns:r="http://schemas.openxmlformats.org/officeDocument/2006/relationships" xmlns:p="http://schemas.openxmlformats.org/presentationml/2006/main">
+  <p:cSld>
+    <p:spTree>
+      <p:nvGrpSpPr>
+        <p:cNvPr id="1" name=""/>
+        <p:cNvGrpSpPr/>
+        <p:nvPr/>
+      </p:nvGrpSpPr>
+      <p:grpSpPr>
+        <a:xfrm>
+          <a:off x="0" y="0"/>
+          <a:ext cx="0" cy="0"/>
+          <a:chOff x="0" y="0"/>
+          <a:chExt cx="0" cy="0"/>
+        </a:xfrm>
+      </p:grpSpPr>
+      <p:sp>
+        <p:nvSpPr>
+          <p:cNvPr id="2" name="Segnaposto immagine diapositiva 1"/>
+          <p:cNvSpPr>
+            <a:spLocks noGrp="1" noRot="1" noChangeAspect="1"/>
+          </p:cNvSpPr>
+          <p:nvPr>
+            <p:ph type="sldImg"/>
+          </p:nvPr>
+        </p:nvSpPr>
+        <p:spPr/>
+      </p:sp>
+      <p:sp>
+        <p:nvSpPr>
+          <p:cNvPr id="3" name="Segnaposto note 2"/>
+          <p:cNvSpPr>
+            <a:spLocks noGrp="1"/>
+          </p:cNvSpPr>
+          <p:nvPr>
+            <p:ph type="body" idx="1"/>
+          </p:nvPr>
+        </p:nvSpPr>
+        <p:spPr/>
+        <p:txBody>
+          <a:bodyPr/>
+          <a:lstStyle/>
+          <a:p>
+            <a:endParaRPr lang="it-IT" dirty="0"/>
+          </a:p>
+        </p:txBody>
+      </p:sp>
+      <p:sp>
+        <p:nvSpPr>
+          <p:cNvPr id="4" name="Segnaposto numero diapositiva 3"/>
+          <p:cNvSpPr>
+            <a:spLocks noGrp="1"/>
+          </p:cNvSpPr>
+          <p:nvPr>
+            <p:ph type="sldNum" sz="quarter" idx="10"/>
+          </p:nvPr>
+        </p:nvSpPr>
+        <p:spPr/>
+        <p:txBody>
+          <a:bodyPr/>
+          <a:lstStyle/>
+          <a:p>
+            <a:pPr>
+              <a:defRPr/>
+            </a:pPr>
+            <a:fld id="{F5F5882C-B867-4FE7-97C9-87FBF93DC802}" type="slidenum">
+              <a:rPr lang="en-US" smtClean="0"/>
+              <a:pPr>
+                <a:defRPr/>
+              </a:pPr>
+              <a:t>20</a:t>
+            </a:fld>
+            <a:endParaRPr lang="en-US"/>
+          </a:p>
+        </p:txBody>
+      </p:sp>
+    </p:spTree>
+    <p:extLst>
+      <p:ext uri="{BB962C8B-B14F-4D97-AF65-F5344CB8AC3E}">
+        <p14:creationId xmlns:p14="http://schemas.microsoft.com/office/powerpoint/2010/main" val="3461891239"/>
+      </p:ext>
+    </p:extLst>
+  </p:cSld>
+  <p:clrMapOvr>
+    <a:masterClrMapping/>
+  </p:clrMapOvr>
+</p:notes>
+</file>
+
+<file path=ppt/notesSlides/notesSlide9.xml><?xml version="1.0" encoding="utf-8"?>
+<p:notes xmlns:a="http://schemas.openxmlformats.org/drawingml/2006/main" xmlns:r="http://schemas.openxmlformats.org/officeDocument/2006/relationships" xmlns:p="http://schemas.openxmlformats.org/presentationml/2006/main">
+  <p:cSld>
+    <p:spTree>
+      <p:nvGrpSpPr>
+        <p:cNvPr id="1" name=""/>
+        <p:cNvGrpSpPr/>
+        <p:nvPr/>
+      </p:nvGrpSpPr>
+      <p:grpSpPr>
+        <a:xfrm>
+          <a:off x="0" y="0"/>
+          <a:ext cx="0" cy="0"/>
+          <a:chOff x="0" y="0"/>
+          <a:chExt cx="0" cy="0"/>
+        </a:xfrm>
+      </p:grpSpPr>
+      <p:sp>
+        <p:nvSpPr>
+          <p:cNvPr id="2" name="Segnaposto immagine diapositiva 1"/>
+          <p:cNvSpPr>
+            <a:spLocks noGrp="1" noRot="1" noChangeAspect="1"/>
+          </p:cNvSpPr>
+          <p:nvPr>
+            <p:ph type="sldImg"/>
+          </p:nvPr>
+        </p:nvSpPr>
+        <p:spPr/>
+      </p:sp>
+      <p:sp>
+        <p:nvSpPr>
+          <p:cNvPr id="3" name="Segnaposto note 2"/>
+          <p:cNvSpPr>
+            <a:spLocks noGrp="1"/>
+          </p:cNvSpPr>
+          <p:nvPr>
+            <p:ph type="body" idx="1"/>
+          </p:nvPr>
+        </p:nvSpPr>
+        <p:spPr/>
+        <p:txBody>
+          <a:bodyPr/>
+          <a:lstStyle/>
+          <a:p>
+            <a:endParaRPr lang="it-IT" dirty="0"/>
+          </a:p>
+        </p:txBody>
+      </p:sp>
+      <p:sp>
+        <p:nvSpPr>
+          <p:cNvPr id="4" name="Segnaposto numero diapositiva 3"/>
+          <p:cNvSpPr>
+            <a:spLocks noGrp="1"/>
+          </p:cNvSpPr>
+          <p:nvPr>
+            <p:ph type="sldNum" sz="quarter" idx="10"/>
+          </p:nvPr>
+        </p:nvSpPr>
+        <p:spPr/>
+        <p:txBody>
+          <a:bodyPr/>
+          <a:lstStyle/>
+          <a:p>
+            <a:pPr>
+              <a:defRPr/>
+            </a:pPr>
+            <a:fld id="{F5F5882C-B867-4FE7-97C9-87FBF93DC802}" type="slidenum">
+              <a:rPr lang="en-US" smtClean="0"/>
+              <a:pPr>
+                <a:defRPr/>
+              </a:pPr>
+              <a:t>21</a:t>
+            </a:fld>
+            <a:endParaRPr lang="en-US"/>
+          </a:p>
+        </p:txBody>
+      </p:sp>
+    </p:spTree>
+    <p:extLst>
+      <p:ext uri="{BB962C8B-B14F-4D97-AF65-F5344CB8AC3E}">
+        <p14:creationId xmlns:p14="http://schemas.microsoft.com/office/powerpoint/2010/main" val="615707964"/>
+      </p:ext>
+    </p:extLst>
+  </p:cSld>
+  <p:clrMapOvr>
+    <a:masterClrMapping/>
+  </p:clrMapOvr>
+</p:notes>
 </file>
 
 <file path=ppt/slideLayouts/slideLayout1.xml><?xml version="1.0" encoding="utf-8"?>
@@ -7597,7 +8508,7 @@
               <a:buChar char="ü"/>
             </a:pPr>
             <a:r>
-              <a:rPr lang="it-IT" sz="2400">
+              <a:rPr lang="it-IT" sz="2400" dirty="0">
                 <a:solidFill>
                   <a:schemeClr val="tx1"/>
                 </a:solidFill>
@@ -7608,7 +8519,7 @@
               <a:t>La </a:t>
             </a:r>
             <a:r>
-              <a:rPr lang="it-IT" sz="2400" b="1">
+              <a:rPr lang="it-IT" sz="2400" b="1" dirty="0">
                 <a:solidFill>
                   <a:schemeClr val="tx1"/>
                 </a:solidFill>
@@ -7619,7 +8530,7 @@
               <a:t>crittografia</a:t>
             </a:r>
             <a:r>
-              <a:rPr lang="it-IT" sz="2400">
+              <a:rPr lang="it-IT" sz="2400" dirty="0">
                 <a:solidFill>
                   <a:schemeClr val="tx1"/>
                 </a:solidFill>
@@ -7630,7 +8541,7 @@
               <a:t> </a:t>
             </a:r>
             <a:r>
-              <a:rPr lang="it-IT" sz="2400" b="1">
+              <a:rPr lang="it-IT" sz="2400" b="1" dirty="0">
                 <a:solidFill>
                   <a:schemeClr val="tx1"/>
                 </a:solidFill>
@@ -7641,7 +8552,7 @@
               <a:t>quantistica</a:t>
             </a:r>
             <a:r>
-              <a:rPr lang="it-IT" sz="2400">
+              <a:rPr lang="it-IT" sz="2400" dirty="0">
                 <a:solidFill>
                   <a:schemeClr val="tx1"/>
                 </a:solidFill>
@@ -7652,7 +8563,7 @@
               <a:t> è un approccio alla crittografia che, nella fase dello scambio della chiave di decodifica, si serve dei </a:t>
             </a:r>
             <a:r>
-              <a:rPr lang="it-IT" sz="2400" b="1">
+              <a:rPr lang="it-IT" sz="2400" b="1" dirty="0">
                 <a:solidFill>
                   <a:schemeClr val="tx1"/>
                 </a:solidFill>
@@ -7663,7 +8574,7 @@
               <a:t>principi</a:t>
             </a:r>
             <a:r>
-              <a:rPr lang="it-IT" sz="2400">
+              <a:rPr lang="it-IT" sz="2400" dirty="0">
                 <a:solidFill>
                   <a:schemeClr val="tx1"/>
                 </a:solidFill>
@@ -7674,7 +8585,7 @@
               <a:t> della </a:t>
             </a:r>
             <a:r>
-              <a:rPr lang="it-IT" sz="2400" b="1">
+              <a:rPr lang="it-IT" sz="2400" b="1" dirty="0">
                 <a:solidFill>
                   <a:schemeClr val="tx1"/>
                 </a:solidFill>
@@ -7685,7 +8596,7 @@
               <a:t>meccanica</a:t>
             </a:r>
             <a:r>
-              <a:rPr lang="it-IT" sz="2400">
+              <a:rPr lang="it-IT" sz="2400" dirty="0">
                 <a:solidFill>
                   <a:schemeClr val="tx1"/>
                 </a:solidFill>
@@ -7696,7 +8607,7 @@
               <a:t> </a:t>
             </a:r>
             <a:r>
-              <a:rPr lang="it-IT" sz="2400" b="1">
+              <a:rPr lang="it-IT" sz="2400" b="1" dirty="0">
                 <a:solidFill>
                   <a:schemeClr val="tx1"/>
                 </a:solidFill>
@@ -7707,7 +8618,7 @@
               <a:t>quantistica</a:t>
             </a:r>
             <a:r>
-              <a:rPr lang="it-IT" sz="2400">
+              <a:rPr lang="it-IT" sz="2400" dirty="0">
                 <a:solidFill>
                   <a:schemeClr val="tx1"/>
                 </a:solidFill>
@@ -7724,7 +8635,7 @@
               <a:buChar char="ü"/>
             </a:pPr>
             <a:r>
-              <a:rPr lang="it-IT" sz="2400">
+              <a:rPr lang="it-IT" sz="2400" dirty="0">
                 <a:solidFill>
                   <a:schemeClr val="tx1"/>
                 </a:solidFill>
@@ -7735,7 +8646,7 @@
               <a:t>In questo </a:t>
             </a:r>
             <a:r>
-              <a:rPr lang="it-IT" sz="2400" b="1">
+              <a:rPr lang="it-IT" sz="2400" b="1" dirty="0">
                 <a:solidFill>
                   <a:schemeClr val="tx1"/>
                 </a:solidFill>
@@ -7746,7 +8657,7 @@
               <a:t>modo</a:t>
             </a:r>
             <a:r>
-              <a:rPr lang="it-IT" sz="2400">
+              <a:rPr lang="it-IT" sz="2400" dirty="0">
                 <a:solidFill>
                   <a:schemeClr val="tx1"/>
                 </a:solidFill>
@@ -7757,7 +8668,7 @@
               <a:t> si evita che la </a:t>
             </a:r>
             <a:r>
-              <a:rPr lang="it-IT" sz="2400" b="1">
+              <a:rPr lang="it-IT" sz="2400" b="1" dirty="0">
                 <a:solidFill>
                   <a:schemeClr val="tx1"/>
                 </a:solidFill>
@@ -7768,7 +8679,7 @@
               <a:t>chiave</a:t>
             </a:r>
             <a:r>
-              <a:rPr lang="it-IT" sz="2400">
+              <a:rPr lang="it-IT" sz="2400" dirty="0">
                 <a:solidFill>
                   <a:schemeClr val="tx1"/>
                 </a:solidFill>
@@ -7779,7 +8690,7 @@
               <a:t> possa essere </a:t>
             </a:r>
             <a:r>
-              <a:rPr lang="it-IT" sz="2400" b="1">
+              <a:rPr lang="it-IT" sz="2400" b="1" dirty="0">
                 <a:solidFill>
                   <a:schemeClr val="tx1"/>
                 </a:solidFill>
@@ -7790,7 +8701,7 @@
               <a:t>intercettata</a:t>
             </a:r>
             <a:r>
-              <a:rPr lang="it-IT" sz="2400">
+              <a:rPr lang="it-IT" sz="2400" dirty="0">
                 <a:solidFill>
                   <a:schemeClr val="tx1"/>
                 </a:solidFill>
@@ -7807,7 +8718,7 @@
               <a:buChar char="ü"/>
             </a:pPr>
             <a:r>
-              <a:rPr lang="it-IT" sz="2400">
+              <a:rPr lang="it-IT" sz="2400" dirty="0">
                 <a:solidFill>
                   <a:schemeClr val="tx1"/>
                 </a:solidFill>
@@ -7818,7 +8729,7 @@
               <a:t>Entrando nel dettaglio, la </a:t>
             </a:r>
             <a:r>
-              <a:rPr lang="it-IT" sz="2400" b="1">
+              <a:rPr lang="it-IT" sz="2400" b="1" dirty="0">
                 <a:solidFill>
                   <a:schemeClr val="tx1"/>
                 </a:solidFill>
@@ -7829,7 +8740,7 @@
               <a:t>definizione</a:t>
             </a:r>
             <a:r>
-              <a:rPr lang="it-IT" sz="2400">
+              <a:rPr lang="it-IT" sz="2400" dirty="0">
                 <a:solidFill>
                   <a:schemeClr val="tx1"/>
                 </a:solidFill>
@@ -7840,7 +8751,7 @@
               <a:t> esatta è </a:t>
             </a:r>
             <a:r>
-              <a:rPr lang="it-IT" sz="2400" b="1">
+              <a:rPr lang="it-IT" sz="2400" b="1" dirty="0">
                 <a:solidFill>
                   <a:schemeClr val="tx1"/>
                 </a:solidFill>
@@ -7851,7 +8762,7 @@
               <a:t>distribuzione</a:t>
             </a:r>
             <a:r>
-              <a:rPr lang="it-IT" sz="2400">
+              <a:rPr lang="it-IT" sz="2400" dirty="0">
                 <a:solidFill>
                   <a:schemeClr val="tx1"/>
                 </a:solidFill>
@@ -7862,7 +8773,7 @@
               <a:t> </a:t>
             </a:r>
             <a:r>
-              <a:rPr lang="it-IT" sz="2400" b="1">
+              <a:rPr lang="it-IT" sz="2400" b="1" dirty="0">
                 <a:solidFill>
                   <a:schemeClr val="tx1"/>
                 </a:solidFill>
@@ -7873,7 +8784,7 @@
               <a:t>quantistica</a:t>
             </a:r>
             <a:r>
-              <a:rPr lang="it-IT" sz="2400">
+              <a:rPr lang="it-IT" sz="2400" dirty="0">
                 <a:solidFill>
                   <a:schemeClr val="tx1"/>
                 </a:solidFill>
@@ -7884,7 +8795,7 @@
               <a:t> di chiavi, cioè una trasmissione di dati in grado di vantare una condizione di </a:t>
             </a:r>
             <a:r>
-              <a:rPr lang="it-IT" sz="2400" b="1">
+              <a:rPr lang="it-IT" sz="2400" b="1" dirty="0">
                 <a:solidFill>
                   <a:schemeClr val="tx1"/>
                 </a:solidFill>
@@ -7895,7 +8806,7 @@
               <a:t>segretezza</a:t>
             </a:r>
             <a:r>
-              <a:rPr lang="it-IT" sz="2400">
+              <a:rPr lang="it-IT" sz="2400" dirty="0">
                 <a:solidFill>
                   <a:schemeClr val="tx1"/>
                 </a:solidFill>
@@ -7906,7 +8817,7 @@
               <a:t> </a:t>
             </a:r>
             <a:r>
-              <a:rPr lang="it-IT" sz="2400" b="1">
+              <a:rPr lang="it-IT" sz="2400" b="1" dirty="0">
                 <a:solidFill>
                   <a:schemeClr val="tx1"/>
                 </a:solidFill>
@@ -7917,7 +8828,7 @@
               <a:t>perfetta</a:t>
             </a:r>
             <a:r>
-              <a:rPr lang="it-IT" sz="2400">
+              <a:rPr lang="it-IT" sz="2400" dirty="0">
                 <a:solidFill>
                   <a:schemeClr val="tx1"/>
                 </a:solidFill>
@@ -7934,7 +8845,7 @@
               <a:buChar char="ü"/>
             </a:pPr>
             <a:r>
-              <a:rPr lang="it-IT" sz="2400">
+              <a:rPr lang="it-IT" sz="2400" dirty="0">
                 <a:solidFill>
                   <a:schemeClr val="tx1"/>
                 </a:solidFill>
@@ -7945,7 +8856,7 @@
               <a:t>L’obiettivo è infatti creare una sorta di </a:t>
             </a:r>
             <a:r>
-              <a:rPr lang="it-IT" sz="2400" b="1">
+              <a:rPr lang="it-IT" sz="2400" b="1" dirty="0">
                 <a:solidFill>
                   <a:schemeClr val="tx1"/>
                 </a:solidFill>
@@ -7956,7 +8867,7 @@
               <a:t>cifrario</a:t>
             </a:r>
             <a:r>
-              <a:rPr lang="it-IT" sz="2400">
+              <a:rPr lang="it-IT" sz="2400" dirty="0">
                 <a:solidFill>
                   <a:schemeClr val="tx1"/>
                 </a:solidFill>
@@ -7967,7 +8878,7 @@
               <a:t> </a:t>
             </a:r>
             <a:r>
-              <a:rPr lang="it-IT" sz="2400" b="1">
+              <a:rPr lang="it-IT" sz="2400" b="1" dirty="0">
                 <a:solidFill>
                   <a:schemeClr val="tx1"/>
                 </a:solidFill>
@@ -7978,15 +8889,81 @@
               <a:t>perfetto</a:t>
             </a:r>
             <a:r>
-              <a:rPr lang="it-IT" sz="2400">
-                <a:solidFill>
-                  <a:schemeClr val="tx1"/>
-                </a:solidFill>
-                <a:latin typeface="Tahoma" panose="020B0604030504040204" pitchFamily="34" charset="0"/>
-                <a:ea typeface="Tahoma" panose="020B0604030504040204" pitchFamily="34" charset="0"/>
-                <a:cs typeface="Tahoma" panose="020B0604030504040204" pitchFamily="34" charset="0"/>
-              </a:rPr>
-              <a:t> che non prevede un momento di scambio su un canale necessariamente sicuro.</a:t>
+              <a:rPr lang="it-IT" sz="2400" dirty="0">
+                <a:solidFill>
+                  <a:schemeClr val="tx1"/>
+                </a:solidFill>
+                <a:latin typeface="Tahoma" panose="020B0604030504040204" pitchFamily="34" charset="0"/>
+                <a:ea typeface="Tahoma" panose="020B0604030504040204" pitchFamily="34" charset="0"/>
+                <a:cs typeface="Tahoma" panose="020B0604030504040204" pitchFamily="34" charset="0"/>
+              </a:rPr>
+              <a:t> che non prevede un momento di </a:t>
+            </a:r>
+            <a:r>
+              <a:rPr lang="it-IT" sz="2400" b="1" dirty="0">
+                <a:solidFill>
+                  <a:schemeClr val="tx1"/>
+                </a:solidFill>
+                <a:latin typeface="Tahoma" panose="020B0604030504040204" pitchFamily="34" charset="0"/>
+                <a:ea typeface="Tahoma" panose="020B0604030504040204" pitchFamily="34" charset="0"/>
+                <a:cs typeface="Tahoma" panose="020B0604030504040204" pitchFamily="34" charset="0"/>
+              </a:rPr>
+              <a:t>scambio</a:t>
+            </a:r>
+            <a:r>
+              <a:rPr lang="it-IT" sz="2400" dirty="0">
+                <a:solidFill>
+                  <a:schemeClr val="tx1"/>
+                </a:solidFill>
+                <a:latin typeface="Tahoma" panose="020B0604030504040204" pitchFamily="34" charset="0"/>
+                <a:ea typeface="Tahoma" panose="020B0604030504040204" pitchFamily="34" charset="0"/>
+                <a:cs typeface="Tahoma" panose="020B0604030504040204" pitchFamily="34" charset="0"/>
+              </a:rPr>
+              <a:t> su un canale </a:t>
+            </a:r>
+            <a:r>
+              <a:rPr lang="it-IT" sz="2400" b="1" dirty="0">
+                <a:solidFill>
+                  <a:schemeClr val="tx1"/>
+                </a:solidFill>
+                <a:latin typeface="Tahoma" panose="020B0604030504040204" pitchFamily="34" charset="0"/>
+                <a:ea typeface="Tahoma" panose="020B0604030504040204" pitchFamily="34" charset="0"/>
+                <a:cs typeface="Tahoma" panose="020B0604030504040204" pitchFamily="34" charset="0"/>
+              </a:rPr>
+              <a:t>necessariamente</a:t>
+            </a:r>
+            <a:r>
+              <a:rPr lang="it-IT" sz="2400" dirty="0">
+                <a:solidFill>
+                  <a:schemeClr val="tx1"/>
+                </a:solidFill>
+                <a:latin typeface="Tahoma" panose="020B0604030504040204" pitchFamily="34" charset="0"/>
+                <a:ea typeface="Tahoma" panose="020B0604030504040204" pitchFamily="34" charset="0"/>
+                <a:cs typeface="Tahoma" panose="020B0604030504040204" pitchFamily="34" charset="0"/>
+              </a:rPr>
+              <a:t> </a:t>
+            </a:r>
+            <a:r>
+              <a:rPr lang="it-IT" sz="2400" b="1" dirty="0">
+                <a:solidFill>
+                  <a:schemeClr val="tx1"/>
+                </a:solidFill>
+                <a:latin typeface="Tahoma" panose="020B0604030504040204" pitchFamily="34" charset="0"/>
+                <a:ea typeface="Tahoma" panose="020B0604030504040204" pitchFamily="34" charset="0"/>
+                <a:cs typeface="Tahoma" panose="020B0604030504040204" pitchFamily="34" charset="0"/>
+              </a:rPr>
+              <a:t>sicuro</a:t>
+            </a:r>
+            <a:r>
+              <a:rPr lang="it-IT" sz="2400" dirty="0">
+                <a:solidFill>
+                  <a:schemeClr val="tx1"/>
+                </a:solidFill>
+                <a:latin typeface="Tahoma" panose="020B0604030504040204" pitchFamily="34" charset="0"/>
+                <a:ea typeface="Tahoma" panose="020B0604030504040204" pitchFamily="34" charset="0"/>
+                <a:cs typeface="Tahoma" panose="020B0604030504040204" pitchFamily="34" charset="0"/>
+              </a:rPr>
+              <a:t>.</a:t>
             </a:r>
           </a:p>
           <a:p>
@@ -7994,7 +8971,7 @@
               <a:buFont typeface="Wingdings" panose="05000000000000000000" pitchFamily="2" charset="2"/>
               <a:buChar char="ü"/>
             </a:pPr>
-            <a:endParaRPr lang="it-IT" sz="2400">
+            <a:endParaRPr lang="it-IT" sz="2400" dirty="0">
               <a:solidFill>
                 <a:schemeClr val="tx1"/>
               </a:solidFill>
@@ -8154,6 +9131,632 @@
       </p:grpSpPr>
       <p:sp>
         <p:nvSpPr>
+          <p:cNvPr id="2" name="Segnaposto testo 1">
+            <a:extLst>
+              <a:ext uri="{FF2B5EF4-FFF2-40B4-BE49-F238E27FC236}">
+                <a16:creationId xmlns:a16="http://schemas.microsoft.com/office/drawing/2014/main" id="{E5AE986C-196F-4141-A898-FA4C4198CDCC}"/>
+              </a:ext>
+            </a:extLst>
+          </p:cNvPr>
+          <p:cNvSpPr>
+            <a:spLocks noGrp="1"/>
+          </p:cNvSpPr>
+          <p:nvPr>
+            <p:ph type="body" idx="1"/>
+          </p:nvPr>
+        </p:nvSpPr>
+        <p:spPr>
+          <a:xfrm>
+            <a:off x="560784" y="1232694"/>
+            <a:ext cx="8878183" cy="4392612"/>
+          </a:xfrm>
+        </p:spPr>
+        <p:txBody>
+          <a:bodyPr/>
+          <a:lstStyle/>
+          <a:p>
+            <a:pPr marL="342900" indent="-342900" algn="just">
+              <a:buFont typeface="Wingdings" panose="05000000000000000000" pitchFamily="2" charset="2"/>
+              <a:buChar char="ü"/>
+            </a:pPr>
+            <a:r>
+              <a:rPr lang="it-IT" sz="2400" dirty="0">
+                <a:solidFill>
+                  <a:schemeClr val="tx1"/>
+                </a:solidFill>
+                <a:latin typeface="Tahoma" panose="020B0604030504040204" pitchFamily="34" charset="0"/>
+                <a:ea typeface="Tahoma" panose="020B0604030504040204" pitchFamily="34" charset="0"/>
+                <a:cs typeface="Tahoma" panose="020B0604030504040204" pitchFamily="34" charset="0"/>
+              </a:rPr>
+              <a:t>C</a:t>
+            </a:r>
+            <a:r>
+              <a:rPr lang="it-IT" sz="2400" dirty="0" smtClean="0">
+                <a:solidFill>
+                  <a:schemeClr val="tx1"/>
+                </a:solidFill>
+                <a:latin typeface="Tahoma" panose="020B0604030504040204" pitchFamily="34" charset="0"/>
+                <a:ea typeface="Tahoma" panose="020B0604030504040204" pitchFamily="34" charset="0"/>
+                <a:cs typeface="Tahoma" panose="020B0604030504040204" pitchFamily="34" charset="0"/>
+              </a:rPr>
+              <a:t>onviene</a:t>
+            </a:r>
+            <a:r>
+              <a:rPr lang="it-IT" sz="2400" dirty="0">
+                <a:solidFill>
+                  <a:schemeClr val="tx1"/>
+                </a:solidFill>
+                <a:latin typeface="Tahoma" panose="020B0604030504040204" pitchFamily="34" charset="0"/>
+                <a:ea typeface="Tahoma" panose="020B0604030504040204" pitchFamily="34" charset="0"/>
+                <a:cs typeface="Tahoma" panose="020B0604030504040204" pitchFamily="34" charset="0"/>
+              </a:rPr>
+              <a:t>, quindi, affidarsi a questa tecnica così </a:t>
+            </a:r>
+            <a:r>
+              <a:rPr lang="it-IT" sz="2400" b="1" dirty="0" smtClean="0">
+                <a:solidFill>
+                  <a:schemeClr val="tx1"/>
+                </a:solidFill>
+                <a:latin typeface="Tahoma" panose="020B0604030504040204" pitchFamily="34" charset="0"/>
+                <a:ea typeface="Tahoma" panose="020B0604030504040204" pitchFamily="34" charset="0"/>
+                <a:cs typeface="Tahoma" panose="020B0604030504040204" pitchFamily="34" charset="0"/>
+              </a:rPr>
+              <a:t>innovativa</a:t>
+            </a:r>
+            <a:r>
+              <a:rPr lang="it-IT" sz="2400" dirty="0" smtClean="0">
+                <a:solidFill>
+                  <a:schemeClr val="tx1"/>
+                </a:solidFill>
+                <a:latin typeface="Tahoma" panose="020B0604030504040204" pitchFamily="34" charset="0"/>
+                <a:ea typeface="Tahoma" panose="020B0604030504040204" pitchFamily="34" charset="0"/>
+                <a:cs typeface="Tahoma" panose="020B0604030504040204" pitchFamily="34" charset="0"/>
+              </a:rPr>
+              <a:t>?</a:t>
+            </a:r>
+          </a:p>
+          <a:p>
+            <a:pPr marL="342900" indent="-342900" algn="just">
+              <a:buFont typeface="Wingdings" panose="05000000000000000000" pitchFamily="2" charset="2"/>
+              <a:buChar char="ü"/>
+            </a:pPr>
+            <a:r>
+              <a:rPr lang="it-IT" sz="2400" dirty="0" smtClean="0">
+                <a:solidFill>
+                  <a:schemeClr val="tx1"/>
+                </a:solidFill>
+                <a:latin typeface="Tahoma" panose="020B0604030504040204" pitchFamily="34" charset="0"/>
+                <a:ea typeface="Tahoma" panose="020B0604030504040204" pitchFamily="34" charset="0"/>
+                <a:cs typeface="Tahoma" panose="020B0604030504040204" pitchFamily="34" charset="0"/>
+              </a:rPr>
+              <a:t>È </a:t>
+            </a:r>
+            <a:r>
+              <a:rPr lang="it-IT" sz="2400" b="1" dirty="0">
+                <a:solidFill>
+                  <a:schemeClr val="tx1"/>
+                </a:solidFill>
+                <a:latin typeface="Tahoma" panose="020B0604030504040204" pitchFamily="34" charset="0"/>
+                <a:ea typeface="Tahoma" panose="020B0604030504040204" pitchFamily="34" charset="0"/>
+                <a:cs typeface="Tahoma" panose="020B0604030504040204" pitchFamily="34" charset="0"/>
+              </a:rPr>
+              <a:t>importante</a:t>
+            </a:r>
+            <a:r>
+              <a:rPr lang="it-IT" sz="2400" dirty="0">
+                <a:solidFill>
+                  <a:schemeClr val="tx1"/>
+                </a:solidFill>
+                <a:latin typeface="Tahoma" panose="020B0604030504040204" pitchFamily="34" charset="0"/>
+                <a:ea typeface="Tahoma" panose="020B0604030504040204" pitchFamily="34" charset="0"/>
+                <a:cs typeface="Tahoma" panose="020B0604030504040204" pitchFamily="34" charset="0"/>
+              </a:rPr>
+              <a:t> precisare che la </a:t>
+            </a:r>
+            <a:r>
+              <a:rPr lang="it-IT" sz="2400" b="1" dirty="0">
+                <a:solidFill>
+                  <a:schemeClr val="tx1"/>
+                </a:solidFill>
+                <a:latin typeface="Tahoma" panose="020B0604030504040204" pitchFamily="34" charset="0"/>
+                <a:ea typeface="Tahoma" panose="020B0604030504040204" pitchFamily="34" charset="0"/>
+                <a:cs typeface="Tahoma" panose="020B0604030504040204" pitchFamily="34" charset="0"/>
+              </a:rPr>
+              <a:t>crittografia</a:t>
+            </a:r>
+            <a:r>
+              <a:rPr lang="it-IT" sz="2400" dirty="0">
+                <a:solidFill>
+                  <a:schemeClr val="tx1"/>
+                </a:solidFill>
+                <a:latin typeface="Tahoma" panose="020B0604030504040204" pitchFamily="34" charset="0"/>
+                <a:ea typeface="Tahoma" panose="020B0604030504040204" pitchFamily="34" charset="0"/>
+                <a:cs typeface="Tahoma" panose="020B0604030504040204" pitchFamily="34" charset="0"/>
+              </a:rPr>
+              <a:t> </a:t>
+            </a:r>
+            <a:r>
+              <a:rPr lang="it-IT" sz="2400" b="1" dirty="0">
+                <a:solidFill>
+                  <a:schemeClr val="tx1"/>
+                </a:solidFill>
+                <a:latin typeface="Tahoma" panose="020B0604030504040204" pitchFamily="34" charset="0"/>
+                <a:ea typeface="Tahoma" panose="020B0604030504040204" pitchFamily="34" charset="0"/>
+                <a:cs typeface="Tahoma" panose="020B0604030504040204" pitchFamily="34" charset="0"/>
+              </a:rPr>
+              <a:t>quantistica</a:t>
+            </a:r>
+            <a:r>
+              <a:rPr lang="it-IT" sz="2400" dirty="0">
+                <a:solidFill>
+                  <a:schemeClr val="tx1"/>
+                </a:solidFill>
+                <a:latin typeface="Tahoma" panose="020B0604030504040204" pitchFamily="34" charset="0"/>
+                <a:ea typeface="Tahoma" panose="020B0604030504040204" pitchFamily="34" charset="0"/>
+                <a:cs typeface="Tahoma" panose="020B0604030504040204" pitchFamily="34" charset="0"/>
+              </a:rPr>
+              <a:t> è sì una tecnologia ancora in via di </a:t>
+            </a:r>
+            <a:r>
+              <a:rPr lang="it-IT" sz="2400" b="1" dirty="0">
+                <a:solidFill>
+                  <a:schemeClr val="tx1"/>
+                </a:solidFill>
+                <a:latin typeface="Tahoma" panose="020B0604030504040204" pitchFamily="34" charset="0"/>
+                <a:ea typeface="Tahoma" panose="020B0604030504040204" pitchFamily="34" charset="0"/>
+                <a:cs typeface="Tahoma" panose="020B0604030504040204" pitchFamily="34" charset="0"/>
+              </a:rPr>
+              <a:t>sviluppo</a:t>
+            </a:r>
+            <a:r>
+              <a:rPr lang="it-IT" sz="2400" dirty="0">
+                <a:solidFill>
+                  <a:schemeClr val="tx1"/>
+                </a:solidFill>
+                <a:latin typeface="Tahoma" panose="020B0604030504040204" pitchFamily="34" charset="0"/>
+                <a:ea typeface="Tahoma" panose="020B0604030504040204" pitchFamily="34" charset="0"/>
+                <a:cs typeface="Tahoma" panose="020B0604030504040204" pitchFamily="34" charset="0"/>
+              </a:rPr>
+              <a:t>, ma che può già essere applicata – nonostante le </a:t>
+            </a:r>
+            <a:r>
+              <a:rPr lang="it-IT" sz="2400" b="1" dirty="0">
+                <a:solidFill>
+                  <a:schemeClr val="tx1"/>
+                </a:solidFill>
+                <a:latin typeface="Tahoma" panose="020B0604030504040204" pitchFamily="34" charset="0"/>
+                <a:ea typeface="Tahoma" panose="020B0604030504040204" pitchFamily="34" charset="0"/>
+                <a:cs typeface="Tahoma" panose="020B0604030504040204" pitchFamily="34" charset="0"/>
+              </a:rPr>
+              <a:t>limitazioni</a:t>
+            </a:r>
+            <a:r>
+              <a:rPr lang="it-IT" sz="2400" dirty="0">
+                <a:solidFill>
+                  <a:schemeClr val="tx1"/>
+                </a:solidFill>
+                <a:latin typeface="Tahoma" panose="020B0604030504040204" pitchFamily="34" charset="0"/>
+                <a:ea typeface="Tahoma" panose="020B0604030504040204" pitchFamily="34" charset="0"/>
+                <a:cs typeface="Tahoma" panose="020B0604030504040204" pitchFamily="34" charset="0"/>
+              </a:rPr>
+              <a:t> – portando dei sostanziali </a:t>
+            </a:r>
+            <a:r>
+              <a:rPr lang="it-IT" sz="2400" dirty="0" smtClean="0">
+                <a:solidFill>
+                  <a:schemeClr val="tx1"/>
+                </a:solidFill>
+                <a:latin typeface="Tahoma" panose="020B0604030504040204" pitchFamily="34" charset="0"/>
+                <a:ea typeface="Tahoma" panose="020B0604030504040204" pitchFamily="34" charset="0"/>
+                <a:cs typeface="Tahoma" panose="020B0604030504040204" pitchFamily="34" charset="0"/>
+              </a:rPr>
+              <a:t>vantaggi.</a:t>
+            </a:r>
+          </a:p>
+          <a:p>
+            <a:pPr marL="342900" indent="-342900" algn="l">
+              <a:buFont typeface="Wingdings" panose="05000000000000000000" pitchFamily="2" charset="2"/>
+              <a:buChar char="ü"/>
+            </a:pPr>
+            <a:r>
+              <a:rPr lang="it-IT" sz="2400" dirty="0" smtClean="0">
+                <a:solidFill>
+                  <a:schemeClr val="tx1"/>
+                </a:solidFill>
+                <a:latin typeface="Tahoma" panose="020B0604030504040204" pitchFamily="34" charset="0"/>
+                <a:ea typeface="Tahoma" panose="020B0604030504040204" pitchFamily="34" charset="0"/>
+                <a:cs typeface="Tahoma" panose="020B0604030504040204" pitchFamily="34" charset="0"/>
+              </a:rPr>
+              <a:t>Con </a:t>
+            </a:r>
+            <a:r>
+              <a:rPr lang="it-IT" sz="2400" dirty="0">
+                <a:solidFill>
+                  <a:schemeClr val="tx1"/>
+                </a:solidFill>
+                <a:latin typeface="Tahoma" panose="020B0604030504040204" pitchFamily="34" charset="0"/>
+                <a:ea typeface="Tahoma" panose="020B0604030504040204" pitchFamily="34" charset="0"/>
+                <a:cs typeface="Tahoma" panose="020B0604030504040204" pitchFamily="34" charset="0"/>
+              </a:rPr>
+              <a:t>questo tipo di </a:t>
+            </a:r>
+            <a:r>
+              <a:rPr lang="it-IT" sz="2400" b="1" dirty="0">
+                <a:solidFill>
+                  <a:schemeClr val="tx1"/>
+                </a:solidFill>
+                <a:latin typeface="Tahoma" panose="020B0604030504040204" pitchFamily="34" charset="0"/>
+                <a:ea typeface="Tahoma" panose="020B0604030504040204" pitchFamily="34" charset="0"/>
+                <a:cs typeface="Tahoma" panose="020B0604030504040204" pitchFamily="34" charset="0"/>
+              </a:rPr>
+              <a:t>cifratura</a:t>
+            </a:r>
+            <a:r>
+              <a:rPr lang="it-IT" sz="2400" dirty="0">
+                <a:solidFill>
+                  <a:schemeClr val="tx1"/>
+                </a:solidFill>
+                <a:latin typeface="Tahoma" panose="020B0604030504040204" pitchFamily="34" charset="0"/>
+                <a:ea typeface="Tahoma" panose="020B0604030504040204" pitchFamily="34" charset="0"/>
+                <a:cs typeface="Tahoma" panose="020B0604030504040204" pitchFamily="34" charset="0"/>
+              </a:rPr>
+              <a:t>, infatti, si prevede di </a:t>
+            </a:r>
+            <a:r>
+              <a:rPr lang="it-IT" sz="2400" b="1" dirty="0">
+                <a:solidFill>
+                  <a:schemeClr val="tx1"/>
+                </a:solidFill>
+                <a:latin typeface="Tahoma" panose="020B0604030504040204" pitchFamily="34" charset="0"/>
+                <a:ea typeface="Tahoma" panose="020B0604030504040204" pitchFamily="34" charset="0"/>
+                <a:cs typeface="Tahoma" panose="020B0604030504040204" pitchFamily="34" charset="0"/>
+              </a:rPr>
+              <a:t>rivoluzionare</a:t>
+            </a:r>
+            <a:r>
+              <a:rPr lang="it-IT" sz="2400" dirty="0">
+                <a:solidFill>
+                  <a:schemeClr val="tx1"/>
+                </a:solidFill>
+                <a:latin typeface="Tahoma" panose="020B0604030504040204" pitchFamily="34" charset="0"/>
+                <a:ea typeface="Tahoma" panose="020B0604030504040204" pitchFamily="34" charset="0"/>
+                <a:cs typeface="Tahoma" panose="020B0604030504040204" pitchFamily="34" charset="0"/>
+              </a:rPr>
+              <a:t> radicalmente il modo in cui le informazioni verranno </a:t>
+            </a:r>
+            <a:r>
+              <a:rPr lang="it-IT" sz="2400" b="1" dirty="0">
+                <a:solidFill>
+                  <a:schemeClr val="tx1"/>
+                </a:solidFill>
+                <a:latin typeface="Tahoma" panose="020B0604030504040204" pitchFamily="34" charset="0"/>
+                <a:ea typeface="Tahoma" panose="020B0604030504040204" pitchFamily="34" charset="0"/>
+                <a:cs typeface="Tahoma" panose="020B0604030504040204" pitchFamily="34" charset="0"/>
+              </a:rPr>
+              <a:t>comunicate</a:t>
+            </a:r>
+            <a:r>
+              <a:rPr lang="it-IT" sz="2400" dirty="0">
+                <a:solidFill>
+                  <a:schemeClr val="tx1"/>
+                </a:solidFill>
+                <a:latin typeface="Tahoma" panose="020B0604030504040204" pitchFamily="34" charset="0"/>
+                <a:ea typeface="Tahoma" panose="020B0604030504040204" pitchFamily="34" charset="0"/>
+                <a:cs typeface="Tahoma" panose="020B0604030504040204" pitchFamily="34" charset="0"/>
+              </a:rPr>
+              <a:t>, sfruttando le leggi della </a:t>
+            </a:r>
+            <a:r>
+              <a:rPr lang="it-IT" sz="2400" b="1" dirty="0">
+                <a:solidFill>
+                  <a:schemeClr val="tx1"/>
+                </a:solidFill>
+                <a:latin typeface="Tahoma" panose="020B0604030504040204" pitchFamily="34" charset="0"/>
+                <a:ea typeface="Tahoma" panose="020B0604030504040204" pitchFamily="34" charset="0"/>
+                <a:cs typeface="Tahoma" panose="020B0604030504040204" pitchFamily="34" charset="0"/>
+              </a:rPr>
+              <a:t>fisica</a:t>
+            </a:r>
+            <a:r>
+              <a:rPr lang="it-IT" sz="2400" dirty="0">
+                <a:solidFill>
+                  <a:schemeClr val="tx1"/>
+                </a:solidFill>
+                <a:latin typeface="Tahoma" panose="020B0604030504040204" pitchFamily="34" charset="0"/>
+                <a:ea typeface="Tahoma" panose="020B0604030504040204" pitchFamily="34" charset="0"/>
+                <a:cs typeface="Tahoma" panose="020B0604030504040204" pitchFamily="34" charset="0"/>
+              </a:rPr>
+              <a:t> piuttosto che gli attuali </a:t>
+            </a:r>
+            <a:r>
+              <a:rPr lang="it-IT" sz="2400" b="1" dirty="0">
+                <a:solidFill>
+                  <a:schemeClr val="tx1"/>
+                </a:solidFill>
+                <a:latin typeface="Tahoma" panose="020B0604030504040204" pitchFamily="34" charset="0"/>
+                <a:ea typeface="Tahoma" panose="020B0604030504040204" pitchFamily="34" charset="0"/>
+                <a:cs typeface="Tahoma" panose="020B0604030504040204" pitchFamily="34" charset="0"/>
+              </a:rPr>
+              <a:t>algoritmi</a:t>
+            </a:r>
+            <a:r>
+              <a:rPr lang="it-IT" sz="2400" dirty="0">
+                <a:solidFill>
+                  <a:schemeClr val="tx1"/>
+                </a:solidFill>
+                <a:latin typeface="Tahoma" panose="020B0604030504040204" pitchFamily="34" charset="0"/>
+                <a:ea typeface="Tahoma" panose="020B0604030504040204" pitchFamily="34" charset="0"/>
+                <a:cs typeface="Tahoma" panose="020B0604030504040204" pitchFamily="34" charset="0"/>
+              </a:rPr>
+              <a:t> </a:t>
+            </a:r>
+            <a:r>
+              <a:rPr lang="it-IT" sz="2400" b="1" dirty="0">
+                <a:solidFill>
+                  <a:schemeClr val="tx1"/>
+                </a:solidFill>
+                <a:latin typeface="Tahoma" panose="020B0604030504040204" pitchFamily="34" charset="0"/>
+                <a:ea typeface="Tahoma" panose="020B0604030504040204" pitchFamily="34" charset="0"/>
+                <a:cs typeface="Tahoma" panose="020B0604030504040204" pitchFamily="34" charset="0"/>
+              </a:rPr>
+              <a:t>matematici</a:t>
+            </a:r>
+            <a:r>
+              <a:rPr lang="it-IT" sz="2400" dirty="0" smtClean="0">
+                <a:solidFill>
+                  <a:schemeClr val="tx1"/>
+                </a:solidFill>
+                <a:latin typeface="Tahoma" panose="020B0604030504040204" pitchFamily="34" charset="0"/>
+                <a:ea typeface="Tahoma" panose="020B0604030504040204" pitchFamily="34" charset="0"/>
+                <a:cs typeface="Tahoma" panose="020B0604030504040204" pitchFamily="34" charset="0"/>
+              </a:rPr>
+              <a:t>.</a:t>
+            </a:r>
+          </a:p>
+          <a:p>
+            <a:pPr marL="342900" indent="-342900" algn="just">
+              <a:buFont typeface="Wingdings" panose="05000000000000000000" pitchFamily="2" charset="2"/>
+              <a:buChar char="ü"/>
+            </a:pPr>
+            <a:r>
+              <a:rPr lang="it-IT" sz="2400" dirty="0">
+                <a:solidFill>
+                  <a:schemeClr val="tx1"/>
+                </a:solidFill>
+                <a:latin typeface="Tahoma" panose="020B0604030504040204" pitchFamily="34" charset="0"/>
+                <a:ea typeface="Tahoma" panose="020B0604030504040204" pitchFamily="34" charset="0"/>
+                <a:cs typeface="Tahoma" panose="020B0604030504040204" pitchFamily="34" charset="0"/>
+              </a:rPr>
+              <a:t>Questa </a:t>
+            </a:r>
+            <a:r>
+              <a:rPr lang="it-IT" sz="2400" b="1" dirty="0">
+                <a:solidFill>
+                  <a:schemeClr val="tx1"/>
+                </a:solidFill>
+                <a:latin typeface="Tahoma" panose="020B0604030504040204" pitchFamily="34" charset="0"/>
+                <a:ea typeface="Tahoma" panose="020B0604030504040204" pitchFamily="34" charset="0"/>
+                <a:cs typeface="Tahoma" panose="020B0604030504040204" pitchFamily="34" charset="0"/>
+              </a:rPr>
+              <a:t>tecnica</a:t>
+            </a:r>
+            <a:r>
+              <a:rPr lang="it-IT" sz="2400" dirty="0">
+                <a:solidFill>
+                  <a:schemeClr val="tx1"/>
+                </a:solidFill>
+                <a:latin typeface="Tahoma" panose="020B0604030504040204" pitchFamily="34" charset="0"/>
+                <a:ea typeface="Tahoma" panose="020B0604030504040204" pitchFamily="34" charset="0"/>
+                <a:cs typeface="Tahoma" panose="020B0604030504040204" pitchFamily="34" charset="0"/>
+              </a:rPr>
+              <a:t> </a:t>
+            </a:r>
+            <a:r>
+              <a:rPr lang="it-IT" sz="2400" b="1" dirty="0">
+                <a:solidFill>
+                  <a:schemeClr val="tx1"/>
+                </a:solidFill>
+                <a:latin typeface="Tahoma" panose="020B0604030504040204" pitchFamily="34" charset="0"/>
+                <a:ea typeface="Tahoma" panose="020B0604030504040204" pitchFamily="34" charset="0"/>
+                <a:cs typeface="Tahoma" panose="020B0604030504040204" pitchFamily="34" charset="0"/>
+              </a:rPr>
+              <a:t>promette</a:t>
+            </a:r>
+            <a:r>
+              <a:rPr lang="it-IT" sz="2400" dirty="0">
+                <a:solidFill>
+                  <a:schemeClr val="tx1"/>
+                </a:solidFill>
+                <a:latin typeface="Tahoma" panose="020B0604030504040204" pitchFamily="34" charset="0"/>
+                <a:ea typeface="Tahoma" panose="020B0604030504040204" pitchFamily="34" charset="0"/>
+                <a:cs typeface="Tahoma" panose="020B0604030504040204" pitchFamily="34" charset="0"/>
+              </a:rPr>
+              <a:t> quindi di essere </a:t>
+            </a:r>
+            <a:r>
+              <a:rPr lang="it-IT" sz="2400" b="1" dirty="0">
+                <a:solidFill>
+                  <a:schemeClr val="tx1"/>
+                </a:solidFill>
+                <a:latin typeface="Tahoma" panose="020B0604030504040204" pitchFamily="34" charset="0"/>
+                <a:ea typeface="Tahoma" panose="020B0604030504040204" pitchFamily="34" charset="0"/>
+                <a:cs typeface="Tahoma" panose="020B0604030504040204" pitchFamily="34" charset="0"/>
+              </a:rPr>
+              <a:t>impenetrabile</a:t>
+            </a:r>
+            <a:r>
+              <a:rPr lang="it-IT" sz="2400" dirty="0">
+                <a:solidFill>
+                  <a:schemeClr val="tx1"/>
+                </a:solidFill>
+                <a:latin typeface="Tahoma" panose="020B0604030504040204" pitchFamily="34" charset="0"/>
+                <a:ea typeface="Tahoma" panose="020B0604030504040204" pitchFamily="34" charset="0"/>
+                <a:cs typeface="Tahoma" panose="020B0604030504040204" pitchFamily="34" charset="0"/>
+              </a:rPr>
+              <a:t> e dovrebbe </a:t>
+            </a:r>
+            <a:r>
+              <a:rPr lang="it-IT" sz="2400" b="1" dirty="0">
+                <a:solidFill>
+                  <a:schemeClr val="tx1"/>
+                </a:solidFill>
+                <a:latin typeface="Tahoma" panose="020B0604030504040204" pitchFamily="34" charset="0"/>
+                <a:ea typeface="Tahoma" panose="020B0604030504040204" pitchFamily="34" charset="0"/>
+                <a:cs typeface="Tahoma" panose="020B0604030504040204" pitchFamily="34" charset="0"/>
+              </a:rPr>
+              <a:t>distribuire</a:t>
+            </a:r>
+            <a:r>
+              <a:rPr lang="it-IT" sz="2400" dirty="0">
+                <a:solidFill>
+                  <a:schemeClr val="tx1"/>
+                </a:solidFill>
+                <a:latin typeface="Tahoma" panose="020B0604030504040204" pitchFamily="34" charset="0"/>
+                <a:ea typeface="Tahoma" panose="020B0604030504040204" pitchFamily="34" charset="0"/>
+                <a:cs typeface="Tahoma" panose="020B0604030504040204" pitchFamily="34" charset="0"/>
+              </a:rPr>
+              <a:t> le informazioni garantendo un </a:t>
+            </a:r>
+            <a:r>
+              <a:rPr lang="it-IT" sz="2400" b="1" dirty="0">
+                <a:solidFill>
+                  <a:schemeClr val="tx1"/>
+                </a:solidFill>
+                <a:latin typeface="Tahoma" panose="020B0604030504040204" pitchFamily="34" charset="0"/>
+                <a:ea typeface="Tahoma" panose="020B0604030504040204" pitchFamily="34" charset="0"/>
+                <a:cs typeface="Tahoma" panose="020B0604030504040204" pitchFamily="34" charset="0"/>
+              </a:rPr>
+              <a:t>livello</a:t>
+            </a:r>
+            <a:r>
+              <a:rPr lang="it-IT" sz="2400" dirty="0">
+                <a:solidFill>
+                  <a:schemeClr val="tx1"/>
+                </a:solidFill>
+                <a:latin typeface="Tahoma" panose="020B0604030504040204" pitchFamily="34" charset="0"/>
+                <a:ea typeface="Tahoma" panose="020B0604030504040204" pitchFamily="34" charset="0"/>
+                <a:cs typeface="Tahoma" panose="020B0604030504040204" pitchFamily="34" charset="0"/>
+              </a:rPr>
+              <a:t> </a:t>
+            </a:r>
+            <a:r>
+              <a:rPr lang="it-IT" sz="2400" b="1" dirty="0">
+                <a:solidFill>
+                  <a:schemeClr val="tx1"/>
+                </a:solidFill>
+                <a:latin typeface="Tahoma" panose="020B0604030504040204" pitchFamily="34" charset="0"/>
+                <a:ea typeface="Tahoma" panose="020B0604030504040204" pitchFamily="34" charset="0"/>
+                <a:cs typeface="Tahoma" panose="020B0604030504040204" pitchFamily="34" charset="0"/>
+              </a:rPr>
+              <a:t>di</a:t>
+            </a:r>
+            <a:r>
+              <a:rPr lang="it-IT" sz="2400" dirty="0">
+                <a:solidFill>
+                  <a:schemeClr val="tx1"/>
+                </a:solidFill>
+                <a:latin typeface="Tahoma" panose="020B0604030504040204" pitchFamily="34" charset="0"/>
+                <a:ea typeface="Tahoma" panose="020B0604030504040204" pitchFamily="34" charset="0"/>
+                <a:cs typeface="Tahoma" panose="020B0604030504040204" pitchFamily="34" charset="0"/>
+              </a:rPr>
+              <a:t> </a:t>
+            </a:r>
+            <a:r>
+              <a:rPr lang="it-IT" sz="2400" b="1" dirty="0">
+                <a:solidFill>
+                  <a:schemeClr val="tx1"/>
+                </a:solidFill>
+                <a:latin typeface="Tahoma" panose="020B0604030504040204" pitchFamily="34" charset="0"/>
+                <a:ea typeface="Tahoma" panose="020B0604030504040204" pitchFamily="34" charset="0"/>
+                <a:cs typeface="Tahoma" panose="020B0604030504040204" pitchFamily="34" charset="0"/>
+              </a:rPr>
+              <a:t>sicurezza</a:t>
+            </a:r>
+            <a:r>
+              <a:rPr lang="it-IT" sz="2400" dirty="0">
+                <a:solidFill>
+                  <a:schemeClr val="tx1"/>
+                </a:solidFill>
+                <a:latin typeface="Tahoma" panose="020B0604030504040204" pitchFamily="34" charset="0"/>
+                <a:ea typeface="Tahoma" panose="020B0604030504040204" pitchFamily="34" charset="0"/>
+                <a:cs typeface="Tahoma" panose="020B0604030504040204" pitchFamily="34" charset="0"/>
+              </a:rPr>
+              <a:t> senza pari, codificandole su </a:t>
+            </a:r>
+            <a:r>
+              <a:rPr lang="it-IT" sz="2400" b="1" dirty="0">
+                <a:solidFill>
+                  <a:schemeClr val="tx1"/>
+                </a:solidFill>
+                <a:latin typeface="Tahoma" panose="020B0604030504040204" pitchFamily="34" charset="0"/>
+                <a:ea typeface="Tahoma" panose="020B0604030504040204" pitchFamily="34" charset="0"/>
+                <a:cs typeface="Tahoma" panose="020B0604030504040204" pitchFamily="34" charset="0"/>
+              </a:rPr>
+              <a:t>stati</a:t>
+            </a:r>
+            <a:r>
+              <a:rPr lang="it-IT" sz="2400" dirty="0">
+                <a:solidFill>
+                  <a:schemeClr val="tx1"/>
+                </a:solidFill>
+                <a:latin typeface="Tahoma" panose="020B0604030504040204" pitchFamily="34" charset="0"/>
+                <a:ea typeface="Tahoma" panose="020B0604030504040204" pitchFamily="34" charset="0"/>
+                <a:cs typeface="Tahoma" panose="020B0604030504040204" pitchFamily="34" charset="0"/>
+              </a:rPr>
+              <a:t> </a:t>
+            </a:r>
+            <a:r>
+              <a:rPr lang="it-IT" sz="2400" b="1" dirty="0">
+                <a:solidFill>
+                  <a:schemeClr val="tx1"/>
+                </a:solidFill>
+                <a:latin typeface="Tahoma" panose="020B0604030504040204" pitchFamily="34" charset="0"/>
+                <a:ea typeface="Tahoma" panose="020B0604030504040204" pitchFamily="34" charset="0"/>
+                <a:cs typeface="Tahoma" panose="020B0604030504040204" pitchFamily="34" charset="0"/>
+              </a:rPr>
+              <a:t>quantistici</a:t>
+            </a:r>
+            <a:r>
+              <a:rPr lang="it-IT" sz="2400" dirty="0">
+                <a:solidFill>
+                  <a:schemeClr val="tx1"/>
+                </a:solidFill>
+                <a:latin typeface="Tahoma" panose="020B0604030504040204" pitchFamily="34" charset="0"/>
+                <a:ea typeface="Tahoma" panose="020B0604030504040204" pitchFamily="34" charset="0"/>
+                <a:cs typeface="Tahoma" panose="020B0604030504040204" pitchFamily="34" charset="0"/>
+              </a:rPr>
+              <a:t> della luce.</a:t>
+            </a:r>
+          </a:p>
+          <a:p>
+            <a:pPr algn="l"/>
+            <a:endParaRPr lang="it-IT" sz="2400" dirty="0">
+              <a:solidFill>
+                <a:schemeClr val="tx1"/>
+              </a:solidFill>
+              <a:latin typeface="Tahoma" panose="020B0604030504040204" pitchFamily="34" charset="0"/>
+              <a:ea typeface="Tahoma" panose="020B0604030504040204" pitchFamily="34" charset="0"/>
+              <a:cs typeface="Tahoma" panose="020B0604030504040204" pitchFamily="34" charset="0"/>
+            </a:endParaRPr>
+          </a:p>
+          <a:p>
+            <a:pPr marL="342900" indent="-342900" algn="l">
+              <a:buFont typeface="Wingdings" panose="05000000000000000000" pitchFamily="2" charset="2"/>
+              <a:buChar char="ü"/>
+            </a:pPr>
+            <a:endParaRPr lang="it-IT" sz="2400" dirty="0">
+              <a:solidFill>
+                <a:schemeClr val="tx1"/>
+              </a:solidFill>
+              <a:latin typeface="Tahoma" panose="020B0604030504040204" pitchFamily="34" charset="0"/>
+              <a:ea typeface="Tahoma" panose="020B0604030504040204" pitchFamily="34" charset="0"/>
+              <a:cs typeface="Tahoma" panose="020B0604030504040204" pitchFamily="34" charset="0"/>
+            </a:endParaRPr>
+          </a:p>
+        </p:txBody>
+      </p:sp>
+      <p:sp>
+        <p:nvSpPr>
           <p:cNvPr id="7" name="Segnaposto numero diapositiva 6">
             <a:extLst>
               <a:ext uri="{FF2B5EF4-FFF2-40B4-BE49-F238E27FC236}">
@@ -8189,10 +9792,10 @@
       </p:sp>
       <p:sp>
         <p:nvSpPr>
-          <p:cNvPr id="5" name="Titolo 4">
+          <p:cNvPr id="6" name="Titolo 4">
             <a:extLst>
               <a:ext uri="{FF2B5EF4-FFF2-40B4-BE49-F238E27FC236}">
-                <a16:creationId xmlns:a16="http://schemas.microsoft.com/office/drawing/2014/main" id="{82C46BA2-B380-4357-B125-BA9F08A643F5}"/>
+                <a16:creationId xmlns:a16="http://schemas.microsoft.com/office/drawing/2014/main" id="{CF9A4806-60B4-80DC-1F76-D2EB3E6C376B}"/>
               </a:ext>
             </a:extLst>
           </p:cNvPr>
@@ -8205,8 +9808,8 @@
         </p:nvSpPr>
         <p:spPr>
           <a:xfrm>
-            <a:off x="468895" y="503475"/>
-            <a:ext cx="11269308" cy="384721"/>
+            <a:off x="461169" y="422999"/>
+            <a:ext cx="11269662" cy="384721"/>
           </a:xfrm>
         </p:spPr>
         <p:txBody>
@@ -8214,19 +9817,97 @@
           <a:lstStyle/>
           <a:p>
             <a:r>
-              <a:rPr lang="it-IT" altLang="it-IT"/>
-              <a:t>Bibliografia</a:t>
+              <a:rPr lang="it-IT" sz="2800">
+                <a:solidFill>
+                  <a:schemeClr val="tx1"/>
+                </a:solidFill>
+                <a:latin typeface="Tahoma" panose="020B0604030504040204" pitchFamily="34" charset="0"/>
+                <a:ea typeface="Tahoma" panose="020B0604030504040204" pitchFamily="34" charset="0"/>
+                <a:cs typeface="Tahoma" panose="020B0604030504040204" pitchFamily="34" charset="0"/>
+              </a:rPr>
+              <a:t>Crittografia </a:t>
+            </a:r>
+            <a:r>
+              <a:rPr lang="it-IT">
+                <a:solidFill>
+                  <a:schemeClr val="tx1"/>
+                </a:solidFill>
+                <a:latin typeface="Tahoma" panose="020B0604030504040204" pitchFamily="34" charset="0"/>
+                <a:ea typeface="Tahoma" panose="020B0604030504040204" pitchFamily="34" charset="0"/>
+                <a:cs typeface="Tahoma" panose="020B0604030504040204" pitchFamily="34" charset="0"/>
+              </a:rPr>
+              <a:t>quantistica</a:t>
             </a:r>
             <a:endParaRPr lang="it-IT" dirty="0"/>
           </a:p>
         </p:txBody>
       </p:sp>
+      <p:pic>
+        <p:nvPicPr>
+          <p:cNvPr id="3" name="Immagine 2"/>
+          <p:cNvPicPr>
+            <a:picLocks noChangeAspect="1"/>
+          </p:cNvPicPr>
+          <p:nvPr/>
+        </p:nvPicPr>
+        <p:blipFill>
+          <a:blip r:embed="rId2">
+            <a:extLst>
+              <a:ext uri="{28A0092B-C50C-407E-A947-70E740481C1C}">
+                <a14:useLocalDpi xmlns:a14="http://schemas.microsoft.com/office/drawing/2010/main" val="0"/>
+              </a:ext>
+            </a:extLst>
+          </a:blip>
+          <a:stretch>
+            <a:fillRect/>
+          </a:stretch>
+        </p:blipFill>
+        <p:spPr>
+          <a:xfrm>
+            <a:off x="8794033" y="3028643"/>
+            <a:ext cx="3295650" cy="1390650"/>
+          </a:xfrm>
+          <a:prstGeom prst="rect">
+            <a:avLst/>
+          </a:prstGeom>
+        </p:spPr>
+      </p:pic>
+    </p:spTree>
+    <p:extLst>
+      <p:ext uri="{BB962C8B-B14F-4D97-AF65-F5344CB8AC3E}">
+        <p14:creationId xmlns:p14="http://schemas.microsoft.com/office/powerpoint/2010/main" val="2179921194"/>
+      </p:ext>
+    </p:extLst>
+  </p:cSld>
+  <p:clrMapOvr>
+    <a:masterClrMapping/>
+  </p:clrMapOvr>
+</p:sld>
+</file>
+
+<file path=ppt/slides/slide13.xml><?xml version="1.0" encoding="utf-8"?>
+<p:sld xmlns:a="http://schemas.openxmlformats.org/drawingml/2006/main" xmlns:r="http://schemas.openxmlformats.org/officeDocument/2006/relationships" xmlns:p="http://schemas.openxmlformats.org/presentationml/2006/main">
+  <p:cSld>
+    <p:spTree>
+      <p:nvGrpSpPr>
+        <p:cNvPr id="1" name=""/>
+        <p:cNvGrpSpPr/>
+        <p:nvPr/>
+      </p:nvGrpSpPr>
+      <p:grpSpPr>
+        <a:xfrm>
+          <a:off x="0" y="0"/>
+          <a:ext cx="0" cy="0"/>
+          <a:chOff x="0" y="0"/>
+          <a:chExt cx="0" cy="0"/>
+        </a:xfrm>
+      </p:grpSpPr>
       <p:sp>
         <p:nvSpPr>
-          <p:cNvPr id="3" name="Segnaposto testo 2">
+          <p:cNvPr id="2" name="Segnaposto testo 1">
             <a:extLst>
               <a:ext uri="{FF2B5EF4-FFF2-40B4-BE49-F238E27FC236}">
-                <a16:creationId xmlns:a16="http://schemas.microsoft.com/office/drawing/2014/main" id="{15CD42DB-61E6-AA3D-7125-BF4BEDB5D886}"/>
+                <a16:creationId xmlns:a16="http://schemas.microsoft.com/office/drawing/2014/main" id="{E5AE986C-196F-4141-A898-FA4C4198CDCC}"/>
               </a:ext>
             </a:extLst>
           </p:cNvPr>
@@ -8239,60 +9920,5092 @@
         </p:nvSpPr>
         <p:spPr>
           <a:xfrm>
-            <a:off x="477519" y="1557338"/>
-            <a:ext cx="11043921" cy="4392612"/>
+            <a:off x="560785" y="1232694"/>
+            <a:ext cx="5790854" cy="4392612"/>
           </a:xfrm>
         </p:spPr>
         <p:txBody>
           <a:bodyPr/>
           <a:lstStyle/>
           <a:p>
-            <a:endParaRPr lang="it-IT" dirty="0"/>
-          </a:p>
-          <a:p>
-            <a:endParaRPr lang="it-IT" dirty="0"/>
+            <a:pPr marL="342900" indent="-342900" algn="just">
+              <a:buFont typeface="Wingdings" panose="05000000000000000000" pitchFamily="2" charset="2"/>
+              <a:buChar char="ü"/>
+            </a:pPr>
+            <a:r>
+              <a:rPr lang="it-IT" sz="2400" dirty="0" smtClean="0">
+                <a:solidFill>
+                  <a:schemeClr val="tx1"/>
+                </a:solidFill>
+                <a:latin typeface="Tahoma" panose="020B0604030504040204" pitchFamily="34" charset="0"/>
+                <a:ea typeface="Tahoma" panose="020B0604030504040204" pitchFamily="34" charset="0"/>
+                <a:cs typeface="Tahoma" panose="020B0604030504040204" pitchFamily="34" charset="0"/>
+              </a:rPr>
+              <a:t>Gli </a:t>
+            </a:r>
+            <a:r>
+              <a:rPr lang="it-IT" sz="2400" b="1" dirty="0">
+                <a:solidFill>
+                  <a:schemeClr val="tx1"/>
+                </a:solidFill>
+                <a:latin typeface="Tahoma" panose="020B0604030504040204" pitchFamily="34" charset="0"/>
+                <a:ea typeface="Tahoma" panose="020B0604030504040204" pitchFamily="34" charset="0"/>
+                <a:cs typeface="Tahoma" panose="020B0604030504040204" pitchFamily="34" charset="0"/>
+              </a:rPr>
+              <a:t>strumenti</a:t>
+            </a:r>
+            <a:r>
+              <a:rPr lang="it-IT" sz="2400" dirty="0">
+                <a:solidFill>
+                  <a:schemeClr val="tx1"/>
+                </a:solidFill>
+                <a:latin typeface="Tahoma" panose="020B0604030504040204" pitchFamily="34" charset="0"/>
+                <a:ea typeface="Tahoma" panose="020B0604030504040204" pitchFamily="34" charset="0"/>
+                <a:cs typeface="Tahoma" panose="020B0604030504040204" pitchFamily="34" charset="0"/>
+              </a:rPr>
+              <a:t> e i </a:t>
+            </a:r>
+            <a:r>
+              <a:rPr lang="it-IT" sz="2400" b="1" dirty="0">
+                <a:solidFill>
+                  <a:schemeClr val="tx1"/>
+                </a:solidFill>
+                <a:latin typeface="Tahoma" panose="020B0604030504040204" pitchFamily="34" charset="0"/>
+                <a:ea typeface="Tahoma" panose="020B0604030504040204" pitchFamily="34" charset="0"/>
+                <a:cs typeface="Tahoma" panose="020B0604030504040204" pitchFamily="34" charset="0"/>
+              </a:rPr>
+              <a:t>dispositivi</a:t>
+            </a:r>
+            <a:r>
+              <a:rPr lang="it-IT" sz="2400" dirty="0">
+                <a:solidFill>
+                  <a:schemeClr val="tx1"/>
+                </a:solidFill>
+                <a:latin typeface="Tahoma" panose="020B0604030504040204" pitchFamily="34" charset="0"/>
+                <a:ea typeface="Tahoma" panose="020B0604030504040204" pitchFamily="34" charset="0"/>
+                <a:cs typeface="Tahoma" panose="020B0604030504040204" pitchFamily="34" charset="0"/>
+              </a:rPr>
+              <a:t> utilizzati, inoltre, sono in costante miglioramento ed evoluzione e ci si aspetta che in futuro questa tecnologia diventi di uso comune in molte realtà</a:t>
+            </a:r>
+            <a:r>
+              <a:rPr lang="it-IT" sz="2400" dirty="0" smtClean="0">
+                <a:solidFill>
+                  <a:schemeClr val="tx1"/>
+                </a:solidFill>
+                <a:latin typeface="Tahoma" panose="020B0604030504040204" pitchFamily="34" charset="0"/>
+                <a:ea typeface="Tahoma" panose="020B0604030504040204" pitchFamily="34" charset="0"/>
+                <a:cs typeface="Tahoma" panose="020B0604030504040204" pitchFamily="34" charset="0"/>
+              </a:rPr>
+              <a:t>.</a:t>
+            </a:r>
+          </a:p>
+          <a:p>
+            <a:pPr marL="342900" indent="-342900" algn="just">
+              <a:buFont typeface="Wingdings" panose="05000000000000000000" pitchFamily="2" charset="2"/>
+              <a:buChar char="ü"/>
+            </a:pPr>
+            <a:r>
+              <a:rPr lang="it-IT" sz="2400" dirty="0" smtClean="0">
+                <a:solidFill>
+                  <a:schemeClr val="tx1"/>
+                </a:solidFill>
+                <a:latin typeface="Tahoma" panose="020B0604030504040204" pitchFamily="34" charset="0"/>
+                <a:ea typeface="Tahoma" panose="020B0604030504040204" pitchFamily="34" charset="0"/>
+                <a:cs typeface="Tahoma" panose="020B0604030504040204" pitchFamily="34" charset="0"/>
+              </a:rPr>
+              <a:t>Lo </a:t>
+            </a:r>
+            <a:r>
+              <a:rPr lang="it-IT" sz="2400" b="1" dirty="0">
+                <a:solidFill>
+                  <a:schemeClr val="tx1"/>
+                </a:solidFill>
+                <a:latin typeface="Tahoma" panose="020B0604030504040204" pitchFamily="34" charset="0"/>
+                <a:ea typeface="Tahoma" panose="020B0604030504040204" pitchFamily="34" charset="0"/>
+                <a:cs typeface="Tahoma" panose="020B0604030504040204" pitchFamily="34" charset="0"/>
+              </a:rPr>
+              <a:t>svantaggio</a:t>
+            </a:r>
+            <a:r>
+              <a:rPr lang="it-IT" sz="2400" dirty="0">
+                <a:solidFill>
+                  <a:schemeClr val="tx1"/>
+                </a:solidFill>
+                <a:latin typeface="Tahoma" panose="020B0604030504040204" pitchFamily="34" charset="0"/>
+                <a:ea typeface="Tahoma" panose="020B0604030504040204" pitchFamily="34" charset="0"/>
+                <a:cs typeface="Tahoma" panose="020B0604030504040204" pitchFamily="34" charset="0"/>
+              </a:rPr>
+              <a:t> è che la </a:t>
+            </a:r>
+            <a:r>
+              <a:rPr lang="it-IT" sz="2400" b="1" dirty="0">
+                <a:solidFill>
+                  <a:schemeClr val="tx1"/>
+                </a:solidFill>
+                <a:latin typeface="Tahoma" panose="020B0604030504040204" pitchFamily="34" charset="0"/>
+                <a:ea typeface="Tahoma" panose="020B0604030504040204" pitchFamily="34" charset="0"/>
+                <a:cs typeface="Tahoma" panose="020B0604030504040204" pitchFamily="34" charset="0"/>
+              </a:rPr>
+              <a:t>crittografia</a:t>
+            </a:r>
+            <a:r>
+              <a:rPr lang="it-IT" sz="2400" dirty="0">
+                <a:solidFill>
+                  <a:schemeClr val="tx1"/>
+                </a:solidFill>
+                <a:latin typeface="Tahoma" panose="020B0604030504040204" pitchFamily="34" charset="0"/>
+                <a:ea typeface="Tahoma" panose="020B0604030504040204" pitchFamily="34" charset="0"/>
+                <a:cs typeface="Tahoma" panose="020B0604030504040204" pitchFamily="34" charset="0"/>
+              </a:rPr>
+              <a:t> </a:t>
+            </a:r>
+            <a:r>
+              <a:rPr lang="it-IT" sz="2400" b="1" dirty="0">
+                <a:solidFill>
+                  <a:schemeClr val="tx1"/>
+                </a:solidFill>
+                <a:latin typeface="Tahoma" panose="020B0604030504040204" pitchFamily="34" charset="0"/>
+                <a:ea typeface="Tahoma" panose="020B0604030504040204" pitchFamily="34" charset="0"/>
+                <a:cs typeface="Tahoma" panose="020B0604030504040204" pitchFamily="34" charset="0"/>
+              </a:rPr>
+              <a:t>quantistica</a:t>
+            </a:r>
+            <a:r>
+              <a:rPr lang="it-IT" sz="2400" dirty="0">
+                <a:solidFill>
+                  <a:schemeClr val="tx1"/>
+                </a:solidFill>
+                <a:latin typeface="Tahoma" panose="020B0604030504040204" pitchFamily="34" charset="0"/>
+                <a:ea typeface="Tahoma" panose="020B0604030504040204" pitchFamily="34" charset="0"/>
+                <a:cs typeface="Tahoma" panose="020B0604030504040204" pitchFamily="34" charset="0"/>
+              </a:rPr>
+              <a:t>, oggi, è ancora una </a:t>
+            </a:r>
+            <a:r>
+              <a:rPr lang="it-IT" sz="2400" b="1" dirty="0">
+                <a:solidFill>
+                  <a:schemeClr val="tx1"/>
+                </a:solidFill>
+                <a:latin typeface="Tahoma" panose="020B0604030504040204" pitchFamily="34" charset="0"/>
+                <a:ea typeface="Tahoma" panose="020B0604030504040204" pitchFamily="34" charset="0"/>
+                <a:cs typeface="Tahoma" panose="020B0604030504040204" pitchFamily="34" charset="0"/>
+              </a:rPr>
+              <a:t>tecnica</a:t>
+            </a:r>
+            <a:r>
+              <a:rPr lang="it-IT" sz="2400" dirty="0">
+                <a:solidFill>
+                  <a:schemeClr val="tx1"/>
+                </a:solidFill>
+                <a:latin typeface="Tahoma" panose="020B0604030504040204" pitchFamily="34" charset="0"/>
+                <a:ea typeface="Tahoma" panose="020B0604030504040204" pitchFamily="34" charset="0"/>
+                <a:cs typeface="Tahoma" panose="020B0604030504040204" pitchFamily="34" charset="0"/>
+              </a:rPr>
+              <a:t> nuova e richiede </a:t>
+            </a:r>
+            <a:r>
+              <a:rPr lang="it-IT" sz="2400" b="1" dirty="0" smtClean="0">
+                <a:solidFill>
+                  <a:schemeClr val="tx1"/>
+                </a:solidFill>
+                <a:latin typeface="Tahoma" panose="020B0604030504040204" pitchFamily="34" charset="0"/>
+                <a:ea typeface="Tahoma" panose="020B0604030504040204" pitchFamily="34" charset="0"/>
+                <a:cs typeface="Tahoma" panose="020B0604030504040204" pitchFamily="34" charset="0"/>
+              </a:rPr>
+              <a:t>infrastrutture</a:t>
+            </a:r>
+            <a:r>
+              <a:rPr lang="it-IT" sz="2400" dirty="0" smtClean="0">
+                <a:solidFill>
+                  <a:schemeClr val="tx1"/>
+                </a:solidFill>
+                <a:latin typeface="Tahoma" panose="020B0604030504040204" pitchFamily="34" charset="0"/>
+                <a:ea typeface="Tahoma" panose="020B0604030504040204" pitchFamily="34" charset="0"/>
+                <a:cs typeface="Tahoma" panose="020B0604030504040204" pitchFamily="34" charset="0"/>
+              </a:rPr>
+              <a:t> particolari </a:t>
+            </a:r>
+            <a:r>
+              <a:rPr lang="it-IT" sz="2400" dirty="0">
+                <a:solidFill>
+                  <a:schemeClr val="tx1"/>
+                </a:solidFill>
+                <a:latin typeface="Tahoma" panose="020B0604030504040204" pitchFamily="34" charset="0"/>
+                <a:ea typeface="Tahoma" panose="020B0604030504040204" pitchFamily="34" charset="0"/>
+                <a:cs typeface="Tahoma" panose="020B0604030504040204" pitchFamily="34" charset="0"/>
+              </a:rPr>
+              <a:t>e </a:t>
+            </a:r>
+            <a:r>
+              <a:rPr lang="it-IT" sz="2400" b="1" dirty="0">
+                <a:solidFill>
+                  <a:schemeClr val="tx1"/>
+                </a:solidFill>
+                <a:latin typeface="Tahoma" panose="020B0604030504040204" pitchFamily="34" charset="0"/>
+                <a:ea typeface="Tahoma" panose="020B0604030504040204" pitchFamily="34" charset="0"/>
+                <a:cs typeface="Tahoma" panose="020B0604030504040204" pitchFamily="34" charset="0"/>
+              </a:rPr>
+              <a:t>costose</a:t>
+            </a:r>
+            <a:r>
+              <a:rPr lang="it-IT" sz="2400" dirty="0">
+                <a:solidFill>
+                  <a:schemeClr val="tx1"/>
+                </a:solidFill>
+                <a:latin typeface="Tahoma" panose="020B0604030504040204" pitchFamily="34" charset="0"/>
+                <a:ea typeface="Tahoma" panose="020B0604030504040204" pitchFamily="34" charset="0"/>
+                <a:cs typeface="Tahoma" panose="020B0604030504040204" pitchFamily="34" charset="0"/>
+              </a:rPr>
+              <a:t> da </a:t>
+            </a:r>
+            <a:r>
+              <a:rPr lang="it-IT" sz="2400" dirty="0" smtClean="0">
+                <a:solidFill>
+                  <a:schemeClr val="tx1"/>
+                </a:solidFill>
+                <a:latin typeface="Tahoma" panose="020B0604030504040204" pitchFamily="34" charset="0"/>
+                <a:ea typeface="Tahoma" panose="020B0604030504040204" pitchFamily="34" charset="0"/>
+                <a:cs typeface="Tahoma" panose="020B0604030504040204" pitchFamily="34" charset="0"/>
+              </a:rPr>
+              <a:t>costruire. Inoltre </a:t>
+            </a:r>
+            <a:r>
+              <a:rPr lang="it-IT" sz="2400" dirty="0">
+                <a:solidFill>
+                  <a:schemeClr val="tx1"/>
+                </a:solidFill>
+                <a:latin typeface="Tahoma" panose="020B0604030504040204" pitchFamily="34" charset="0"/>
+                <a:ea typeface="Tahoma" panose="020B0604030504040204" pitchFamily="34" charset="0"/>
+                <a:cs typeface="Tahoma" panose="020B0604030504040204" pitchFamily="34" charset="0"/>
+              </a:rPr>
+              <a:t>le distanze su cui è stata eseguita e </a:t>
+            </a:r>
+            <a:r>
+              <a:rPr lang="it-IT" sz="2400" b="1" dirty="0">
+                <a:solidFill>
+                  <a:schemeClr val="tx1"/>
+                </a:solidFill>
+                <a:latin typeface="Tahoma" panose="020B0604030504040204" pitchFamily="34" charset="0"/>
+                <a:ea typeface="Tahoma" panose="020B0604030504040204" pitchFamily="34" charset="0"/>
+                <a:cs typeface="Tahoma" panose="020B0604030504040204" pitchFamily="34" charset="0"/>
+              </a:rPr>
+              <a:t>testata</a:t>
+            </a:r>
+            <a:r>
+              <a:rPr lang="it-IT" sz="2400" dirty="0">
+                <a:solidFill>
+                  <a:schemeClr val="tx1"/>
+                </a:solidFill>
+                <a:latin typeface="Tahoma" panose="020B0604030504040204" pitchFamily="34" charset="0"/>
+                <a:ea typeface="Tahoma" panose="020B0604030504040204" pitchFamily="34" charset="0"/>
+                <a:cs typeface="Tahoma" panose="020B0604030504040204" pitchFamily="34" charset="0"/>
+              </a:rPr>
+              <a:t> sono ancora limitate con </a:t>
+            </a:r>
+            <a:r>
+              <a:rPr lang="it-IT" sz="2400" b="1" dirty="0">
+                <a:solidFill>
+                  <a:schemeClr val="tx1"/>
+                </a:solidFill>
+                <a:latin typeface="Tahoma" panose="020B0604030504040204" pitchFamily="34" charset="0"/>
+                <a:ea typeface="Tahoma" panose="020B0604030504040204" pitchFamily="34" charset="0"/>
+                <a:cs typeface="Tahoma" panose="020B0604030504040204" pitchFamily="34" charset="0"/>
+              </a:rPr>
+              <a:t>tassi</a:t>
+            </a:r>
+            <a:r>
+              <a:rPr lang="it-IT" sz="2400" dirty="0">
+                <a:solidFill>
+                  <a:schemeClr val="tx1"/>
+                </a:solidFill>
+                <a:latin typeface="Tahoma" panose="020B0604030504040204" pitchFamily="34" charset="0"/>
+                <a:ea typeface="Tahoma" panose="020B0604030504040204" pitchFamily="34" charset="0"/>
+                <a:cs typeface="Tahoma" panose="020B0604030504040204" pitchFamily="34" charset="0"/>
+              </a:rPr>
+              <a:t> di errore significativi.</a:t>
+            </a:r>
+          </a:p>
+          <a:p>
+            <a:pPr algn="l"/>
+            <a:endParaRPr lang="it-IT" sz="2400" dirty="0">
+              <a:solidFill>
+                <a:schemeClr val="tx1"/>
+              </a:solidFill>
+              <a:latin typeface="Tahoma" panose="020B0604030504040204" pitchFamily="34" charset="0"/>
+              <a:ea typeface="Tahoma" panose="020B0604030504040204" pitchFamily="34" charset="0"/>
+              <a:cs typeface="Tahoma" panose="020B0604030504040204" pitchFamily="34" charset="0"/>
+            </a:endParaRPr>
+          </a:p>
+          <a:p>
+            <a:pPr marL="342900" indent="-342900" algn="l">
+              <a:buFont typeface="Wingdings" panose="05000000000000000000" pitchFamily="2" charset="2"/>
+              <a:buChar char="ü"/>
+            </a:pPr>
+            <a:endParaRPr lang="it-IT" sz="2400" dirty="0">
+              <a:solidFill>
+                <a:schemeClr val="tx1"/>
+              </a:solidFill>
+              <a:latin typeface="Tahoma" panose="020B0604030504040204" pitchFamily="34" charset="0"/>
+              <a:ea typeface="Tahoma" panose="020B0604030504040204" pitchFamily="34" charset="0"/>
+              <a:cs typeface="Tahoma" panose="020B0604030504040204" pitchFamily="34" charset="0"/>
+            </a:endParaRPr>
           </a:p>
         </p:txBody>
       </p:sp>
       <p:sp>
         <p:nvSpPr>
-          <p:cNvPr id="6" name="CasellaDiTesto 5">
+          <p:cNvPr id="7" name="Segnaposto numero diapositiva 6">
             <a:extLst>
               <a:ext uri="{FF2B5EF4-FFF2-40B4-BE49-F238E27FC236}">
-                <a16:creationId xmlns:a16="http://schemas.microsoft.com/office/drawing/2014/main" id="{D6391C8D-6662-4D50-C544-D76CB446DE8E}"/>
+                <a16:creationId xmlns:a16="http://schemas.microsoft.com/office/drawing/2014/main" id="{AB740BE9-E218-4144-BFDE-AE473D230A3D}"/>
               </a:ext>
             </a:extLst>
           </p:cNvPr>
-          <p:cNvSpPr txBox="1"/>
-          <p:nvPr/>
+          <p:cNvSpPr>
+            <a:spLocks noGrp="1"/>
+          </p:cNvSpPr>
+          <p:nvPr>
+            <p:ph type="sldNum" sz="quarter" idx="12"/>
+          </p:nvPr>
+        </p:nvSpPr>
+        <p:spPr/>
+        <p:txBody>
+          <a:bodyPr/>
+          <a:lstStyle/>
+          <a:p>
+            <a:pPr>
+              <a:defRPr/>
+            </a:pPr>
+            <a:fld id="{48B4153A-D4C5-4CEF-8992-0D8815C829E3}" type="slidenum">
+              <a:rPr lang="en-US" smtClean="0"/>
+              <a:pPr>
+                <a:defRPr/>
+              </a:pPr>
+              <a:t>13</a:t>
+            </a:fld>
+            <a:endParaRPr lang="en-US" dirty="0"/>
+          </a:p>
+        </p:txBody>
+      </p:sp>
+      <p:sp>
+        <p:nvSpPr>
+          <p:cNvPr id="6" name="Titolo 4">
+            <a:extLst>
+              <a:ext uri="{FF2B5EF4-FFF2-40B4-BE49-F238E27FC236}">
+                <a16:creationId xmlns:a16="http://schemas.microsoft.com/office/drawing/2014/main" id="{CF9A4806-60B4-80DC-1F76-D2EB3E6C376B}"/>
+              </a:ext>
+            </a:extLst>
+          </p:cNvPr>
+          <p:cNvSpPr>
+            <a:spLocks noGrp="1"/>
+          </p:cNvSpPr>
+          <p:nvPr>
+            <p:ph type="title"/>
+          </p:nvPr>
         </p:nvSpPr>
         <p:spPr>
           <a:xfrm>
-            <a:off x="477519" y="1372672"/>
-            <a:ext cx="6098344" cy="369332"/>
+            <a:off x="461169" y="422999"/>
+            <a:ext cx="11269662" cy="384721"/>
+          </a:xfrm>
+        </p:spPr>
+        <p:txBody>
+          <a:bodyPr/>
+          <a:lstStyle/>
+          <a:p>
+            <a:r>
+              <a:rPr lang="it-IT" sz="2800">
+                <a:solidFill>
+                  <a:schemeClr val="tx1"/>
+                </a:solidFill>
+                <a:latin typeface="Tahoma" panose="020B0604030504040204" pitchFamily="34" charset="0"/>
+                <a:ea typeface="Tahoma" panose="020B0604030504040204" pitchFamily="34" charset="0"/>
+                <a:cs typeface="Tahoma" panose="020B0604030504040204" pitchFamily="34" charset="0"/>
+              </a:rPr>
+              <a:t>Crittografia </a:t>
+            </a:r>
+            <a:r>
+              <a:rPr lang="it-IT">
+                <a:solidFill>
+                  <a:schemeClr val="tx1"/>
+                </a:solidFill>
+                <a:latin typeface="Tahoma" panose="020B0604030504040204" pitchFamily="34" charset="0"/>
+                <a:ea typeface="Tahoma" panose="020B0604030504040204" pitchFamily="34" charset="0"/>
+                <a:cs typeface="Tahoma" panose="020B0604030504040204" pitchFamily="34" charset="0"/>
+              </a:rPr>
+              <a:t>quantistica</a:t>
+            </a:r>
+            <a:endParaRPr lang="it-IT" dirty="0"/>
+          </a:p>
+        </p:txBody>
+      </p:sp>
+      <p:pic>
+        <p:nvPicPr>
+          <p:cNvPr id="3" name="Immagine 2"/>
+          <p:cNvPicPr>
+            <a:picLocks noChangeAspect="1"/>
+          </p:cNvPicPr>
+          <p:nvPr/>
+        </p:nvPicPr>
+        <p:blipFill>
+          <a:blip r:embed="rId3">
+            <a:extLst>
+              <a:ext uri="{28A0092B-C50C-407E-A947-70E740481C1C}">
+                <a14:useLocalDpi xmlns:a14="http://schemas.microsoft.com/office/drawing/2010/main" val="0"/>
+              </a:ext>
+            </a:extLst>
+          </a:blip>
+          <a:stretch>
+            <a:fillRect/>
+          </a:stretch>
+        </p:blipFill>
+        <p:spPr>
+          <a:xfrm>
+            <a:off x="6597694" y="1730477"/>
+            <a:ext cx="5133137" cy="3665742"/>
           </a:xfrm>
           <a:prstGeom prst="rect">
             <a:avLst/>
           </a:prstGeom>
-          <a:noFill/>
+        </p:spPr>
+      </p:pic>
+    </p:spTree>
+    <p:extLst>
+      <p:ext uri="{BB962C8B-B14F-4D97-AF65-F5344CB8AC3E}">
+        <p14:creationId xmlns:p14="http://schemas.microsoft.com/office/powerpoint/2010/main" val="1338547294"/>
+      </p:ext>
+    </p:extLst>
+  </p:cSld>
+  <p:clrMapOvr>
+    <a:masterClrMapping/>
+  </p:clrMapOvr>
+</p:sld>
+</file>
+
+<file path=ppt/slides/slide14.xml><?xml version="1.0" encoding="utf-8"?>
+<p:sld xmlns:a="http://schemas.openxmlformats.org/drawingml/2006/main" xmlns:r="http://schemas.openxmlformats.org/officeDocument/2006/relationships" xmlns:p="http://schemas.openxmlformats.org/presentationml/2006/main">
+  <p:cSld>
+    <p:spTree>
+      <p:nvGrpSpPr>
+        <p:cNvPr id="1" name=""/>
+        <p:cNvGrpSpPr/>
+        <p:nvPr/>
+      </p:nvGrpSpPr>
+      <p:grpSpPr>
+        <a:xfrm>
+          <a:off x="0" y="0"/>
+          <a:ext cx="0" cy="0"/>
+          <a:chOff x="0" y="0"/>
+          <a:chExt cx="0" cy="0"/>
+        </a:xfrm>
+      </p:grpSpPr>
+      <p:sp>
+        <p:nvSpPr>
+          <p:cNvPr id="2" name="Segnaposto testo 1">
+            <a:extLst>
+              <a:ext uri="{FF2B5EF4-FFF2-40B4-BE49-F238E27FC236}">
+                <a16:creationId xmlns:a16="http://schemas.microsoft.com/office/drawing/2014/main" id="{E5AE986C-196F-4141-A898-FA4C4198CDCC}"/>
+              </a:ext>
+            </a:extLst>
+          </p:cNvPr>
+          <p:cNvSpPr>
+            <a:spLocks noGrp="1"/>
+          </p:cNvSpPr>
+          <p:nvPr>
+            <p:ph type="body" idx="1"/>
+          </p:nvPr>
+        </p:nvSpPr>
+        <p:spPr>
+          <a:xfrm>
+            <a:off x="560785" y="1232694"/>
+            <a:ext cx="11070776" cy="4392612"/>
+          </a:xfrm>
         </p:spPr>
         <p:txBody>
-          <a:bodyPr wrap="square">
-            <a:spAutoFit/>
-          </a:bodyPr>
+          <a:bodyPr/>
           <a:lstStyle/>
           <a:p>
-            <a:r>
-              <a:rPr lang="it-IT"/>
-              <a:t>https://www.it-impresa.it/blog/tipi-di-crittografia/</a:t>
-            </a:r>
+            <a:pPr marL="342900" indent="-342900" algn="just">
+              <a:buFont typeface="Wingdings" panose="05000000000000000000" pitchFamily="2" charset="2"/>
+              <a:buChar char="ü"/>
+            </a:pPr>
+            <a:r>
+              <a:rPr lang="it-IT" sz="2400" dirty="0" smtClean="0">
+                <a:solidFill>
+                  <a:schemeClr val="tx1"/>
+                </a:solidFill>
+                <a:latin typeface="Tahoma" panose="020B0604030504040204" pitchFamily="34" charset="0"/>
+                <a:ea typeface="Tahoma" panose="020B0604030504040204" pitchFamily="34" charset="0"/>
+                <a:cs typeface="Tahoma" panose="020B0604030504040204" pitchFamily="34" charset="0"/>
+              </a:rPr>
+              <a:t>Ora </a:t>
+            </a:r>
+            <a:r>
+              <a:rPr lang="it-IT" sz="2400" dirty="0">
+                <a:solidFill>
+                  <a:schemeClr val="tx1"/>
+                </a:solidFill>
+                <a:latin typeface="Tahoma" panose="020B0604030504040204" pitchFamily="34" charset="0"/>
+                <a:ea typeface="Tahoma" panose="020B0604030504040204" pitchFamily="34" charset="0"/>
+                <a:cs typeface="Tahoma" panose="020B0604030504040204" pitchFamily="34" charset="0"/>
+              </a:rPr>
+              <a:t>che </a:t>
+            </a:r>
+            <a:r>
+              <a:rPr lang="it-IT" sz="2400" b="1" dirty="0">
+                <a:solidFill>
+                  <a:schemeClr val="tx1"/>
+                </a:solidFill>
+                <a:latin typeface="Tahoma" panose="020B0604030504040204" pitchFamily="34" charset="0"/>
+                <a:ea typeface="Tahoma" panose="020B0604030504040204" pitchFamily="34" charset="0"/>
+                <a:cs typeface="Tahoma" panose="020B0604030504040204" pitchFamily="34" charset="0"/>
+              </a:rPr>
+              <a:t>abbiamo</a:t>
+            </a:r>
+            <a:r>
+              <a:rPr lang="it-IT" sz="2400" dirty="0">
+                <a:solidFill>
+                  <a:schemeClr val="tx1"/>
+                </a:solidFill>
+                <a:latin typeface="Tahoma" panose="020B0604030504040204" pitchFamily="34" charset="0"/>
+                <a:ea typeface="Tahoma" panose="020B0604030504040204" pitchFamily="34" charset="0"/>
+                <a:cs typeface="Tahoma" panose="020B0604030504040204" pitchFamily="34" charset="0"/>
+              </a:rPr>
+              <a:t> esaminato i diversi </a:t>
+            </a:r>
+            <a:r>
+              <a:rPr lang="it-IT" sz="2400" b="1" dirty="0">
+                <a:solidFill>
+                  <a:schemeClr val="tx1"/>
+                </a:solidFill>
+                <a:latin typeface="Tahoma" panose="020B0604030504040204" pitchFamily="34" charset="0"/>
+                <a:ea typeface="Tahoma" panose="020B0604030504040204" pitchFamily="34" charset="0"/>
+                <a:cs typeface="Tahoma" panose="020B0604030504040204" pitchFamily="34" charset="0"/>
+              </a:rPr>
+              <a:t>tipi</a:t>
+            </a:r>
+            <a:r>
+              <a:rPr lang="it-IT" sz="2400" dirty="0">
+                <a:solidFill>
+                  <a:schemeClr val="tx1"/>
+                </a:solidFill>
+                <a:latin typeface="Tahoma" panose="020B0604030504040204" pitchFamily="34" charset="0"/>
+                <a:ea typeface="Tahoma" panose="020B0604030504040204" pitchFamily="34" charset="0"/>
+                <a:cs typeface="Tahoma" panose="020B0604030504040204" pitchFamily="34" charset="0"/>
+              </a:rPr>
+              <a:t> </a:t>
+            </a:r>
+            <a:r>
+              <a:rPr lang="it-IT" sz="2400" b="1" dirty="0">
+                <a:solidFill>
+                  <a:schemeClr val="tx1"/>
+                </a:solidFill>
+                <a:latin typeface="Tahoma" panose="020B0604030504040204" pitchFamily="34" charset="0"/>
+                <a:ea typeface="Tahoma" panose="020B0604030504040204" pitchFamily="34" charset="0"/>
+                <a:cs typeface="Tahoma" panose="020B0604030504040204" pitchFamily="34" charset="0"/>
+              </a:rPr>
+              <a:t>di</a:t>
+            </a:r>
+            <a:r>
+              <a:rPr lang="it-IT" sz="2400" dirty="0">
+                <a:solidFill>
+                  <a:schemeClr val="tx1"/>
+                </a:solidFill>
+                <a:latin typeface="Tahoma" panose="020B0604030504040204" pitchFamily="34" charset="0"/>
+                <a:ea typeface="Tahoma" panose="020B0604030504040204" pitchFamily="34" charset="0"/>
+                <a:cs typeface="Tahoma" panose="020B0604030504040204" pitchFamily="34" charset="0"/>
+              </a:rPr>
+              <a:t> </a:t>
+            </a:r>
+            <a:r>
+              <a:rPr lang="it-IT" sz="2400" b="1" dirty="0">
+                <a:solidFill>
+                  <a:schemeClr val="tx1"/>
+                </a:solidFill>
+                <a:latin typeface="Tahoma" panose="020B0604030504040204" pitchFamily="34" charset="0"/>
+                <a:ea typeface="Tahoma" panose="020B0604030504040204" pitchFamily="34" charset="0"/>
+                <a:cs typeface="Tahoma" panose="020B0604030504040204" pitchFamily="34" charset="0"/>
+              </a:rPr>
+              <a:t>crittografia</a:t>
+            </a:r>
+            <a:r>
+              <a:rPr lang="it-IT" sz="2400" dirty="0">
+                <a:solidFill>
+                  <a:schemeClr val="tx1"/>
+                </a:solidFill>
+                <a:latin typeface="Tahoma" panose="020B0604030504040204" pitchFamily="34" charset="0"/>
+                <a:ea typeface="Tahoma" panose="020B0604030504040204" pitchFamily="34" charset="0"/>
+                <a:cs typeface="Tahoma" panose="020B0604030504040204" pitchFamily="34" charset="0"/>
+              </a:rPr>
+              <a:t>, come si può capire qual è l’opzione </a:t>
+            </a:r>
+            <a:r>
+              <a:rPr lang="it-IT" sz="2400" dirty="0" smtClean="0">
+                <a:solidFill>
+                  <a:schemeClr val="tx1"/>
+                </a:solidFill>
+                <a:latin typeface="Tahoma" panose="020B0604030504040204" pitchFamily="34" charset="0"/>
+                <a:ea typeface="Tahoma" panose="020B0604030504040204" pitchFamily="34" charset="0"/>
+                <a:cs typeface="Tahoma" panose="020B0604030504040204" pitchFamily="34" charset="0"/>
+              </a:rPr>
+              <a:t>migliore?</a:t>
+            </a:r>
+          </a:p>
+          <a:p>
+            <a:pPr marL="342900" indent="-342900" algn="just">
+              <a:buFont typeface="Wingdings" panose="05000000000000000000" pitchFamily="2" charset="2"/>
+              <a:buChar char="ü"/>
+            </a:pPr>
+            <a:r>
+              <a:rPr lang="it-IT" sz="2400" dirty="0" smtClean="0">
+                <a:solidFill>
+                  <a:schemeClr val="tx1"/>
+                </a:solidFill>
+                <a:latin typeface="Tahoma" panose="020B0604030504040204" pitchFamily="34" charset="0"/>
+                <a:ea typeface="Tahoma" panose="020B0604030504040204" pitchFamily="34" charset="0"/>
+                <a:cs typeface="Tahoma" panose="020B0604030504040204" pitchFamily="34" charset="0"/>
+              </a:rPr>
+              <a:t>La </a:t>
+            </a:r>
+            <a:r>
+              <a:rPr lang="it-IT" sz="2400" dirty="0">
+                <a:solidFill>
+                  <a:schemeClr val="tx1"/>
+                </a:solidFill>
+                <a:latin typeface="Tahoma" panose="020B0604030504040204" pitchFamily="34" charset="0"/>
+                <a:ea typeface="Tahoma" panose="020B0604030504040204" pitchFamily="34" charset="0"/>
+                <a:cs typeface="Tahoma" panose="020B0604030504040204" pitchFamily="34" charset="0"/>
+              </a:rPr>
+              <a:t>via più </a:t>
+            </a:r>
+            <a:r>
+              <a:rPr lang="it-IT" sz="2400" b="1" dirty="0">
+                <a:solidFill>
+                  <a:schemeClr val="tx1"/>
+                </a:solidFill>
+                <a:latin typeface="Tahoma" panose="020B0604030504040204" pitchFamily="34" charset="0"/>
+                <a:ea typeface="Tahoma" panose="020B0604030504040204" pitchFamily="34" charset="0"/>
+                <a:cs typeface="Tahoma" panose="020B0604030504040204" pitchFamily="34" charset="0"/>
+              </a:rPr>
+              <a:t>opportuna</a:t>
+            </a:r>
+            <a:r>
+              <a:rPr lang="it-IT" sz="2400" dirty="0">
+                <a:solidFill>
+                  <a:schemeClr val="tx1"/>
+                </a:solidFill>
+                <a:latin typeface="Tahoma" panose="020B0604030504040204" pitchFamily="34" charset="0"/>
+                <a:ea typeface="Tahoma" panose="020B0604030504040204" pitchFamily="34" charset="0"/>
+                <a:cs typeface="Tahoma" panose="020B0604030504040204" pitchFamily="34" charset="0"/>
+              </a:rPr>
+              <a:t> per procedere è </a:t>
+            </a:r>
+            <a:r>
+              <a:rPr lang="it-IT" sz="2400" b="1" dirty="0">
+                <a:solidFill>
+                  <a:schemeClr val="tx1"/>
+                </a:solidFill>
+                <a:latin typeface="Tahoma" panose="020B0604030504040204" pitchFamily="34" charset="0"/>
+                <a:ea typeface="Tahoma" panose="020B0604030504040204" pitchFamily="34" charset="0"/>
+                <a:cs typeface="Tahoma" panose="020B0604030504040204" pitchFamily="34" charset="0"/>
+              </a:rPr>
+              <a:t>comprendere</a:t>
+            </a:r>
+            <a:r>
+              <a:rPr lang="it-IT" sz="2400" dirty="0">
+                <a:solidFill>
+                  <a:schemeClr val="tx1"/>
+                </a:solidFill>
+                <a:latin typeface="Tahoma" panose="020B0604030504040204" pitchFamily="34" charset="0"/>
+                <a:ea typeface="Tahoma" panose="020B0604030504040204" pitchFamily="34" charset="0"/>
+                <a:cs typeface="Tahoma" panose="020B0604030504040204" pitchFamily="34" charset="0"/>
+              </a:rPr>
+              <a:t> a fondo quali sono le proprie </a:t>
+            </a:r>
+            <a:r>
+              <a:rPr lang="it-IT" sz="2400" b="1" dirty="0">
+                <a:solidFill>
+                  <a:schemeClr val="tx1"/>
+                </a:solidFill>
+                <a:latin typeface="Tahoma" panose="020B0604030504040204" pitchFamily="34" charset="0"/>
+                <a:ea typeface="Tahoma" panose="020B0604030504040204" pitchFamily="34" charset="0"/>
+                <a:cs typeface="Tahoma" panose="020B0604030504040204" pitchFamily="34" charset="0"/>
+              </a:rPr>
+              <a:t>esigenze</a:t>
+            </a:r>
+            <a:r>
+              <a:rPr lang="it-IT" sz="2400" dirty="0">
+                <a:solidFill>
+                  <a:schemeClr val="tx1"/>
+                </a:solidFill>
+                <a:latin typeface="Tahoma" panose="020B0604030504040204" pitchFamily="34" charset="0"/>
+                <a:ea typeface="Tahoma" panose="020B0604030504040204" pitchFamily="34" charset="0"/>
+                <a:cs typeface="Tahoma" panose="020B0604030504040204" pitchFamily="34" charset="0"/>
+              </a:rPr>
+              <a:t> e quali obiettivi si vuol raggiungere, </a:t>
+            </a:r>
+            <a:r>
+              <a:rPr lang="it-IT" sz="2400" b="1" dirty="0">
+                <a:solidFill>
+                  <a:schemeClr val="tx1"/>
+                </a:solidFill>
+                <a:latin typeface="Tahoma" panose="020B0604030504040204" pitchFamily="34" charset="0"/>
+                <a:ea typeface="Tahoma" panose="020B0604030504040204" pitchFamily="34" charset="0"/>
+                <a:cs typeface="Tahoma" panose="020B0604030504040204" pitchFamily="34" charset="0"/>
+              </a:rPr>
+              <a:t>individuando</a:t>
+            </a:r>
+            <a:r>
+              <a:rPr lang="it-IT" sz="2400" dirty="0">
+                <a:solidFill>
+                  <a:schemeClr val="tx1"/>
+                </a:solidFill>
+                <a:latin typeface="Tahoma" panose="020B0604030504040204" pitchFamily="34" charset="0"/>
+                <a:ea typeface="Tahoma" panose="020B0604030504040204" pitchFamily="34" charset="0"/>
+                <a:cs typeface="Tahoma" panose="020B0604030504040204" pitchFamily="34" charset="0"/>
+              </a:rPr>
+              <a:t> così l’alternativa più in </a:t>
+            </a:r>
+            <a:r>
+              <a:rPr lang="it-IT" sz="2400" b="1" dirty="0">
+                <a:solidFill>
+                  <a:schemeClr val="tx1"/>
+                </a:solidFill>
+                <a:latin typeface="Tahoma" panose="020B0604030504040204" pitchFamily="34" charset="0"/>
+                <a:ea typeface="Tahoma" panose="020B0604030504040204" pitchFamily="34" charset="0"/>
+                <a:cs typeface="Tahoma" panose="020B0604030504040204" pitchFamily="34" charset="0"/>
+              </a:rPr>
+              <a:t>linea</a:t>
+            </a:r>
+            <a:r>
+              <a:rPr lang="it-IT" sz="2400" dirty="0">
+                <a:solidFill>
+                  <a:schemeClr val="tx1"/>
+                </a:solidFill>
+                <a:latin typeface="Tahoma" panose="020B0604030504040204" pitchFamily="34" charset="0"/>
+                <a:ea typeface="Tahoma" panose="020B0604030504040204" pitchFamily="34" charset="0"/>
+                <a:cs typeface="Tahoma" panose="020B0604030504040204" pitchFamily="34" charset="0"/>
+              </a:rPr>
+              <a:t> con la propria </a:t>
+            </a:r>
+            <a:r>
+              <a:rPr lang="it-IT" sz="2400" b="1" dirty="0">
+                <a:solidFill>
+                  <a:schemeClr val="tx1"/>
+                </a:solidFill>
+                <a:latin typeface="Tahoma" panose="020B0604030504040204" pitchFamily="34" charset="0"/>
+                <a:ea typeface="Tahoma" panose="020B0604030504040204" pitchFamily="34" charset="0"/>
+                <a:cs typeface="Tahoma" panose="020B0604030504040204" pitchFamily="34" charset="0"/>
+              </a:rPr>
+              <a:t>realtà</a:t>
+            </a:r>
+            <a:r>
+              <a:rPr lang="it-IT" sz="2400" dirty="0" smtClean="0">
+                <a:solidFill>
+                  <a:schemeClr val="tx1"/>
+                </a:solidFill>
+                <a:latin typeface="Tahoma" panose="020B0604030504040204" pitchFamily="34" charset="0"/>
+                <a:ea typeface="Tahoma" panose="020B0604030504040204" pitchFamily="34" charset="0"/>
+                <a:cs typeface="Tahoma" panose="020B0604030504040204" pitchFamily="34" charset="0"/>
+              </a:rPr>
+              <a:t>.</a:t>
+            </a:r>
+          </a:p>
+          <a:p>
+            <a:pPr marL="342900" indent="-342900" algn="just">
+              <a:buFont typeface="Wingdings" panose="05000000000000000000" pitchFamily="2" charset="2"/>
+              <a:buChar char="ü"/>
+            </a:pPr>
+            <a:r>
+              <a:rPr lang="it-IT" sz="2400" dirty="0">
+                <a:solidFill>
+                  <a:schemeClr val="tx1"/>
+                </a:solidFill>
+                <a:latin typeface="Tahoma" panose="020B0604030504040204" pitchFamily="34" charset="0"/>
+                <a:ea typeface="Tahoma" panose="020B0604030504040204" pitchFamily="34" charset="0"/>
+                <a:cs typeface="Tahoma" panose="020B0604030504040204" pitchFamily="34" charset="0"/>
+              </a:rPr>
+              <a:t>Se si </a:t>
+            </a:r>
+            <a:r>
+              <a:rPr lang="it-IT" sz="2400" b="1" dirty="0">
+                <a:solidFill>
+                  <a:schemeClr val="tx1"/>
+                </a:solidFill>
+                <a:latin typeface="Tahoma" panose="020B0604030504040204" pitchFamily="34" charset="0"/>
+                <a:ea typeface="Tahoma" panose="020B0604030504040204" pitchFamily="34" charset="0"/>
+                <a:cs typeface="Tahoma" panose="020B0604030504040204" pitchFamily="34" charset="0"/>
+              </a:rPr>
+              <a:t>necessita</a:t>
+            </a:r>
+            <a:r>
+              <a:rPr lang="it-IT" sz="2400" dirty="0">
+                <a:solidFill>
+                  <a:schemeClr val="tx1"/>
+                </a:solidFill>
+                <a:latin typeface="Tahoma" panose="020B0604030504040204" pitchFamily="34" charset="0"/>
+                <a:ea typeface="Tahoma" panose="020B0604030504040204" pitchFamily="34" charset="0"/>
+                <a:cs typeface="Tahoma" panose="020B0604030504040204" pitchFamily="34" charset="0"/>
+              </a:rPr>
+              <a:t> di una </a:t>
+            </a:r>
+            <a:r>
+              <a:rPr lang="it-IT" sz="2400" b="1" dirty="0">
+                <a:solidFill>
+                  <a:schemeClr val="tx1"/>
+                </a:solidFill>
+                <a:latin typeface="Tahoma" panose="020B0604030504040204" pitchFamily="34" charset="0"/>
+                <a:ea typeface="Tahoma" panose="020B0604030504040204" pitchFamily="34" charset="0"/>
+                <a:cs typeface="Tahoma" panose="020B0604030504040204" pitchFamily="34" charset="0"/>
+              </a:rPr>
+              <a:t>tecnica</a:t>
+            </a:r>
+            <a:r>
+              <a:rPr lang="it-IT" sz="2400" dirty="0">
+                <a:solidFill>
+                  <a:schemeClr val="tx1"/>
+                </a:solidFill>
+                <a:latin typeface="Tahoma" panose="020B0604030504040204" pitchFamily="34" charset="0"/>
+                <a:ea typeface="Tahoma" panose="020B0604030504040204" pitchFamily="34" charset="0"/>
+                <a:cs typeface="Tahoma" panose="020B0604030504040204" pitchFamily="34" charset="0"/>
+              </a:rPr>
+              <a:t> </a:t>
+            </a:r>
+            <a:r>
+              <a:rPr lang="it-IT" sz="2400" b="1" dirty="0">
+                <a:solidFill>
+                  <a:schemeClr val="tx1"/>
+                </a:solidFill>
+                <a:latin typeface="Tahoma" panose="020B0604030504040204" pitchFamily="34" charset="0"/>
+                <a:ea typeface="Tahoma" panose="020B0604030504040204" pitchFamily="34" charset="0"/>
+                <a:cs typeface="Tahoma" panose="020B0604030504040204" pitchFamily="34" charset="0"/>
+              </a:rPr>
+              <a:t>di</a:t>
+            </a:r>
+            <a:r>
+              <a:rPr lang="it-IT" sz="2400" dirty="0">
+                <a:solidFill>
+                  <a:schemeClr val="tx1"/>
+                </a:solidFill>
+                <a:latin typeface="Tahoma" panose="020B0604030504040204" pitchFamily="34" charset="0"/>
+                <a:ea typeface="Tahoma" panose="020B0604030504040204" pitchFamily="34" charset="0"/>
+                <a:cs typeface="Tahoma" panose="020B0604030504040204" pitchFamily="34" charset="0"/>
+              </a:rPr>
+              <a:t> </a:t>
+            </a:r>
+            <a:r>
+              <a:rPr lang="it-IT" sz="2400" b="1" dirty="0">
+                <a:solidFill>
+                  <a:schemeClr val="tx1"/>
+                </a:solidFill>
+                <a:latin typeface="Tahoma" panose="020B0604030504040204" pitchFamily="34" charset="0"/>
+                <a:ea typeface="Tahoma" panose="020B0604030504040204" pitchFamily="34" charset="0"/>
+                <a:cs typeface="Tahoma" panose="020B0604030504040204" pitchFamily="34" charset="0"/>
+              </a:rPr>
+              <a:t>cifratura</a:t>
+            </a:r>
+            <a:r>
+              <a:rPr lang="it-IT" sz="2400" dirty="0">
+                <a:solidFill>
+                  <a:schemeClr val="tx1"/>
+                </a:solidFill>
+                <a:latin typeface="Tahoma" panose="020B0604030504040204" pitchFamily="34" charset="0"/>
+                <a:ea typeface="Tahoma" panose="020B0604030504040204" pitchFamily="34" charset="0"/>
+                <a:cs typeface="Tahoma" panose="020B0604030504040204" pitchFamily="34" charset="0"/>
+              </a:rPr>
+              <a:t> di base </a:t>
+            </a:r>
+            <a:r>
+              <a:rPr lang="it-IT" sz="2400" b="1" dirty="0">
+                <a:solidFill>
+                  <a:schemeClr val="tx1"/>
+                </a:solidFill>
+                <a:latin typeface="Tahoma" panose="020B0604030504040204" pitchFamily="34" charset="0"/>
+                <a:ea typeface="Tahoma" panose="020B0604030504040204" pitchFamily="34" charset="0"/>
+                <a:cs typeface="Tahoma" panose="020B0604030504040204" pitchFamily="34" charset="0"/>
+              </a:rPr>
+              <a:t>semplice</a:t>
+            </a:r>
+            <a:r>
+              <a:rPr lang="it-IT" sz="2400" dirty="0">
+                <a:solidFill>
+                  <a:schemeClr val="tx1"/>
+                </a:solidFill>
+                <a:latin typeface="Tahoma" panose="020B0604030504040204" pitchFamily="34" charset="0"/>
+                <a:ea typeface="Tahoma" panose="020B0604030504040204" pitchFamily="34" charset="0"/>
+                <a:cs typeface="Tahoma" panose="020B0604030504040204" pitchFamily="34" charset="0"/>
+              </a:rPr>
+              <a:t> e si ha la certezza di poter </a:t>
+            </a:r>
+            <a:r>
+              <a:rPr lang="it-IT" sz="2400" b="1" dirty="0">
+                <a:solidFill>
+                  <a:schemeClr val="tx1"/>
+                </a:solidFill>
+                <a:latin typeface="Tahoma" panose="020B0604030504040204" pitchFamily="34" charset="0"/>
+                <a:ea typeface="Tahoma" panose="020B0604030504040204" pitchFamily="34" charset="0"/>
+                <a:cs typeface="Tahoma" panose="020B0604030504040204" pitchFamily="34" charset="0"/>
+              </a:rPr>
+              <a:t>scambiare</a:t>
+            </a:r>
+            <a:r>
+              <a:rPr lang="it-IT" sz="2400" dirty="0">
+                <a:solidFill>
+                  <a:schemeClr val="tx1"/>
+                </a:solidFill>
+                <a:latin typeface="Tahoma" panose="020B0604030504040204" pitchFamily="34" charset="0"/>
+                <a:ea typeface="Tahoma" panose="020B0604030504040204" pitchFamily="34" charset="0"/>
+                <a:cs typeface="Tahoma" panose="020B0604030504040204" pitchFamily="34" charset="0"/>
+              </a:rPr>
+              <a:t> </a:t>
+            </a:r>
+            <a:r>
+              <a:rPr lang="it-IT" sz="2400" b="1" dirty="0">
+                <a:solidFill>
+                  <a:schemeClr val="tx1"/>
+                </a:solidFill>
+                <a:latin typeface="Tahoma" panose="020B0604030504040204" pitchFamily="34" charset="0"/>
+                <a:ea typeface="Tahoma" panose="020B0604030504040204" pitchFamily="34" charset="0"/>
+                <a:cs typeface="Tahoma" panose="020B0604030504040204" pitchFamily="34" charset="0"/>
+              </a:rPr>
+              <a:t>la</a:t>
+            </a:r>
+            <a:r>
+              <a:rPr lang="it-IT" sz="2400" dirty="0">
+                <a:solidFill>
+                  <a:schemeClr val="tx1"/>
+                </a:solidFill>
+                <a:latin typeface="Tahoma" panose="020B0604030504040204" pitchFamily="34" charset="0"/>
+                <a:ea typeface="Tahoma" panose="020B0604030504040204" pitchFamily="34" charset="0"/>
+                <a:cs typeface="Tahoma" panose="020B0604030504040204" pitchFamily="34" charset="0"/>
+              </a:rPr>
+              <a:t> </a:t>
+            </a:r>
+            <a:r>
+              <a:rPr lang="it-IT" sz="2400" b="1" dirty="0">
+                <a:solidFill>
+                  <a:schemeClr val="tx1"/>
+                </a:solidFill>
+                <a:latin typeface="Tahoma" panose="020B0604030504040204" pitchFamily="34" charset="0"/>
+                <a:ea typeface="Tahoma" panose="020B0604030504040204" pitchFamily="34" charset="0"/>
+                <a:cs typeface="Tahoma" panose="020B0604030504040204" pitchFamily="34" charset="0"/>
+              </a:rPr>
+              <a:t>chiave</a:t>
+            </a:r>
+            <a:r>
+              <a:rPr lang="it-IT" sz="2400" dirty="0">
+                <a:solidFill>
+                  <a:schemeClr val="tx1"/>
+                </a:solidFill>
+                <a:latin typeface="Tahoma" panose="020B0604030504040204" pitchFamily="34" charset="0"/>
+                <a:ea typeface="Tahoma" panose="020B0604030504040204" pitchFamily="34" charset="0"/>
+                <a:cs typeface="Tahoma" panose="020B0604030504040204" pitchFamily="34" charset="0"/>
+              </a:rPr>
+              <a:t> di codifica in maniera sicura, allora la </a:t>
+            </a:r>
+            <a:r>
+              <a:rPr lang="it-IT" sz="2400" b="1" dirty="0">
+                <a:solidFill>
+                  <a:schemeClr val="tx1"/>
+                </a:solidFill>
+                <a:latin typeface="Tahoma" panose="020B0604030504040204" pitchFamily="34" charset="0"/>
+                <a:ea typeface="Tahoma" panose="020B0604030504040204" pitchFamily="34" charset="0"/>
+                <a:cs typeface="Tahoma" panose="020B0604030504040204" pitchFamily="34" charset="0"/>
+              </a:rPr>
+              <a:t>crittografia</a:t>
+            </a:r>
+            <a:r>
+              <a:rPr lang="it-IT" sz="2400" dirty="0">
+                <a:solidFill>
+                  <a:schemeClr val="tx1"/>
+                </a:solidFill>
+                <a:latin typeface="Tahoma" panose="020B0604030504040204" pitchFamily="34" charset="0"/>
+                <a:ea typeface="Tahoma" panose="020B0604030504040204" pitchFamily="34" charset="0"/>
+                <a:cs typeface="Tahoma" panose="020B0604030504040204" pitchFamily="34" charset="0"/>
+              </a:rPr>
+              <a:t> </a:t>
+            </a:r>
+            <a:r>
+              <a:rPr lang="it-IT" sz="2400" b="1" dirty="0">
+                <a:solidFill>
+                  <a:schemeClr val="tx1"/>
+                </a:solidFill>
+                <a:latin typeface="Tahoma" panose="020B0604030504040204" pitchFamily="34" charset="0"/>
+                <a:ea typeface="Tahoma" panose="020B0604030504040204" pitchFamily="34" charset="0"/>
+                <a:cs typeface="Tahoma" panose="020B0604030504040204" pitchFamily="34" charset="0"/>
+              </a:rPr>
+              <a:t>simmetrica</a:t>
+            </a:r>
+            <a:r>
+              <a:rPr lang="it-IT" sz="2400" dirty="0">
+                <a:solidFill>
+                  <a:schemeClr val="tx1"/>
+                </a:solidFill>
+                <a:latin typeface="Tahoma" panose="020B0604030504040204" pitchFamily="34" charset="0"/>
+                <a:ea typeface="Tahoma" panose="020B0604030504040204" pitchFamily="34" charset="0"/>
+                <a:cs typeface="Tahoma" panose="020B0604030504040204" pitchFamily="34" charset="0"/>
+              </a:rPr>
+              <a:t> può essere la soluzione </a:t>
+            </a:r>
+            <a:r>
+              <a:rPr lang="it-IT" sz="2400" dirty="0" smtClean="0">
+                <a:solidFill>
+                  <a:schemeClr val="tx1"/>
+                </a:solidFill>
+                <a:latin typeface="Tahoma" panose="020B0604030504040204" pitchFamily="34" charset="0"/>
+                <a:ea typeface="Tahoma" panose="020B0604030504040204" pitchFamily="34" charset="0"/>
+                <a:cs typeface="Tahoma" panose="020B0604030504040204" pitchFamily="34" charset="0"/>
+              </a:rPr>
+              <a:t>giusta. Soprattutto </a:t>
+            </a:r>
+            <a:r>
+              <a:rPr lang="it-IT" sz="2400" dirty="0">
+                <a:solidFill>
+                  <a:schemeClr val="tx1"/>
+                </a:solidFill>
+                <a:latin typeface="Tahoma" panose="020B0604030504040204" pitchFamily="34" charset="0"/>
+                <a:ea typeface="Tahoma" panose="020B0604030504040204" pitchFamily="34" charset="0"/>
+                <a:cs typeface="Tahoma" panose="020B0604030504040204" pitchFamily="34" charset="0"/>
+              </a:rPr>
+              <a:t>se non si dispone di </a:t>
+            </a:r>
+            <a:r>
+              <a:rPr lang="it-IT" sz="2400" b="1" dirty="0">
+                <a:solidFill>
+                  <a:schemeClr val="tx1"/>
+                </a:solidFill>
+                <a:latin typeface="Tahoma" panose="020B0604030504040204" pitchFamily="34" charset="0"/>
+                <a:ea typeface="Tahoma" panose="020B0604030504040204" pitchFamily="34" charset="0"/>
+                <a:cs typeface="Tahoma" panose="020B0604030504040204" pitchFamily="34" charset="0"/>
+              </a:rPr>
+              <a:t>infrastrutture</a:t>
+            </a:r>
+            <a:r>
+              <a:rPr lang="it-IT" sz="2400" dirty="0">
+                <a:solidFill>
+                  <a:schemeClr val="tx1"/>
+                </a:solidFill>
+                <a:latin typeface="Tahoma" panose="020B0604030504040204" pitchFamily="34" charset="0"/>
+                <a:ea typeface="Tahoma" panose="020B0604030504040204" pitchFamily="34" charset="0"/>
+                <a:cs typeface="Tahoma" panose="020B0604030504040204" pitchFamily="34" charset="0"/>
+              </a:rPr>
+              <a:t> e mezzi particolarmente </a:t>
+            </a:r>
+            <a:r>
+              <a:rPr lang="it-IT" sz="2400" b="1" dirty="0">
+                <a:solidFill>
+                  <a:schemeClr val="tx1"/>
+                </a:solidFill>
+                <a:latin typeface="Tahoma" panose="020B0604030504040204" pitchFamily="34" charset="0"/>
+                <a:ea typeface="Tahoma" panose="020B0604030504040204" pitchFamily="34" charset="0"/>
+                <a:cs typeface="Tahoma" panose="020B0604030504040204" pitchFamily="34" charset="0"/>
+              </a:rPr>
+              <a:t>evoluti</a:t>
+            </a:r>
+            <a:r>
+              <a:rPr lang="it-IT" sz="2400" dirty="0">
+                <a:solidFill>
+                  <a:schemeClr val="tx1"/>
+                </a:solidFill>
+                <a:latin typeface="Tahoma" panose="020B0604030504040204" pitchFamily="34" charset="0"/>
+                <a:ea typeface="Tahoma" panose="020B0604030504040204" pitchFamily="34" charset="0"/>
+                <a:cs typeface="Tahoma" panose="020B0604030504040204" pitchFamily="34" charset="0"/>
+              </a:rPr>
+              <a:t> e </a:t>
+            </a:r>
+            <a:r>
+              <a:rPr lang="it-IT" sz="2400" dirty="0" smtClean="0">
+                <a:solidFill>
+                  <a:schemeClr val="tx1"/>
+                </a:solidFill>
+                <a:latin typeface="Tahoma" panose="020B0604030504040204" pitchFamily="34" charset="0"/>
+                <a:ea typeface="Tahoma" panose="020B0604030504040204" pitchFamily="34" charset="0"/>
+                <a:cs typeface="Tahoma" panose="020B0604030504040204" pitchFamily="34" charset="0"/>
+              </a:rPr>
+              <a:t>potenti.</a:t>
+            </a:r>
+          </a:p>
+          <a:p>
+            <a:pPr marL="342900" indent="-342900" algn="just">
+              <a:buFont typeface="Wingdings" panose="05000000000000000000" pitchFamily="2" charset="2"/>
+              <a:buChar char="ü"/>
+            </a:pPr>
+            <a:r>
+              <a:rPr lang="it-IT" sz="2400" dirty="0" smtClean="0">
+                <a:solidFill>
+                  <a:schemeClr val="tx1"/>
+                </a:solidFill>
+                <a:latin typeface="Tahoma" panose="020B0604030504040204" pitchFamily="34" charset="0"/>
+                <a:ea typeface="Tahoma" panose="020B0604030504040204" pitchFamily="34" charset="0"/>
+                <a:cs typeface="Tahoma" panose="020B0604030504040204" pitchFamily="34" charset="0"/>
+              </a:rPr>
+              <a:t>La </a:t>
+            </a:r>
+            <a:r>
+              <a:rPr lang="it-IT" sz="2400" b="1" dirty="0">
+                <a:solidFill>
+                  <a:schemeClr val="tx1"/>
+                </a:solidFill>
+                <a:latin typeface="Tahoma" panose="020B0604030504040204" pitchFamily="34" charset="0"/>
+                <a:ea typeface="Tahoma" panose="020B0604030504040204" pitchFamily="34" charset="0"/>
+                <a:cs typeface="Tahoma" panose="020B0604030504040204" pitchFamily="34" charset="0"/>
+              </a:rPr>
+              <a:t>crittografia</a:t>
+            </a:r>
+            <a:r>
+              <a:rPr lang="it-IT" sz="2400" dirty="0">
+                <a:solidFill>
+                  <a:schemeClr val="tx1"/>
+                </a:solidFill>
+                <a:latin typeface="Tahoma" panose="020B0604030504040204" pitchFamily="34" charset="0"/>
+                <a:ea typeface="Tahoma" panose="020B0604030504040204" pitchFamily="34" charset="0"/>
+                <a:cs typeface="Tahoma" panose="020B0604030504040204" pitchFamily="34" charset="0"/>
+              </a:rPr>
+              <a:t> </a:t>
+            </a:r>
+            <a:r>
+              <a:rPr lang="it-IT" sz="2400" b="1" dirty="0">
+                <a:solidFill>
+                  <a:schemeClr val="tx1"/>
+                </a:solidFill>
+                <a:latin typeface="Tahoma" panose="020B0604030504040204" pitchFamily="34" charset="0"/>
+                <a:ea typeface="Tahoma" panose="020B0604030504040204" pitchFamily="34" charset="0"/>
+                <a:cs typeface="Tahoma" panose="020B0604030504040204" pitchFamily="34" charset="0"/>
+              </a:rPr>
+              <a:t>asimmetrica</a:t>
+            </a:r>
+            <a:r>
+              <a:rPr lang="it-IT" sz="2400" dirty="0">
+                <a:solidFill>
+                  <a:schemeClr val="tx1"/>
+                </a:solidFill>
+                <a:latin typeface="Tahoma" panose="020B0604030504040204" pitchFamily="34" charset="0"/>
+                <a:ea typeface="Tahoma" panose="020B0604030504040204" pitchFamily="34" charset="0"/>
+                <a:cs typeface="Tahoma" panose="020B0604030504040204" pitchFamily="34" charset="0"/>
+              </a:rPr>
+              <a:t>, invece, è più indicata per chi aspira a un livello di </a:t>
+            </a:r>
+            <a:r>
+              <a:rPr lang="it-IT" sz="2400" b="1" dirty="0">
+                <a:solidFill>
+                  <a:schemeClr val="tx1"/>
+                </a:solidFill>
+                <a:latin typeface="Tahoma" panose="020B0604030504040204" pitchFamily="34" charset="0"/>
+                <a:ea typeface="Tahoma" panose="020B0604030504040204" pitchFamily="34" charset="0"/>
+                <a:cs typeface="Tahoma" panose="020B0604030504040204" pitchFamily="34" charset="0"/>
+              </a:rPr>
+              <a:t>sicurezza</a:t>
+            </a:r>
+            <a:r>
+              <a:rPr lang="it-IT" sz="2400" dirty="0">
+                <a:solidFill>
+                  <a:schemeClr val="tx1"/>
+                </a:solidFill>
+                <a:latin typeface="Tahoma" panose="020B0604030504040204" pitchFamily="34" charset="0"/>
+                <a:ea typeface="Tahoma" panose="020B0604030504040204" pitchFamily="34" charset="0"/>
+                <a:cs typeface="Tahoma" panose="020B0604030504040204" pitchFamily="34" charset="0"/>
+              </a:rPr>
+              <a:t> </a:t>
+            </a:r>
+            <a:r>
+              <a:rPr lang="it-IT" sz="2400" b="1" dirty="0">
+                <a:solidFill>
+                  <a:schemeClr val="tx1"/>
+                </a:solidFill>
+                <a:latin typeface="Tahoma" panose="020B0604030504040204" pitchFamily="34" charset="0"/>
+                <a:ea typeface="Tahoma" panose="020B0604030504040204" pitchFamily="34" charset="0"/>
+                <a:cs typeface="Tahoma" panose="020B0604030504040204" pitchFamily="34" charset="0"/>
+              </a:rPr>
+              <a:t>elevato</a:t>
+            </a:r>
+            <a:r>
+              <a:rPr lang="it-IT" sz="2400" dirty="0">
+                <a:solidFill>
+                  <a:schemeClr val="tx1"/>
+                </a:solidFill>
+                <a:latin typeface="Tahoma" panose="020B0604030504040204" pitchFamily="34" charset="0"/>
+                <a:ea typeface="Tahoma" panose="020B0604030504040204" pitchFamily="34" charset="0"/>
+                <a:cs typeface="Tahoma" panose="020B0604030504040204" pitchFamily="34" charset="0"/>
+              </a:rPr>
+              <a:t> e sa come gestire chiavi lunghe e complesse, affidandosi a strumenti di calcolo adeguati.</a:t>
+            </a:r>
+          </a:p>
+          <a:p>
+            <a:pPr marL="342900" indent="-342900" algn="just">
+              <a:buFont typeface="Wingdings" panose="05000000000000000000" pitchFamily="2" charset="2"/>
+              <a:buChar char="ü"/>
+            </a:pPr>
+            <a:endParaRPr lang="it-IT" sz="2400" dirty="0">
+              <a:solidFill>
+                <a:schemeClr val="tx1"/>
+              </a:solidFill>
+              <a:latin typeface="Tahoma" panose="020B0604030504040204" pitchFamily="34" charset="0"/>
+              <a:ea typeface="Tahoma" panose="020B0604030504040204" pitchFamily="34" charset="0"/>
+              <a:cs typeface="Tahoma" panose="020B0604030504040204" pitchFamily="34" charset="0"/>
+            </a:endParaRPr>
+          </a:p>
+        </p:txBody>
+      </p:sp>
+      <p:sp>
+        <p:nvSpPr>
+          <p:cNvPr id="7" name="Segnaposto numero diapositiva 6">
+            <a:extLst>
+              <a:ext uri="{FF2B5EF4-FFF2-40B4-BE49-F238E27FC236}">
+                <a16:creationId xmlns:a16="http://schemas.microsoft.com/office/drawing/2014/main" id="{AB740BE9-E218-4144-BFDE-AE473D230A3D}"/>
+              </a:ext>
+            </a:extLst>
+          </p:cNvPr>
+          <p:cNvSpPr>
+            <a:spLocks noGrp="1"/>
+          </p:cNvSpPr>
+          <p:nvPr>
+            <p:ph type="sldNum" sz="quarter" idx="12"/>
+          </p:nvPr>
+        </p:nvSpPr>
+        <p:spPr/>
+        <p:txBody>
+          <a:bodyPr/>
+          <a:lstStyle/>
+          <a:p>
+            <a:pPr>
+              <a:defRPr/>
+            </a:pPr>
+            <a:fld id="{48B4153A-D4C5-4CEF-8992-0D8815C829E3}" type="slidenum">
+              <a:rPr lang="en-US" smtClean="0"/>
+              <a:pPr>
+                <a:defRPr/>
+              </a:pPr>
+              <a:t>14</a:t>
+            </a:fld>
+            <a:endParaRPr lang="en-US" dirty="0"/>
+          </a:p>
+        </p:txBody>
+      </p:sp>
+      <p:sp>
+        <p:nvSpPr>
+          <p:cNvPr id="6" name="Titolo 4">
+            <a:extLst>
+              <a:ext uri="{FF2B5EF4-FFF2-40B4-BE49-F238E27FC236}">
+                <a16:creationId xmlns:a16="http://schemas.microsoft.com/office/drawing/2014/main" id="{CF9A4806-60B4-80DC-1F76-D2EB3E6C376B}"/>
+              </a:ext>
+            </a:extLst>
+          </p:cNvPr>
+          <p:cNvSpPr>
+            <a:spLocks noGrp="1"/>
+          </p:cNvSpPr>
+          <p:nvPr>
+            <p:ph type="title"/>
+          </p:nvPr>
+        </p:nvSpPr>
+        <p:spPr>
+          <a:xfrm>
+            <a:off x="461169" y="422999"/>
+            <a:ext cx="11269662" cy="384721"/>
+          </a:xfrm>
+        </p:spPr>
+        <p:txBody>
+          <a:bodyPr/>
+          <a:lstStyle/>
+          <a:p>
+            <a:r>
+              <a:rPr lang="it-IT" sz="2800" dirty="0" smtClean="0">
+                <a:solidFill>
+                  <a:schemeClr val="tx1"/>
+                </a:solidFill>
+                <a:latin typeface="Tahoma" panose="020B0604030504040204" pitchFamily="34" charset="0"/>
+                <a:ea typeface="Tahoma" panose="020B0604030504040204" pitchFamily="34" charset="0"/>
+                <a:cs typeface="Tahoma" panose="020B0604030504040204" pitchFamily="34" charset="0"/>
+              </a:rPr>
+              <a:t>Tipi di Crittografia</a:t>
+            </a:r>
+            <a:endParaRPr lang="it-IT" dirty="0"/>
           </a:p>
         </p:txBody>
       </p:sp>
     </p:spTree>
     <p:extLst>
       <p:ext uri="{BB962C8B-B14F-4D97-AF65-F5344CB8AC3E}">
-        <p14:creationId xmlns:p14="http://schemas.microsoft.com/office/powerpoint/2010/main" val="3490964097"/>
+        <p14:creationId xmlns:p14="http://schemas.microsoft.com/office/powerpoint/2010/main" val="177615519"/>
+      </p:ext>
+    </p:extLst>
+  </p:cSld>
+  <p:clrMapOvr>
+    <a:masterClrMapping/>
+  </p:clrMapOvr>
+</p:sld>
+</file>
+
+<file path=ppt/slides/slide15.xml><?xml version="1.0" encoding="utf-8"?>
+<p:sld xmlns:a="http://schemas.openxmlformats.org/drawingml/2006/main" xmlns:r="http://schemas.openxmlformats.org/officeDocument/2006/relationships" xmlns:p="http://schemas.openxmlformats.org/presentationml/2006/main">
+  <p:cSld>
+    <p:spTree>
+      <p:nvGrpSpPr>
+        <p:cNvPr id="1" name=""/>
+        <p:cNvGrpSpPr/>
+        <p:nvPr/>
+      </p:nvGrpSpPr>
+      <p:grpSpPr>
+        <a:xfrm>
+          <a:off x="0" y="0"/>
+          <a:ext cx="0" cy="0"/>
+          <a:chOff x="0" y="0"/>
+          <a:chExt cx="0" cy="0"/>
+        </a:xfrm>
+      </p:grpSpPr>
+      <p:sp>
+        <p:nvSpPr>
+          <p:cNvPr id="2" name="Segnaposto testo 1">
+            <a:extLst>
+              <a:ext uri="{FF2B5EF4-FFF2-40B4-BE49-F238E27FC236}">
+                <a16:creationId xmlns:a16="http://schemas.microsoft.com/office/drawing/2014/main" id="{E5AE986C-196F-4141-A898-FA4C4198CDCC}"/>
+              </a:ext>
+            </a:extLst>
+          </p:cNvPr>
+          <p:cNvSpPr>
+            <a:spLocks noGrp="1"/>
+          </p:cNvSpPr>
+          <p:nvPr>
+            <p:ph type="body" idx="1"/>
+          </p:nvPr>
+        </p:nvSpPr>
+        <p:spPr>
+          <a:xfrm>
+            <a:off x="560785" y="1232694"/>
+            <a:ext cx="11070776" cy="4392612"/>
+          </a:xfrm>
+        </p:spPr>
+        <p:txBody>
+          <a:bodyPr/>
+          <a:lstStyle/>
+          <a:p>
+            <a:pPr marL="342900" indent="-342900" algn="just">
+              <a:buFont typeface="Wingdings" panose="05000000000000000000" pitchFamily="2" charset="2"/>
+              <a:buChar char="ü"/>
+            </a:pPr>
+            <a:r>
+              <a:rPr lang="it-IT" sz="2400" dirty="0" smtClean="0">
+                <a:solidFill>
+                  <a:schemeClr val="tx1"/>
+                </a:solidFill>
+                <a:latin typeface="Tahoma" panose="020B0604030504040204" pitchFamily="34" charset="0"/>
+                <a:ea typeface="Tahoma" panose="020B0604030504040204" pitchFamily="34" charset="0"/>
+                <a:cs typeface="Tahoma" panose="020B0604030504040204" pitchFamily="34" charset="0"/>
+              </a:rPr>
+              <a:t>Infine </a:t>
+            </a:r>
+            <a:r>
+              <a:rPr lang="it-IT" sz="2400" dirty="0">
+                <a:solidFill>
+                  <a:schemeClr val="tx1"/>
+                </a:solidFill>
+                <a:latin typeface="Tahoma" panose="020B0604030504040204" pitchFamily="34" charset="0"/>
+                <a:ea typeface="Tahoma" panose="020B0604030504040204" pitchFamily="34" charset="0"/>
+                <a:cs typeface="Tahoma" panose="020B0604030504040204" pitchFamily="34" charset="0"/>
+              </a:rPr>
+              <a:t>la </a:t>
+            </a:r>
+            <a:r>
+              <a:rPr lang="it-IT" sz="2400" b="1" dirty="0">
+                <a:solidFill>
+                  <a:schemeClr val="tx1"/>
+                </a:solidFill>
+                <a:latin typeface="Tahoma" panose="020B0604030504040204" pitchFamily="34" charset="0"/>
+                <a:ea typeface="Tahoma" panose="020B0604030504040204" pitchFamily="34" charset="0"/>
+                <a:cs typeface="Tahoma" panose="020B0604030504040204" pitchFamily="34" charset="0"/>
+              </a:rPr>
+              <a:t>crittografia</a:t>
+            </a:r>
+            <a:r>
+              <a:rPr lang="it-IT" sz="2400" dirty="0">
+                <a:solidFill>
+                  <a:schemeClr val="tx1"/>
+                </a:solidFill>
+                <a:latin typeface="Tahoma" panose="020B0604030504040204" pitchFamily="34" charset="0"/>
+                <a:ea typeface="Tahoma" panose="020B0604030504040204" pitchFamily="34" charset="0"/>
+                <a:cs typeface="Tahoma" panose="020B0604030504040204" pitchFamily="34" charset="0"/>
+              </a:rPr>
+              <a:t> </a:t>
+            </a:r>
+            <a:r>
+              <a:rPr lang="it-IT" sz="2400" b="1" dirty="0">
+                <a:solidFill>
+                  <a:schemeClr val="tx1"/>
+                </a:solidFill>
+                <a:latin typeface="Tahoma" panose="020B0604030504040204" pitchFamily="34" charset="0"/>
+                <a:ea typeface="Tahoma" panose="020B0604030504040204" pitchFamily="34" charset="0"/>
+                <a:cs typeface="Tahoma" panose="020B0604030504040204" pitchFamily="34" charset="0"/>
+              </a:rPr>
+              <a:t>quantistica</a:t>
+            </a:r>
+            <a:r>
+              <a:rPr lang="it-IT" sz="2400" dirty="0">
+                <a:solidFill>
+                  <a:schemeClr val="tx1"/>
+                </a:solidFill>
+                <a:latin typeface="Tahoma" panose="020B0604030504040204" pitchFamily="34" charset="0"/>
+                <a:ea typeface="Tahoma" panose="020B0604030504040204" pitchFamily="34" charset="0"/>
+                <a:cs typeface="Tahoma" panose="020B0604030504040204" pitchFamily="34" charset="0"/>
+              </a:rPr>
+              <a:t> rappresenta la tecnologia del futuro, per ora accessibile solo ad aziende </a:t>
+            </a:r>
+            <a:r>
+              <a:rPr lang="it-IT" sz="2400" b="1" dirty="0">
+                <a:solidFill>
+                  <a:schemeClr val="tx1"/>
+                </a:solidFill>
+                <a:latin typeface="Tahoma" panose="020B0604030504040204" pitchFamily="34" charset="0"/>
+                <a:ea typeface="Tahoma" panose="020B0604030504040204" pitchFamily="34" charset="0"/>
+                <a:cs typeface="Tahoma" panose="020B0604030504040204" pitchFamily="34" charset="0"/>
+              </a:rPr>
+              <a:t>mondiali</a:t>
+            </a:r>
+            <a:r>
+              <a:rPr lang="it-IT" sz="2400" dirty="0">
+                <a:solidFill>
+                  <a:schemeClr val="tx1"/>
+                </a:solidFill>
+                <a:latin typeface="Tahoma" panose="020B0604030504040204" pitchFamily="34" charset="0"/>
+                <a:ea typeface="Tahoma" panose="020B0604030504040204" pitchFamily="34" charset="0"/>
+                <a:cs typeface="Tahoma" panose="020B0604030504040204" pitchFamily="34" charset="0"/>
+              </a:rPr>
+              <a:t> come </a:t>
+            </a:r>
+            <a:r>
+              <a:rPr lang="it-IT" sz="2400" b="1" dirty="0">
+                <a:solidFill>
+                  <a:schemeClr val="tx1"/>
+                </a:solidFill>
+                <a:latin typeface="Tahoma" panose="020B0604030504040204" pitchFamily="34" charset="0"/>
+                <a:ea typeface="Tahoma" panose="020B0604030504040204" pitchFamily="34" charset="0"/>
+                <a:cs typeface="Tahoma" panose="020B0604030504040204" pitchFamily="34" charset="0"/>
+              </a:rPr>
+              <a:t>IBM</a:t>
+            </a:r>
+            <a:r>
+              <a:rPr lang="it-IT" sz="2400" dirty="0">
+                <a:solidFill>
+                  <a:schemeClr val="tx1"/>
+                </a:solidFill>
+                <a:latin typeface="Tahoma" panose="020B0604030504040204" pitchFamily="34" charset="0"/>
+                <a:ea typeface="Tahoma" panose="020B0604030504040204" pitchFamily="34" charset="0"/>
+                <a:cs typeface="Tahoma" panose="020B0604030504040204" pitchFamily="34" charset="0"/>
+              </a:rPr>
+              <a:t> e </a:t>
+            </a:r>
+            <a:r>
+              <a:rPr lang="it-IT" sz="2400" b="1" dirty="0">
+                <a:solidFill>
+                  <a:schemeClr val="tx1"/>
+                </a:solidFill>
+                <a:latin typeface="Tahoma" panose="020B0604030504040204" pitchFamily="34" charset="0"/>
+                <a:ea typeface="Tahoma" panose="020B0604030504040204" pitchFamily="34" charset="0"/>
+                <a:cs typeface="Tahoma" panose="020B0604030504040204" pitchFamily="34" charset="0"/>
+              </a:rPr>
+              <a:t>Google</a:t>
+            </a:r>
+            <a:r>
+              <a:rPr lang="it-IT" sz="2400" dirty="0">
+                <a:solidFill>
+                  <a:schemeClr val="tx1"/>
+                </a:solidFill>
+                <a:latin typeface="Tahoma" panose="020B0604030504040204" pitchFamily="34" charset="0"/>
+                <a:ea typeface="Tahoma" panose="020B0604030504040204" pitchFamily="34" charset="0"/>
+                <a:cs typeface="Tahoma" panose="020B0604030504040204" pitchFamily="34" charset="0"/>
+              </a:rPr>
+              <a:t>, ma che presto diventerà </a:t>
+            </a:r>
+            <a:r>
+              <a:rPr lang="it-IT" sz="2400" b="1" dirty="0">
+                <a:solidFill>
+                  <a:schemeClr val="tx1"/>
+                </a:solidFill>
+                <a:latin typeface="Tahoma" panose="020B0604030504040204" pitchFamily="34" charset="0"/>
+                <a:ea typeface="Tahoma" panose="020B0604030504040204" pitchFamily="34" charset="0"/>
+                <a:cs typeface="Tahoma" panose="020B0604030504040204" pitchFamily="34" charset="0"/>
+              </a:rPr>
+              <a:t>protagonista</a:t>
+            </a:r>
+            <a:r>
+              <a:rPr lang="it-IT" sz="2400" dirty="0">
+                <a:solidFill>
+                  <a:schemeClr val="tx1"/>
+                </a:solidFill>
+                <a:latin typeface="Tahoma" panose="020B0604030504040204" pitchFamily="34" charset="0"/>
+                <a:ea typeface="Tahoma" panose="020B0604030504040204" pitchFamily="34" charset="0"/>
+                <a:cs typeface="Tahoma" panose="020B0604030504040204" pitchFamily="34" charset="0"/>
+              </a:rPr>
+              <a:t> anche di realtà più piccole e modeste</a:t>
+            </a:r>
+            <a:r>
+              <a:rPr lang="it-IT" sz="2400" dirty="0" smtClean="0">
+                <a:solidFill>
+                  <a:schemeClr val="tx1"/>
+                </a:solidFill>
+                <a:latin typeface="Tahoma" panose="020B0604030504040204" pitchFamily="34" charset="0"/>
+                <a:ea typeface="Tahoma" panose="020B0604030504040204" pitchFamily="34" charset="0"/>
+                <a:cs typeface="Tahoma" panose="020B0604030504040204" pitchFamily="34" charset="0"/>
+              </a:rPr>
+              <a:t>.</a:t>
+            </a:r>
+          </a:p>
+          <a:p>
+            <a:pPr marL="342900" indent="-342900" algn="just">
+              <a:buFont typeface="Wingdings" panose="05000000000000000000" pitchFamily="2" charset="2"/>
+              <a:buChar char="ü"/>
+            </a:pPr>
+            <a:r>
+              <a:rPr lang="it-IT" sz="2400" dirty="0">
+                <a:solidFill>
+                  <a:schemeClr val="tx1"/>
+                </a:solidFill>
+                <a:latin typeface="Tahoma" panose="020B0604030504040204" pitchFamily="34" charset="0"/>
+                <a:ea typeface="Tahoma" panose="020B0604030504040204" pitchFamily="34" charset="0"/>
+                <a:cs typeface="Tahoma" panose="020B0604030504040204" pitchFamily="34" charset="0"/>
+              </a:rPr>
+              <a:t>I principali algoritmi usati nella </a:t>
+            </a:r>
+            <a:r>
+              <a:rPr lang="it-IT" sz="2400" b="1" dirty="0">
+                <a:solidFill>
+                  <a:schemeClr val="tx1"/>
+                </a:solidFill>
+                <a:latin typeface="Tahoma" panose="020B0604030504040204" pitchFamily="34" charset="0"/>
+                <a:ea typeface="Tahoma" panose="020B0604030504040204" pitchFamily="34" charset="0"/>
+                <a:cs typeface="Tahoma" panose="020B0604030504040204" pitchFamily="34" charset="0"/>
+              </a:rPr>
+              <a:t>crittografia</a:t>
+            </a:r>
+            <a:r>
+              <a:rPr lang="it-IT" sz="2400" dirty="0">
+                <a:solidFill>
+                  <a:schemeClr val="tx1"/>
+                </a:solidFill>
+                <a:latin typeface="Tahoma" panose="020B0604030504040204" pitchFamily="34" charset="0"/>
+                <a:ea typeface="Tahoma" panose="020B0604030504040204" pitchFamily="34" charset="0"/>
+                <a:cs typeface="Tahoma" panose="020B0604030504040204" pitchFamily="34" charset="0"/>
+              </a:rPr>
+              <a:t> </a:t>
+            </a:r>
+            <a:r>
+              <a:rPr lang="it-IT" sz="2400" b="1" dirty="0">
+                <a:solidFill>
+                  <a:schemeClr val="tx1"/>
+                </a:solidFill>
+                <a:latin typeface="Tahoma" panose="020B0604030504040204" pitchFamily="34" charset="0"/>
+                <a:ea typeface="Tahoma" panose="020B0604030504040204" pitchFamily="34" charset="0"/>
+                <a:cs typeface="Tahoma" panose="020B0604030504040204" pitchFamily="34" charset="0"/>
+              </a:rPr>
+              <a:t>simmetrica</a:t>
+            </a:r>
+            <a:r>
+              <a:rPr lang="it-IT" sz="2400" dirty="0">
+                <a:solidFill>
+                  <a:schemeClr val="tx1"/>
+                </a:solidFill>
+                <a:latin typeface="Tahoma" panose="020B0604030504040204" pitchFamily="34" charset="0"/>
+                <a:ea typeface="Tahoma" panose="020B0604030504040204" pitchFamily="34" charset="0"/>
+                <a:cs typeface="Tahoma" panose="020B0604030504040204" pitchFamily="34" charset="0"/>
+              </a:rPr>
+              <a:t> </a:t>
+            </a:r>
+            <a:r>
+              <a:rPr lang="it-IT" sz="2400" dirty="0" smtClean="0">
+                <a:solidFill>
+                  <a:schemeClr val="tx1"/>
+                </a:solidFill>
+                <a:latin typeface="Tahoma" panose="020B0604030504040204" pitchFamily="34" charset="0"/>
+                <a:ea typeface="Tahoma" panose="020B0604030504040204" pitchFamily="34" charset="0"/>
+                <a:cs typeface="Tahoma" panose="020B0604030504040204" pitchFamily="34" charset="0"/>
+              </a:rPr>
+              <a:t>sono: </a:t>
+            </a:r>
+            <a:r>
+              <a:rPr lang="it-IT" sz="2400" b="1" dirty="0">
+                <a:solidFill>
+                  <a:schemeClr val="tx1"/>
+                </a:solidFill>
+                <a:latin typeface="Tahoma" panose="020B0604030504040204" pitchFamily="34" charset="0"/>
+                <a:ea typeface="Tahoma" panose="020B0604030504040204" pitchFamily="34" charset="0"/>
+                <a:cs typeface="Tahoma" panose="020B0604030504040204" pitchFamily="34" charset="0"/>
+              </a:rPr>
+              <a:t>DES</a:t>
+            </a:r>
+            <a:r>
+              <a:rPr lang="it-IT" sz="2400" dirty="0">
+                <a:solidFill>
+                  <a:schemeClr val="tx1"/>
+                </a:solidFill>
+                <a:latin typeface="Tahoma" panose="020B0604030504040204" pitchFamily="34" charset="0"/>
+                <a:ea typeface="Tahoma" panose="020B0604030504040204" pitchFamily="34" charset="0"/>
+                <a:cs typeface="Tahoma" panose="020B0604030504040204" pitchFamily="34" charset="0"/>
+              </a:rPr>
+              <a:t> (Data </a:t>
+            </a:r>
+            <a:r>
+              <a:rPr lang="it-IT" sz="2400" dirty="0" err="1">
+                <a:solidFill>
+                  <a:schemeClr val="tx1"/>
+                </a:solidFill>
+                <a:latin typeface="Tahoma" panose="020B0604030504040204" pitchFamily="34" charset="0"/>
+                <a:ea typeface="Tahoma" panose="020B0604030504040204" pitchFamily="34" charset="0"/>
+                <a:cs typeface="Tahoma" panose="020B0604030504040204" pitchFamily="34" charset="0"/>
+              </a:rPr>
+              <a:t>Encryption</a:t>
+            </a:r>
+            <a:r>
+              <a:rPr lang="it-IT" sz="2400" dirty="0">
+                <a:solidFill>
+                  <a:schemeClr val="tx1"/>
+                </a:solidFill>
+                <a:latin typeface="Tahoma" panose="020B0604030504040204" pitchFamily="34" charset="0"/>
+                <a:ea typeface="Tahoma" panose="020B0604030504040204" pitchFamily="34" charset="0"/>
+                <a:cs typeface="Tahoma" panose="020B0604030504040204" pitchFamily="34" charset="0"/>
+              </a:rPr>
+              <a:t> Standard), </a:t>
+            </a:r>
+            <a:r>
+              <a:rPr lang="it-IT" sz="2400" b="1" dirty="0">
+                <a:solidFill>
+                  <a:schemeClr val="tx1"/>
+                </a:solidFill>
+                <a:latin typeface="Tahoma" panose="020B0604030504040204" pitchFamily="34" charset="0"/>
+                <a:ea typeface="Tahoma" panose="020B0604030504040204" pitchFamily="34" charset="0"/>
+                <a:cs typeface="Tahoma" panose="020B0604030504040204" pitchFamily="34" charset="0"/>
+              </a:rPr>
+              <a:t>3DES</a:t>
+            </a:r>
+            <a:r>
+              <a:rPr lang="it-IT" sz="2400" dirty="0">
+                <a:solidFill>
+                  <a:schemeClr val="tx1"/>
+                </a:solidFill>
+                <a:latin typeface="Tahoma" panose="020B0604030504040204" pitchFamily="34" charset="0"/>
+                <a:ea typeface="Tahoma" panose="020B0604030504040204" pitchFamily="34" charset="0"/>
+                <a:cs typeface="Tahoma" panose="020B0604030504040204" pitchFamily="34" charset="0"/>
+              </a:rPr>
+              <a:t> (Triple DES) e </a:t>
+            </a:r>
+            <a:r>
+              <a:rPr lang="it-IT" sz="2400" b="1" dirty="0">
+                <a:solidFill>
+                  <a:schemeClr val="tx1"/>
+                </a:solidFill>
+                <a:latin typeface="Tahoma" panose="020B0604030504040204" pitchFamily="34" charset="0"/>
+                <a:ea typeface="Tahoma" panose="020B0604030504040204" pitchFamily="34" charset="0"/>
+                <a:cs typeface="Tahoma" panose="020B0604030504040204" pitchFamily="34" charset="0"/>
+              </a:rPr>
+              <a:t>AES</a:t>
+            </a:r>
+            <a:r>
+              <a:rPr lang="it-IT" sz="2400" dirty="0">
+                <a:solidFill>
+                  <a:schemeClr val="tx1"/>
+                </a:solidFill>
+                <a:latin typeface="Tahoma" panose="020B0604030504040204" pitchFamily="34" charset="0"/>
+                <a:ea typeface="Tahoma" panose="020B0604030504040204" pitchFamily="34" charset="0"/>
+                <a:cs typeface="Tahoma" panose="020B0604030504040204" pitchFamily="34" charset="0"/>
+              </a:rPr>
+              <a:t> (Advanced </a:t>
+            </a:r>
+            <a:r>
+              <a:rPr lang="it-IT" sz="2400" dirty="0" err="1">
+                <a:solidFill>
+                  <a:schemeClr val="tx1"/>
+                </a:solidFill>
+                <a:latin typeface="Tahoma" panose="020B0604030504040204" pitchFamily="34" charset="0"/>
+                <a:ea typeface="Tahoma" panose="020B0604030504040204" pitchFamily="34" charset="0"/>
+                <a:cs typeface="Tahoma" panose="020B0604030504040204" pitchFamily="34" charset="0"/>
+              </a:rPr>
+              <a:t>Encryption</a:t>
+            </a:r>
+            <a:r>
+              <a:rPr lang="it-IT" sz="2400" dirty="0">
+                <a:solidFill>
+                  <a:schemeClr val="tx1"/>
+                </a:solidFill>
+                <a:latin typeface="Tahoma" panose="020B0604030504040204" pitchFamily="34" charset="0"/>
+                <a:ea typeface="Tahoma" panose="020B0604030504040204" pitchFamily="34" charset="0"/>
+                <a:cs typeface="Tahoma" panose="020B0604030504040204" pitchFamily="34" charset="0"/>
+              </a:rPr>
+              <a:t> Standard</a:t>
+            </a:r>
+            <a:r>
+              <a:rPr lang="it-IT" sz="2400" dirty="0" smtClean="0">
+                <a:solidFill>
+                  <a:schemeClr val="tx1"/>
+                </a:solidFill>
+                <a:latin typeface="Tahoma" panose="020B0604030504040204" pitchFamily="34" charset="0"/>
+                <a:ea typeface="Tahoma" panose="020B0604030504040204" pitchFamily="34" charset="0"/>
+                <a:cs typeface="Tahoma" panose="020B0604030504040204" pitchFamily="34" charset="0"/>
+              </a:rPr>
+              <a:t>).</a:t>
+            </a:r>
+          </a:p>
+          <a:p>
+            <a:pPr marL="342900" indent="-342900" algn="just">
+              <a:buFont typeface="Wingdings" panose="05000000000000000000" pitchFamily="2" charset="2"/>
+              <a:buChar char="ü"/>
+            </a:pPr>
+            <a:r>
+              <a:rPr lang="it-IT" sz="2400" dirty="0">
+                <a:solidFill>
+                  <a:schemeClr val="tx1"/>
+                </a:solidFill>
+                <a:latin typeface="Tahoma" panose="020B0604030504040204" pitchFamily="34" charset="0"/>
+                <a:ea typeface="Tahoma" panose="020B0604030504040204" pitchFamily="34" charset="0"/>
+                <a:cs typeface="Tahoma" panose="020B0604030504040204" pitchFamily="34" charset="0"/>
+              </a:rPr>
+              <a:t>I più diffusi e conosciuti </a:t>
+            </a:r>
+            <a:r>
+              <a:rPr lang="it-IT" sz="2400" b="1" dirty="0">
+                <a:solidFill>
+                  <a:schemeClr val="tx1"/>
+                </a:solidFill>
+                <a:latin typeface="Tahoma" panose="020B0604030504040204" pitchFamily="34" charset="0"/>
+                <a:ea typeface="Tahoma" panose="020B0604030504040204" pitchFamily="34" charset="0"/>
+                <a:cs typeface="Tahoma" panose="020B0604030504040204" pitchFamily="34" charset="0"/>
+              </a:rPr>
+              <a:t>algoritmi</a:t>
+            </a:r>
+            <a:r>
+              <a:rPr lang="it-IT" sz="2400" dirty="0">
+                <a:solidFill>
+                  <a:schemeClr val="tx1"/>
+                </a:solidFill>
+                <a:latin typeface="Tahoma" panose="020B0604030504040204" pitchFamily="34" charset="0"/>
+                <a:ea typeface="Tahoma" panose="020B0604030504040204" pitchFamily="34" charset="0"/>
+                <a:cs typeface="Tahoma" panose="020B0604030504040204" pitchFamily="34" charset="0"/>
+              </a:rPr>
+              <a:t> </a:t>
+            </a:r>
+            <a:r>
+              <a:rPr lang="it-IT" sz="2400" b="1" dirty="0">
+                <a:solidFill>
+                  <a:schemeClr val="tx1"/>
+                </a:solidFill>
+                <a:latin typeface="Tahoma" panose="020B0604030504040204" pitchFamily="34" charset="0"/>
+                <a:ea typeface="Tahoma" panose="020B0604030504040204" pitchFamily="34" charset="0"/>
+                <a:cs typeface="Tahoma" panose="020B0604030504040204" pitchFamily="34" charset="0"/>
+              </a:rPr>
+              <a:t>asimmetrici</a:t>
+            </a:r>
+            <a:r>
+              <a:rPr lang="it-IT" sz="2400" dirty="0">
+                <a:solidFill>
+                  <a:schemeClr val="tx1"/>
+                </a:solidFill>
+                <a:latin typeface="Tahoma" panose="020B0604030504040204" pitchFamily="34" charset="0"/>
+                <a:ea typeface="Tahoma" panose="020B0604030504040204" pitchFamily="34" charset="0"/>
+                <a:cs typeface="Tahoma" panose="020B0604030504040204" pitchFamily="34" charset="0"/>
+              </a:rPr>
+              <a:t> sono: </a:t>
+            </a:r>
+            <a:r>
+              <a:rPr lang="it-IT" sz="2400" b="1" dirty="0">
+                <a:solidFill>
+                  <a:schemeClr val="tx1"/>
+                </a:solidFill>
+                <a:latin typeface="Tahoma" panose="020B0604030504040204" pitchFamily="34" charset="0"/>
+                <a:ea typeface="Tahoma" panose="020B0604030504040204" pitchFamily="34" charset="0"/>
+                <a:cs typeface="Tahoma" panose="020B0604030504040204" pitchFamily="34" charset="0"/>
+              </a:rPr>
+              <a:t>RSA</a:t>
+            </a:r>
+            <a:r>
+              <a:rPr lang="it-IT" sz="2400" dirty="0">
+                <a:solidFill>
+                  <a:schemeClr val="tx1"/>
+                </a:solidFill>
+                <a:latin typeface="Tahoma" panose="020B0604030504040204" pitchFamily="34" charset="0"/>
+                <a:ea typeface="Tahoma" panose="020B0604030504040204" pitchFamily="34" charset="0"/>
+                <a:cs typeface="Tahoma" panose="020B0604030504040204" pitchFamily="34" charset="0"/>
+              </a:rPr>
+              <a:t>, </a:t>
+            </a:r>
+            <a:r>
+              <a:rPr lang="it-IT" sz="2400" b="1" dirty="0" err="1">
+                <a:solidFill>
+                  <a:schemeClr val="tx1"/>
+                </a:solidFill>
+                <a:latin typeface="Tahoma" panose="020B0604030504040204" pitchFamily="34" charset="0"/>
+                <a:ea typeface="Tahoma" panose="020B0604030504040204" pitchFamily="34" charset="0"/>
+                <a:cs typeface="Tahoma" panose="020B0604030504040204" pitchFamily="34" charset="0"/>
+              </a:rPr>
+              <a:t>Diffie-Hellman</a:t>
+            </a:r>
+            <a:r>
+              <a:rPr lang="it-IT" sz="2400" dirty="0">
+                <a:solidFill>
+                  <a:schemeClr val="tx1"/>
+                </a:solidFill>
+                <a:latin typeface="Tahoma" panose="020B0604030504040204" pitchFamily="34" charset="0"/>
+                <a:ea typeface="Tahoma" panose="020B0604030504040204" pitchFamily="34" charset="0"/>
+                <a:cs typeface="Tahoma" panose="020B0604030504040204" pitchFamily="34" charset="0"/>
+              </a:rPr>
+              <a:t>, </a:t>
+            </a:r>
+            <a:r>
+              <a:rPr lang="it-IT" sz="2400" b="1" dirty="0" err="1">
+                <a:solidFill>
+                  <a:schemeClr val="tx1"/>
+                </a:solidFill>
+                <a:latin typeface="Tahoma" panose="020B0604030504040204" pitchFamily="34" charset="0"/>
+                <a:ea typeface="Tahoma" panose="020B0604030504040204" pitchFamily="34" charset="0"/>
+                <a:cs typeface="Tahoma" panose="020B0604030504040204" pitchFamily="34" charset="0"/>
+              </a:rPr>
+              <a:t>El-Gamal</a:t>
+            </a:r>
+            <a:r>
+              <a:rPr lang="it-IT" sz="2400" dirty="0">
+                <a:solidFill>
+                  <a:schemeClr val="tx1"/>
+                </a:solidFill>
+                <a:latin typeface="Tahoma" panose="020B0604030504040204" pitchFamily="34" charset="0"/>
+                <a:ea typeface="Tahoma" panose="020B0604030504040204" pitchFamily="34" charset="0"/>
+                <a:cs typeface="Tahoma" panose="020B0604030504040204" pitchFamily="34" charset="0"/>
+              </a:rPr>
+              <a:t>. In questo schema crittografico si usano due </a:t>
+            </a:r>
+            <a:r>
+              <a:rPr lang="it-IT" sz="2400" b="1" dirty="0">
+                <a:solidFill>
+                  <a:schemeClr val="tx1"/>
+                </a:solidFill>
+                <a:latin typeface="Tahoma" panose="020B0604030504040204" pitchFamily="34" charset="0"/>
+                <a:ea typeface="Tahoma" panose="020B0604030504040204" pitchFamily="34" charset="0"/>
+                <a:cs typeface="Tahoma" panose="020B0604030504040204" pitchFamily="34" charset="0"/>
+              </a:rPr>
+              <a:t>chiavi</a:t>
+            </a:r>
+            <a:r>
+              <a:rPr lang="it-IT" sz="2400" dirty="0">
+                <a:solidFill>
+                  <a:schemeClr val="tx1"/>
+                </a:solidFill>
+                <a:latin typeface="Tahoma" panose="020B0604030504040204" pitchFamily="34" charset="0"/>
+                <a:ea typeface="Tahoma" panose="020B0604030504040204" pitchFamily="34" charset="0"/>
+                <a:cs typeface="Tahoma" panose="020B0604030504040204" pitchFamily="34" charset="0"/>
+              </a:rPr>
+              <a:t> </a:t>
+            </a:r>
+            <a:r>
+              <a:rPr lang="it-IT" sz="2400" b="1" dirty="0">
+                <a:solidFill>
+                  <a:schemeClr val="tx1"/>
+                </a:solidFill>
+                <a:latin typeface="Tahoma" panose="020B0604030504040204" pitchFamily="34" charset="0"/>
+                <a:ea typeface="Tahoma" panose="020B0604030504040204" pitchFamily="34" charset="0"/>
+                <a:cs typeface="Tahoma" panose="020B0604030504040204" pitchFamily="34" charset="0"/>
+              </a:rPr>
+              <a:t>distinte</a:t>
+            </a:r>
+            <a:r>
+              <a:rPr lang="it-IT" sz="2400" dirty="0">
+                <a:solidFill>
+                  <a:schemeClr val="tx1"/>
+                </a:solidFill>
+                <a:latin typeface="Tahoma" panose="020B0604030504040204" pitchFamily="34" charset="0"/>
+                <a:ea typeface="Tahoma" panose="020B0604030504040204" pitchFamily="34" charset="0"/>
+                <a:cs typeface="Tahoma" panose="020B0604030504040204" pitchFamily="34" charset="0"/>
+              </a:rPr>
+              <a:t> per la </a:t>
+            </a:r>
+            <a:r>
+              <a:rPr lang="it-IT" sz="2400" b="1" dirty="0">
+                <a:solidFill>
+                  <a:schemeClr val="tx1"/>
+                </a:solidFill>
+                <a:latin typeface="Tahoma" panose="020B0604030504040204" pitchFamily="34" charset="0"/>
+                <a:ea typeface="Tahoma" panose="020B0604030504040204" pitchFamily="34" charset="0"/>
+                <a:cs typeface="Tahoma" panose="020B0604030504040204" pitchFamily="34" charset="0"/>
+              </a:rPr>
+              <a:t>codifica</a:t>
+            </a:r>
+            <a:r>
+              <a:rPr lang="it-IT" sz="2400" dirty="0">
+                <a:solidFill>
+                  <a:schemeClr val="tx1"/>
+                </a:solidFill>
+                <a:latin typeface="Tahoma" panose="020B0604030504040204" pitchFamily="34" charset="0"/>
+                <a:ea typeface="Tahoma" panose="020B0604030504040204" pitchFamily="34" charset="0"/>
+                <a:cs typeface="Tahoma" panose="020B0604030504040204" pitchFamily="34" charset="0"/>
+              </a:rPr>
+              <a:t> e la </a:t>
+            </a:r>
+            <a:r>
+              <a:rPr lang="it-IT" sz="2400" b="1" dirty="0">
+                <a:solidFill>
+                  <a:schemeClr val="tx1"/>
+                </a:solidFill>
+                <a:latin typeface="Tahoma" panose="020B0604030504040204" pitchFamily="34" charset="0"/>
+                <a:ea typeface="Tahoma" panose="020B0604030504040204" pitchFamily="34" charset="0"/>
+                <a:cs typeface="Tahoma" panose="020B0604030504040204" pitchFamily="34" charset="0"/>
+              </a:rPr>
+              <a:t>decodifica</a:t>
+            </a:r>
+            <a:r>
+              <a:rPr lang="it-IT" sz="2400" dirty="0">
+                <a:solidFill>
+                  <a:schemeClr val="tx1"/>
+                </a:solidFill>
+                <a:latin typeface="Tahoma" panose="020B0604030504040204" pitchFamily="34" charset="0"/>
+                <a:ea typeface="Tahoma" panose="020B0604030504040204" pitchFamily="34" charset="0"/>
+                <a:cs typeface="Tahoma" panose="020B0604030504040204" pitchFamily="34" charset="0"/>
+              </a:rPr>
+              <a:t>. </a:t>
+            </a:r>
+            <a:r>
+              <a:rPr lang="it-IT" sz="2400" dirty="0">
+                <a:solidFill>
+                  <a:schemeClr val="tx1"/>
+                </a:solidFill>
+                <a:latin typeface="Tahoma" panose="020B0604030504040204" pitchFamily="34" charset="0"/>
+                <a:ea typeface="Tahoma" panose="020B0604030504040204" pitchFamily="34" charset="0"/>
+                <a:cs typeface="Tahoma" panose="020B0604030504040204" pitchFamily="34" charset="0"/>
+              </a:rPr>
+              <a:t>La prima viene utilizzata per codificare il messaggio </a:t>
+            </a:r>
+            <a:r>
+              <a:rPr lang="it-IT" sz="2400" b="1" dirty="0">
+                <a:solidFill>
+                  <a:schemeClr val="tx1"/>
+                </a:solidFill>
+                <a:latin typeface="Tahoma" panose="020B0604030504040204" pitchFamily="34" charset="0"/>
+                <a:ea typeface="Tahoma" panose="020B0604030504040204" pitchFamily="34" charset="0"/>
+                <a:cs typeface="Tahoma" panose="020B0604030504040204" pitchFamily="34" charset="0"/>
+              </a:rPr>
+              <a:t>M</a:t>
+            </a:r>
+            <a:r>
+              <a:rPr lang="it-IT" sz="2400" dirty="0">
+                <a:solidFill>
+                  <a:schemeClr val="tx1"/>
+                </a:solidFill>
+                <a:latin typeface="Tahoma" panose="020B0604030504040204" pitchFamily="34" charset="0"/>
+                <a:ea typeface="Tahoma" panose="020B0604030504040204" pitchFamily="34" charset="0"/>
+                <a:cs typeface="Tahoma" panose="020B0604030504040204" pitchFamily="34" charset="0"/>
+              </a:rPr>
+              <a:t>, la seconda per </a:t>
+            </a:r>
+            <a:r>
+              <a:rPr lang="it-IT" sz="2400" b="1" dirty="0">
+                <a:solidFill>
+                  <a:schemeClr val="tx1"/>
+                </a:solidFill>
+                <a:latin typeface="Tahoma" panose="020B0604030504040204" pitchFamily="34" charset="0"/>
+                <a:ea typeface="Tahoma" panose="020B0604030504040204" pitchFamily="34" charset="0"/>
+                <a:cs typeface="Tahoma" panose="020B0604030504040204" pitchFamily="34" charset="0"/>
+              </a:rPr>
+              <a:t>decodificarlo</a:t>
+            </a:r>
+            <a:r>
+              <a:rPr lang="it-IT" sz="2400" dirty="0">
+                <a:solidFill>
+                  <a:schemeClr val="tx1"/>
+                </a:solidFill>
+                <a:latin typeface="Tahoma" panose="020B0604030504040204" pitchFamily="34" charset="0"/>
+                <a:ea typeface="Tahoma" panose="020B0604030504040204" pitchFamily="34" charset="0"/>
+                <a:cs typeface="Tahoma" panose="020B0604030504040204" pitchFamily="34" charset="0"/>
+              </a:rPr>
+              <a:t> una volta che questo è giunto a </a:t>
+            </a:r>
+            <a:r>
+              <a:rPr lang="it-IT" sz="2400" b="1" dirty="0">
+                <a:solidFill>
+                  <a:schemeClr val="tx1"/>
+                </a:solidFill>
+                <a:latin typeface="Tahoma" panose="020B0604030504040204" pitchFamily="34" charset="0"/>
+                <a:ea typeface="Tahoma" panose="020B0604030504040204" pitchFamily="34" charset="0"/>
+                <a:cs typeface="Tahoma" panose="020B0604030504040204" pitchFamily="34" charset="0"/>
+              </a:rPr>
+              <a:t>destinazione</a:t>
+            </a:r>
+            <a:r>
+              <a:rPr lang="it-IT" sz="2400" dirty="0" smtClean="0">
+                <a:solidFill>
+                  <a:schemeClr val="tx1"/>
+                </a:solidFill>
+                <a:latin typeface="Tahoma" panose="020B0604030504040204" pitchFamily="34" charset="0"/>
+                <a:ea typeface="Tahoma" panose="020B0604030504040204" pitchFamily="34" charset="0"/>
+                <a:cs typeface="Tahoma" panose="020B0604030504040204" pitchFamily="34" charset="0"/>
+              </a:rPr>
+              <a:t>.</a:t>
+            </a:r>
+          </a:p>
+          <a:p>
+            <a:pPr marL="342900" indent="-342900" algn="just">
+              <a:buFont typeface="Wingdings" panose="05000000000000000000" pitchFamily="2" charset="2"/>
+              <a:buChar char="ü"/>
+            </a:pPr>
+            <a:r>
+              <a:rPr lang="it-IT" sz="2400" dirty="0">
+                <a:solidFill>
+                  <a:schemeClr val="tx1"/>
+                </a:solidFill>
+                <a:latin typeface="Tahoma" panose="020B0604030504040204" pitchFamily="34" charset="0"/>
+                <a:ea typeface="Tahoma" panose="020B0604030504040204" pitchFamily="34" charset="0"/>
+                <a:cs typeface="Tahoma" panose="020B0604030504040204" pitchFamily="34" charset="0"/>
+              </a:rPr>
+              <a:t>Gli algoritmi di </a:t>
+            </a:r>
+            <a:r>
+              <a:rPr lang="it-IT" sz="2400" b="1" dirty="0">
+                <a:solidFill>
+                  <a:schemeClr val="tx1"/>
+                </a:solidFill>
+                <a:latin typeface="Tahoma" panose="020B0604030504040204" pitchFamily="34" charset="0"/>
+                <a:ea typeface="Tahoma" panose="020B0604030504040204" pitchFamily="34" charset="0"/>
+                <a:cs typeface="Tahoma" panose="020B0604030504040204" pitchFamily="34" charset="0"/>
+              </a:rPr>
+              <a:t>crittografia</a:t>
+            </a:r>
+            <a:r>
+              <a:rPr lang="it-IT" sz="2400" dirty="0">
+                <a:solidFill>
+                  <a:schemeClr val="tx1"/>
+                </a:solidFill>
+                <a:latin typeface="Tahoma" panose="020B0604030504040204" pitchFamily="34" charset="0"/>
+                <a:ea typeface="Tahoma" panose="020B0604030504040204" pitchFamily="34" charset="0"/>
+                <a:cs typeface="Tahoma" panose="020B0604030504040204" pitchFamily="34" charset="0"/>
+              </a:rPr>
+              <a:t> </a:t>
+            </a:r>
+            <a:r>
+              <a:rPr lang="it-IT" sz="2400" b="1" dirty="0">
+                <a:solidFill>
+                  <a:schemeClr val="tx1"/>
+                </a:solidFill>
+                <a:latin typeface="Tahoma" panose="020B0604030504040204" pitchFamily="34" charset="0"/>
+                <a:ea typeface="Tahoma" panose="020B0604030504040204" pitchFamily="34" charset="0"/>
+                <a:cs typeface="Tahoma" panose="020B0604030504040204" pitchFamily="34" charset="0"/>
+              </a:rPr>
+              <a:t>quantistica</a:t>
+            </a:r>
+            <a:r>
+              <a:rPr lang="it-IT" sz="2400" dirty="0">
+                <a:solidFill>
+                  <a:schemeClr val="tx1"/>
+                </a:solidFill>
+                <a:latin typeface="Tahoma" panose="020B0604030504040204" pitchFamily="34" charset="0"/>
+                <a:ea typeface="Tahoma" panose="020B0604030504040204" pitchFamily="34" charset="0"/>
+                <a:cs typeface="Tahoma" panose="020B0604030504040204" pitchFamily="34" charset="0"/>
+              </a:rPr>
+              <a:t>: </a:t>
+            </a:r>
+            <a:r>
+              <a:rPr lang="it-IT" sz="2400" b="1" dirty="0">
+                <a:solidFill>
+                  <a:schemeClr val="tx1"/>
+                </a:solidFill>
+                <a:latin typeface="Tahoma" panose="020B0604030504040204" pitchFamily="34" charset="0"/>
+                <a:ea typeface="Tahoma" panose="020B0604030504040204" pitchFamily="34" charset="0"/>
+                <a:cs typeface="Tahoma" panose="020B0604030504040204" pitchFamily="34" charset="0"/>
+              </a:rPr>
+              <a:t>CRYSTALS-</a:t>
+            </a:r>
+            <a:r>
+              <a:rPr lang="it-IT" sz="2400" b="1" dirty="0" err="1">
+                <a:solidFill>
+                  <a:schemeClr val="tx1"/>
+                </a:solidFill>
+                <a:latin typeface="Tahoma" panose="020B0604030504040204" pitchFamily="34" charset="0"/>
+                <a:ea typeface="Tahoma" panose="020B0604030504040204" pitchFamily="34" charset="0"/>
+                <a:cs typeface="Tahoma" panose="020B0604030504040204" pitchFamily="34" charset="0"/>
+              </a:rPr>
+              <a:t>Kyber</a:t>
+            </a:r>
+            <a:r>
+              <a:rPr lang="it-IT" sz="2400" dirty="0">
+                <a:solidFill>
+                  <a:schemeClr val="tx1"/>
+                </a:solidFill>
+                <a:latin typeface="Tahoma" panose="020B0604030504040204" pitchFamily="34" charset="0"/>
+                <a:ea typeface="Tahoma" panose="020B0604030504040204" pitchFamily="34" charset="0"/>
+                <a:cs typeface="Tahoma" panose="020B0604030504040204" pitchFamily="34" charset="0"/>
+              </a:rPr>
+              <a:t>, </a:t>
+            </a:r>
+            <a:r>
+              <a:rPr lang="it-IT" sz="2400" b="1" dirty="0">
+                <a:solidFill>
+                  <a:schemeClr val="tx1"/>
+                </a:solidFill>
+                <a:latin typeface="Tahoma" panose="020B0604030504040204" pitchFamily="34" charset="0"/>
+                <a:ea typeface="Tahoma" panose="020B0604030504040204" pitchFamily="34" charset="0"/>
+                <a:cs typeface="Tahoma" panose="020B0604030504040204" pitchFamily="34" charset="0"/>
+              </a:rPr>
+              <a:t>CRYSTALS-</a:t>
+            </a:r>
+            <a:r>
+              <a:rPr lang="it-IT" sz="2400" b="1" dirty="0" err="1">
+                <a:solidFill>
+                  <a:schemeClr val="tx1"/>
+                </a:solidFill>
+                <a:latin typeface="Tahoma" panose="020B0604030504040204" pitchFamily="34" charset="0"/>
+                <a:ea typeface="Tahoma" panose="020B0604030504040204" pitchFamily="34" charset="0"/>
+                <a:cs typeface="Tahoma" panose="020B0604030504040204" pitchFamily="34" charset="0"/>
+              </a:rPr>
+              <a:t>Dilithium</a:t>
+            </a:r>
+            <a:r>
+              <a:rPr lang="it-IT" sz="2400" dirty="0">
+                <a:solidFill>
+                  <a:schemeClr val="tx1"/>
+                </a:solidFill>
+                <a:latin typeface="Tahoma" panose="020B0604030504040204" pitchFamily="34" charset="0"/>
+                <a:ea typeface="Tahoma" panose="020B0604030504040204" pitchFamily="34" charset="0"/>
+                <a:cs typeface="Tahoma" panose="020B0604030504040204" pitchFamily="34" charset="0"/>
+              </a:rPr>
+              <a:t>, </a:t>
+            </a:r>
+            <a:r>
+              <a:rPr lang="it-IT" sz="2400" b="1" dirty="0">
+                <a:solidFill>
+                  <a:schemeClr val="tx1"/>
+                </a:solidFill>
+                <a:latin typeface="Tahoma" panose="020B0604030504040204" pitchFamily="34" charset="0"/>
+                <a:ea typeface="Tahoma" panose="020B0604030504040204" pitchFamily="34" charset="0"/>
+                <a:cs typeface="Tahoma" panose="020B0604030504040204" pitchFamily="34" charset="0"/>
+              </a:rPr>
+              <a:t>FALCON</a:t>
+            </a:r>
+            <a:r>
+              <a:rPr lang="it-IT" sz="2400" dirty="0">
+                <a:solidFill>
+                  <a:schemeClr val="tx1"/>
+                </a:solidFill>
+                <a:latin typeface="Tahoma" panose="020B0604030504040204" pitchFamily="34" charset="0"/>
+                <a:ea typeface="Tahoma" panose="020B0604030504040204" pitchFamily="34" charset="0"/>
+                <a:cs typeface="Tahoma" panose="020B0604030504040204" pitchFamily="34" charset="0"/>
+              </a:rPr>
+              <a:t> e </a:t>
+            </a:r>
+            <a:r>
+              <a:rPr lang="it-IT" sz="2400" b="1" dirty="0">
+                <a:solidFill>
+                  <a:schemeClr val="tx1"/>
+                </a:solidFill>
+                <a:latin typeface="Tahoma" panose="020B0604030504040204" pitchFamily="34" charset="0"/>
+                <a:ea typeface="Tahoma" panose="020B0604030504040204" pitchFamily="34" charset="0"/>
+                <a:cs typeface="Tahoma" panose="020B0604030504040204" pitchFamily="34" charset="0"/>
+              </a:rPr>
+              <a:t>SPHINCS</a:t>
+            </a:r>
+            <a:r>
+              <a:rPr lang="it-IT" sz="2400" dirty="0">
+                <a:solidFill>
+                  <a:schemeClr val="tx1"/>
+                </a:solidFill>
+                <a:latin typeface="Tahoma" panose="020B0604030504040204" pitchFamily="34" charset="0"/>
+                <a:ea typeface="Tahoma" panose="020B0604030504040204" pitchFamily="34" charset="0"/>
+                <a:cs typeface="Tahoma" panose="020B0604030504040204" pitchFamily="34" charset="0"/>
+              </a:rPr>
+              <a:t>+</a:t>
+            </a:r>
+          </a:p>
+          <a:p>
+            <a:pPr marL="342900" indent="-342900" algn="just">
+              <a:buFont typeface="Wingdings" panose="05000000000000000000" pitchFamily="2" charset="2"/>
+              <a:buChar char="ü"/>
+            </a:pPr>
+            <a:endParaRPr lang="it-IT" sz="2400" dirty="0">
+              <a:solidFill>
+                <a:schemeClr val="tx1"/>
+              </a:solidFill>
+              <a:latin typeface="Tahoma" panose="020B0604030504040204" pitchFamily="34" charset="0"/>
+              <a:ea typeface="Tahoma" panose="020B0604030504040204" pitchFamily="34" charset="0"/>
+              <a:cs typeface="Tahoma" panose="020B0604030504040204" pitchFamily="34" charset="0"/>
+            </a:endParaRPr>
+          </a:p>
+        </p:txBody>
+      </p:sp>
+      <p:sp>
+        <p:nvSpPr>
+          <p:cNvPr id="7" name="Segnaposto numero diapositiva 6">
+            <a:extLst>
+              <a:ext uri="{FF2B5EF4-FFF2-40B4-BE49-F238E27FC236}">
+                <a16:creationId xmlns:a16="http://schemas.microsoft.com/office/drawing/2014/main" id="{AB740BE9-E218-4144-BFDE-AE473D230A3D}"/>
+              </a:ext>
+            </a:extLst>
+          </p:cNvPr>
+          <p:cNvSpPr>
+            <a:spLocks noGrp="1"/>
+          </p:cNvSpPr>
+          <p:nvPr>
+            <p:ph type="sldNum" sz="quarter" idx="12"/>
+          </p:nvPr>
+        </p:nvSpPr>
+        <p:spPr/>
+        <p:txBody>
+          <a:bodyPr/>
+          <a:lstStyle/>
+          <a:p>
+            <a:pPr>
+              <a:defRPr/>
+            </a:pPr>
+            <a:fld id="{48B4153A-D4C5-4CEF-8992-0D8815C829E3}" type="slidenum">
+              <a:rPr lang="en-US" smtClean="0"/>
+              <a:pPr>
+                <a:defRPr/>
+              </a:pPr>
+              <a:t>15</a:t>
+            </a:fld>
+            <a:endParaRPr lang="en-US" dirty="0"/>
+          </a:p>
+        </p:txBody>
+      </p:sp>
+      <p:sp>
+        <p:nvSpPr>
+          <p:cNvPr id="6" name="Titolo 4">
+            <a:extLst>
+              <a:ext uri="{FF2B5EF4-FFF2-40B4-BE49-F238E27FC236}">
+                <a16:creationId xmlns:a16="http://schemas.microsoft.com/office/drawing/2014/main" id="{CF9A4806-60B4-80DC-1F76-D2EB3E6C376B}"/>
+              </a:ext>
+            </a:extLst>
+          </p:cNvPr>
+          <p:cNvSpPr>
+            <a:spLocks noGrp="1"/>
+          </p:cNvSpPr>
+          <p:nvPr>
+            <p:ph type="title"/>
+          </p:nvPr>
+        </p:nvSpPr>
+        <p:spPr>
+          <a:xfrm>
+            <a:off x="461169" y="422999"/>
+            <a:ext cx="11269662" cy="384721"/>
+          </a:xfrm>
+        </p:spPr>
+        <p:txBody>
+          <a:bodyPr/>
+          <a:lstStyle/>
+          <a:p>
+            <a:r>
+              <a:rPr lang="it-IT" sz="2800" dirty="0" smtClean="0">
+                <a:solidFill>
+                  <a:schemeClr val="tx1"/>
+                </a:solidFill>
+                <a:latin typeface="Tahoma" panose="020B0604030504040204" pitchFamily="34" charset="0"/>
+                <a:ea typeface="Tahoma" panose="020B0604030504040204" pitchFamily="34" charset="0"/>
+                <a:cs typeface="Tahoma" panose="020B0604030504040204" pitchFamily="34" charset="0"/>
+              </a:rPr>
+              <a:t>Tipi di Crittografia e Algoritmi</a:t>
+            </a:r>
+            <a:endParaRPr lang="it-IT" dirty="0"/>
+          </a:p>
+        </p:txBody>
+      </p:sp>
+    </p:spTree>
+    <p:extLst>
+      <p:ext uri="{BB962C8B-B14F-4D97-AF65-F5344CB8AC3E}">
+        <p14:creationId xmlns:p14="http://schemas.microsoft.com/office/powerpoint/2010/main" val="2277476416"/>
+      </p:ext>
+    </p:extLst>
+  </p:cSld>
+  <p:clrMapOvr>
+    <a:masterClrMapping/>
+  </p:clrMapOvr>
+</p:sld>
+</file>
+
+<file path=ppt/slides/slide16.xml><?xml version="1.0" encoding="utf-8"?>
+<p:sld xmlns:a="http://schemas.openxmlformats.org/drawingml/2006/main" xmlns:r="http://schemas.openxmlformats.org/officeDocument/2006/relationships" xmlns:p="http://schemas.openxmlformats.org/presentationml/2006/main">
+  <p:cSld>
+    <p:spTree>
+      <p:nvGrpSpPr>
+        <p:cNvPr id="1" name=""/>
+        <p:cNvGrpSpPr/>
+        <p:nvPr/>
+      </p:nvGrpSpPr>
+      <p:grpSpPr>
+        <a:xfrm>
+          <a:off x="0" y="0"/>
+          <a:ext cx="0" cy="0"/>
+          <a:chOff x="0" y="0"/>
+          <a:chExt cx="0" cy="0"/>
+        </a:xfrm>
+      </p:grpSpPr>
+      <p:sp>
+        <p:nvSpPr>
+          <p:cNvPr id="2" name="Segnaposto testo 1">
+            <a:extLst>
+              <a:ext uri="{FF2B5EF4-FFF2-40B4-BE49-F238E27FC236}">
+                <a16:creationId xmlns:a16="http://schemas.microsoft.com/office/drawing/2014/main" id="{E5AE986C-196F-4141-A898-FA4C4198CDCC}"/>
+              </a:ext>
+            </a:extLst>
+          </p:cNvPr>
+          <p:cNvSpPr>
+            <a:spLocks noGrp="1"/>
+          </p:cNvSpPr>
+          <p:nvPr>
+            <p:ph type="body" idx="1"/>
+          </p:nvPr>
+        </p:nvSpPr>
+        <p:spPr>
+          <a:xfrm>
+            <a:off x="560785" y="1232694"/>
+            <a:ext cx="7550828" cy="4392612"/>
+          </a:xfrm>
+        </p:spPr>
+        <p:txBody>
+          <a:bodyPr/>
+          <a:lstStyle/>
+          <a:p>
+            <a:pPr marL="342900" indent="-342900" algn="just">
+              <a:buFont typeface="Wingdings" panose="05000000000000000000" pitchFamily="2" charset="2"/>
+              <a:buChar char="ü"/>
+            </a:pPr>
+            <a:r>
+              <a:rPr lang="it-IT" sz="2400" dirty="0">
+                <a:solidFill>
+                  <a:schemeClr val="tx1"/>
+                </a:solidFill>
+                <a:latin typeface="Tahoma" panose="020B0604030504040204" pitchFamily="34" charset="0"/>
+                <a:ea typeface="Tahoma" panose="020B0604030504040204" pitchFamily="34" charset="0"/>
+                <a:cs typeface="Tahoma" panose="020B0604030504040204" pitchFamily="34" charset="0"/>
+              </a:rPr>
+              <a:t>L</a:t>
+            </a:r>
+            <a:r>
+              <a:rPr lang="it-IT" sz="2400" dirty="0" smtClean="0">
+                <a:solidFill>
+                  <a:schemeClr val="tx1"/>
+                </a:solidFill>
+                <a:latin typeface="Tahoma" panose="020B0604030504040204" pitchFamily="34" charset="0"/>
+                <a:ea typeface="Tahoma" panose="020B0604030504040204" pitchFamily="34" charset="0"/>
+                <a:cs typeface="Tahoma" panose="020B0604030504040204" pitchFamily="34" charset="0"/>
+              </a:rPr>
+              <a:t>a </a:t>
+            </a:r>
+            <a:r>
+              <a:rPr lang="it-IT" sz="2400" dirty="0">
+                <a:solidFill>
+                  <a:schemeClr val="tx1"/>
+                </a:solidFill>
+                <a:latin typeface="Tahoma" panose="020B0604030504040204" pitchFamily="34" charset="0"/>
+                <a:ea typeface="Tahoma" panose="020B0604030504040204" pitchFamily="34" charset="0"/>
+                <a:cs typeface="Tahoma" panose="020B0604030504040204" pitchFamily="34" charset="0"/>
+              </a:rPr>
+              <a:t>sigla </a:t>
+            </a:r>
+            <a:r>
+              <a:rPr lang="it-IT" sz="2400" b="1" dirty="0">
+                <a:solidFill>
+                  <a:schemeClr val="tx1"/>
+                </a:solidFill>
+                <a:latin typeface="Tahoma" panose="020B0604030504040204" pitchFamily="34" charset="0"/>
+                <a:ea typeface="Tahoma" panose="020B0604030504040204" pitchFamily="34" charset="0"/>
+                <a:cs typeface="Tahoma" panose="020B0604030504040204" pitchFamily="34" charset="0"/>
+              </a:rPr>
+              <a:t>DES</a:t>
+            </a:r>
+            <a:r>
+              <a:rPr lang="it-IT" sz="2400" dirty="0">
+                <a:solidFill>
+                  <a:schemeClr val="tx1"/>
+                </a:solidFill>
+                <a:latin typeface="Tahoma" panose="020B0604030504040204" pitchFamily="34" charset="0"/>
+                <a:ea typeface="Tahoma" panose="020B0604030504040204" pitchFamily="34" charset="0"/>
+                <a:cs typeface="Tahoma" panose="020B0604030504040204" pitchFamily="34" charset="0"/>
+              </a:rPr>
+              <a:t> sta per </a:t>
+            </a:r>
+            <a:r>
+              <a:rPr lang="it-IT" sz="2400" b="1" dirty="0">
+                <a:solidFill>
+                  <a:schemeClr val="tx1"/>
+                </a:solidFill>
+                <a:latin typeface="Tahoma" panose="020B0604030504040204" pitchFamily="34" charset="0"/>
+                <a:ea typeface="Tahoma" panose="020B0604030504040204" pitchFamily="34" charset="0"/>
+                <a:cs typeface="Tahoma" panose="020B0604030504040204" pitchFamily="34" charset="0"/>
+              </a:rPr>
+              <a:t>Data</a:t>
+            </a:r>
+            <a:r>
+              <a:rPr lang="it-IT" sz="2400" dirty="0">
+                <a:solidFill>
+                  <a:schemeClr val="tx1"/>
+                </a:solidFill>
+                <a:latin typeface="Tahoma" panose="020B0604030504040204" pitchFamily="34" charset="0"/>
+                <a:ea typeface="Tahoma" panose="020B0604030504040204" pitchFamily="34" charset="0"/>
+                <a:cs typeface="Tahoma" panose="020B0604030504040204" pitchFamily="34" charset="0"/>
+              </a:rPr>
+              <a:t> </a:t>
+            </a:r>
+            <a:r>
+              <a:rPr lang="it-IT" sz="2400" b="1" dirty="0" err="1">
+                <a:solidFill>
+                  <a:schemeClr val="tx1"/>
+                </a:solidFill>
+                <a:latin typeface="Tahoma" panose="020B0604030504040204" pitchFamily="34" charset="0"/>
+                <a:ea typeface="Tahoma" panose="020B0604030504040204" pitchFamily="34" charset="0"/>
+                <a:cs typeface="Tahoma" panose="020B0604030504040204" pitchFamily="34" charset="0"/>
+              </a:rPr>
+              <a:t>Encryption</a:t>
+            </a:r>
+            <a:r>
+              <a:rPr lang="it-IT" sz="2400" dirty="0">
+                <a:solidFill>
+                  <a:schemeClr val="tx1"/>
+                </a:solidFill>
+                <a:latin typeface="Tahoma" panose="020B0604030504040204" pitchFamily="34" charset="0"/>
+                <a:ea typeface="Tahoma" panose="020B0604030504040204" pitchFamily="34" charset="0"/>
+                <a:cs typeface="Tahoma" panose="020B0604030504040204" pitchFamily="34" charset="0"/>
+              </a:rPr>
+              <a:t> </a:t>
+            </a:r>
+            <a:r>
+              <a:rPr lang="it-IT" sz="2400" b="1" dirty="0">
+                <a:solidFill>
+                  <a:schemeClr val="tx1"/>
+                </a:solidFill>
+                <a:latin typeface="Tahoma" panose="020B0604030504040204" pitchFamily="34" charset="0"/>
+                <a:ea typeface="Tahoma" panose="020B0604030504040204" pitchFamily="34" charset="0"/>
+                <a:cs typeface="Tahoma" panose="020B0604030504040204" pitchFamily="34" charset="0"/>
+              </a:rPr>
+              <a:t>Standard</a:t>
+            </a:r>
+            <a:r>
+              <a:rPr lang="it-IT" sz="2400" dirty="0">
+                <a:solidFill>
+                  <a:schemeClr val="tx1"/>
+                </a:solidFill>
+                <a:latin typeface="Tahoma" panose="020B0604030504040204" pitchFamily="34" charset="0"/>
+                <a:ea typeface="Tahoma" panose="020B0604030504040204" pitchFamily="34" charset="0"/>
+                <a:cs typeface="Tahoma" panose="020B0604030504040204" pitchFamily="34" charset="0"/>
+              </a:rPr>
+              <a:t>, ed è un sistema di </a:t>
+            </a:r>
+            <a:r>
+              <a:rPr lang="it-IT" sz="2400" b="1" dirty="0">
+                <a:solidFill>
+                  <a:schemeClr val="tx1"/>
+                </a:solidFill>
+                <a:latin typeface="Tahoma" panose="020B0604030504040204" pitchFamily="34" charset="0"/>
+                <a:ea typeface="Tahoma" panose="020B0604030504040204" pitchFamily="34" charset="0"/>
+                <a:cs typeface="Tahoma" panose="020B0604030504040204" pitchFamily="34" charset="0"/>
+              </a:rPr>
+              <a:t>cifratura</a:t>
+            </a:r>
+            <a:r>
+              <a:rPr lang="it-IT" sz="2400" dirty="0">
+                <a:solidFill>
+                  <a:schemeClr val="tx1"/>
+                </a:solidFill>
+                <a:latin typeface="Tahoma" panose="020B0604030504040204" pitchFamily="34" charset="0"/>
+                <a:ea typeface="Tahoma" panose="020B0604030504040204" pitchFamily="34" charset="0"/>
+                <a:cs typeface="Tahoma" panose="020B0604030504040204" pitchFamily="34" charset="0"/>
+              </a:rPr>
+              <a:t> adottato come </a:t>
+            </a:r>
+            <a:r>
+              <a:rPr lang="it-IT" sz="2400" b="1" dirty="0">
+                <a:solidFill>
+                  <a:schemeClr val="tx1"/>
+                </a:solidFill>
+                <a:latin typeface="Tahoma" panose="020B0604030504040204" pitchFamily="34" charset="0"/>
+                <a:ea typeface="Tahoma" panose="020B0604030504040204" pitchFamily="34" charset="0"/>
+                <a:cs typeface="Tahoma" panose="020B0604030504040204" pitchFamily="34" charset="0"/>
+              </a:rPr>
+              <a:t>standard</a:t>
+            </a:r>
+            <a:r>
+              <a:rPr lang="it-IT" sz="2400" dirty="0">
+                <a:solidFill>
+                  <a:schemeClr val="tx1"/>
+                </a:solidFill>
+                <a:latin typeface="Tahoma" panose="020B0604030504040204" pitchFamily="34" charset="0"/>
+                <a:ea typeface="Tahoma" panose="020B0604030504040204" pitchFamily="34" charset="0"/>
+                <a:cs typeface="Tahoma" panose="020B0604030504040204" pitchFamily="34" charset="0"/>
+              </a:rPr>
+              <a:t> dal governo degli Stati Uniti d’America nel </a:t>
+            </a:r>
+            <a:r>
+              <a:rPr lang="it-IT" sz="2400" b="1" dirty="0">
+                <a:solidFill>
+                  <a:schemeClr val="tx1"/>
+                </a:solidFill>
+                <a:latin typeface="Tahoma" panose="020B0604030504040204" pitchFamily="34" charset="0"/>
+                <a:ea typeface="Tahoma" panose="020B0604030504040204" pitchFamily="34" charset="0"/>
+                <a:cs typeface="Tahoma" panose="020B0604030504040204" pitchFamily="34" charset="0"/>
+              </a:rPr>
+              <a:t>1976</a:t>
+            </a:r>
+            <a:r>
+              <a:rPr lang="it-IT" sz="2400" dirty="0">
+                <a:solidFill>
+                  <a:schemeClr val="tx1"/>
+                </a:solidFill>
+                <a:latin typeface="Tahoma" panose="020B0604030504040204" pitchFamily="34" charset="0"/>
+                <a:ea typeface="Tahoma" panose="020B0604030504040204" pitchFamily="34" charset="0"/>
+                <a:cs typeface="Tahoma" panose="020B0604030504040204" pitchFamily="34" charset="0"/>
+              </a:rPr>
+              <a:t>. </a:t>
+            </a:r>
+            <a:endParaRPr lang="it-IT" sz="2400" dirty="0" smtClean="0">
+              <a:solidFill>
+                <a:schemeClr val="tx1"/>
+              </a:solidFill>
+              <a:latin typeface="Tahoma" panose="020B0604030504040204" pitchFamily="34" charset="0"/>
+              <a:ea typeface="Tahoma" panose="020B0604030504040204" pitchFamily="34" charset="0"/>
+              <a:cs typeface="Tahoma" panose="020B0604030504040204" pitchFamily="34" charset="0"/>
+            </a:endParaRPr>
+          </a:p>
+          <a:p>
+            <a:pPr marL="342900" indent="-342900" algn="just">
+              <a:buFont typeface="Wingdings" panose="05000000000000000000" pitchFamily="2" charset="2"/>
+              <a:buChar char="ü"/>
+            </a:pPr>
+            <a:r>
+              <a:rPr lang="it-IT" sz="2400" dirty="0" smtClean="0">
+                <a:solidFill>
+                  <a:schemeClr val="tx1"/>
+                </a:solidFill>
+                <a:latin typeface="Tahoma" panose="020B0604030504040204" pitchFamily="34" charset="0"/>
+                <a:ea typeface="Tahoma" panose="020B0604030504040204" pitchFamily="34" charset="0"/>
+                <a:cs typeface="Tahoma" panose="020B0604030504040204" pitchFamily="34" charset="0"/>
+              </a:rPr>
+              <a:t>L’algoritmo </a:t>
+            </a:r>
+            <a:r>
+              <a:rPr lang="it-IT" sz="2400" dirty="0">
+                <a:solidFill>
+                  <a:schemeClr val="tx1"/>
+                </a:solidFill>
+                <a:latin typeface="Tahoma" panose="020B0604030504040204" pitchFamily="34" charset="0"/>
+                <a:ea typeface="Tahoma" panose="020B0604030504040204" pitchFamily="34" charset="0"/>
+                <a:cs typeface="Tahoma" panose="020B0604030504040204" pitchFamily="34" charset="0"/>
+              </a:rPr>
+              <a:t>su cui si basa è il </a:t>
+            </a:r>
+            <a:r>
+              <a:rPr lang="it-IT" sz="2400" b="1" dirty="0">
+                <a:solidFill>
+                  <a:schemeClr val="tx1"/>
+                </a:solidFill>
+                <a:latin typeface="Tahoma" panose="020B0604030504040204" pitchFamily="34" charset="0"/>
+                <a:ea typeface="Tahoma" panose="020B0604030504040204" pitchFamily="34" charset="0"/>
+                <a:cs typeface="Tahoma" panose="020B0604030504040204" pitchFamily="34" charset="0"/>
+              </a:rPr>
+              <a:t>DEA</a:t>
+            </a:r>
+            <a:r>
+              <a:rPr lang="it-IT" sz="2400" dirty="0">
+                <a:solidFill>
+                  <a:schemeClr val="tx1"/>
+                </a:solidFill>
+                <a:latin typeface="Tahoma" panose="020B0604030504040204" pitchFamily="34" charset="0"/>
+                <a:ea typeface="Tahoma" panose="020B0604030504040204" pitchFamily="34" charset="0"/>
+                <a:cs typeface="Tahoma" panose="020B0604030504040204" pitchFamily="34" charset="0"/>
+              </a:rPr>
+              <a:t> </a:t>
+            </a:r>
+            <a:r>
+              <a:rPr lang="it-IT" sz="2400" b="1" dirty="0">
+                <a:solidFill>
+                  <a:schemeClr val="tx1"/>
+                </a:solidFill>
+                <a:latin typeface="Tahoma" panose="020B0604030504040204" pitchFamily="34" charset="0"/>
+                <a:ea typeface="Tahoma" panose="020B0604030504040204" pitchFamily="34" charset="0"/>
+                <a:cs typeface="Tahoma" panose="020B0604030504040204" pitchFamily="34" charset="0"/>
+              </a:rPr>
+              <a:t>(Data </a:t>
+            </a:r>
+            <a:r>
+              <a:rPr lang="it-IT" sz="2400" b="1" dirty="0" err="1">
+                <a:solidFill>
+                  <a:schemeClr val="tx1"/>
+                </a:solidFill>
+                <a:latin typeface="Tahoma" panose="020B0604030504040204" pitchFamily="34" charset="0"/>
+                <a:ea typeface="Tahoma" panose="020B0604030504040204" pitchFamily="34" charset="0"/>
+                <a:cs typeface="Tahoma" panose="020B0604030504040204" pitchFamily="34" charset="0"/>
+              </a:rPr>
+              <a:t>Encryption</a:t>
+            </a:r>
+            <a:r>
+              <a:rPr lang="it-IT" sz="2400" b="1" dirty="0">
+                <a:solidFill>
+                  <a:schemeClr val="tx1"/>
+                </a:solidFill>
+                <a:latin typeface="Tahoma" panose="020B0604030504040204" pitchFamily="34" charset="0"/>
+                <a:ea typeface="Tahoma" panose="020B0604030504040204" pitchFamily="34" charset="0"/>
+                <a:cs typeface="Tahoma" panose="020B0604030504040204" pitchFamily="34" charset="0"/>
+              </a:rPr>
+              <a:t> </a:t>
+            </a:r>
+            <a:r>
+              <a:rPr lang="it-IT" sz="2400" b="1" dirty="0" err="1">
+                <a:solidFill>
+                  <a:schemeClr val="tx1"/>
+                </a:solidFill>
+                <a:latin typeface="Tahoma" panose="020B0604030504040204" pitchFamily="34" charset="0"/>
+                <a:ea typeface="Tahoma" panose="020B0604030504040204" pitchFamily="34" charset="0"/>
+                <a:cs typeface="Tahoma" panose="020B0604030504040204" pitchFamily="34" charset="0"/>
+              </a:rPr>
+              <a:t>Algorithm</a:t>
+            </a:r>
+            <a:r>
+              <a:rPr lang="it-IT" sz="2400" b="1" dirty="0">
+                <a:solidFill>
+                  <a:schemeClr val="tx1"/>
+                </a:solidFill>
+                <a:latin typeface="Tahoma" panose="020B0604030504040204" pitchFamily="34" charset="0"/>
+                <a:ea typeface="Tahoma" panose="020B0604030504040204" pitchFamily="34" charset="0"/>
+                <a:cs typeface="Tahoma" panose="020B0604030504040204" pitchFamily="34" charset="0"/>
+              </a:rPr>
+              <a:t>)</a:t>
+            </a:r>
+            <a:r>
+              <a:rPr lang="it-IT" sz="2400" dirty="0">
+                <a:solidFill>
+                  <a:schemeClr val="tx1"/>
+                </a:solidFill>
+                <a:latin typeface="Tahoma" panose="020B0604030504040204" pitchFamily="34" charset="0"/>
+                <a:ea typeface="Tahoma" panose="020B0604030504040204" pitchFamily="34" charset="0"/>
+                <a:cs typeface="Tahoma" panose="020B0604030504040204" pitchFamily="34" charset="0"/>
+              </a:rPr>
+              <a:t>, evoluzione di un altro algoritmo di cifratura, il </a:t>
+            </a:r>
+            <a:r>
+              <a:rPr lang="it-IT" sz="2400" dirty="0" err="1">
+                <a:solidFill>
+                  <a:schemeClr val="tx1"/>
+                </a:solidFill>
+                <a:latin typeface="Tahoma" panose="020B0604030504040204" pitchFamily="34" charset="0"/>
+                <a:ea typeface="Tahoma" panose="020B0604030504040204" pitchFamily="34" charset="0"/>
+                <a:cs typeface="Tahoma" panose="020B0604030504040204" pitchFamily="34" charset="0"/>
+              </a:rPr>
+              <a:t>Lucifer</a:t>
+            </a:r>
+            <a:r>
+              <a:rPr lang="it-IT" sz="2400" dirty="0">
+                <a:solidFill>
+                  <a:schemeClr val="tx1"/>
+                </a:solidFill>
+                <a:latin typeface="Tahoma" panose="020B0604030504040204" pitchFamily="34" charset="0"/>
+                <a:ea typeface="Tahoma" panose="020B0604030504040204" pitchFamily="34" charset="0"/>
+                <a:cs typeface="Tahoma" panose="020B0604030504040204" pitchFamily="34" charset="0"/>
+              </a:rPr>
+              <a:t>, sviluppato presso i laboratori della IBM da Horst </a:t>
+            </a:r>
+            <a:r>
+              <a:rPr lang="it-IT" sz="2400" dirty="0" err="1">
+                <a:solidFill>
+                  <a:schemeClr val="tx1"/>
+                </a:solidFill>
+                <a:latin typeface="Tahoma" panose="020B0604030504040204" pitchFamily="34" charset="0"/>
+                <a:ea typeface="Tahoma" panose="020B0604030504040204" pitchFamily="34" charset="0"/>
+                <a:cs typeface="Tahoma" panose="020B0604030504040204" pitchFamily="34" charset="0"/>
+              </a:rPr>
+              <a:t>Feistel</a:t>
+            </a:r>
+            <a:r>
+              <a:rPr lang="it-IT" sz="2400" dirty="0">
+                <a:solidFill>
+                  <a:schemeClr val="tx1"/>
+                </a:solidFill>
+                <a:latin typeface="Tahoma" panose="020B0604030504040204" pitchFamily="34" charset="0"/>
+                <a:ea typeface="Tahoma" panose="020B0604030504040204" pitchFamily="34" charset="0"/>
+                <a:cs typeface="Tahoma" panose="020B0604030504040204" pitchFamily="34" charset="0"/>
+              </a:rPr>
+              <a:t> (ideatore della rete omonima). </a:t>
+            </a:r>
+            <a:endParaRPr lang="it-IT" sz="2400" dirty="0" smtClean="0">
+              <a:solidFill>
+                <a:schemeClr val="tx1"/>
+              </a:solidFill>
+              <a:latin typeface="Tahoma" panose="020B0604030504040204" pitchFamily="34" charset="0"/>
+              <a:ea typeface="Tahoma" panose="020B0604030504040204" pitchFamily="34" charset="0"/>
+              <a:cs typeface="Tahoma" panose="020B0604030504040204" pitchFamily="34" charset="0"/>
+            </a:endParaRPr>
+          </a:p>
+          <a:p>
+            <a:pPr marL="342900" indent="-342900" algn="just">
+              <a:buFont typeface="Wingdings" panose="05000000000000000000" pitchFamily="2" charset="2"/>
+              <a:buChar char="ü"/>
+            </a:pPr>
+            <a:r>
+              <a:rPr lang="it-IT" sz="2400" dirty="0" smtClean="0">
+                <a:solidFill>
+                  <a:schemeClr val="tx1"/>
+                </a:solidFill>
+                <a:latin typeface="Tahoma" panose="020B0604030504040204" pitchFamily="34" charset="0"/>
+                <a:ea typeface="Tahoma" panose="020B0604030504040204" pitchFamily="34" charset="0"/>
+                <a:cs typeface="Tahoma" panose="020B0604030504040204" pitchFamily="34" charset="0"/>
+              </a:rPr>
+              <a:t>Il </a:t>
+            </a:r>
+            <a:r>
+              <a:rPr lang="it-IT" sz="2400" dirty="0">
+                <a:solidFill>
+                  <a:schemeClr val="tx1"/>
+                </a:solidFill>
+                <a:latin typeface="Tahoma" panose="020B0604030504040204" pitchFamily="34" charset="0"/>
+                <a:ea typeface="Tahoma" panose="020B0604030504040204" pitchFamily="34" charset="0"/>
+                <a:cs typeface="Tahoma" panose="020B0604030504040204" pitchFamily="34" charset="0"/>
+              </a:rPr>
+              <a:t>DEA, sostanzialmente, è proprio una </a:t>
+            </a:r>
+            <a:r>
+              <a:rPr lang="it-IT" sz="2400" b="1" dirty="0">
+                <a:solidFill>
+                  <a:schemeClr val="tx1"/>
+                </a:solidFill>
+                <a:latin typeface="Tahoma" panose="020B0604030504040204" pitchFamily="34" charset="0"/>
+                <a:ea typeface="Tahoma" panose="020B0604030504040204" pitchFamily="34" charset="0"/>
+                <a:cs typeface="Tahoma" panose="020B0604030504040204" pitchFamily="34" charset="0"/>
+              </a:rPr>
+              <a:t>rete</a:t>
+            </a:r>
+            <a:r>
+              <a:rPr lang="it-IT" sz="2400" dirty="0">
+                <a:solidFill>
+                  <a:schemeClr val="tx1"/>
+                </a:solidFill>
+                <a:latin typeface="Tahoma" panose="020B0604030504040204" pitchFamily="34" charset="0"/>
+                <a:ea typeface="Tahoma" panose="020B0604030504040204" pitchFamily="34" charset="0"/>
+                <a:cs typeface="Tahoma" panose="020B0604030504040204" pitchFamily="34" charset="0"/>
+              </a:rPr>
+              <a:t> </a:t>
+            </a:r>
+            <a:r>
+              <a:rPr lang="it-IT" sz="2400" b="1" dirty="0">
+                <a:solidFill>
+                  <a:schemeClr val="tx1"/>
+                </a:solidFill>
+                <a:latin typeface="Tahoma" panose="020B0604030504040204" pitchFamily="34" charset="0"/>
+                <a:ea typeface="Tahoma" panose="020B0604030504040204" pitchFamily="34" charset="0"/>
+                <a:cs typeface="Tahoma" panose="020B0604030504040204" pitchFamily="34" charset="0"/>
+              </a:rPr>
+              <a:t>di</a:t>
+            </a:r>
+            <a:r>
+              <a:rPr lang="it-IT" sz="2400" dirty="0">
+                <a:solidFill>
+                  <a:schemeClr val="tx1"/>
+                </a:solidFill>
+                <a:latin typeface="Tahoma" panose="020B0604030504040204" pitchFamily="34" charset="0"/>
+                <a:ea typeface="Tahoma" panose="020B0604030504040204" pitchFamily="34" charset="0"/>
+                <a:cs typeface="Tahoma" panose="020B0604030504040204" pitchFamily="34" charset="0"/>
+              </a:rPr>
+              <a:t> </a:t>
+            </a:r>
+            <a:r>
+              <a:rPr lang="it-IT" sz="2400" b="1" dirty="0" err="1">
+                <a:solidFill>
+                  <a:schemeClr val="tx1"/>
+                </a:solidFill>
+                <a:latin typeface="Tahoma" panose="020B0604030504040204" pitchFamily="34" charset="0"/>
+                <a:ea typeface="Tahoma" panose="020B0604030504040204" pitchFamily="34" charset="0"/>
+                <a:cs typeface="Tahoma" panose="020B0604030504040204" pitchFamily="34" charset="0"/>
+              </a:rPr>
+              <a:t>Feistel</a:t>
+            </a:r>
+            <a:r>
+              <a:rPr lang="it-IT" sz="2400" dirty="0">
+                <a:solidFill>
+                  <a:schemeClr val="tx1"/>
+                </a:solidFill>
+                <a:latin typeface="Tahoma" panose="020B0604030504040204" pitchFamily="34" charset="0"/>
+                <a:ea typeface="Tahoma" panose="020B0604030504040204" pitchFamily="34" charset="0"/>
+                <a:cs typeface="Tahoma" panose="020B0604030504040204" pitchFamily="34" charset="0"/>
+              </a:rPr>
+              <a:t> ed il suo funzionamento può essere studiato utilizzando il solito approccio, ovvero partendo dai blocchi più esterni fino ad arrivare a quelli più interni</a:t>
+            </a:r>
+            <a:r>
+              <a:rPr lang="it-IT" sz="2400" dirty="0" smtClean="0">
+                <a:solidFill>
+                  <a:schemeClr val="tx1"/>
+                </a:solidFill>
+                <a:latin typeface="Tahoma" panose="020B0604030504040204" pitchFamily="34" charset="0"/>
+                <a:ea typeface="Tahoma" panose="020B0604030504040204" pitchFamily="34" charset="0"/>
+                <a:cs typeface="Tahoma" panose="020B0604030504040204" pitchFamily="34" charset="0"/>
+              </a:rPr>
+              <a:t>.</a:t>
+            </a:r>
+            <a:endParaRPr lang="it-IT" sz="2400" dirty="0">
+              <a:solidFill>
+                <a:schemeClr val="tx1"/>
+              </a:solidFill>
+              <a:latin typeface="Tahoma" panose="020B0604030504040204" pitchFamily="34" charset="0"/>
+              <a:ea typeface="Tahoma" panose="020B0604030504040204" pitchFamily="34" charset="0"/>
+              <a:cs typeface="Tahoma" panose="020B0604030504040204" pitchFamily="34" charset="0"/>
+            </a:endParaRPr>
+          </a:p>
+        </p:txBody>
+      </p:sp>
+      <p:sp>
+        <p:nvSpPr>
+          <p:cNvPr id="7" name="Segnaposto numero diapositiva 6">
+            <a:extLst>
+              <a:ext uri="{FF2B5EF4-FFF2-40B4-BE49-F238E27FC236}">
+                <a16:creationId xmlns:a16="http://schemas.microsoft.com/office/drawing/2014/main" id="{AB740BE9-E218-4144-BFDE-AE473D230A3D}"/>
+              </a:ext>
+            </a:extLst>
+          </p:cNvPr>
+          <p:cNvSpPr>
+            <a:spLocks noGrp="1"/>
+          </p:cNvSpPr>
+          <p:nvPr>
+            <p:ph type="sldNum" sz="quarter" idx="12"/>
+          </p:nvPr>
+        </p:nvSpPr>
+        <p:spPr/>
+        <p:txBody>
+          <a:bodyPr/>
+          <a:lstStyle/>
+          <a:p>
+            <a:pPr>
+              <a:defRPr/>
+            </a:pPr>
+            <a:fld id="{48B4153A-D4C5-4CEF-8992-0D8815C829E3}" type="slidenum">
+              <a:rPr lang="en-US" smtClean="0"/>
+              <a:pPr>
+                <a:defRPr/>
+              </a:pPr>
+              <a:t>16</a:t>
+            </a:fld>
+            <a:endParaRPr lang="en-US" dirty="0"/>
+          </a:p>
+        </p:txBody>
+      </p:sp>
+      <p:sp>
+        <p:nvSpPr>
+          <p:cNvPr id="6" name="Titolo 4">
+            <a:extLst>
+              <a:ext uri="{FF2B5EF4-FFF2-40B4-BE49-F238E27FC236}">
+                <a16:creationId xmlns:a16="http://schemas.microsoft.com/office/drawing/2014/main" id="{CF9A4806-60B4-80DC-1F76-D2EB3E6C376B}"/>
+              </a:ext>
+            </a:extLst>
+          </p:cNvPr>
+          <p:cNvSpPr>
+            <a:spLocks noGrp="1"/>
+          </p:cNvSpPr>
+          <p:nvPr>
+            <p:ph type="title"/>
+          </p:nvPr>
+        </p:nvSpPr>
+        <p:spPr>
+          <a:xfrm>
+            <a:off x="461169" y="422999"/>
+            <a:ext cx="11269662" cy="384721"/>
+          </a:xfrm>
+        </p:spPr>
+        <p:txBody>
+          <a:bodyPr/>
+          <a:lstStyle/>
+          <a:p>
+            <a:r>
+              <a:rPr lang="it-IT" sz="2800" dirty="0" smtClean="0">
+                <a:solidFill>
+                  <a:schemeClr val="tx1"/>
+                </a:solidFill>
+                <a:latin typeface="Tahoma" panose="020B0604030504040204" pitchFamily="34" charset="0"/>
+                <a:ea typeface="Tahoma" panose="020B0604030504040204" pitchFamily="34" charset="0"/>
+                <a:cs typeface="Tahoma" panose="020B0604030504040204" pitchFamily="34" charset="0"/>
+              </a:rPr>
+              <a:t>Crittografia Simmetrica: Algoritmo DES</a:t>
+            </a:r>
+            <a:endParaRPr lang="it-IT" dirty="0"/>
+          </a:p>
+        </p:txBody>
+      </p:sp>
+      <p:pic>
+        <p:nvPicPr>
+          <p:cNvPr id="3" name="Immagine 2"/>
+          <p:cNvPicPr>
+            <a:picLocks noChangeAspect="1"/>
+          </p:cNvPicPr>
+          <p:nvPr/>
+        </p:nvPicPr>
+        <p:blipFill>
+          <a:blip r:embed="rId3">
+            <a:extLst>
+              <a:ext uri="{28A0092B-C50C-407E-A947-70E740481C1C}">
+                <a14:useLocalDpi xmlns:a14="http://schemas.microsoft.com/office/drawing/2010/main" val="0"/>
+              </a:ext>
+            </a:extLst>
+          </a:blip>
+          <a:stretch>
+            <a:fillRect/>
+          </a:stretch>
+        </p:blipFill>
+        <p:spPr>
+          <a:xfrm>
+            <a:off x="8245269" y="2609849"/>
+            <a:ext cx="3673227" cy="2148963"/>
+          </a:xfrm>
+          <a:prstGeom prst="rect">
+            <a:avLst/>
+          </a:prstGeom>
+        </p:spPr>
+      </p:pic>
+    </p:spTree>
+    <p:extLst>
+      <p:ext uri="{BB962C8B-B14F-4D97-AF65-F5344CB8AC3E}">
+        <p14:creationId xmlns:p14="http://schemas.microsoft.com/office/powerpoint/2010/main" val="862435723"/>
+      </p:ext>
+    </p:extLst>
+  </p:cSld>
+  <p:clrMapOvr>
+    <a:masterClrMapping/>
+  </p:clrMapOvr>
+</p:sld>
+</file>
+
+<file path=ppt/slides/slide17.xml><?xml version="1.0" encoding="utf-8"?>
+<p:sld xmlns:a="http://schemas.openxmlformats.org/drawingml/2006/main" xmlns:r="http://schemas.openxmlformats.org/officeDocument/2006/relationships" xmlns:p="http://schemas.openxmlformats.org/presentationml/2006/main">
+  <p:cSld>
+    <p:spTree>
+      <p:nvGrpSpPr>
+        <p:cNvPr id="1" name=""/>
+        <p:cNvGrpSpPr/>
+        <p:nvPr/>
+      </p:nvGrpSpPr>
+      <p:grpSpPr>
+        <a:xfrm>
+          <a:off x="0" y="0"/>
+          <a:ext cx="0" cy="0"/>
+          <a:chOff x="0" y="0"/>
+          <a:chExt cx="0" cy="0"/>
+        </a:xfrm>
+      </p:grpSpPr>
+      <p:sp>
+        <p:nvSpPr>
+          <p:cNvPr id="2" name="Segnaposto testo 1">
+            <a:extLst>
+              <a:ext uri="{FF2B5EF4-FFF2-40B4-BE49-F238E27FC236}">
+                <a16:creationId xmlns:a16="http://schemas.microsoft.com/office/drawing/2014/main" id="{E5AE986C-196F-4141-A898-FA4C4198CDCC}"/>
+              </a:ext>
+            </a:extLst>
+          </p:cNvPr>
+          <p:cNvSpPr>
+            <a:spLocks noGrp="1"/>
+          </p:cNvSpPr>
+          <p:nvPr>
+            <p:ph type="body" idx="1"/>
+          </p:nvPr>
+        </p:nvSpPr>
+        <p:spPr>
+          <a:xfrm>
+            <a:off x="560785" y="1232694"/>
+            <a:ext cx="11070776" cy="4392612"/>
+          </a:xfrm>
+        </p:spPr>
+        <p:txBody>
+          <a:bodyPr/>
+          <a:lstStyle/>
+          <a:p>
+            <a:pPr marL="342900" indent="-342900" algn="just">
+              <a:buFont typeface="Wingdings" panose="05000000000000000000" pitchFamily="2" charset="2"/>
+              <a:buChar char="ü"/>
+            </a:pPr>
+            <a:r>
+              <a:rPr lang="it-IT" sz="2400" dirty="0" smtClean="0">
+                <a:solidFill>
+                  <a:schemeClr val="tx1"/>
+                </a:solidFill>
+                <a:latin typeface="Tahoma" panose="020B0604030504040204" pitchFamily="34" charset="0"/>
+                <a:ea typeface="Tahoma" panose="020B0604030504040204" pitchFamily="34" charset="0"/>
+                <a:cs typeface="Tahoma" panose="020B0604030504040204" pitchFamily="34" charset="0"/>
+              </a:rPr>
+              <a:t>In </a:t>
+            </a:r>
+            <a:r>
+              <a:rPr lang="it-IT" sz="2400" b="1" dirty="0" err="1">
+                <a:solidFill>
+                  <a:schemeClr val="tx1"/>
+                </a:solidFill>
+                <a:latin typeface="Tahoma" panose="020B0604030504040204" pitchFamily="34" charset="0"/>
+                <a:ea typeface="Tahoma" panose="020B0604030504040204" pitchFamily="34" charset="0"/>
+                <a:cs typeface="Tahoma" panose="020B0604030504040204" pitchFamily="34" charset="0"/>
+              </a:rPr>
+              <a:t>crittologia</a:t>
+            </a:r>
+            <a:r>
+              <a:rPr lang="it-IT" sz="2400" dirty="0">
+                <a:solidFill>
+                  <a:schemeClr val="tx1"/>
+                </a:solidFill>
+                <a:latin typeface="Tahoma" panose="020B0604030504040204" pitchFamily="34" charset="0"/>
+                <a:ea typeface="Tahoma" panose="020B0604030504040204" pitchFamily="34" charset="0"/>
+                <a:cs typeface="Tahoma" panose="020B0604030504040204" pitchFamily="34" charset="0"/>
+              </a:rPr>
+              <a:t>, un </a:t>
+            </a:r>
+            <a:r>
+              <a:rPr lang="it-IT" sz="2400" b="1" dirty="0">
+                <a:solidFill>
+                  <a:schemeClr val="tx1"/>
+                </a:solidFill>
+                <a:latin typeface="Tahoma" panose="020B0604030504040204" pitchFamily="34" charset="0"/>
+                <a:ea typeface="Tahoma" panose="020B0604030504040204" pitchFamily="34" charset="0"/>
+                <a:cs typeface="Tahoma" panose="020B0604030504040204" pitchFamily="34" charset="0"/>
+              </a:rPr>
+              <a:t>cifrario</a:t>
+            </a:r>
+            <a:r>
+              <a:rPr lang="it-IT" sz="2400" dirty="0">
+                <a:solidFill>
+                  <a:schemeClr val="tx1"/>
+                </a:solidFill>
+                <a:latin typeface="Tahoma" panose="020B0604030504040204" pitchFamily="34" charset="0"/>
+                <a:ea typeface="Tahoma" panose="020B0604030504040204" pitchFamily="34" charset="0"/>
+                <a:cs typeface="Tahoma" panose="020B0604030504040204" pitchFamily="34" charset="0"/>
+              </a:rPr>
+              <a:t> </a:t>
+            </a:r>
+            <a:r>
+              <a:rPr lang="it-IT" sz="2400" b="1" dirty="0">
+                <a:solidFill>
+                  <a:schemeClr val="tx1"/>
+                </a:solidFill>
+                <a:latin typeface="Tahoma" panose="020B0604030504040204" pitchFamily="34" charset="0"/>
+                <a:ea typeface="Tahoma" panose="020B0604030504040204" pitchFamily="34" charset="0"/>
+                <a:cs typeface="Tahoma" panose="020B0604030504040204" pitchFamily="34" charset="0"/>
+              </a:rPr>
+              <a:t>di</a:t>
+            </a:r>
+            <a:r>
+              <a:rPr lang="it-IT" sz="2400" dirty="0">
+                <a:solidFill>
+                  <a:schemeClr val="tx1"/>
+                </a:solidFill>
+                <a:latin typeface="Tahoma" panose="020B0604030504040204" pitchFamily="34" charset="0"/>
+                <a:ea typeface="Tahoma" panose="020B0604030504040204" pitchFamily="34" charset="0"/>
+                <a:cs typeface="Tahoma" panose="020B0604030504040204" pitchFamily="34" charset="0"/>
+              </a:rPr>
+              <a:t> </a:t>
+            </a:r>
+            <a:r>
+              <a:rPr lang="it-IT" sz="2400" b="1" dirty="0" err="1">
+                <a:solidFill>
+                  <a:schemeClr val="tx1"/>
+                </a:solidFill>
+                <a:latin typeface="Tahoma" panose="020B0604030504040204" pitchFamily="34" charset="0"/>
+                <a:ea typeface="Tahoma" panose="020B0604030504040204" pitchFamily="34" charset="0"/>
+                <a:cs typeface="Tahoma" panose="020B0604030504040204" pitchFamily="34" charset="0"/>
+              </a:rPr>
+              <a:t>Feistel</a:t>
+            </a:r>
+            <a:r>
+              <a:rPr lang="it-IT" sz="2400" dirty="0">
+                <a:solidFill>
+                  <a:schemeClr val="tx1"/>
+                </a:solidFill>
+                <a:latin typeface="Tahoma" panose="020B0604030504040204" pitchFamily="34" charset="0"/>
+                <a:ea typeface="Tahoma" panose="020B0604030504040204" pitchFamily="34" charset="0"/>
+                <a:cs typeface="Tahoma" panose="020B0604030504040204" pitchFamily="34" charset="0"/>
+              </a:rPr>
+              <a:t> è un algoritmo di </a:t>
+            </a:r>
+            <a:r>
+              <a:rPr lang="it-IT" sz="2400" b="1" dirty="0">
+                <a:solidFill>
+                  <a:schemeClr val="tx1"/>
+                </a:solidFill>
+                <a:latin typeface="Tahoma" panose="020B0604030504040204" pitchFamily="34" charset="0"/>
+                <a:ea typeface="Tahoma" panose="020B0604030504040204" pitchFamily="34" charset="0"/>
+                <a:cs typeface="Tahoma" panose="020B0604030504040204" pitchFamily="34" charset="0"/>
+              </a:rPr>
+              <a:t>cifratura</a:t>
+            </a:r>
+            <a:r>
+              <a:rPr lang="it-IT" sz="2400" dirty="0">
+                <a:solidFill>
+                  <a:schemeClr val="tx1"/>
+                </a:solidFill>
+                <a:latin typeface="Tahoma" panose="020B0604030504040204" pitchFamily="34" charset="0"/>
+                <a:ea typeface="Tahoma" panose="020B0604030504040204" pitchFamily="34" charset="0"/>
+                <a:cs typeface="Tahoma" panose="020B0604030504040204" pitchFamily="34" charset="0"/>
+              </a:rPr>
+              <a:t> a blocchi con una particolare </a:t>
+            </a:r>
+            <a:r>
+              <a:rPr lang="it-IT" sz="2400" b="1" dirty="0">
+                <a:solidFill>
+                  <a:schemeClr val="tx1"/>
+                </a:solidFill>
+                <a:latin typeface="Tahoma" panose="020B0604030504040204" pitchFamily="34" charset="0"/>
+                <a:ea typeface="Tahoma" panose="020B0604030504040204" pitchFamily="34" charset="0"/>
+                <a:cs typeface="Tahoma" panose="020B0604030504040204" pitchFamily="34" charset="0"/>
+              </a:rPr>
+              <a:t>struttura</a:t>
+            </a:r>
+            <a:r>
+              <a:rPr lang="it-IT" sz="2400" dirty="0">
+                <a:solidFill>
+                  <a:schemeClr val="tx1"/>
+                </a:solidFill>
+                <a:latin typeface="Tahoma" panose="020B0604030504040204" pitchFamily="34" charset="0"/>
+                <a:ea typeface="Tahoma" panose="020B0604030504040204" pitchFamily="34" charset="0"/>
+                <a:cs typeface="Tahoma" panose="020B0604030504040204" pitchFamily="34" charset="0"/>
+              </a:rPr>
+              <a:t> </a:t>
+            </a:r>
+            <a:r>
+              <a:rPr lang="it-IT" sz="2400" b="1" dirty="0">
+                <a:solidFill>
+                  <a:schemeClr val="tx1"/>
+                </a:solidFill>
+                <a:latin typeface="Tahoma" panose="020B0604030504040204" pitchFamily="34" charset="0"/>
+                <a:ea typeface="Tahoma" panose="020B0604030504040204" pitchFamily="34" charset="0"/>
+                <a:cs typeface="Tahoma" panose="020B0604030504040204" pitchFamily="34" charset="0"/>
+              </a:rPr>
+              <a:t>sviluppata</a:t>
+            </a:r>
+            <a:r>
+              <a:rPr lang="it-IT" sz="2400" dirty="0">
+                <a:solidFill>
+                  <a:schemeClr val="tx1"/>
+                </a:solidFill>
+                <a:latin typeface="Tahoma" panose="020B0604030504040204" pitchFamily="34" charset="0"/>
+                <a:ea typeface="Tahoma" panose="020B0604030504040204" pitchFamily="34" charset="0"/>
+                <a:cs typeface="Tahoma" panose="020B0604030504040204" pitchFamily="34" charset="0"/>
+              </a:rPr>
+              <a:t> dal </a:t>
+            </a:r>
+            <a:r>
+              <a:rPr lang="it-IT" sz="2400" dirty="0" err="1">
+                <a:solidFill>
+                  <a:schemeClr val="tx1"/>
+                </a:solidFill>
+                <a:latin typeface="Tahoma" panose="020B0604030504040204" pitchFamily="34" charset="0"/>
+                <a:ea typeface="Tahoma" panose="020B0604030504040204" pitchFamily="34" charset="0"/>
+                <a:cs typeface="Tahoma" panose="020B0604030504040204" pitchFamily="34" charset="0"/>
+              </a:rPr>
+              <a:t>crittologo</a:t>
+            </a:r>
+            <a:r>
+              <a:rPr lang="it-IT" sz="2400" dirty="0">
+                <a:solidFill>
+                  <a:schemeClr val="tx1"/>
+                </a:solidFill>
+                <a:latin typeface="Tahoma" panose="020B0604030504040204" pitchFamily="34" charset="0"/>
+                <a:ea typeface="Tahoma" panose="020B0604030504040204" pitchFamily="34" charset="0"/>
+                <a:cs typeface="Tahoma" panose="020B0604030504040204" pitchFamily="34" charset="0"/>
+              </a:rPr>
+              <a:t> </a:t>
+            </a:r>
+            <a:r>
+              <a:rPr lang="it-IT" sz="2400" b="1" dirty="0">
+                <a:solidFill>
+                  <a:schemeClr val="tx1"/>
+                </a:solidFill>
+                <a:latin typeface="Tahoma" panose="020B0604030504040204" pitchFamily="34" charset="0"/>
+                <a:ea typeface="Tahoma" panose="020B0604030504040204" pitchFamily="34" charset="0"/>
+                <a:cs typeface="Tahoma" panose="020B0604030504040204" pitchFamily="34" charset="0"/>
+              </a:rPr>
+              <a:t>dell'IBM</a:t>
+            </a:r>
+            <a:r>
+              <a:rPr lang="it-IT" sz="2400" dirty="0">
+                <a:solidFill>
+                  <a:schemeClr val="tx1"/>
+                </a:solidFill>
+                <a:latin typeface="Tahoma" panose="020B0604030504040204" pitchFamily="34" charset="0"/>
+                <a:ea typeface="Tahoma" panose="020B0604030504040204" pitchFamily="34" charset="0"/>
+                <a:cs typeface="Tahoma" panose="020B0604030504040204" pitchFamily="34" charset="0"/>
+              </a:rPr>
+              <a:t> </a:t>
+            </a:r>
+            <a:r>
+              <a:rPr lang="it-IT" sz="2400" b="1" dirty="0">
+                <a:solidFill>
+                  <a:schemeClr val="tx1"/>
+                </a:solidFill>
+                <a:latin typeface="Tahoma" panose="020B0604030504040204" pitchFamily="34" charset="0"/>
+                <a:ea typeface="Tahoma" panose="020B0604030504040204" pitchFamily="34" charset="0"/>
+                <a:cs typeface="Tahoma" panose="020B0604030504040204" pitchFamily="34" charset="0"/>
+              </a:rPr>
+              <a:t>Horst</a:t>
+            </a:r>
+            <a:r>
+              <a:rPr lang="it-IT" sz="2400" dirty="0">
+                <a:solidFill>
+                  <a:schemeClr val="tx1"/>
+                </a:solidFill>
+                <a:latin typeface="Tahoma" panose="020B0604030504040204" pitchFamily="34" charset="0"/>
+                <a:ea typeface="Tahoma" panose="020B0604030504040204" pitchFamily="34" charset="0"/>
+                <a:cs typeface="Tahoma" panose="020B0604030504040204" pitchFamily="34" charset="0"/>
+              </a:rPr>
+              <a:t> </a:t>
+            </a:r>
+            <a:r>
+              <a:rPr lang="it-IT" sz="2400" b="1" dirty="0" err="1">
+                <a:solidFill>
+                  <a:schemeClr val="tx1"/>
+                </a:solidFill>
+                <a:latin typeface="Tahoma" panose="020B0604030504040204" pitchFamily="34" charset="0"/>
+                <a:ea typeface="Tahoma" panose="020B0604030504040204" pitchFamily="34" charset="0"/>
+                <a:cs typeface="Tahoma" panose="020B0604030504040204" pitchFamily="34" charset="0"/>
+              </a:rPr>
+              <a:t>Feistel</a:t>
+            </a:r>
+            <a:r>
+              <a:rPr lang="it-IT" sz="2400" dirty="0">
+                <a:solidFill>
+                  <a:schemeClr val="tx1"/>
+                </a:solidFill>
+                <a:latin typeface="Tahoma" panose="020B0604030504040204" pitchFamily="34" charset="0"/>
+                <a:ea typeface="Tahoma" panose="020B0604030504040204" pitchFamily="34" charset="0"/>
+                <a:cs typeface="Tahoma" panose="020B0604030504040204" pitchFamily="34" charset="0"/>
+              </a:rPr>
+              <a:t>, da cui ha preso il nome di rete di </a:t>
+            </a:r>
+            <a:r>
+              <a:rPr lang="it-IT" sz="2400" b="1" dirty="0" err="1">
+                <a:solidFill>
+                  <a:schemeClr val="tx1"/>
+                </a:solidFill>
+                <a:latin typeface="Tahoma" panose="020B0604030504040204" pitchFamily="34" charset="0"/>
+                <a:ea typeface="Tahoma" panose="020B0604030504040204" pitchFamily="34" charset="0"/>
+                <a:cs typeface="Tahoma" panose="020B0604030504040204" pitchFamily="34" charset="0"/>
+              </a:rPr>
+              <a:t>Feistel</a:t>
+            </a:r>
+            <a:r>
+              <a:rPr lang="it-IT" sz="2400" dirty="0">
+                <a:solidFill>
+                  <a:schemeClr val="tx1"/>
+                </a:solidFill>
+                <a:latin typeface="Tahoma" panose="020B0604030504040204" pitchFamily="34" charset="0"/>
+                <a:ea typeface="Tahoma" panose="020B0604030504040204" pitchFamily="34" charset="0"/>
+                <a:cs typeface="Tahoma" panose="020B0604030504040204" pitchFamily="34" charset="0"/>
+              </a:rPr>
+              <a:t>; moltissimi algoritmi di </a:t>
+            </a:r>
+            <a:r>
+              <a:rPr lang="it-IT" sz="2400" b="1" dirty="0">
+                <a:solidFill>
+                  <a:schemeClr val="tx1"/>
+                </a:solidFill>
+                <a:latin typeface="Tahoma" panose="020B0604030504040204" pitchFamily="34" charset="0"/>
+                <a:ea typeface="Tahoma" panose="020B0604030504040204" pitchFamily="34" charset="0"/>
+                <a:cs typeface="Tahoma" panose="020B0604030504040204" pitchFamily="34" charset="0"/>
+              </a:rPr>
+              <a:t>cifratura</a:t>
+            </a:r>
+            <a:r>
+              <a:rPr lang="it-IT" sz="2400" dirty="0">
+                <a:solidFill>
+                  <a:schemeClr val="tx1"/>
+                </a:solidFill>
+                <a:latin typeface="Tahoma" panose="020B0604030504040204" pitchFamily="34" charset="0"/>
+                <a:ea typeface="Tahoma" panose="020B0604030504040204" pitchFamily="34" charset="0"/>
+                <a:cs typeface="Tahoma" panose="020B0604030504040204" pitchFamily="34" charset="0"/>
+              </a:rPr>
+              <a:t> </a:t>
+            </a:r>
+            <a:r>
+              <a:rPr lang="it-IT" sz="2400" b="1" dirty="0">
+                <a:solidFill>
+                  <a:schemeClr val="tx1"/>
+                </a:solidFill>
+                <a:latin typeface="Tahoma" panose="020B0604030504040204" pitchFamily="34" charset="0"/>
+                <a:ea typeface="Tahoma" panose="020B0604030504040204" pitchFamily="34" charset="0"/>
+                <a:cs typeface="Tahoma" panose="020B0604030504040204" pitchFamily="34" charset="0"/>
+              </a:rPr>
+              <a:t>a blocchi</a:t>
+            </a:r>
+            <a:r>
+              <a:rPr lang="it-IT" sz="2400" dirty="0">
+                <a:solidFill>
+                  <a:schemeClr val="tx1"/>
+                </a:solidFill>
+                <a:latin typeface="Tahoma" panose="020B0604030504040204" pitchFamily="34" charset="0"/>
+                <a:ea typeface="Tahoma" panose="020B0604030504040204" pitchFamily="34" charset="0"/>
+                <a:cs typeface="Tahoma" panose="020B0604030504040204" pitchFamily="34" charset="0"/>
+              </a:rPr>
+              <a:t> la utilizzano, incluso il </a:t>
+            </a:r>
+            <a:r>
+              <a:rPr lang="it-IT" sz="2400" b="1" dirty="0">
+                <a:solidFill>
+                  <a:schemeClr val="tx1"/>
+                </a:solidFill>
+                <a:latin typeface="Tahoma" panose="020B0604030504040204" pitchFamily="34" charset="0"/>
+                <a:ea typeface="Tahoma" panose="020B0604030504040204" pitchFamily="34" charset="0"/>
+                <a:cs typeface="Tahoma" panose="020B0604030504040204" pitchFamily="34" charset="0"/>
+              </a:rPr>
+              <a:t>Data</a:t>
+            </a:r>
+            <a:r>
+              <a:rPr lang="it-IT" sz="2400" dirty="0">
+                <a:solidFill>
+                  <a:schemeClr val="tx1"/>
+                </a:solidFill>
+                <a:latin typeface="Tahoma" panose="020B0604030504040204" pitchFamily="34" charset="0"/>
+                <a:ea typeface="Tahoma" panose="020B0604030504040204" pitchFamily="34" charset="0"/>
+                <a:cs typeface="Tahoma" panose="020B0604030504040204" pitchFamily="34" charset="0"/>
+              </a:rPr>
+              <a:t> </a:t>
+            </a:r>
+            <a:r>
+              <a:rPr lang="it-IT" sz="2400" b="1" dirty="0" err="1">
+                <a:solidFill>
+                  <a:schemeClr val="tx1"/>
+                </a:solidFill>
+                <a:latin typeface="Tahoma" panose="020B0604030504040204" pitchFamily="34" charset="0"/>
+                <a:ea typeface="Tahoma" panose="020B0604030504040204" pitchFamily="34" charset="0"/>
+                <a:cs typeface="Tahoma" panose="020B0604030504040204" pitchFamily="34" charset="0"/>
+              </a:rPr>
+              <a:t>Encryption</a:t>
+            </a:r>
+            <a:r>
+              <a:rPr lang="it-IT" sz="2400" dirty="0">
+                <a:solidFill>
+                  <a:schemeClr val="tx1"/>
+                </a:solidFill>
+                <a:latin typeface="Tahoma" panose="020B0604030504040204" pitchFamily="34" charset="0"/>
+                <a:ea typeface="Tahoma" panose="020B0604030504040204" pitchFamily="34" charset="0"/>
+                <a:cs typeface="Tahoma" panose="020B0604030504040204" pitchFamily="34" charset="0"/>
+              </a:rPr>
+              <a:t> </a:t>
+            </a:r>
+            <a:r>
+              <a:rPr lang="it-IT" sz="2400" b="1" dirty="0">
+                <a:solidFill>
+                  <a:schemeClr val="tx1"/>
+                </a:solidFill>
+                <a:latin typeface="Tahoma" panose="020B0604030504040204" pitchFamily="34" charset="0"/>
+                <a:ea typeface="Tahoma" panose="020B0604030504040204" pitchFamily="34" charset="0"/>
+                <a:cs typeface="Tahoma" panose="020B0604030504040204" pitchFamily="34" charset="0"/>
+              </a:rPr>
+              <a:t>Standard</a:t>
+            </a:r>
+            <a:r>
+              <a:rPr lang="it-IT" sz="2400" dirty="0" smtClean="0">
+                <a:solidFill>
+                  <a:schemeClr val="tx1"/>
+                </a:solidFill>
+                <a:latin typeface="Tahoma" panose="020B0604030504040204" pitchFamily="34" charset="0"/>
+                <a:ea typeface="Tahoma" panose="020B0604030504040204" pitchFamily="34" charset="0"/>
+                <a:cs typeface="Tahoma" panose="020B0604030504040204" pitchFamily="34" charset="0"/>
+              </a:rPr>
+              <a:t>.</a:t>
+            </a:r>
+          </a:p>
+          <a:p>
+            <a:pPr marL="342900" indent="-342900" algn="just">
+              <a:buFont typeface="Wingdings" panose="05000000000000000000" pitchFamily="2" charset="2"/>
+              <a:buChar char="ü"/>
+            </a:pPr>
+            <a:r>
+              <a:rPr lang="it-IT" sz="2400" dirty="0">
+                <a:solidFill>
+                  <a:schemeClr val="tx1"/>
+                </a:solidFill>
+                <a:latin typeface="Tahoma" panose="020B0604030504040204" pitchFamily="34" charset="0"/>
+                <a:ea typeface="Tahoma" panose="020B0604030504040204" pitchFamily="34" charset="0"/>
+                <a:cs typeface="Tahoma" panose="020B0604030504040204" pitchFamily="34" charset="0"/>
+              </a:rPr>
+              <a:t>Il </a:t>
+            </a:r>
+            <a:r>
+              <a:rPr lang="it-IT" sz="2400" b="1" dirty="0">
+                <a:solidFill>
+                  <a:schemeClr val="tx1"/>
+                </a:solidFill>
+                <a:latin typeface="Tahoma" panose="020B0604030504040204" pitchFamily="34" charset="0"/>
+                <a:ea typeface="Tahoma" panose="020B0604030504040204" pitchFamily="34" charset="0"/>
+                <a:cs typeface="Tahoma" panose="020B0604030504040204" pitchFamily="34" charset="0"/>
+              </a:rPr>
+              <a:t>DEA</a:t>
+            </a:r>
+            <a:r>
+              <a:rPr lang="it-IT" sz="2400" dirty="0">
+                <a:solidFill>
+                  <a:schemeClr val="tx1"/>
+                </a:solidFill>
+                <a:latin typeface="Tahoma" panose="020B0604030504040204" pitchFamily="34" charset="0"/>
+                <a:ea typeface="Tahoma" panose="020B0604030504040204" pitchFamily="34" charset="0"/>
+                <a:cs typeface="Tahoma" panose="020B0604030504040204" pitchFamily="34" charset="0"/>
+              </a:rPr>
+              <a:t> si avvale di un </a:t>
+            </a:r>
+            <a:r>
+              <a:rPr lang="it-IT" sz="2400" b="1" dirty="0">
+                <a:solidFill>
+                  <a:schemeClr val="tx1"/>
+                </a:solidFill>
+                <a:latin typeface="Tahoma" panose="020B0604030504040204" pitchFamily="34" charset="0"/>
+                <a:ea typeface="Tahoma" panose="020B0604030504040204" pitchFamily="34" charset="0"/>
+                <a:cs typeface="Tahoma" panose="020B0604030504040204" pitchFamily="34" charset="0"/>
+              </a:rPr>
+              <a:t>cifrario a blocchi</a:t>
+            </a:r>
+            <a:r>
+              <a:rPr lang="it-IT" sz="2400" dirty="0">
+                <a:solidFill>
+                  <a:schemeClr val="tx1"/>
+                </a:solidFill>
+                <a:latin typeface="Tahoma" panose="020B0604030504040204" pitchFamily="34" charset="0"/>
+                <a:ea typeface="Tahoma" panose="020B0604030504040204" pitchFamily="34" charset="0"/>
+                <a:cs typeface="Tahoma" panose="020B0604030504040204" pitchFamily="34" charset="0"/>
+              </a:rPr>
+              <a:t>, il quale riceve in ingresso una stringa di </a:t>
+            </a:r>
+            <a:r>
+              <a:rPr lang="it-IT" sz="2400" b="1" dirty="0">
+                <a:solidFill>
+                  <a:schemeClr val="tx1"/>
+                </a:solidFill>
+                <a:latin typeface="Tahoma" panose="020B0604030504040204" pitchFamily="34" charset="0"/>
+                <a:ea typeface="Tahoma" panose="020B0604030504040204" pitchFamily="34" charset="0"/>
+                <a:cs typeface="Tahoma" panose="020B0604030504040204" pitchFamily="34" charset="0"/>
+              </a:rPr>
+              <a:t>testo</a:t>
+            </a:r>
+            <a:r>
+              <a:rPr lang="it-IT" sz="2400" dirty="0">
+                <a:solidFill>
+                  <a:schemeClr val="tx1"/>
+                </a:solidFill>
+                <a:latin typeface="Tahoma" panose="020B0604030504040204" pitchFamily="34" charset="0"/>
+                <a:ea typeface="Tahoma" panose="020B0604030504040204" pitchFamily="34" charset="0"/>
+                <a:cs typeface="Tahoma" panose="020B0604030504040204" pitchFamily="34" charset="0"/>
+              </a:rPr>
+              <a:t> di </a:t>
+            </a:r>
+            <a:r>
+              <a:rPr lang="it-IT" sz="2400" b="1" dirty="0">
+                <a:solidFill>
+                  <a:schemeClr val="tx1"/>
+                </a:solidFill>
+                <a:latin typeface="Tahoma" panose="020B0604030504040204" pitchFamily="34" charset="0"/>
+                <a:ea typeface="Tahoma" panose="020B0604030504040204" pitchFamily="34" charset="0"/>
+                <a:cs typeface="Tahoma" panose="020B0604030504040204" pitchFamily="34" charset="0"/>
+              </a:rPr>
+              <a:t>lunghezza</a:t>
+            </a:r>
+            <a:r>
+              <a:rPr lang="it-IT" sz="2400" dirty="0">
+                <a:solidFill>
+                  <a:schemeClr val="tx1"/>
+                </a:solidFill>
+                <a:latin typeface="Tahoma" panose="020B0604030504040204" pitchFamily="34" charset="0"/>
+                <a:ea typeface="Tahoma" panose="020B0604030504040204" pitchFamily="34" charset="0"/>
+                <a:cs typeface="Tahoma" panose="020B0604030504040204" pitchFamily="34" charset="0"/>
+              </a:rPr>
+              <a:t> </a:t>
+            </a:r>
+            <a:r>
+              <a:rPr lang="it-IT" sz="2400" b="1" dirty="0">
+                <a:solidFill>
+                  <a:schemeClr val="tx1"/>
+                </a:solidFill>
+                <a:latin typeface="Tahoma" panose="020B0604030504040204" pitchFamily="34" charset="0"/>
+                <a:ea typeface="Tahoma" panose="020B0604030504040204" pitchFamily="34" charset="0"/>
+                <a:cs typeface="Tahoma" panose="020B0604030504040204" pitchFamily="34" charset="0"/>
+              </a:rPr>
+              <a:t>fissa</a:t>
+            </a:r>
+            <a:r>
+              <a:rPr lang="it-IT" sz="2400" dirty="0">
+                <a:solidFill>
+                  <a:schemeClr val="tx1"/>
+                </a:solidFill>
+                <a:latin typeface="Tahoma" panose="020B0604030504040204" pitchFamily="34" charset="0"/>
+                <a:ea typeface="Tahoma" panose="020B0604030504040204" pitchFamily="34" charset="0"/>
+                <a:cs typeface="Tahoma" panose="020B0604030504040204" pitchFamily="34" charset="0"/>
+              </a:rPr>
+              <a:t> (</a:t>
+            </a:r>
+            <a:r>
+              <a:rPr lang="it-IT" sz="2400" b="1" dirty="0" err="1">
+                <a:solidFill>
+                  <a:schemeClr val="tx1"/>
+                </a:solidFill>
+                <a:latin typeface="Tahoma" panose="020B0604030504040204" pitchFamily="34" charset="0"/>
+                <a:ea typeface="Tahoma" panose="020B0604030504040204" pitchFamily="34" charset="0"/>
+                <a:cs typeface="Tahoma" panose="020B0604030504040204" pitchFamily="34" charset="0"/>
+              </a:rPr>
+              <a:t>plaintext</a:t>
+            </a:r>
+            <a:r>
+              <a:rPr lang="it-IT" sz="2400" dirty="0">
+                <a:solidFill>
+                  <a:schemeClr val="tx1"/>
+                </a:solidFill>
+                <a:latin typeface="Tahoma" panose="020B0604030504040204" pitchFamily="34" charset="0"/>
+                <a:ea typeface="Tahoma" panose="020B0604030504040204" pitchFamily="34" charset="0"/>
+                <a:cs typeface="Tahoma" panose="020B0604030504040204" pitchFamily="34" charset="0"/>
+              </a:rPr>
+              <a:t> – testo in chiaro) e la </a:t>
+            </a:r>
+            <a:r>
+              <a:rPr lang="it-IT" sz="2400" b="1" dirty="0">
+                <a:solidFill>
+                  <a:schemeClr val="tx1"/>
+                </a:solidFill>
+                <a:latin typeface="Tahoma" panose="020B0604030504040204" pitchFamily="34" charset="0"/>
+                <a:ea typeface="Tahoma" panose="020B0604030504040204" pitchFamily="34" charset="0"/>
+                <a:cs typeface="Tahoma" panose="020B0604030504040204" pitchFamily="34" charset="0"/>
+              </a:rPr>
+              <a:t>trasforma</a:t>
+            </a:r>
+            <a:r>
+              <a:rPr lang="it-IT" sz="2400" dirty="0">
+                <a:solidFill>
+                  <a:schemeClr val="tx1"/>
+                </a:solidFill>
+                <a:latin typeface="Tahoma" panose="020B0604030504040204" pitchFamily="34" charset="0"/>
+                <a:ea typeface="Tahoma" panose="020B0604030504040204" pitchFamily="34" charset="0"/>
+                <a:cs typeface="Tahoma" panose="020B0604030504040204" pitchFamily="34" charset="0"/>
+              </a:rPr>
+              <a:t>, mediante una serie di </a:t>
+            </a:r>
+            <a:r>
+              <a:rPr lang="it-IT" sz="2400" b="1" dirty="0">
+                <a:solidFill>
+                  <a:schemeClr val="tx1"/>
+                </a:solidFill>
+                <a:latin typeface="Tahoma" panose="020B0604030504040204" pitchFamily="34" charset="0"/>
+                <a:ea typeface="Tahoma" panose="020B0604030504040204" pitchFamily="34" charset="0"/>
+                <a:cs typeface="Tahoma" panose="020B0604030504040204" pitchFamily="34" charset="0"/>
+              </a:rPr>
+              <a:t>operazioni</a:t>
+            </a:r>
+            <a:r>
+              <a:rPr lang="it-IT" sz="2400" dirty="0">
+                <a:solidFill>
+                  <a:schemeClr val="tx1"/>
+                </a:solidFill>
+                <a:latin typeface="Tahoma" panose="020B0604030504040204" pitchFamily="34" charset="0"/>
+                <a:ea typeface="Tahoma" panose="020B0604030504040204" pitchFamily="34" charset="0"/>
+                <a:cs typeface="Tahoma" panose="020B0604030504040204" pitchFamily="34" charset="0"/>
+              </a:rPr>
+              <a:t> </a:t>
+            </a:r>
+            <a:r>
+              <a:rPr lang="it-IT" sz="2400" b="1" dirty="0">
+                <a:solidFill>
+                  <a:schemeClr val="tx1"/>
+                </a:solidFill>
+                <a:latin typeface="Tahoma" panose="020B0604030504040204" pitchFamily="34" charset="0"/>
+                <a:ea typeface="Tahoma" panose="020B0604030504040204" pitchFamily="34" charset="0"/>
+                <a:cs typeface="Tahoma" panose="020B0604030504040204" pitchFamily="34" charset="0"/>
+              </a:rPr>
+              <a:t>complesse</a:t>
+            </a:r>
+            <a:r>
+              <a:rPr lang="it-IT" sz="2400" dirty="0">
+                <a:solidFill>
+                  <a:schemeClr val="tx1"/>
+                </a:solidFill>
+                <a:latin typeface="Tahoma" panose="020B0604030504040204" pitchFamily="34" charset="0"/>
+                <a:ea typeface="Tahoma" panose="020B0604030504040204" pitchFamily="34" charset="0"/>
+                <a:cs typeface="Tahoma" panose="020B0604030504040204" pitchFamily="34" charset="0"/>
+              </a:rPr>
+              <a:t>, in un’altra stringa della stessa lunghezza, però cifrata. </a:t>
+            </a:r>
+            <a:endParaRPr lang="it-IT" sz="2400" dirty="0" smtClean="0">
+              <a:solidFill>
+                <a:schemeClr val="tx1"/>
+              </a:solidFill>
+              <a:latin typeface="Tahoma" panose="020B0604030504040204" pitchFamily="34" charset="0"/>
+              <a:ea typeface="Tahoma" panose="020B0604030504040204" pitchFamily="34" charset="0"/>
+              <a:cs typeface="Tahoma" panose="020B0604030504040204" pitchFamily="34" charset="0"/>
+            </a:endParaRPr>
+          </a:p>
+          <a:p>
+            <a:pPr marL="342900" indent="-342900" algn="just">
+              <a:buFont typeface="Wingdings" panose="05000000000000000000" pitchFamily="2" charset="2"/>
+              <a:buChar char="ü"/>
+            </a:pPr>
+            <a:r>
+              <a:rPr lang="it-IT" sz="2400" dirty="0" smtClean="0">
+                <a:solidFill>
+                  <a:schemeClr val="tx1"/>
+                </a:solidFill>
+                <a:latin typeface="Tahoma" panose="020B0604030504040204" pitchFamily="34" charset="0"/>
+                <a:ea typeface="Tahoma" panose="020B0604030504040204" pitchFamily="34" charset="0"/>
+                <a:cs typeface="Tahoma" panose="020B0604030504040204" pitchFamily="34" charset="0"/>
+              </a:rPr>
+              <a:t>Nel </a:t>
+            </a:r>
+            <a:r>
+              <a:rPr lang="it-IT" sz="2400" dirty="0">
+                <a:solidFill>
+                  <a:schemeClr val="tx1"/>
+                </a:solidFill>
+                <a:latin typeface="Tahoma" panose="020B0604030504040204" pitchFamily="34" charset="0"/>
+                <a:ea typeface="Tahoma" panose="020B0604030504040204" pitchFamily="34" charset="0"/>
+                <a:cs typeface="Tahoma" panose="020B0604030504040204" pitchFamily="34" charset="0"/>
+              </a:rPr>
+              <a:t>caso del </a:t>
+            </a:r>
+            <a:r>
+              <a:rPr lang="it-IT" sz="2400" b="1" dirty="0">
+                <a:solidFill>
+                  <a:schemeClr val="tx1"/>
+                </a:solidFill>
+                <a:latin typeface="Tahoma" panose="020B0604030504040204" pitchFamily="34" charset="0"/>
+                <a:ea typeface="Tahoma" panose="020B0604030504040204" pitchFamily="34" charset="0"/>
+                <a:cs typeface="Tahoma" panose="020B0604030504040204" pitchFamily="34" charset="0"/>
+              </a:rPr>
+              <a:t>DES</a:t>
+            </a:r>
+            <a:r>
+              <a:rPr lang="it-IT" sz="2400" dirty="0">
+                <a:solidFill>
+                  <a:schemeClr val="tx1"/>
+                </a:solidFill>
+                <a:latin typeface="Tahoma" panose="020B0604030504040204" pitchFamily="34" charset="0"/>
+                <a:ea typeface="Tahoma" panose="020B0604030504040204" pitchFamily="34" charset="0"/>
+                <a:cs typeface="Tahoma" panose="020B0604030504040204" pitchFamily="34" charset="0"/>
+              </a:rPr>
+              <a:t> la dimensione di ogni blocco del </a:t>
+            </a:r>
+            <a:r>
+              <a:rPr lang="it-IT" sz="2400" b="1" dirty="0">
+                <a:solidFill>
+                  <a:schemeClr val="tx1"/>
+                </a:solidFill>
+                <a:latin typeface="Tahoma" panose="020B0604030504040204" pitchFamily="34" charset="0"/>
+                <a:ea typeface="Tahoma" panose="020B0604030504040204" pitchFamily="34" charset="0"/>
+                <a:cs typeface="Tahoma" panose="020B0604030504040204" pitchFamily="34" charset="0"/>
+              </a:rPr>
+              <a:t>cifrario</a:t>
+            </a:r>
+            <a:r>
+              <a:rPr lang="it-IT" sz="2400" dirty="0">
+                <a:solidFill>
+                  <a:schemeClr val="tx1"/>
+                </a:solidFill>
+                <a:latin typeface="Tahoma" panose="020B0604030504040204" pitchFamily="34" charset="0"/>
+                <a:ea typeface="Tahoma" panose="020B0604030504040204" pitchFamily="34" charset="0"/>
+                <a:cs typeface="Tahoma" panose="020B0604030504040204" pitchFamily="34" charset="0"/>
+              </a:rPr>
+              <a:t> è </a:t>
+            </a:r>
+            <a:r>
+              <a:rPr lang="it-IT" sz="2400" b="1" dirty="0">
+                <a:solidFill>
+                  <a:schemeClr val="tx1"/>
+                </a:solidFill>
+                <a:latin typeface="Tahoma" panose="020B0604030504040204" pitchFamily="34" charset="0"/>
+                <a:ea typeface="Tahoma" panose="020B0604030504040204" pitchFamily="34" charset="0"/>
+                <a:cs typeface="Tahoma" panose="020B0604030504040204" pitchFamily="34" charset="0"/>
+              </a:rPr>
+              <a:t>pari</a:t>
+            </a:r>
+            <a:r>
+              <a:rPr lang="it-IT" sz="2400" dirty="0">
+                <a:solidFill>
+                  <a:schemeClr val="tx1"/>
+                </a:solidFill>
+                <a:latin typeface="Tahoma" panose="020B0604030504040204" pitchFamily="34" charset="0"/>
+                <a:ea typeface="Tahoma" panose="020B0604030504040204" pitchFamily="34" charset="0"/>
+                <a:cs typeface="Tahoma" panose="020B0604030504040204" pitchFamily="34" charset="0"/>
+              </a:rPr>
+              <a:t> a </a:t>
+            </a:r>
+            <a:r>
+              <a:rPr lang="it-IT" sz="2400" b="1" dirty="0">
+                <a:solidFill>
+                  <a:schemeClr val="tx1"/>
+                </a:solidFill>
+                <a:latin typeface="Tahoma" panose="020B0604030504040204" pitchFamily="34" charset="0"/>
+                <a:ea typeface="Tahoma" panose="020B0604030504040204" pitchFamily="34" charset="0"/>
+                <a:cs typeface="Tahoma" panose="020B0604030504040204" pitchFamily="34" charset="0"/>
+              </a:rPr>
+              <a:t>64</a:t>
+            </a:r>
+            <a:r>
+              <a:rPr lang="it-IT" sz="2400" dirty="0">
+                <a:solidFill>
+                  <a:schemeClr val="tx1"/>
+                </a:solidFill>
+                <a:latin typeface="Tahoma" panose="020B0604030504040204" pitchFamily="34" charset="0"/>
+                <a:ea typeface="Tahoma" panose="020B0604030504040204" pitchFamily="34" charset="0"/>
+                <a:cs typeface="Tahoma" panose="020B0604030504040204" pitchFamily="34" charset="0"/>
+              </a:rPr>
+              <a:t> </a:t>
+            </a:r>
+            <a:r>
+              <a:rPr lang="it-IT" sz="2400" b="1" dirty="0">
+                <a:solidFill>
+                  <a:schemeClr val="tx1"/>
+                </a:solidFill>
+                <a:latin typeface="Tahoma" panose="020B0604030504040204" pitchFamily="34" charset="0"/>
+                <a:ea typeface="Tahoma" panose="020B0604030504040204" pitchFamily="34" charset="0"/>
+                <a:cs typeface="Tahoma" panose="020B0604030504040204" pitchFamily="34" charset="0"/>
+              </a:rPr>
+              <a:t>bit</a:t>
+            </a:r>
+            <a:r>
+              <a:rPr lang="it-IT" sz="2400" dirty="0">
+                <a:solidFill>
+                  <a:schemeClr val="tx1"/>
+                </a:solidFill>
+                <a:latin typeface="Tahoma" panose="020B0604030504040204" pitchFamily="34" charset="0"/>
+                <a:ea typeface="Tahoma" panose="020B0604030504040204" pitchFamily="34" charset="0"/>
+                <a:cs typeface="Tahoma" panose="020B0604030504040204" pitchFamily="34" charset="0"/>
+              </a:rPr>
+              <a:t>. </a:t>
+            </a:r>
+            <a:r>
+              <a:rPr lang="it-IT" sz="2400" dirty="0">
+                <a:solidFill>
+                  <a:schemeClr val="tx1"/>
+                </a:solidFill>
+                <a:latin typeface="Tahoma" panose="020B0604030504040204" pitchFamily="34" charset="0"/>
+                <a:ea typeface="Tahoma" panose="020B0604030504040204" pitchFamily="34" charset="0"/>
+                <a:cs typeface="Tahoma" panose="020B0604030504040204" pitchFamily="34" charset="0"/>
+              </a:rPr>
+              <a:t>Nel caso in cui il </a:t>
+            </a:r>
+            <a:r>
+              <a:rPr lang="it-IT" sz="2400" b="1" dirty="0">
+                <a:solidFill>
+                  <a:schemeClr val="tx1"/>
+                </a:solidFill>
+                <a:latin typeface="Tahoma" panose="020B0604030504040204" pitchFamily="34" charset="0"/>
+                <a:ea typeface="Tahoma" panose="020B0604030504040204" pitchFamily="34" charset="0"/>
+                <a:cs typeface="Tahoma" panose="020B0604030504040204" pitchFamily="34" charset="0"/>
+              </a:rPr>
+              <a:t>testo</a:t>
+            </a:r>
+            <a:r>
+              <a:rPr lang="it-IT" sz="2400" dirty="0">
+                <a:solidFill>
+                  <a:schemeClr val="tx1"/>
+                </a:solidFill>
+                <a:latin typeface="Tahoma" panose="020B0604030504040204" pitchFamily="34" charset="0"/>
+                <a:ea typeface="Tahoma" panose="020B0604030504040204" pitchFamily="34" charset="0"/>
+                <a:cs typeface="Tahoma" panose="020B0604030504040204" pitchFamily="34" charset="0"/>
+              </a:rPr>
+              <a:t> in </a:t>
+            </a:r>
+            <a:r>
+              <a:rPr lang="it-IT" sz="2400" b="1" dirty="0">
+                <a:solidFill>
+                  <a:schemeClr val="tx1"/>
+                </a:solidFill>
+                <a:latin typeface="Tahoma" panose="020B0604030504040204" pitchFamily="34" charset="0"/>
+                <a:ea typeface="Tahoma" panose="020B0604030504040204" pitchFamily="34" charset="0"/>
+                <a:cs typeface="Tahoma" panose="020B0604030504040204" pitchFamily="34" charset="0"/>
+              </a:rPr>
+              <a:t>chiaro</a:t>
+            </a:r>
+            <a:r>
+              <a:rPr lang="it-IT" sz="2400" dirty="0">
+                <a:solidFill>
+                  <a:schemeClr val="tx1"/>
+                </a:solidFill>
+                <a:latin typeface="Tahoma" panose="020B0604030504040204" pitchFamily="34" charset="0"/>
+                <a:ea typeface="Tahoma" panose="020B0604030504040204" pitchFamily="34" charset="0"/>
+                <a:cs typeface="Tahoma" panose="020B0604030504040204" pitchFamily="34" charset="0"/>
+              </a:rPr>
+              <a:t> da cifrare dovesse essere superiore ai </a:t>
+            </a:r>
+            <a:r>
+              <a:rPr lang="it-IT" sz="2400" b="1" dirty="0">
+                <a:solidFill>
+                  <a:schemeClr val="tx1"/>
+                </a:solidFill>
+                <a:latin typeface="Tahoma" panose="020B0604030504040204" pitchFamily="34" charset="0"/>
+                <a:ea typeface="Tahoma" panose="020B0604030504040204" pitchFamily="34" charset="0"/>
+                <a:cs typeface="Tahoma" panose="020B0604030504040204" pitchFamily="34" charset="0"/>
+              </a:rPr>
+              <a:t>64</a:t>
+            </a:r>
+            <a:r>
+              <a:rPr lang="it-IT" sz="2400" dirty="0">
+                <a:solidFill>
+                  <a:schemeClr val="tx1"/>
+                </a:solidFill>
+                <a:latin typeface="Tahoma" panose="020B0604030504040204" pitchFamily="34" charset="0"/>
+                <a:ea typeface="Tahoma" panose="020B0604030504040204" pitchFamily="34" charset="0"/>
+                <a:cs typeface="Tahoma" panose="020B0604030504040204" pitchFamily="34" charset="0"/>
+              </a:rPr>
+              <a:t> </a:t>
+            </a:r>
+            <a:r>
+              <a:rPr lang="it-IT" sz="2400" b="1" dirty="0">
+                <a:solidFill>
+                  <a:schemeClr val="tx1"/>
+                </a:solidFill>
+                <a:latin typeface="Tahoma" panose="020B0604030504040204" pitchFamily="34" charset="0"/>
+                <a:ea typeface="Tahoma" panose="020B0604030504040204" pitchFamily="34" charset="0"/>
+                <a:cs typeface="Tahoma" panose="020B0604030504040204" pitchFamily="34" charset="0"/>
+              </a:rPr>
+              <a:t>bit</a:t>
+            </a:r>
+            <a:r>
+              <a:rPr lang="it-IT" sz="2400" dirty="0">
+                <a:solidFill>
+                  <a:schemeClr val="tx1"/>
+                </a:solidFill>
+                <a:latin typeface="Tahoma" panose="020B0604030504040204" pitchFamily="34" charset="0"/>
+                <a:ea typeface="Tahoma" panose="020B0604030504040204" pitchFamily="34" charset="0"/>
+                <a:cs typeface="Tahoma" panose="020B0604030504040204" pitchFamily="34" charset="0"/>
+              </a:rPr>
+              <a:t>, esso verrà suddiviso in blocchi da </a:t>
+            </a:r>
+            <a:r>
+              <a:rPr lang="it-IT" sz="2400" b="1" dirty="0">
+                <a:solidFill>
+                  <a:schemeClr val="tx1"/>
+                </a:solidFill>
+                <a:latin typeface="Tahoma" panose="020B0604030504040204" pitchFamily="34" charset="0"/>
+                <a:ea typeface="Tahoma" panose="020B0604030504040204" pitchFamily="34" charset="0"/>
+                <a:cs typeface="Tahoma" panose="020B0604030504040204" pitchFamily="34" charset="0"/>
+              </a:rPr>
+              <a:t>64</a:t>
+            </a:r>
+            <a:r>
+              <a:rPr lang="it-IT" sz="2400" dirty="0">
+                <a:solidFill>
+                  <a:schemeClr val="tx1"/>
+                </a:solidFill>
+                <a:latin typeface="Tahoma" panose="020B0604030504040204" pitchFamily="34" charset="0"/>
+                <a:ea typeface="Tahoma" panose="020B0604030504040204" pitchFamily="34" charset="0"/>
+                <a:cs typeface="Tahoma" panose="020B0604030504040204" pitchFamily="34" charset="0"/>
+              </a:rPr>
+              <a:t> </a:t>
+            </a:r>
+            <a:r>
+              <a:rPr lang="it-IT" sz="2400" b="1" dirty="0">
+                <a:solidFill>
+                  <a:schemeClr val="tx1"/>
+                </a:solidFill>
+                <a:latin typeface="Tahoma" panose="020B0604030504040204" pitchFamily="34" charset="0"/>
+                <a:ea typeface="Tahoma" panose="020B0604030504040204" pitchFamily="34" charset="0"/>
+                <a:cs typeface="Tahoma" panose="020B0604030504040204" pitchFamily="34" charset="0"/>
+              </a:rPr>
+              <a:t>bit</a:t>
+            </a:r>
+            <a:r>
+              <a:rPr lang="it-IT" sz="2400" dirty="0">
+                <a:solidFill>
+                  <a:schemeClr val="tx1"/>
+                </a:solidFill>
+                <a:latin typeface="Tahoma" panose="020B0604030504040204" pitchFamily="34" charset="0"/>
+                <a:ea typeface="Tahoma" panose="020B0604030504040204" pitchFamily="34" charset="0"/>
+                <a:cs typeface="Tahoma" panose="020B0604030504040204" pitchFamily="34" charset="0"/>
+              </a:rPr>
+              <a:t> ciascuno (aggiungendo eventualmente del </a:t>
+            </a:r>
+            <a:r>
+              <a:rPr lang="it-IT" sz="2400" b="1" dirty="0" err="1">
+                <a:solidFill>
+                  <a:schemeClr val="tx1"/>
+                </a:solidFill>
+                <a:latin typeface="Tahoma" panose="020B0604030504040204" pitchFamily="34" charset="0"/>
+                <a:ea typeface="Tahoma" panose="020B0604030504040204" pitchFamily="34" charset="0"/>
+                <a:cs typeface="Tahoma" panose="020B0604030504040204" pitchFamily="34" charset="0"/>
+              </a:rPr>
+              <a:t>padding</a:t>
+            </a:r>
+            <a:r>
+              <a:rPr lang="it-IT" sz="2400" dirty="0">
+                <a:solidFill>
+                  <a:schemeClr val="tx1"/>
+                </a:solidFill>
+                <a:latin typeface="Tahoma" panose="020B0604030504040204" pitchFamily="34" charset="0"/>
+                <a:ea typeface="Tahoma" panose="020B0604030504040204" pitchFamily="34" charset="0"/>
+                <a:cs typeface="Tahoma" panose="020B0604030504040204" pitchFamily="34" charset="0"/>
+              </a:rPr>
+              <a:t>). Ogni blocco verrà quindi dato in pasto ad un </a:t>
+            </a:r>
+            <a:r>
+              <a:rPr lang="it-IT" sz="2400" b="1" dirty="0">
+                <a:solidFill>
+                  <a:schemeClr val="tx1"/>
+                </a:solidFill>
+                <a:latin typeface="Tahoma" panose="020B0604030504040204" pitchFamily="34" charset="0"/>
+                <a:ea typeface="Tahoma" panose="020B0604030504040204" pitchFamily="34" charset="0"/>
+                <a:cs typeface="Tahoma" panose="020B0604030504040204" pitchFamily="34" charset="0"/>
+              </a:rPr>
+              <a:t>cifrario</a:t>
+            </a:r>
+            <a:r>
+              <a:rPr lang="it-IT" sz="2400" dirty="0">
+                <a:solidFill>
+                  <a:schemeClr val="tx1"/>
+                </a:solidFill>
+                <a:latin typeface="Tahoma" panose="020B0604030504040204" pitchFamily="34" charset="0"/>
+                <a:ea typeface="Tahoma" panose="020B0604030504040204" pitchFamily="34" charset="0"/>
+                <a:cs typeface="Tahoma" panose="020B0604030504040204" pitchFamily="34" charset="0"/>
+              </a:rPr>
+              <a:t> e gli output così generati verranno </a:t>
+            </a:r>
+            <a:r>
+              <a:rPr lang="it-IT" sz="2400" b="1" dirty="0">
+                <a:solidFill>
+                  <a:schemeClr val="tx1"/>
+                </a:solidFill>
+                <a:latin typeface="Tahoma" panose="020B0604030504040204" pitchFamily="34" charset="0"/>
+                <a:ea typeface="Tahoma" panose="020B0604030504040204" pitchFamily="34" charset="0"/>
+                <a:cs typeface="Tahoma" panose="020B0604030504040204" pitchFamily="34" charset="0"/>
+              </a:rPr>
+              <a:t>combinati</a:t>
+            </a:r>
+            <a:r>
+              <a:rPr lang="it-IT" sz="2400" dirty="0">
+                <a:solidFill>
+                  <a:schemeClr val="tx1"/>
+                </a:solidFill>
+                <a:latin typeface="Tahoma" panose="020B0604030504040204" pitchFamily="34" charset="0"/>
+                <a:ea typeface="Tahoma" panose="020B0604030504040204" pitchFamily="34" charset="0"/>
+                <a:cs typeface="Tahoma" panose="020B0604030504040204" pitchFamily="34" charset="0"/>
+              </a:rPr>
+              <a:t> </a:t>
+            </a:r>
+            <a:r>
+              <a:rPr lang="it-IT" sz="2400" b="1" dirty="0">
+                <a:solidFill>
+                  <a:schemeClr val="tx1"/>
+                </a:solidFill>
+                <a:latin typeface="Tahoma" panose="020B0604030504040204" pitchFamily="34" charset="0"/>
+                <a:ea typeface="Tahoma" panose="020B0604030504040204" pitchFamily="34" charset="0"/>
+                <a:cs typeface="Tahoma" panose="020B0604030504040204" pitchFamily="34" charset="0"/>
+              </a:rPr>
+              <a:t>tra</a:t>
+            </a:r>
+            <a:r>
+              <a:rPr lang="it-IT" sz="2400" dirty="0">
+                <a:solidFill>
+                  <a:schemeClr val="tx1"/>
+                </a:solidFill>
+                <a:latin typeface="Tahoma" panose="020B0604030504040204" pitchFamily="34" charset="0"/>
+                <a:ea typeface="Tahoma" panose="020B0604030504040204" pitchFamily="34" charset="0"/>
+                <a:cs typeface="Tahoma" panose="020B0604030504040204" pitchFamily="34" charset="0"/>
+              </a:rPr>
+              <a:t> </a:t>
+            </a:r>
+            <a:r>
+              <a:rPr lang="it-IT" sz="2400" b="1" dirty="0">
+                <a:solidFill>
+                  <a:schemeClr val="tx1"/>
+                </a:solidFill>
+                <a:latin typeface="Tahoma" panose="020B0604030504040204" pitchFamily="34" charset="0"/>
+                <a:ea typeface="Tahoma" panose="020B0604030504040204" pitchFamily="34" charset="0"/>
+                <a:cs typeface="Tahoma" panose="020B0604030504040204" pitchFamily="34" charset="0"/>
+              </a:rPr>
+              <a:t>di</a:t>
+            </a:r>
+            <a:r>
+              <a:rPr lang="it-IT" sz="2400" dirty="0">
+                <a:solidFill>
+                  <a:schemeClr val="tx1"/>
+                </a:solidFill>
+                <a:latin typeface="Tahoma" panose="020B0604030504040204" pitchFamily="34" charset="0"/>
+                <a:ea typeface="Tahoma" panose="020B0604030504040204" pitchFamily="34" charset="0"/>
+                <a:cs typeface="Tahoma" panose="020B0604030504040204" pitchFamily="34" charset="0"/>
+              </a:rPr>
+              <a:t> </a:t>
+            </a:r>
+            <a:r>
+              <a:rPr lang="it-IT" sz="2400" b="1" dirty="0">
+                <a:solidFill>
+                  <a:schemeClr val="tx1"/>
+                </a:solidFill>
+                <a:latin typeface="Tahoma" panose="020B0604030504040204" pitchFamily="34" charset="0"/>
+                <a:ea typeface="Tahoma" panose="020B0604030504040204" pitchFamily="34" charset="0"/>
+                <a:cs typeface="Tahoma" panose="020B0604030504040204" pitchFamily="34" charset="0"/>
+              </a:rPr>
+              <a:t>loro</a:t>
+            </a:r>
+            <a:r>
+              <a:rPr lang="it-IT" sz="2400" dirty="0">
+                <a:solidFill>
+                  <a:schemeClr val="tx1"/>
+                </a:solidFill>
+                <a:latin typeface="Tahoma" panose="020B0604030504040204" pitchFamily="34" charset="0"/>
+                <a:ea typeface="Tahoma" panose="020B0604030504040204" pitchFamily="34" charset="0"/>
+                <a:cs typeface="Tahoma" panose="020B0604030504040204" pitchFamily="34" charset="0"/>
+              </a:rPr>
+              <a:t>.</a:t>
+            </a:r>
+          </a:p>
+          <a:p>
+            <a:pPr marL="342900" indent="-342900" algn="just">
+              <a:buFont typeface="Wingdings" panose="05000000000000000000" pitchFamily="2" charset="2"/>
+              <a:buChar char="ü"/>
+            </a:pPr>
+            <a:endParaRPr lang="it-IT" sz="2400" dirty="0">
+              <a:solidFill>
+                <a:schemeClr val="tx1"/>
+              </a:solidFill>
+              <a:latin typeface="Tahoma" panose="020B0604030504040204" pitchFamily="34" charset="0"/>
+              <a:ea typeface="Tahoma" panose="020B0604030504040204" pitchFamily="34" charset="0"/>
+              <a:cs typeface="Tahoma" panose="020B0604030504040204" pitchFamily="34" charset="0"/>
+            </a:endParaRPr>
+          </a:p>
+        </p:txBody>
+      </p:sp>
+      <p:sp>
+        <p:nvSpPr>
+          <p:cNvPr id="7" name="Segnaposto numero diapositiva 6">
+            <a:extLst>
+              <a:ext uri="{FF2B5EF4-FFF2-40B4-BE49-F238E27FC236}">
+                <a16:creationId xmlns:a16="http://schemas.microsoft.com/office/drawing/2014/main" id="{AB740BE9-E218-4144-BFDE-AE473D230A3D}"/>
+              </a:ext>
+            </a:extLst>
+          </p:cNvPr>
+          <p:cNvSpPr>
+            <a:spLocks noGrp="1"/>
+          </p:cNvSpPr>
+          <p:nvPr>
+            <p:ph type="sldNum" sz="quarter" idx="12"/>
+          </p:nvPr>
+        </p:nvSpPr>
+        <p:spPr/>
+        <p:txBody>
+          <a:bodyPr/>
+          <a:lstStyle/>
+          <a:p>
+            <a:pPr>
+              <a:defRPr/>
+            </a:pPr>
+            <a:fld id="{48B4153A-D4C5-4CEF-8992-0D8815C829E3}" type="slidenum">
+              <a:rPr lang="en-US" smtClean="0"/>
+              <a:pPr>
+                <a:defRPr/>
+              </a:pPr>
+              <a:t>17</a:t>
+            </a:fld>
+            <a:endParaRPr lang="en-US" dirty="0"/>
+          </a:p>
+        </p:txBody>
+      </p:sp>
+      <p:sp>
+        <p:nvSpPr>
+          <p:cNvPr id="8" name="Titolo 4">
+            <a:extLst>
+              <a:ext uri="{FF2B5EF4-FFF2-40B4-BE49-F238E27FC236}">
+                <a16:creationId xmlns:a16="http://schemas.microsoft.com/office/drawing/2014/main" id="{CF9A4806-60B4-80DC-1F76-D2EB3E6C376B}"/>
+              </a:ext>
+            </a:extLst>
+          </p:cNvPr>
+          <p:cNvSpPr>
+            <a:spLocks noGrp="1"/>
+          </p:cNvSpPr>
+          <p:nvPr>
+            <p:ph type="title"/>
+          </p:nvPr>
+        </p:nvSpPr>
+        <p:spPr>
+          <a:xfrm>
+            <a:off x="461169" y="422999"/>
+            <a:ext cx="11269662" cy="384721"/>
+          </a:xfrm>
+        </p:spPr>
+        <p:txBody>
+          <a:bodyPr/>
+          <a:lstStyle/>
+          <a:p>
+            <a:r>
+              <a:rPr lang="it-IT" sz="2800" dirty="0" smtClean="0">
+                <a:solidFill>
+                  <a:schemeClr val="tx1"/>
+                </a:solidFill>
+                <a:latin typeface="Tahoma" panose="020B0604030504040204" pitchFamily="34" charset="0"/>
+                <a:ea typeface="Tahoma" panose="020B0604030504040204" pitchFamily="34" charset="0"/>
+                <a:cs typeface="Tahoma" panose="020B0604030504040204" pitchFamily="34" charset="0"/>
+              </a:rPr>
+              <a:t>Crittografia Simmetrica: Algoritmo DES</a:t>
+            </a:r>
+            <a:endParaRPr lang="it-IT" dirty="0"/>
+          </a:p>
+        </p:txBody>
+      </p:sp>
+    </p:spTree>
+    <p:extLst>
+      <p:ext uri="{BB962C8B-B14F-4D97-AF65-F5344CB8AC3E}">
+        <p14:creationId xmlns:p14="http://schemas.microsoft.com/office/powerpoint/2010/main" val="224895829"/>
+      </p:ext>
+    </p:extLst>
+  </p:cSld>
+  <p:clrMapOvr>
+    <a:masterClrMapping/>
+  </p:clrMapOvr>
+</p:sld>
+</file>
+
+<file path=ppt/slides/slide18.xml><?xml version="1.0" encoding="utf-8"?>
+<p:sld xmlns:a="http://schemas.openxmlformats.org/drawingml/2006/main" xmlns:r="http://schemas.openxmlformats.org/officeDocument/2006/relationships" xmlns:p="http://schemas.openxmlformats.org/presentationml/2006/main">
+  <p:cSld>
+    <p:spTree>
+      <p:nvGrpSpPr>
+        <p:cNvPr id="1" name=""/>
+        <p:cNvGrpSpPr/>
+        <p:nvPr/>
+      </p:nvGrpSpPr>
+      <p:grpSpPr>
+        <a:xfrm>
+          <a:off x="0" y="0"/>
+          <a:ext cx="0" cy="0"/>
+          <a:chOff x="0" y="0"/>
+          <a:chExt cx="0" cy="0"/>
+        </a:xfrm>
+      </p:grpSpPr>
+      <p:sp>
+        <p:nvSpPr>
+          <p:cNvPr id="2" name="Segnaposto testo 1">
+            <a:extLst>
+              <a:ext uri="{FF2B5EF4-FFF2-40B4-BE49-F238E27FC236}">
+                <a16:creationId xmlns:a16="http://schemas.microsoft.com/office/drawing/2014/main" id="{E5AE986C-196F-4141-A898-FA4C4198CDCC}"/>
+              </a:ext>
+            </a:extLst>
+          </p:cNvPr>
+          <p:cNvSpPr>
+            <a:spLocks noGrp="1"/>
+          </p:cNvSpPr>
+          <p:nvPr>
+            <p:ph type="body" idx="1"/>
+          </p:nvPr>
+        </p:nvSpPr>
+        <p:spPr>
+          <a:xfrm>
+            <a:off x="747597" y="1507997"/>
+            <a:ext cx="4394673" cy="4392612"/>
+          </a:xfrm>
+        </p:spPr>
+        <p:txBody>
+          <a:bodyPr/>
+          <a:lstStyle/>
+          <a:p>
+            <a:pPr marL="342900" indent="-342900" algn="just">
+              <a:buFont typeface="Wingdings" panose="05000000000000000000" pitchFamily="2" charset="2"/>
+              <a:buChar char="ü"/>
+            </a:pPr>
+            <a:r>
+              <a:rPr lang="it-IT" sz="2400" dirty="0" smtClean="0">
+                <a:solidFill>
+                  <a:schemeClr val="tx1"/>
+                </a:solidFill>
+                <a:latin typeface="Tahoma" panose="020B0604030504040204" pitchFamily="34" charset="0"/>
+                <a:ea typeface="Tahoma" panose="020B0604030504040204" pitchFamily="34" charset="0"/>
+                <a:cs typeface="Tahoma" panose="020B0604030504040204" pitchFamily="34" charset="0"/>
+              </a:rPr>
+              <a:t>E</a:t>
+            </a:r>
+            <a:r>
+              <a:rPr lang="it-IT" sz="2400" dirty="0">
+                <a:solidFill>
+                  <a:schemeClr val="tx1"/>
+                </a:solidFill>
+                <a:latin typeface="Tahoma" panose="020B0604030504040204" pitchFamily="34" charset="0"/>
+                <a:ea typeface="Tahoma" panose="020B0604030504040204" pitchFamily="34" charset="0"/>
+                <a:cs typeface="Tahoma" panose="020B0604030504040204" pitchFamily="34" charset="0"/>
+              </a:rPr>
+              <a:t>’ bene notare che </a:t>
+            </a:r>
+            <a:r>
+              <a:rPr lang="it-IT" sz="2400" b="1" dirty="0">
+                <a:solidFill>
+                  <a:schemeClr val="tx1"/>
+                </a:solidFill>
+                <a:latin typeface="Tahoma" panose="020B0604030504040204" pitchFamily="34" charset="0"/>
+                <a:ea typeface="Tahoma" panose="020B0604030504040204" pitchFamily="34" charset="0"/>
+                <a:cs typeface="Tahoma" panose="020B0604030504040204" pitchFamily="34" charset="0"/>
+              </a:rPr>
+              <a:t>IP</a:t>
+            </a:r>
+            <a:r>
+              <a:rPr lang="it-IT" sz="2400" dirty="0">
+                <a:solidFill>
+                  <a:schemeClr val="tx1"/>
+                </a:solidFill>
+                <a:latin typeface="Tahoma" panose="020B0604030504040204" pitchFamily="34" charset="0"/>
+                <a:ea typeface="Tahoma" panose="020B0604030504040204" pitchFamily="34" charset="0"/>
+                <a:cs typeface="Tahoma" panose="020B0604030504040204" pitchFamily="34" charset="0"/>
+              </a:rPr>
+              <a:t> (</a:t>
+            </a:r>
+            <a:r>
+              <a:rPr lang="it-IT" sz="2400" dirty="0" err="1">
+                <a:solidFill>
+                  <a:schemeClr val="tx1"/>
+                </a:solidFill>
+                <a:latin typeface="Tahoma" panose="020B0604030504040204" pitchFamily="34" charset="0"/>
+                <a:ea typeface="Tahoma" panose="020B0604030504040204" pitchFamily="34" charset="0"/>
+                <a:cs typeface="Tahoma" panose="020B0604030504040204" pitchFamily="34" charset="0"/>
+              </a:rPr>
+              <a:t>Initial</a:t>
+            </a:r>
+            <a:r>
+              <a:rPr lang="it-IT" sz="2400" dirty="0">
+                <a:solidFill>
+                  <a:schemeClr val="tx1"/>
+                </a:solidFill>
+                <a:latin typeface="Tahoma" panose="020B0604030504040204" pitchFamily="34" charset="0"/>
+                <a:ea typeface="Tahoma" panose="020B0604030504040204" pitchFamily="34" charset="0"/>
+                <a:cs typeface="Tahoma" panose="020B0604030504040204" pitchFamily="34" charset="0"/>
+              </a:rPr>
+              <a:t> </a:t>
+            </a:r>
+            <a:r>
+              <a:rPr lang="it-IT" sz="2400" dirty="0" err="1">
+                <a:solidFill>
+                  <a:schemeClr val="tx1"/>
+                </a:solidFill>
+                <a:latin typeface="Tahoma" panose="020B0604030504040204" pitchFamily="34" charset="0"/>
+                <a:ea typeface="Tahoma" panose="020B0604030504040204" pitchFamily="34" charset="0"/>
+                <a:cs typeface="Tahoma" panose="020B0604030504040204" pitchFamily="34" charset="0"/>
+              </a:rPr>
+              <a:t>Permutation</a:t>
+            </a:r>
+            <a:r>
+              <a:rPr lang="it-IT" sz="2400" dirty="0">
+                <a:solidFill>
+                  <a:schemeClr val="tx1"/>
+                </a:solidFill>
+                <a:latin typeface="Tahoma" panose="020B0604030504040204" pitchFamily="34" charset="0"/>
+                <a:ea typeface="Tahoma" panose="020B0604030504040204" pitchFamily="34" charset="0"/>
+                <a:cs typeface="Tahoma" panose="020B0604030504040204" pitchFamily="34" charset="0"/>
+              </a:rPr>
+              <a:t>) ed </a:t>
+            </a:r>
+            <a:r>
+              <a:rPr lang="it-IT" sz="2400" b="1" dirty="0">
+                <a:solidFill>
+                  <a:schemeClr val="tx1"/>
+                </a:solidFill>
+                <a:latin typeface="Tahoma" panose="020B0604030504040204" pitchFamily="34" charset="0"/>
+                <a:ea typeface="Tahoma" panose="020B0604030504040204" pitchFamily="34" charset="0"/>
+                <a:cs typeface="Tahoma" panose="020B0604030504040204" pitchFamily="34" charset="0"/>
+              </a:rPr>
+              <a:t>FP</a:t>
+            </a:r>
+            <a:r>
+              <a:rPr lang="it-IT" sz="2400" dirty="0">
+                <a:solidFill>
+                  <a:schemeClr val="tx1"/>
+                </a:solidFill>
+                <a:latin typeface="Tahoma" panose="020B0604030504040204" pitchFamily="34" charset="0"/>
+                <a:ea typeface="Tahoma" panose="020B0604030504040204" pitchFamily="34" charset="0"/>
+                <a:cs typeface="Tahoma" panose="020B0604030504040204" pitchFamily="34" charset="0"/>
+              </a:rPr>
+              <a:t> (</a:t>
+            </a:r>
+            <a:r>
+              <a:rPr lang="it-IT" sz="2400" dirty="0" err="1">
+                <a:solidFill>
+                  <a:schemeClr val="tx1"/>
+                </a:solidFill>
+                <a:latin typeface="Tahoma" panose="020B0604030504040204" pitchFamily="34" charset="0"/>
+                <a:ea typeface="Tahoma" panose="020B0604030504040204" pitchFamily="34" charset="0"/>
+                <a:cs typeface="Tahoma" panose="020B0604030504040204" pitchFamily="34" charset="0"/>
+              </a:rPr>
+              <a:t>Final</a:t>
+            </a:r>
+            <a:r>
+              <a:rPr lang="it-IT" sz="2400" dirty="0">
+                <a:solidFill>
+                  <a:schemeClr val="tx1"/>
+                </a:solidFill>
+                <a:latin typeface="Tahoma" panose="020B0604030504040204" pitchFamily="34" charset="0"/>
+                <a:ea typeface="Tahoma" panose="020B0604030504040204" pitchFamily="34" charset="0"/>
+                <a:cs typeface="Tahoma" panose="020B0604030504040204" pitchFamily="34" charset="0"/>
+              </a:rPr>
+              <a:t> </a:t>
+            </a:r>
+            <a:r>
+              <a:rPr lang="it-IT" sz="2400" dirty="0" err="1">
+                <a:solidFill>
+                  <a:schemeClr val="tx1"/>
+                </a:solidFill>
+                <a:latin typeface="Tahoma" panose="020B0604030504040204" pitchFamily="34" charset="0"/>
+                <a:ea typeface="Tahoma" panose="020B0604030504040204" pitchFamily="34" charset="0"/>
+                <a:cs typeface="Tahoma" panose="020B0604030504040204" pitchFamily="34" charset="0"/>
+              </a:rPr>
+              <a:t>Permutation</a:t>
+            </a:r>
+            <a:r>
+              <a:rPr lang="it-IT" sz="2400" dirty="0">
+                <a:solidFill>
+                  <a:schemeClr val="tx1"/>
+                </a:solidFill>
+                <a:latin typeface="Tahoma" panose="020B0604030504040204" pitchFamily="34" charset="0"/>
+                <a:ea typeface="Tahoma" panose="020B0604030504040204" pitchFamily="34" charset="0"/>
+                <a:cs typeface="Tahoma" panose="020B0604030504040204" pitchFamily="34" charset="0"/>
+              </a:rPr>
+              <a:t>, altrimenti conosciuta come </a:t>
+            </a:r>
+            <a:r>
+              <a:rPr lang="it-IT" sz="2400" b="1" dirty="0">
+                <a:solidFill>
+                  <a:schemeClr val="tx1"/>
+                </a:solidFill>
+                <a:latin typeface="Tahoma" panose="020B0604030504040204" pitchFamily="34" charset="0"/>
+                <a:ea typeface="Tahoma" panose="020B0604030504040204" pitchFamily="34" charset="0"/>
+                <a:cs typeface="Tahoma" panose="020B0604030504040204" pitchFamily="34" charset="0"/>
+              </a:rPr>
+              <a:t>IP^-1</a:t>
+            </a:r>
+            <a:r>
+              <a:rPr lang="it-IT" sz="2400" dirty="0">
+                <a:solidFill>
+                  <a:schemeClr val="tx1"/>
+                </a:solidFill>
+                <a:latin typeface="Tahoma" panose="020B0604030504040204" pitchFamily="34" charset="0"/>
+                <a:ea typeface="Tahoma" panose="020B0604030504040204" pitchFamily="34" charset="0"/>
+                <a:cs typeface="Tahoma" panose="020B0604030504040204" pitchFamily="34" charset="0"/>
+              </a:rPr>
+              <a:t>) non hanno alcun ruolo nell’ambito della </a:t>
+            </a:r>
+            <a:r>
+              <a:rPr lang="it-IT" sz="2400" b="1" dirty="0">
+                <a:solidFill>
+                  <a:schemeClr val="tx1"/>
+                </a:solidFill>
+                <a:latin typeface="Tahoma" panose="020B0604030504040204" pitchFamily="34" charset="0"/>
+                <a:ea typeface="Tahoma" panose="020B0604030504040204" pitchFamily="34" charset="0"/>
+                <a:cs typeface="Tahoma" panose="020B0604030504040204" pitchFamily="34" charset="0"/>
+              </a:rPr>
+              <a:t>cifratura</a:t>
+            </a:r>
+            <a:r>
+              <a:rPr lang="it-IT" sz="2400" dirty="0">
+                <a:solidFill>
+                  <a:schemeClr val="tx1"/>
+                </a:solidFill>
+                <a:latin typeface="Tahoma" panose="020B0604030504040204" pitchFamily="34" charset="0"/>
+                <a:ea typeface="Tahoma" panose="020B0604030504040204" pitchFamily="34" charset="0"/>
+                <a:cs typeface="Tahoma" panose="020B0604030504040204" pitchFamily="34" charset="0"/>
+              </a:rPr>
+              <a:t> vera e propria, ma sono state aggiunte per </a:t>
+            </a:r>
+            <a:r>
+              <a:rPr lang="it-IT" sz="2400" b="1" dirty="0">
+                <a:solidFill>
+                  <a:schemeClr val="tx1"/>
+                </a:solidFill>
+                <a:latin typeface="Tahoma" panose="020B0604030504040204" pitchFamily="34" charset="0"/>
+                <a:ea typeface="Tahoma" panose="020B0604030504040204" pitchFamily="34" charset="0"/>
+                <a:cs typeface="Tahoma" panose="020B0604030504040204" pitchFamily="34" charset="0"/>
+              </a:rPr>
+              <a:t>facilitare</a:t>
+            </a:r>
+            <a:r>
+              <a:rPr lang="it-IT" sz="2400" dirty="0">
+                <a:solidFill>
+                  <a:schemeClr val="tx1"/>
+                </a:solidFill>
+                <a:latin typeface="Tahoma" panose="020B0604030504040204" pitchFamily="34" charset="0"/>
+                <a:ea typeface="Tahoma" panose="020B0604030504040204" pitchFamily="34" charset="0"/>
+                <a:cs typeface="Tahoma" panose="020B0604030504040204" pitchFamily="34" charset="0"/>
+              </a:rPr>
+              <a:t> il </a:t>
+            </a:r>
+            <a:r>
+              <a:rPr lang="it-IT" sz="2400" b="1" dirty="0">
+                <a:solidFill>
+                  <a:schemeClr val="tx1"/>
+                </a:solidFill>
+                <a:latin typeface="Tahoma" panose="020B0604030504040204" pitchFamily="34" charset="0"/>
+                <a:ea typeface="Tahoma" panose="020B0604030504040204" pitchFamily="34" charset="0"/>
+                <a:cs typeface="Tahoma" panose="020B0604030504040204" pitchFamily="34" charset="0"/>
+              </a:rPr>
+              <a:t>caricamento</a:t>
+            </a:r>
+            <a:r>
+              <a:rPr lang="it-IT" sz="2400" dirty="0">
+                <a:solidFill>
+                  <a:schemeClr val="tx1"/>
+                </a:solidFill>
+                <a:latin typeface="Tahoma" panose="020B0604030504040204" pitchFamily="34" charset="0"/>
+                <a:ea typeface="Tahoma" panose="020B0604030504040204" pitchFamily="34" charset="0"/>
+                <a:cs typeface="Tahoma" panose="020B0604030504040204" pitchFamily="34" charset="0"/>
+              </a:rPr>
+              <a:t> dei vari </a:t>
+            </a:r>
+            <a:r>
+              <a:rPr lang="it-IT" sz="2400" b="1" dirty="0">
+                <a:solidFill>
+                  <a:schemeClr val="tx1"/>
+                </a:solidFill>
+                <a:latin typeface="Tahoma" panose="020B0604030504040204" pitchFamily="34" charset="0"/>
+                <a:ea typeface="Tahoma" panose="020B0604030504040204" pitchFamily="34" charset="0"/>
+                <a:cs typeface="Tahoma" panose="020B0604030504040204" pitchFamily="34" charset="0"/>
+              </a:rPr>
+              <a:t>blocchi</a:t>
+            </a:r>
+            <a:r>
+              <a:rPr lang="it-IT" sz="2400" dirty="0">
+                <a:solidFill>
+                  <a:schemeClr val="tx1"/>
+                </a:solidFill>
+                <a:latin typeface="Tahoma" panose="020B0604030504040204" pitchFamily="34" charset="0"/>
+                <a:ea typeface="Tahoma" panose="020B0604030504040204" pitchFamily="34" charset="0"/>
+                <a:cs typeface="Tahoma" panose="020B0604030504040204" pitchFamily="34" charset="0"/>
+              </a:rPr>
+              <a:t> di bit sui dispositivi </a:t>
+            </a:r>
+            <a:r>
+              <a:rPr lang="it-IT" sz="2400" b="1" dirty="0">
+                <a:solidFill>
+                  <a:schemeClr val="tx1"/>
+                </a:solidFill>
+                <a:latin typeface="Tahoma" panose="020B0604030504040204" pitchFamily="34" charset="0"/>
+                <a:ea typeface="Tahoma" panose="020B0604030504040204" pitchFamily="34" charset="0"/>
+                <a:cs typeface="Tahoma" panose="020B0604030504040204" pitchFamily="34" charset="0"/>
+              </a:rPr>
+              <a:t>hardware</a:t>
+            </a:r>
+            <a:r>
+              <a:rPr lang="it-IT" sz="2400" dirty="0">
+                <a:solidFill>
+                  <a:schemeClr val="tx1"/>
+                </a:solidFill>
+                <a:latin typeface="Tahoma" panose="020B0604030504040204" pitchFamily="34" charset="0"/>
+                <a:ea typeface="Tahoma" panose="020B0604030504040204" pitchFamily="34" charset="0"/>
+                <a:cs typeface="Tahoma" panose="020B0604030504040204" pitchFamily="34" charset="0"/>
+              </a:rPr>
+              <a:t> tipici degli </a:t>
+            </a:r>
+            <a:r>
+              <a:rPr lang="it-IT" sz="2400" b="1" dirty="0">
+                <a:solidFill>
+                  <a:schemeClr val="tx1"/>
+                </a:solidFill>
+                <a:latin typeface="Tahoma" panose="020B0604030504040204" pitchFamily="34" charset="0"/>
+                <a:ea typeface="Tahoma" panose="020B0604030504040204" pitchFamily="34" charset="0"/>
+                <a:cs typeface="Tahoma" panose="020B0604030504040204" pitchFamily="34" charset="0"/>
+              </a:rPr>
+              <a:t>anni ’70</a:t>
+            </a:r>
+            <a:r>
+              <a:rPr lang="it-IT" sz="2400" dirty="0">
+                <a:solidFill>
+                  <a:schemeClr val="tx1"/>
+                </a:solidFill>
+                <a:latin typeface="Tahoma" panose="020B0604030504040204" pitchFamily="34" charset="0"/>
+                <a:ea typeface="Tahoma" panose="020B0604030504040204" pitchFamily="34" charset="0"/>
+                <a:cs typeface="Tahoma" panose="020B0604030504040204" pitchFamily="34" charset="0"/>
+              </a:rPr>
+              <a:t>.</a:t>
+            </a:r>
+          </a:p>
+          <a:p>
+            <a:pPr marL="342900" indent="-342900" algn="just">
+              <a:buFont typeface="Wingdings" panose="05000000000000000000" pitchFamily="2" charset="2"/>
+              <a:buChar char="ü"/>
+            </a:pPr>
+            <a:endParaRPr lang="it-IT" sz="2400" dirty="0">
+              <a:solidFill>
+                <a:schemeClr val="tx1"/>
+              </a:solidFill>
+              <a:latin typeface="Tahoma" panose="020B0604030504040204" pitchFamily="34" charset="0"/>
+              <a:ea typeface="Tahoma" panose="020B0604030504040204" pitchFamily="34" charset="0"/>
+              <a:cs typeface="Tahoma" panose="020B0604030504040204" pitchFamily="34" charset="0"/>
+            </a:endParaRPr>
+          </a:p>
+        </p:txBody>
+      </p:sp>
+      <p:sp>
+        <p:nvSpPr>
+          <p:cNvPr id="7" name="Segnaposto numero diapositiva 6">
+            <a:extLst>
+              <a:ext uri="{FF2B5EF4-FFF2-40B4-BE49-F238E27FC236}">
+                <a16:creationId xmlns:a16="http://schemas.microsoft.com/office/drawing/2014/main" id="{AB740BE9-E218-4144-BFDE-AE473D230A3D}"/>
+              </a:ext>
+            </a:extLst>
+          </p:cNvPr>
+          <p:cNvSpPr>
+            <a:spLocks noGrp="1"/>
+          </p:cNvSpPr>
+          <p:nvPr>
+            <p:ph type="sldNum" sz="quarter" idx="12"/>
+          </p:nvPr>
+        </p:nvSpPr>
+        <p:spPr/>
+        <p:txBody>
+          <a:bodyPr/>
+          <a:lstStyle/>
+          <a:p>
+            <a:pPr>
+              <a:defRPr/>
+            </a:pPr>
+            <a:fld id="{48B4153A-D4C5-4CEF-8992-0D8815C829E3}" type="slidenum">
+              <a:rPr lang="en-US" smtClean="0"/>
+              <a:pPr>
+                <a:defRPr/>
+              </a:pPr>
+              <a:t>18</a:t>
+            </a:fld>
+            <a:endParaRPr lang="en-US" dirty="0"/>
+          </a:p>
+        </p:txBody>
+      </p:sp>
+      <p:pic>
+        <p:nvPicPr>
+          <p:cNvPr id="3" name="Immagine 2"/>
+          <p:cNvPicPr>
+            <a:picLocks noChangeAspect="1"/>
+          </p:cNvPicPr>
+          <p:nvPr/>
+        </p:nvPicPr>
+        <p:blipFill>
+          <a:blip r:embed="rId3">
+            <a:extLst>
+              <a:ext uri="{28A0092B-C50C-407E-A947-70E740481C1C}">
+                <a14:useLocalDpi xmlns:a14="http://schemas.microsoft.com/office/drawing/2010/main" val="0"/>
+              </a:ext>
+            </a:extLst>
+          </a:blip>
+          <a:stretch>
+            <a:fillRect/>
+          </a:stretch>
+        </p:blipFill>
+        <p:spPr>
+          <a:xfrm>
+            <a:off x="5735739" y="1408035"/>
+            <a:ext cx="4833938" cy="4762500"/>
+          </a:xfrm>
+          <a:prstGeom prst="rect">
+            <a:avLst/>
+          </a:prstGeom>
+        </p:spPr>
+      </p:pic>
+      <p:sp>
+        <p:nvSpPr>
+          <p:cNvPr id="9" name="Titolo 4">
+            <a:extLst>
+              <a:ext uri="{FF2B5EF4-FFF2-40B4-BE49-F238E27FC236}">
+                <a16:creationId xmlns:a16="http://schemas.microsoft.com/office/drawing/2014/main" id="{CF9A4806-60B4-80DC-1F76-D2EB3E6C376B}"/>
+              </a:ext>
+            </a:extLst>
+          </p:cNvPr>
+          <p:cNvSpPr>
+            <a:spLocks noGrp="1"/>
+          </p:cNvSpPr>
+          <p:nvPr>
+            <p:ph type="title"/>
+          </p:nvPr>
+        </p:nvSpPr>
+        <p:spPr>
+          <a:xfrm>
+            <a:off x="461169" y="422999"/>
+            <a:ext cx="11269662" cy="384721"/>
+          </a:xfrm>
+        </p:spPr>
+        <p:txBody>
+          <a:bodyPr/>
+          <a:lstStyle/>
+          <a:p>
+            <a:r>
+              <a:rPr lang="it-IT" sz="2800" dirty="0" smtClean="0">
+                <a:solidFill>
+                  <a:schemeClr val="tx1"/>
+                </a:solidFill>
+                <a:latin typeface="Tahoma" panose="020B0604030504040204" pitchFamily="34" charset="0"/>
+                <a:ea typeface="Tahoma" panose="020B0604030504040204" pitchFamily="34" charset="0"/>
+                <a:cs typeface="Tahoma" panose="020B0604030504040204" pitchFamily="34" charset="0"/>
+              </a:rPr>
+              <a:t>Crittografia Simmetrica: Algoritmo DES</a:t>
+            </a:r>
+            <a:endParaRPr lang="it-IT" dirty="0"/>
+          </a:p>
+        </p:txBody>
+      </p:sp>
+    </p:spTree>
+    <p:extLst>
+      <p:ext uri="{BB962C8B-B14F-4D97-AF65-F5344CB8AC3E}">
+        <p14:creationId xmlns:p14="http://schemas.microsoft.com/office/powerpoint/2010/main" val="3310652087"/>
+      </p:ext>
+    </p:extLst>
+  </p:cSld>
+  <p:clrMapOvr>
+    <a:masterClrMapping/>
+  </p:clrMapOvr>
+</p:sld>
+</file>
+
+<file path=ppt/slides/slide19.xml><?xml version="1.0" encoding="utf-8"?>
+<p:sld xmlns:a="http://schemas.openxmlformats.org/drawingml/2006/main" xmlns:r="http://schemas.openxmlformats.org/officeDocument/2006/relationships" xmlns:p="http://schemas.openxmlformats.org/presentationml/2006/main">
+  <p:cSld>
+    <p:spTree>
+      <p:nvGrpSpPr>
+        <p:cNvPr id="1" name=""/>
+        <p:cNvGrpSpPr/>
+        <p:nvPr/>
+      </p:nvGrpSpPr>
+      <p:grpSpPr>
+        <a:xfrm>
+          <a:off x="0" y="0"/>
+          <a:ext cx="0" cy="0"/>
+          <a:chOff x="0" y="0"/>
+          <a:chExt cx="0" cy="0"/>
+        </a:xfrm>
+      </p:grpSpPr>
+      <p:sp>
+        <p:nvSpPr>
+          <p:cNvPr id="2" name="Segnaposto testo 1">
+            <a:extLst>
+              <a:ext uri="{FF2B5EF4-FFF2-40B4-BE49-F238E27FC236}">
+                <a16:creationId xmlns:a16="http://schemas.microsoft.com/office/drawing/2014/main" id="{E5AE986C-196F-4141-A898-FA4C4198CDCC}"/>
+              </a:ext>
+            </a:extLst>
+          </p:cNvPr>
+          <p:cNvSpPr>
+            <a:spLocks noGrp="1"/>
+          </p:cNvSpPr>
+          <p:nvPr>
+            <p:ph type="body" idx="1"/>
+          </p:nvPr>
+        </p:nvSpPr>
+        <p:spPr>
+          <a:xfrm>
+            <a:off x="560785" y="1232694"/>
+            <a:ext cx="5082931" cy="4392612"/>
+          </a:xfrm>
+        </p:spPr>
+        <p:txBody>
+          <a:bodyPr/>
+          <a:lstStyle/>
+          <a:p>
+            <a:pPr marL="342900" indent="-342900" algn="just">
+              <a:buFont typeface="Wingdings" panose="05000000000000000000" pitchFamily="2" charset="2"/>
+              <a:buChar char="ü"/>
+            </a:pPr>
+            <a:r>
+              <a:rPr lang="it-IT" sz="2400" dirty="0">
+                <a:solidFill>
+                  <a:schemeClr val="tx1"/>
+                </a:solidFill>
+                <a:latin typeface="Tahoma" panose="020B0604030504040204" pitchFamily="34" charset="0"/>
+                <a:ea typeface="Tahoma" panose="020B0604030504040204" pitchFamily="34" charset="0"/>
+                <a:cs typeface="Tahoma" panose="020B0604030504040204" pitchFamily="34" charset="0"/>
+              </a:rPr>
+              <a:t>C</a:t>
+            </a:r>
+            <a:r>
+              <a:rPr lang="it-IT" sz="2400" dirty="0" smtClean="0">
+                <a:solidFill>
+                  <a:schemeClr val="tx1"/>
+                </a:solidFill>
+                <a:latin typeface="Tahoma" panose="020B0604030504040204" pitchFamily="34" charset="0"/>
+                <a:ea typeface="Tahoma" panose="020B0604030504040204" pitchFamily="34" charset="0"/>
+                <a:cs typeface="Tahoma" panose="020B0604030504040204" pitchFamily="34" charset="0"/>
+              </a:rPr>
+              <a:t>iò </a:t>
+            </a:r>
+            <a:r>
+              <a:rPr lang="it-IT" sz="2400" dirty="0">
+                <a:solidFill>
+                  <a:schemeClr val="tx1"/>
+                </a:solidFill>
+                <a:latin typeface="Tahoma" panose="020B0604030504040204" pitchFamily="34" charset="0"/>
+                <a:ea typeface="Tahoma" panose="020B0604030504040204" pitchFamily="34" charset="0"/>
+                <a:cs typeface="Tahoma" panose="020B0604030504040204" pitchFamily="34" charset="0"/>
+              </a:rPr>
+              <a:t>significa che il </a:t>
+            </a:r>
+            <a:r>
+              <a:rPr lang="it-IT" sz="2400" b="1" dirty="0">
+                <a:solidFill>
+                  <a:schemeClr val="tx1"/>
+                </a:solidFill>
+                <a:latin typeface="Tahoma" panose="020B0604030504040204" pitchFamily="34" charset="0"/>
+                <a:ea typeface="Tahoma" panose="020B0604030504040204" pitchFamily="34" charset="0"/>
+                <a:cs typeface="Tahoma" panose="020B0604030504040204" pitchFamily="34" charset="0"/>
+              </a:rPr>
+              <a:t>58-esimo</a:t>
+            </a:r>
+            <a:r>
+              <a:rPr lang="it-IT" sz="2400" dirty="0">
+                <a:solidFill>
+                  <a:schemeClr val="tx1"/>
+                </a:solidFill>
+                <a:latin typeface="Tahoma" panose="020B0604030504040204" pitchFamily="34" charset="0"/>
+                <a:ea typeface="Tahoma" panose="020B0604030504040204" pitchFamily="34" charset="0"/>
+                <a:cs typeface="Tahoma" panose="020B0604030504040204" pitchFamily="34" charset="0"/>
+              </a:rPr>
+              <a:t> </a:t>
+            </a:r>
+            <a:r>
+              <a:rPr lang="it-IT" sz="2400" b="1" dirty="0">
+                <a:solidFill>
+                  <a:schemeClr val="tx1"/>
+                </a:solidFill>
+                <a:latin typeface="Tahoma" panose="020B0604030504040204" pitchFamily="34" charset="0"/>
+                <a:ea typeface="Tahoma" panose="020B0604030504040204" pitchFamily="34" charset="0"/>
+                <a:cs typeface="Tahoma" panose="020B0604030504040204" pitchFamily="34" charset="0"/>
+              </a:rPr>
+              <a:t>bit</a:t>
+            </a:r>
+            <a:r>
+              <a:rPr lang="it-IT" sz="2400" dirty="0">
+                <a:solidFill>
+                  <a:schemeClr val="tx1"/>
+                </a:solidFill>
+                <a:latin typeface="Tahoma" panose="020B0604030504040204" pitchFamily="34" charset="0"/>
+                <a:ea typeface="Tahoma" panose="020B0604030504040204" pitchFamily="34" charset="0"/>
+                <a:cs typeface="Tahoma" panose="020B0604030504040204" pitchFamily="34" charset="0"/>
+              </a:rPr>
+              <a:t> della sequenza di input (derivante dal testo in chiaro) verrà spostato in prima posizione della </a:t>
+            </a:r>
+            <a:r>
+              <a:rPr lang="it-IT" sz="2400" b="1" dirty="0">
+                <a:solidFill>
+                  <a:schemeClr val="tx1"/>
+                </a:solidFill>
+                <a:latin typeface="Tahoma" panose="020B0604030504040204" pitchFamily="34" charset="0"/>
+                <a:ea typeface="Tahoma" panose="020B0604030504040204" pitchFamily="34" charset="0"/>
+                <a:cs typeface="Tahoma" panose="020B0604030504040204" pitchFamily="34" charset="0"/>
+              </a:rPr>
+              <a:t>sequenza</a:t>
+            </a:r>
+            <a:r>
+              <a:rPr lang="it-IT" sz="2400" dirty="0">
+                <a:solidFill>
+                  <a:schemeClr val="tx1"/>
+                </a:solidFill>
+                <a:latin typeface="Tahoma" panose="020B0604030504040204" pitchFamily="34" charset="0"/>
+                <a:ea typeface="Tahoma" panose="020B0604030504040204" pitchFamily="34" charset="0"/>
+                <a:cs typeface="Tahoma" panose="020B0604030504040204" pitchFamily="34" charset="0"/>
+              </a:rPr>
+              <a:t> di </a:t>
+            </a:r>
+            <a:r>
+              <a:rPr lang="it-IT" sz="2400" b="1" dirty="0">
+                <a:solidFill>
+                  <a:schemeClr val="tx1"/>
+                </a:solidFill>
+                <a:latin typeface="Tahoma" panose="020B0604030504040204" pitchFamily="34" charset="0"/>
+                <a:ea typeface="Tahoma" panose="020B0604030504040204" pitchFamily="34" charset="0"/>
+                <a:cs typeface="Tahoma" panose="020B0604030504040204" pitchFamily="34" charset="0"/>
+              </a:rPr>
+              <a:t>output</a:t>
+            </a:r>
+            <a:r>
+              <a:rPr lang="it-IT" sz="2400" dirty="0">
+                <a:solidFill>
+                  <a:schemeClr val="tx1"/>
+                </a:solidFill>
+                <a:latin typeface="Tahoma" panose="020B0604030504040204" pitchFamily="34" charset="0"/>
+                <a:ea typeface="Tahoma" panose="020B0604030504040204" pitchFamily="34" charset="0"/>
+                <a:cs typeface="Tahoma" panose="020B0604030504040204" pitchFamily="34" charset="0"/>
+              </a:rPr>
+              <a:t>, il </a:t>
+            </a:r>
+            <a:r>
+              <a:rPr lang="it-IT" sz="2400" b="1" dirty="0">
+                <a:solidFill>
+                  <a:schemeClr val="tx1"/>
+                </a:solidFill>
+                <a:latin typeface="Tahoma" panose="020B0604030504040204" pitchFamily="34" charset="0"/>
+                <a:ea typeface="Tahoma" panose="020B0604030504040204" pitchFamily="34" charset="0"/>
+                <a:cs typeface="Tahoma" panose="020B0604030504040204" pitchFamily="34" charset="0"/>
+              </a:rPr>
+              <a:t>50-esimo</a:t>
+            </a:r>
+            <a:r>
+              <a:rPr lang="it-IT" sz="2400" dirty="0">
+                <a:solidFill>
+                  <a:schemeClr val="tx1"/>
+                </a:solidFill>
+                <a:latin typeface="Tahoma" panose="020B0604030504040204" pitchFamily="34" charset="0"/>
+                <a:ea typeface="Tahoma" panose="020B0604030504040204" pitchFamily="34" charset="0"/>
+                <a:cs typeface="Tahoma" panose="020B0604030504040204" pitchFamily="34" charset="0"/>
+              </a:rPr>
+              <a:t> </a:t>
+            </a:r>
+            <a:r>
+              <a:rPr lang="it-IT" sz="2400" b="1" dirty="0">
+                <a:solidFill>
+                  <a:schemeClr val="tx1"/>
+                </a:solidFill>
+                <a:latin typeface="Tahoma" panose="020B0604030504040204" pitchFamily="34" charset="0"/>
+                <a:ea typeface="Tahoma" panose="020B0604030504040204" pitchFamily="34" charset="0"/>
+                <a:cs typeface="Tahoma" panose="020B0604030504040204" pitchFamily="34" charset="0"/>
+              </a:rPr>
+              <a:t>bit</a:t>
+            </a:r>
+            <a:r>
+              <a:rPr lang="it-IT" sz="2400" dirty="0">
+                <a:solidFill>
+                  <a:schemeClr val="tx1"/>
+                </a:solidFill>
+                <a:latin typeface="Tahoma" panose="020B0604030504040204" pitchFamily="34" charset="0"/>
+                <a:ea typeface="Tahoma" panose="020B0604030504040204" pitchFamily="34" charset="0"/>
+                <a:cs typeface="Tahoma" panose="020B0604030504040204" pitchFamily="34" charset="0"/>
+              </a:rPr>
+              <a:t> della sequenza di input verrà </a:t>
+            </a:r>
+            <a:r>
+              <a:rPr lang="it-IT" sz="2400" b="1" dirty="0">
+                <a:solidFill>
+                  <a:schemeClr val="tx1"/>
+                </a:solidFill>
+                <a:latin typeface="Tahoma" panose="020B0604030504040204" pitchFamily="34" charset="0"/>
+                <a:ea typeface="Tahoma" panose="020B0604030504040204" pitchFamily="34" charset="0"/>
+                <a:cs typeface="Tahoma" panose="020B0604030504040204" pitchFamily="34" charset="0"/>
+              </a:rPr>
+              <a:t>spostato</a:t>
+            </a:r>
+            <a:r>
+              <a:rPr lang="it-IT" sz="2400" dirty="0">
+                <a:solidFill>
+                  <a:schemeClr val="tx1"/>
+                </a:solidFill>
+                <a:latin typeface="Tahoma" panose="020B0604030504040204" pitchFamily="34" charset="0"/>
+                <a:ea typeface="Tahoma" panose="020B0604030504040204" pitchFamily="34" charset="0"/>
+                <a:cs typeface="Tahoma" panose="020B0604030504040204" pitchFamily="34" charset="0"/>
+              </a:rPr>
+              <a:t> in seconda posizione della </a:t>
+            </a:r>
+            <a:r>
+              <a:rPr lang="it-IT" sz="2400" b="1" dirty="0">
+                <a:solidFill>
+                  <a:schemeClr val="tx1"/>
+                </a:solidFill>
+                <a:latin typeface="Tahoma" panose="020B0604030504040204" pitchFamily="34" charset="0"/>
+                <a:ea typeface="Tahoma" panose="020B0604030504040204" pitchFamily="34" charset="0"/>
+                <a:cs typeface="Tahoma" panose="020B0604030504040204" pitchFamily="34" charset="0"/>
+              </a:rPr>
+              <a:t>sequenza</a:t>
+            </a:r>
+            <a:r>
+              <a:rPr lang="it-IT" sz="2400" dirty="0">
+                <a:solidFill>
+                  <a:schemeClr val="tx1"/>
+                </a:solidFill>
+                <a:latin typeface="Tahoma" panose="020B0604030504040204" pitchFamily="34" charset="0"/>
+                <a:ea typeface="Tahoma" panose="020B0604030504040204" pitchFamily="34" charset="0"/>
+                <a:cs typeface="Tahoma" panose="020B0604030504040204" pitchFamily="34" charset="0"/>
+              </a:rPr>
+              <a:t> di output e così via (seguendo sempre delle </a:t>
+            </a:r>
+            <a:r>
+              <a:rPr lang="it-IT" sz="2400" b="1" dirty="0">
+                <a:solidFill>
+                  <a:schemeClr val="tx1"/>
+                </a:solidFill>
+                <a:latin typeface="Tahoma" panose="020B0604030504040204" pitchFamily="34" charset="0"/>
+                <a:ea typeface="Tahoma" panose="020B0604030504040204" pitchFamily="34" charset="0"/>
+                <a:cs typeface="Tahoma" panose="020B0604030504040204" pitchFamily="34" charset="0"/>
+              </a:rPr>
+              <a:t>regole</a:t>
+            </a:r>
+            <a:r>
+              <a:rPr lang="it-IT" sz="2400" dirty="0">
+                <a:solidFill>
+                  <a:schemeClr val="tx1"/>
+                </a:solidFill>
+                <a:latin typeface="Tahoma" panose="020B0604030504040204" pitchFamily="34" charset="0"/>
+                <a:ea typeface="Tahoma" panose="020B0604030504040204" pitchFamily="34" charset="0"/>
+                <a:cs typeface="Tahoma" panose="020B0604030504040204" pitchFamily="34" charset="0"/>
+              </a:rPr>
+              <a:t> </a:t>
+            </a:r>
+            <a:r>
+              <a:rPr lang="it-IT" sz="2400" b="1" dirty="0">
+                <a:solidFill>
+                  <a:schemeClr val="tx1"/>
+                </a:solidFill>
+                <a:latin typeface="Tahoma" panose="020B0604030504040204" pitchFamily="34" charset="0"/>
+                <a:ea typeface="Tahoma" panose="020B0604030504040204" pitchFamily="34" charset="0"/>
+                <a:cs typeface="Tahoma" panose="020B0604030504040204" pitchFamily="34" charset="0"/>
+              </a:rPr>
+              <a:t>prefissate</a:t>
+            </a:r>
+            <a:r>
+              <a:rPr lang="it-IT" sz="2400" dirty="0">
+                <a:solidFill>
+                  <a:schemeClr val="tx1"/>
+                </a:solidFill>
+                <a:latin typeface="Tahoma" panose="020B0604030504040204" pitchFamily="34" charset="0"/>
+                <a:ea typeface="Tahoma" panose="020B0604030504040204" pitchFamily="34" charset="0"/>
+                <a:cs typeface="Tahoma" panose="020B0604030504040204" pitchFamily="34" charset="0"/>
+              </a:rPr>
+              <a:t>). Alla fine </a:t>
+            </a:r>
+            <a:r>
+              <a:rPr lang="it-IT" sz="2400" b="1" dirty="0">
+                <a:solidFill>
+                  <a:schemeClr val="tx1"/>
+                </a:solidFill>
+                <a:latin typeface="Tahoma" panose="020B0604030504040204" pitchFamily="34" charset="0"/>
+                <a:ea typeface="Tahoma" panose="020B0604030504040204" pitchFamily="34" charset="0"/>
+                <a:cs typeface="Tahoma" panose="020B0604030504040204" pitchFamily="34" charset="0"/>
+              </a:rPr>
+              <a:t>dell’IP</a:t>
+            </a:r>
+            <a:r>
+              <a:rPr lang="it-IT" sz="2400" dirty="0">
+                <a:solidFill>
+                  <a:schemeClr val="tx1"/>
+                </a:solidFill>
+                <a:latin typeface="Tahoma" panose="020B0604030504040204" pitchFamily="34" charset="0"/>
+                <a:ea typeface="Tahoma" panose="020B0604030504040204" pitchFamily="34" charset="0"/>
+                <a:cs typeface="Tahoma" panose="020B0604030504040204" pitchFamily="34" charset="0"/>
+              </a:rPr>
+              <a:t> avremo la seguente </a:t>
+            </a:r>
+            <a:r>
+              <a:rPr lang="it-IT" sz="2400" b="1" dirty="0">
+                <a:solidFill>
+                  <a:schemeClr val="tx1"/>
+                </a:solidFill>
+                <a:latin typeface="Tahoma" panose="020B0604030504040204" pitchFamily="34" charset="0"/>
+                <a:ea typeface="Tahoma" panose="020B0604030504040204" pitchFamily="34" charset="0"/>
+                <a:cs typeface="Tahoma" panose="020B0604030504040204" pitchFamily="34" charset="0"/>
+              </a:rPr>
+              <a:t>situazione</a:t>
+            </a:r>
+            <a:r>
+              <a:rPr lang="it-IT" sz="2400" dirty="0">
+                <a:solidFill>
+                  <a:schemeClr val="tx1"/>
+                </a:solidFill>
+                <a:latin typeface="Tahoma" panose="020B0604030504040204" pitchFamily="34" charset="0"/>
+                <a:ea typeface="Tahoma" panose="020B0604030504040204" pitchFamily="34" charset="0"/>
+                <a:cs typeface="Tahoma" panose="020B0604030504040204" pitchFamily="34" charset="0"/>
+              </a:rPr>
+              <a:t> (rappresentata in forma matriciale per semplicità, anche se in realtà è un </a:t>
+            </a:r>
+            <a:r>
+              <a:rPr lang="it-IT" sz="2400" b="1" dirty="0">
+                <a:solidFill>
+                  <a:schemeClr val="tx1"/>
+                </a:solidFill>
+                <a:latin typeface="Tahoma" panose="020B0604030504040204" pitchFamily="34" charset="0"/>
+                <a:ea typeface="Tahoma" panose="020B0604030504040204" pitchFamily="34" charset="0"/>
+                <a:cs typeface="Tahoma" panose="020B0604030504040204" pitchFamily="34" charset="0"/>
+              </a:rPr>
+              <a:t>vettore</a:t>
+            </a:r>
+            <a:r>
+              <a:rPr lang="it-IT" sz="2400" dirty="0" smtClean="0">
+                <a:solidFill>
+                  <a:schemeClr val="tx1"/>
+                </a:solidFill>
+                <a:latin typeface="Tahoma" panose="020B0604030504040204" pitchFamily="34" charset="0"/>
+                <a:ea typeface="Tahoma" panose="020B0604030504040204" pitchFamily="34" charset="0"/>
+                <a:cs typeface="Tahoma" panose="020B0604030504040204" pitchFamily="34" charset="0"/>
+              </a:rPr>
+              <a:t>)</a:t>
+            </a:r>
+            <a:endParaRPr lang="it-IT" sz="2400" dirty="0">
+              <a:solidFill>
+                <a:schemeClr val="tx1"/>
+              </a:solidFill>
+              <a:latin typeface="Tahoma" panose="020B0604030504040204" pitchFamily="34" charset="0"/>
+              <a:ea typeface="Tahoma" panose="020B0604030504040204" pitchFamily="34" charset="0"/>
+              <a:cs typeface="Tahoma" panose="020B0604030504040204" pitchFamily="34" charset="0"/>
+            </a:endParaRPr>
+          </a:p>
+        </p:txBody>
+      </p:sp>
+      <p:sp>
+        <p:nvSpPr>
+          <p:cNvPr id="7" name="Segnaposto numero diapositiva 6">
+            <a:extLst>
+              <a:ext uri="{FF2B5EF4-FFF2-40B4-BE49-F238E27FC236}">
+                <a16:creationId xmlns:a16="http://schemas.microsoft.com/office/drawing/2014/main" id="{AB740BE9-E218-4144-BFDE-AE473D230A3D}"/>
+              </a:ext>
+            </a:extLst>
+          </p:cNvPr>
+          <p:cNvSpPr>
+            <a:spLocks noGrp="1"/>
+          </p:cNvSpPr>
+          <p:nvPr>
+            <p:ph type="sldNum" sz="quarter" idx="12"/>
+          </p:nvPr>
+        </p:nvSpPr>
+        <p:spPr/>
+        <p:txBody>
+          <a:bodyPr/>
+          <a:lstStyle/>
+          <a:p>
+            <a:pPr>
+              <a:defRPr/>
+            </a:pPr>
+            <a:fld id="{48B4153A-D4C5-4CEF-8992-0D8815C829E3}" type="slidenum">
+              <a:rPr lang="en-US" smtClean="0"/>
+              <a:pPr>
+                <a:defRPr/>
+              </a:pPr>
+              <a:t>19</a:t>
+            </a:fld>
+            <a:endParaRPr lang="en-US" dirty="0"/>
+          </a:p>
+        </p:txBody>
+      </p:sp>
+      <p:pic>
+        <p:nvPicPr>
+          <p:cNvPr id="3" name="Immagine 2"/>
+          <p:cNvPicPr>
+            <a:picLocks noChangeAspect="1"/>
+          </p:cNvPicPr>
+          <p:nvPr/>
+        </p:nvPicPr>
+        <p:blipFill>
+          <a:blip r:embed="rId3">
+            <a:extLst>
+              <a:ext uri="{28A0092B-C50C-407E-A947-70E740481C1C}">
+                <a14:useLocalDpi xmlns:a14="http://schemas.microsoft.com/office/drawing/2010/main" val="0"/>
+              </a:ext>
+            </a:extLst>
+          </a:blip>
+          <a:stretch>
+            <a:fillRect/>
+          </a:stretch>
+        </p:blipFill>
+        <p:spPr>
+          <a:xfrm>
+            <a:off x="6098489" y="1537057"/>
+            <a:ext cx="5632342" cy="4381962"/>
+          </a:xfrm>
+          <a:prstGeom prst="rect">
+            <a:avLst/>
+          </a:prstGeom>
+        </p:spPr>
+      </p:pic>
+      <p:sp>
+        <p:nvSpPr>
+          <p:cNvPr id="8" name="Titolo 4">
+            <a:extLst>
+              <a:ext uri="{FF2B5EF4-FFF2-40B4-BE49-F238E27FC236}">
+                <a16:creationId xmlns:a16="http://schemas.microsoft.com/office/drawing/2014/main" id="{CF9A4806-60B4-80DC-1F76-D2EB3E6C376B}"/>
+              </a:ext>
+            </a:extLst>
+          </p:cNvPr>
+          <p:cNvSpPr>
+            <a:spLocks noGrp="1"/>
+          </p:cNvSpPr>
+          <p:nvPr>
+            <p:ph type="title"/>
+          </p:nvPr>
+        </p:nvSpPr>
+        <p:spPr>
+          <a:xfrm>
+            <a:off x="461169" y="422999"/>
+            <a:ext cx="11269662" cy="384721"/>
+          </a:xfrm>
+        </p:spPr>
+        <p:txBody>
+          <a:bodyPr/>
+          <a:lstStyle/>
+          <a:p>
+            <a:r>
+              <a:rPr lang="it-IT" sz="2800" dirty="0" smtClean="0">
+                <a:solidFill>
+                  <a:schemeClr val="tx1"/>
+                </a:solidFill>
+                <a:latin typeface="Tahoma" panose="020B0604030504040204" pitchFamily="34" charset="0"/>
+                <a:ea typeface="Tahoma" panose="020B0604030504040204" pitchFamily="34" charset="0"/>
+                <a:cs typeface="Tahoma" panose="020B0604030504040204" pitchFamily="34" charset="0"/>
+              </a:rPr>
+              <a:t>Crittografia Simmetrica: Algoritmo DES</a:t>
+            </a:r>
+            <a:endParaRPr lang="it-IT" dirty="0"/>
+          </a:p>
+        </p:txBody>
+      </p:sp>
+    </p:spTree>
+    <p:extLst>
+      <p:ext uri="{BB962C8B-B14F-4D97-AF65-F5344CB8AC3E}">
+        <p14:creationId xmlns:p14="http://schemas.microsoft.com/office/powerpoint/2010/main" val="1512344011"/>
       </p:ext>
     </p:extLst>
   </p:cSld>
@@ -8585,6 +15298,10 @@
               </a:rPr>
               <a:t>Crittografia</a:t>
             </a:r>
+            <a:r>
+              <a:rPr lang="it-IT"/>
+              <a:t/>
+            </a:r>
             <a:br>
               <a:rPr lang="it-IT"/>
             </a:br>
@@ -8626,6 +15343,1719 @@
     <p:extLst>
       <p:ext uri="{BB962C8B-B14F-4D97-AF65-F5344CB8AC3E}">
         <p14:creationId xmlns:p14="http://schemas.microsoft.com/office/powerpoint/2010/main" val="3328770070"/>
+      </p:ext>
+    </p:extLst>
+  </p:cSld>
+  <p:clrMapOvr>
+    <a:masterClrMapping/>
+  </p:clrMapOvr>
+</p:sld>
+</file>
+
+<file path=ppt/slides/slide20.xml><?xml version="1.0" encoding="utf-8"?>
+<p:sld xmlns:a="http://schemas.openxmlformats.org/drawingml/2006/main" xmlns:r="http://schemas.openxmlformats.org/officeDocument/2006/relationships" xmlns:p="http://schemas.openxmlformats.org/presentationml/2006/main">
+  <p:cSld>
+    <p:spTree>
+      <p:nvGrpSpPr>
+        <p:cNvPr id="1" name=""/>
+        <p:cNvGrpSpPr/>
+        <p:nvPr/>
+      </p:nvGrpSpPr>
+      <p:grpSpPr>
+        <a:xfrm>
+          <a:off x="0" y="0"/>
+          <a:ext cx="0" cy="0"/>
+          <a:chOff x="0" y="0"/>
+          <a:chExt cx="0" cy="0"/>
+        </a:xfrm>
+      </p:grpSpPr>
+      <p:sp>
+        <p:nvSpPr>
+          <p:cNvPr id="2" name="Segnaposto testo 1">
+            <a:extLst>
+              <a:ext uri="{FF2B5EF4-FFF2-40B4-BE49-F238E27FC236}">
+                <a16:creationId xmlns:a16="http://schemas.microsoft.com/office/drawing/2014/main" id="{E5AE986C-196F-4141-A898-FA4C4198CDCC}"/>
+              </a:ext>
+            </a:extLst>
+          </p:cNvPr>
+          <p:cNvSpPr>
+            <a:spLocks noGrp="1"/>
+          </p:cNvSpPr>
+          <p:nvPr>
+            <p:ph type="body" idx="1"/>
+          </p:nvPr>
+        </p:nvSpPr>
+        <p:spPr>
+          <a:xfrm>
+            <a:off x="560785" y="1232694"/>
+            <a:ext cx="11031447" cy="4392612"/>
+          </a:xfrm>
+        </p:spPr>
+        <p:txBody>
+          <a:bodyPr/>
+          <a:lstStyle/>
+          <a:p>
+            <a:pPr marL="342900" indent="-342900" algn="just">
+              <a:buFont typeface="Wingdings" panose="05000000000000000000" pitchFamily="2" charset="2"/>
+              <a:buChar char="ü"/>
+            </a:pPr>
+            <a:r>
+              <a:rPr lang="it-IT" sz="2400" dirty="0" smtClean="0">
+                <a:solidFill>
+                  <a:schemeClr val="tx1"/>
+                </a:solidFill>
+                <a:latin typeface="Tahoma" panose="020B0604030504040204" pitchFamily="34" charset="0"/>
+                <a:ea typeface="Tahoma" panose="020B0604030504040204" pitchFamily="34" charset="0"/>
+                <a:cs typeface="Tahoma" panose="020B0604030504040204" pitchFamily="34" charset="0"/>
+              </a:rPr>
+              <a:t>Che</a:t>
+            </a:r>
+            <a:r>
+              <a:rPr lang="it-IT" sz="2400" dirty="0">
+                <a:solidFill>
+                  <a:schemeClr val="tx1"/>
+                </a:solidFill>
+                <a:latin typeface="Tahoma" panose="020B0604030504040204" pitchFamily="34" charset="0"/>
+                <a:ea typeface="Tahoma" panose="020B0604030504040204" pitchFamily="34" charset="0"/>
+                <a:cs typeface="Tahoma" panose="020B0604030504040204" pitchFamily="34" charset="0"/>
+              </a:rPr>
+              <a:t>, come si può notare, è una matrice </a:t>
+            </a:r>
+            <a:r>
+              <a:rPr lang="it-IT" sz="2400" b="1" dirty="0">
+                <a:solidFill>
+                  <a:schemeClr val="tx1"/>
+                </a:solidFill>
+                <a:latin typeface="Tahoma" panose="020B0604030504040204" pitchFamily="34" charset="0"/>
+                <a:ea typeface="Tahoma" panose="020B0604030504040204" pitchFamily="34" charset="0"/>
+                <a:cs typeface="Tahoma" panose="020B0604030504040204" pitchFamily="34" charset="0"/>
+              </a:rPr>
+              <a:t>8×8</a:t>
+            </a:r>
+            <a:r>
+              <a:rPr lang="it-IT" sz="2400" dirty="0">
+                <a:solidFill>
+                  <a:schemeClr val="tx1"/>
+                </a:solidFill>
+                <a:latin typeface="Tahoma" panose="020B0604030504040204" pitchFamily="34" charset="0"/>
+                <a:ea typeface="Tahoma" panose="020B0604030504040204" pitchFamily="34" charset="0"/>
+                <a:cs typeface="Tahoma" panose="020B0604030504040204" pitchFamily="34" charset="0"/>
+              </a:rPr>
+              <a:t> (contiene </a:t>
+            </a:r>
+            <a:r>
+              <a:rPr lang="it-IT" sz="2400" b="1" dirty="0">
+                <a:solidFill>
+                  <a:schemeClr val="tx1"/>
+                </a:solidFill>
+                <a:latin typeface="Tahoma" panose="020B0604030504040204" pitchFamily="34" charset="0"/>
+                <a:ea typeface="Tahoma" panose="020B0604030504040204" pitchFamily="34" charset="0"/>
+                <a:cs typeface="Tahoma" panose="020B0604030504040204" pitchFamily="34" charset="0"/>
+              </a:rPr>
+              <a:t>64</a:t>
+            </a:r>
+            <a:r>
+              <a:rPr lang="it-IT" sz="2400" dirty="0">
+                <a:solidFill>
+                  <a:schemeClr val="tx1"/>
+                </a:solidFill>
+                <a:latin typeface="Tahoma" panose="020B0604030504040204" pitchFamily="34" charset="0"/>
+                <a:ea typeface="Tahoma" panose="020B0604030504040204" pitchFamily="34" charset="0"/>
+                <a:cs typeface="Tahoma" panose="020B0604030504040204" pitchFamily="34" charset="0"/>
+              </a:rPr>
+              <a:t> elementi, ovvero i </a:t>
+            </a:r>
+            <a:r>
+              <a:rPr lang="it-IT" sz="2400" b="1" dirty="0">
+                <a:solidFill>
+                  <a:schemeClr val="tx1"/>
+                </a:solidFill>
+                <a:latin typeface="Tahoma" panose="020B0604030504040204" pitchFamily="34" charset="0"/>
+                <a:ea typeface="Tahoma" panose="020B0604030504040204" pitchFamily="34" charset="0"/>
+                <a:cs typeface="Tahoma" panose="020B0604030504040204" pitchFamily="34" charset="0"/>
+              </a:rPr>
+              <a:t>64</a:t>
+            </a:r>
+            <a:r>
+              <a:rPr lang="it-IT" sz="2400" dirty="0">
+                <a:solidFill>
+                  <a:schemeClr val="tx1"/>
+                </a:solidFill>
+                <a:latin typeface="Tahoma" panose="020B0604030504040204" pitchFamily="34" charset="0"/>
+                <a:ea typeface="Tahoma" panose="020B0604030504040204" pitchFamily="34" charset="0"/>
+                <a:cs typeface="Tahoma" panose="020B0604030504040204" pitchFamily="34" charset="0"/>
+              </a:rPr>
+              <a:t> </a:t>
+            </a:r>
+            <a:r>
+              <a:rPr lang="it-IT" sz="2400" b="1" dirty="0">
+                <a:solidFill>
+                  <a:schemeClr val="tx1"/>
+                </a:solidFill>
+                <a:latin typeface="Tahoma" panose="020B0604030504040204" pitchFamily="34" charset="0"/>
+                <a:ea typeface="Tahoma" panose="020B0604030504040204" pitchFamily="34" charset="0"/>
+                <a:cs typeface="Tahoma" panose="020B0604030504040204" pitchFamily="34" charset="0"/>
+              </a:rPr>
+              <a:t>bit</a:t>
+            </a:r>
+            <a:r>
+              <a:rPr lang="it-IT" sz="2400" dirty="0">
+                <a:solidFill>
+                  <a:schemeClr val="tx1"/>
+                </a:solidFill>
+                <a:latin typeface="Tahoma" panose="020B0604030504040204" pitchFamily="34" charset="0"/>
+                <a:ea typeface="Tahoma" panose="020B0604030504040204" pitchFamily="34" charset="0"/>
+                <a:cs typeface="Tahoma" panose="020B0604030504040204" pitchFamily="34" charset="0"/>
+              </a:rPr>
+              <a:t> di input permutati).</a:t>
+            </a:r>
+          </a:p>
+        </p:txBody>
+      </p:sp>
+      <p:sp>
+        <p:nvSpPr>
+          <p:cNvPr id="7" name="Segnaposto numero diapositiva 6">
+            <a:extLst>
+              <a:ext uri="{FF2B5EF4-FFF2-40B4-BE49-F238E27FC236}">
+                <a16:creationId xmlns:a16="http://schemas.microsoft.com/office/drawing/2014/main" id="{AB740BE9-E218-4144-BFDE-AE473D230A3D}"/>
+              </a:ext>
+            </a:extLst>
+          </p:cNvPr>
+          <p:cNvSpPr>
+            <a:spLocks noGrp="1"/>
+          </p:cNvSpPr>
+          <p:nvPr>
+            <p:ph type="sldNum" sz="quarter" idx="12"/>
+          </p:nvPr>
+        </p:nvSpPr>
+        <p:spPr/>
+        <p:txBody>
+          <a:bodyPr/>
+          <a:lstStyle/>
+          <a:p>
+            <a:pPr>
+              <a:defRPr/>
+            </a:pPr>
+            <a:fld id="{48B4153A-D4C5-4CEF-8992-0D8815C829E3}" type="slidenum">
+              <a:rPr lang="en-US" smtClean="0"/>
+              <a:pPr>
+                <a:defRPr/>
+              </a:pPr>
+              <a:t>20</a:t>
+            </a:fld>
+            <a:endParaRPr lang="en-US" dirty="0"/>
+          </a:p>
+        </p:txBody>
+      </p:sp>
+      <p:sp>
+        <p:nvSpPr>
+          <p:cNvPr id="8" name="Titolo 4">
+            <a:extLst>
+              <a:ext uri="{FF2B5EF4-FFF2-40B4-BE49-F238E27FC236}">
+                <a16:creationId xmlns:a16="http://schemas.microsoft.com/office/drawing/2014/main" id="{CF9A4806-60B4-80DC-1F76-D2EB3E6C376B}"/>
+              </a:ext>
+            </a:extLst>
+          </p:cNvPr>
+          <p:cNvSpPr>
+            <a:spLocks noGrp="1"/>
+          </p:cNvSpPr>
+          <p:nvPr>
+            <p:ph type="title"/>
+          </p:nvPr>
+        </p:nvSpPr>
+        <p:spPr>
+          <a:xfrm>
+            <a:off x="461169" y="422999"/>
+            <a:ext cx="11269662" cy="384721"/>
+          </a:xfrm>
+        </p:spPr>
+        <p:txBody>
+          <a:bodyPr/>
+          <a:lstStyle/>
+          <a:p>
+            <a:r>
+              <a:rPr lang="it-IT" sz="2800" dirty="0" smtClean="0">
+                <a:solidFill>
+                  <a:schemeClr val="tx1"/>
+                </a:solidFill>
+                <a:latin typeface="Tahoma" panose="020B0604030504040204" pitchFamily="34" charset="0"/>
+                <a:ea typeface="Tahoma" panose="020B0604030504040204" pitchFamily="34" charset="0"/>
+                <a:cs typeface="Tahoma" panose="020B0604030504040204" pitchFamily="34" charset="0"/>
+              </a:rPr>
+              <a:t>Crittografia Simmetrica: Algoritmo DES</a:t>
+            </a:r>
+            <a:endParaRPr lang="it-IT" dirty="0"/>
+          </a:p>
+        </p:txBody>
+      </p:sp>
+      <p:pic>
+        <p:nvPicPr>
+          <p:cNvPr id="4" name="Immagine 3"/>
+          <p:cNvPicPr>
+            <a:picLocks noChangeAspect="1"/>
+          </p:cNvPicPr>
+          <p:nvPr/>
+        </p:nvPicPr>
+        <p:blipFill>
+          <a:blip r:embed="rId3"/>
+          <a:stretch>
+            <a:fillRect/>
+          </a:stretch>
+        </p:blipFill>
+        <p:spPr>
+          <a:xfrm>
+            <a:off x="1666875" y="2028825"/>
+            <a:ext cx="8858250" cy="4829175"/>
+          </a:xfrm>
+          <a:prstGeom prst="rect">
+            <a:avLst/>
+          </a:prstGeom>
+        </p:spPr>
+      </p:pic>
+    </p:spTree>
+    <p:extLst>
+      <p:ext uri="{BB962C8B-B14F-4D97-AF65-F5344CB8AC3E}">
+        <p14:creationId xmlns:p14="http://schemas.microsoft.com/office/powerpoint/2010/main" val="1276531530"/>
+      </p:ext>
+    </p:extLst>
+  </p:cSld>
+  <p:clrMapOvr>
+    <a:masterClrMapping/>
+  </p:clrMapOvr>
+</p:sld>
+</file>
+
+<file path=ppt/slides/slide21.xml><?xml version="1.0" encoding="utf-8"?>
+<p:sld xmlns:a="http://schemas.openxmlformats.org/drawingml/2006/main" xmlns:r="http://schemas.openxmlformats.org/officeDocument/2006/relationships" xmlns:p="http://schemas.openxmlformats.org/presentationml/2006/main">
+  <p:cSld>
+    <p:spTree>
+      <p:nvGrpSpPr>
+        <p:cNvPr id="1" name=""/>
+        <p:cNvGrpSpPr/>
+        <p:nvPr/>
+      </p:nvGrpSpPr>
+      <p:grpSpPr>
+        <a:xfrm>
+          <a:off x="0" y="0"/>
+          <a:ext cx="0" cy="0"/>
+          <a:chOff x="0" y="0"/>
+          <a:chExt cx="0" cy="0"/>
+        </a:xfrm>
+      </p:grpSpPr>
+      <p:sp>
+        <p:nvSpPr>
+          <p:cNvPr id="2" name="Segnaposto testo 1">
+            <a:extLst>
+              <a:ext uri="{FF2B5EF4-FFF2-40B4-BE49-F238E27FC236}">
+                <a16:creationId xmlns:a16="http://schemas.microsoft.com/office/drawing/2014/main" id="{E5AE986C-196F-4141-A898-FA4C4198CDCC}"/>
+              </a:ext>
+            </a:extLst>
+          </p:cNvPr>
+          <p:cNvSpPr>
+            <a:spLocks noGrp="1"/>
+          </p:cNvSpPr>
+          <p:nvPr>
+            <p:ph type="body" idx="1"/>
+          </p:nvPr>
+        </p:nvSpPr>
+        <p:spPr>
+          <a:xfrm>
+            <a:off x="560786" y="1232694"/>
+            <a:ext cx="4011214" cy="4392612"/>
+          </a:xfrm>
+        </p:spPr>
+        <p:txBody>
+          <a:bodyPr/>
+          <a:lstStyle/>
+          <a:p>
+            <a:pPr marL="342900" indent="-342900" algn="just">
+              <a:buFont typeface="Wingdings" panose="05000000000000000000" pitchFamily="2" charset="2"/>
+              <a:buChar char="ü"/>
+            </a:pPr>
+            <a:r>
+              <a:rPr lang="it-IT" sz="2400" b="1" dirty="0" smtClean="0">
+                <a:solidFill>
+                  <a:schemeClr val="tx1"/>
+                </a:solidFill>
+                <a:latin typeface="Tahoma" panose="020B0604030504040204" pitchFamily="34" charset="0"/>
+                <a:ea typeface="Tahoma" panose="020B0604030504040204" pitchFamily="34" charset="0"/>
+                <a:cs typeface="Tahoma" panose="020B0604030504040204" pitchFamily="34" charset="0"/>
+              </a:rPr>
+              <a:t>Ora</a:t>
+            </a:r>
+            <a:r>
+              <a:rPr lang="it-IT" sz="2400" dirty="0" smtClean="0">
+                <a:solidFill>
+                  <a:schemeClr val="tx1"/>
+                </a:solidFill>
+                <a:latin typeface="Tahoma" panose="020B0604030504040204" pitchFamily="34" charset="0"/>
+                <a:ea typeface="Tahoma" panose="020B0604030504040204" pitchFamily="34" charset="0"/>
+                <a:cs typeface="Tahoma" panose="020B0604030504040204" pitchFamily="34" charset="0"/>
+              </a:rPr>
+              <a:t> </a:t>
+            </a:r>
+            <a:r>
+              <a:rPr lang="it-IT" sz="2400" dirty="0">
+                <a:solidFill>
+                  <a:schemeClr val="tx1"/>
+                </a:solidFill>
+                <a:latin typeface="Tahoma" panose="020B0604030504040204" pitchFamily="34" charset="0"/>
+                <a:ea typeface="Tahoma" panose="020B0604030504040204" pitchFamily="34" charset="0"/>
+                <a:cs typeface="Tahoma" panose="020B0604030504040204" pitchFamily="34" charset="0"/>
+              </a:rPr>
+              <a:t>che abbiamo visto cosa succede all’interno del </a:t>
+            </a:r>
+            <a:r>
+              <a:rPr lang="it-IT" sz="2400" b="1" dirty="0">
+                <a:solidFill>
+                  <a:schemeClr val="tx1"/>
+                </a:solidFill>
+                <a:latin typeface="Tahoma" panose="020B0604030504040204" pitchFamily="34" charset="0"/>
+                <a:ea typeface="Tahoma" panose="020B0604030504040204" pitchFamily="34" charset="0"/>
+                <a:cs typeface="Tahoma" panose="020B0604030504040204" pitchFamily="34" charset="0"/>
+              </a:rPr>
+              <a:t>blocco</a:t>
+            </a:r>
+            <a:r>
+              <a:rPr lang="it-IT" sz="2400" dirty="0">
+                <a:solidFill>
+                  <a:schemeClr val="tx1"/>
+                </a:solidFill>
+                <a:latin typeface="Tahoma" panose="020B0604030504040204" pitchFamily="34" charset="0"/>
+                <a:ea typeface="Tahoma" panose="020B0604030504040204" pitchFamily="34" charset="0"/>
+                <a:cs typeface="Tahoma" panose="020B0604030504040204" pitchFamily="34" charset="0"/>
+              </a:rPr>
+              <a:t> identificato dalla sigla </a:t>
+            </a:r>
+            <a:r>
+              <a:rPr lang="it-IT" sz="2400" b="1" dirty="0">
+                <a:solidFill>
+                  <a:schemeClr val="tx1"/>
+                </a:solidFill>
+                <a:latin typeface="Tahoma" panose="020B0604030504040204" pitchFamily="34" charset="0"/>
+                <a:ea typeface="Tahoma" panose="020B0604030504040204" pitchFamily="34" charset="0"/>
+                <a:cs typeface="Tahoma" panose="020B0604030504040204" pitchFamily="34" charset="0"/>
+              </a:rPr>
+              <a:t>IP</a:t>
+            </a:r>
+            <a:r>
+              <a:rPr lang="it-IT" sz="2400" dirty="0">
+                <a:solidFill>
+                  <a:schemeClr val="tx1"/>
+                </a:solidFill>
+                <a:latin typeface="Tahoma" panose="020B0604030504040204" pitchFamily="34" charset="0"/>
+                <a:ea typeface="Tahoma" panose="020B0604030504040204" pitchFamily="34" charset="0"/>
+                <a:cs typeface="Tahoma" panose="020B0604030504040204" pitchFamily="34" charset="0"/>
+              </a:rPr>
+              <a:t>, è facile andare a </a:t>
+            </a:r>
+            <a:r>
+              <a:rPr lang="it-IT" sz="2400" b="1" dirty="0">
+                <a:solidFill>
+                  <a:schemeClr val="tx1"/>
+                </a:solidFill>
+                <a:latin typeface="Tahoma" panose="020B0604030504040204" pitchFamily="34" charset="0"/>
+                <a:ea typeface="Tahoma" panose="020B0604030504040204" pitchFamily="34" charset="0"/>
+                <a:cs typeface="Tahoma" panose="020B0604030504040204" pitchFamily="34" charset="0"/>
+              </a:rPr>
+              <a:t>descrivere</a:t>
+            </a:r>
+            <a:r>
+              <a:rPr lang="it-IT" sz="2400" dirty="0">
+                <a:solidFill>
+                  <a:schemeClr val="tx1"/>
+                </a:solidFill>
+                <a:latin typeface="Tahoma" panose="020B0604030504040204" pitchFamily="34" charset="0"/>
+                <a:ea typeface="Tahoma" panose="020B0604030504040204" pitchFamily="34" charset="0"/>
+                <a:cs typeface="Tahoma" panose="020B0604030504040204" pitchFamily="34" charset="0"/>
+              </a:rPr>
+              <a:t> cosa succede in </a:t>
+            </a:r>
+            <a:r>
+              <a:rPr lang="it-IT" sz="2400" b="1" dirty="0">
+                <a:solidFill>
+                  <a:schemeClr val="tx1"/>
+                </a:solidFill>
+                <a:latin typeface="Tahoma" panose="020B0604030504040204" pitchFamily="34" charset="0"/>
+                <a:ea typeface="Tahoma" panose="020B0604030504040204" pitchFamily="34" charset="0"/>
+                <a:cs typeface="Tahoma" panose="020B0604030504040204" pitchFamily="34" charset="0"/>
+              </a:rPr>
+              <a:t>FP</a:t>
+            </a:r>
+            <a:r>
+              <a:rPr lang="it-IT" sz="2400" dirty="0">
+                <a:solidFill>
+                  <a:schemeClr val="tx1"/>
+                </a:solidFill>
+                <a:latin typeface="Tahoma" panose="020B0604030504040204" pitchFamily="34" charset="0"/>
+                <a:ea typeface="Tahoma" panose="020B0604030504040204" pitchFamily="34" charset="0"/>
+                <a:cs typeface="Tahoma" panose="020B0604030504040204" pitchFamily="34" charset="0"/>
+              </a:rPr>
+              <a:t>. </a:t>
+            </a:r>
+            <a:r>
+              <a:rPr lang="it-IT" sz="2400" dirty="0">
+                <a:solidFill>
+                  <a:schemeClr val="tx1"/>
+                </a:solidFill>
+                <a:latin typeface="Tahoma" panose="020B0604030504040204" pitchFamily="34" charset="0"/>
+                <a:ea typeface="Tahoma" panose="020B0604030504040204" pitchFamily="34" charset="0"/>
+                <a:cs typeface="Tahoma" panose="020B0604030504040204" pitchFamily="34" charset="0"/>
+              </a:rPr>
+              <a:t>Tale </a:t>
+            </a:r>
+            <a:r>
+              <a:rPr lang="it-IT" sz="2400" b="1" dirty="0">
+                <a:solidFill>
+                  <a:schemeClr val="tx1"/>
+                </a:solidFill>
+                <a:latin typeface="Tahoma" panose="020B0604030504040204" pitchFamily="34" charset="0"/>
+                <a:ea typeface="Tahoma" panose="020B0604030504040204" pitchFamily="34" charset="0"/>
+                <a:cs typeface="Tahoma" panose="020B0604030504040204" pitchFamily="34" charset="0"/>
+              </a:rPr>
+              <a:t>blocco</a:t>
+            </a:r>
+            <a:r>
+              <a:rPr lang="it-IT" sz="2400" dirty="0">
+                <a:solidFill>
+                  <a:schemeClr val="tx1"/>
+                </a:solidFill>
+                <a:latin typeface="Tahoma" panose="020B0604030504040204" pitchFamily="34" charset="0"/>
+                <a:ea typeface="Tahoma" panose="020B0604030504040204" pitchFamily="34" charset="0"/>
+                <a:cs typeface="Tahoma" panose="020B0604030504040204" pitchFamily="34" charset="0"/>
+              </a:rPr>
+              <a:t> viene anche identificato come </a:t>
+            </a:r>
+            <a:r>
+              <a:rPr lang="it-IT" sz="2400" b="1" dirty="0">
+                <a:solidFill>
+                  <a:schemeClr val="tx1"/>
+                </a:solidFill>
+                <a:latin typeface="Tahoma" panose="020B0604030504040204" pitchFamily="34" charset="0"/>
+                <a:ea typeface="Tahoma" panose="020B0604030504040204" pitchFamily="34" charset="0"/>
+                <a:cs typeface="Tahoma" panose="020B0604030504040204" pitchFamily="34" charset="0"/>
+              </a:rPr>
+              <a:t>IP^-1 </a:t>
+            </a:r>
+            <a:r>
+              <a:rPr lang="it-IT" sz="2400" dirty="0" err="1">
+                <a:solidFill>
+                  <a:schemeClr val="tx1"/>
+                </a:solidFill>
+                <a:latin typeface="Tahoma" panose="020B0604030504040204" pitchFamily="34" charset="0"/>
+                <a:ea typeface="Tahoma" panose="020B0604030504040204" pitchFamily="34" charset="0"/>
+                <a:cs typeface="Tahoma" panose="020B0604030504040204" pitchFamily="34" charset="0"/>
+              </a:rPr>
+              <a:t>poichè</a:t>
+            </a:r>
+            <a:r>
+              <a:rPr lang="it-IT" sz="2400" dirty="0">
+                <a:solidFill>
+                  <a:schemeClr val="tx1"/>
+                </a:solidFill>
+                <a:latin typeface="Tahoma" panose="020B0604030504040204" pitchFamily="34" charset="0"/>
+                <a:ea typeface="Tahoma" panose="020B0604030504040204" pitchFamily="34" charset="0"/>
+                <a:cs typeface="Tahoma" panose="020B0604030504040204" pitchFamily="34" charset="0"/>
+              </a:rPr>
+              <a:t> non fa altro che invertire le operazioni svolte da </a:t>
+            </a:r>
+            <a:r>
+              <a:rPr lang="it-IT" sz="2400" b="1" dirty="0">
+                <a:solidFill>
+                  <a:schemeClr val="tx1"/>
+                </a:solidFill>
+                <a:latin typeface="Tahoma" panose="020B0604030504040204" pitchFamily="34" charset="0"/>
+                <a:ea typeface="Tahoma" panose="020B0604030504040204" pitchFamily="34" charset="0"/>
+                <a:cs typeface="Tahoma" panose="020B0604030504040204" pitchFamily="34" charset="0"/>
+              </a:rPr>
+              <a:t>IP</a:t>
+            </a:r>
+            <a:r>
+              <a:rPr lang="it-IT" sz="2400" dirty="0">
+                <a:solidFill>
+                  <a:schemeClr val="tx1"/>
+                </a:solidFill>
+                <a:latin typeface="Tahoma" panose="020B0604030504040204" pitchFamily="34" charset="0"/>
+                <a:ea typeface="Tahoma" panose="020B0604030504040204" pitchFamily="34" charset="0"/>
+                <a:cs typeface="Tahoma" panose="020B0604030504040204" pitchFamily="34" charset="0"/>
+              </a:rPr>
+              <a:t>. </a:t>
+            </a:r>
+            <a:r>
+              <a:rPr lang="it-IT" sz="2400" dirty="0">
+                <a:solidFill>
+                  <a:schemeClr val="tx1"/>
+                </a:solidFill>
+                <a:latin typeface="Tahoma" panose="020B0604030504040204" pitchFamily="34" charset="0"/>
+                <a:ea typeface="Tahoma" panose="020B0604030504040204" pitchFamily="34" charset="0"/>
+                <a:cs typeface="Tahoma" panose="020B0604030504040204" pitchFamily="34" charset="0"/>
+              </a:rPr>
+              <a:t>Ecco allora che la matrice </a:t>
+            </a:r>
+            <a:r>
+              <a:rPr lang="it-IT" sz="2400" b="1" dirty="0">
+                <a:solidFill>
+                  <a:schemeClr val="tx1"/>
+                </a:solidFill>
+                <a:latin typeface="Tahoma" panose="020B0604030504040204" pitchFamily="34" charset="0"/>
+                <a:ea typeface="Tahoma" panose="020B0604030504040204" pitchFamily="34" charset="0"/>
+                <a:cs typeface="Tahoma" panose="020B0604030504040204" pitchFamily="34" charset="0"/>
+              </a:rPr>
+              <a:t>8×8</a:t>
+            </a:r>
+            <a:r>
+              <a:rPr lang="it-IT" sz="2400" dirty="0">
+                <a:solidFill>
+                  <a:schemeClr val="tx1"/>
+                </a:solidFill>
+                <a:latin typeface="Tahoma" panose="020B0604030504040204" pitchFamily="34" charset="0"/>
+                <a:ea typeface="Tahoma" panose="020B0604030504040204" pitchFamily="34" charset="0"/>
+                <a:cs typeface="Tahoma" panose="020B0604030504040204" pitchFamily="34" charset="0"/>
+              </a:rPr>
+              <a:t> relativa all’output prodotto dal </a:t>
+            </a:r>
+            <a:r>
+              <a:rPr lang="it-IT" sz="2400" b="1" dirty="0">
+                <a:solidFill>
+                  <a:schemeClr val="tx1"/>
+                </a:solidFill>
+                <a:latin typeface="Tahoma" panose="020B0604030504040204" pitchFamily="34" charset="0"/>
+                <a:ea typeface="Tahoma" panose="020B0604030504040204" pitchFamily="34" charset="0"/>
+                <a:cs typeface="Tahoma" panose="020B0604030504040204" pitchFamily="34" charset="0"/>
+              </a:rPr>
+              <a:t>blocco</a:t>
+            </a:r>
+            <a:r>
+              <a:rPr lang="it-IT" sz="2400" dirty="0">
+                <a:solidFill>
+                  <a:schemeClr val="tx1"/>
+                </a:solidFill>
+                <a:latin typeface="Tahoma" panose="020B0604030504040204" pitchFamily="34" charset="0"/>
+                <a:ea typeface="Tahoma" panose="020B0604030504040204" pitchFamily="34" charset="0"/>
+                <a:cs typeface="Tahoma" panose="020B0604030504040204" pitchFamily="34" charset="0"/>
+              </a:rPr>
+              <a:t> in questione è la </a:t>
+            </a:r>
+            <a:r>
+              <a:rPr lang="it-IT" sz="2400" dirty="0" smtClean="0">
+                <a:solidFill>
+                  <a:schemeClr val="tx1"/>
+                </a:solidFill>
+                <a:latin typeface="Tahoma" panose="020B0604030504040204" pitchFamily="34" charset="0"/>
+                <a:ea typeface="Tahoma" panose="020B0604030504040204" pitchFamily="34" charset="0"/>
+                <a:cs typeface="Tahoma" panose="020B0604030504040204" pitchFamily="34" charset="0"/>
+              </a:rPr>
+              <a:t>seguente.</a:t>
+            </a:r>
+            <a:endParaRPr lang="it-IT" sz="2400" dirty="0">
+              <a:solidFill>
+                <a:schemeClr val="tx1"/>
+              </a:solidFill>
+              <a:latin typeface="Tahoma" panose="020B0604030504040204" pitchFamily="34" charset="0"/>
+              <a:ea typeface="Tahoma" panose="020B0604030504040204" pitchFamily="34" charset="0"/>
+              <a:cs typeface="Tahoma" panose="020B0604030504040204" pitchFamily="34" charset="0"/>
+            </a:endParaRPr>
+          </a:p>
+        </p:txBody>
+      </p:sp>
+      <p:sp>
+        <p:nvSpPr>
+          <p:cNvPr id="7" name="Segnaposto numero diapositiva 6">
+            <a:extLst>
+              <a:ext uri="{FF2B5EF4-FFF2-40B4-BE49-F238E27FC236}">
+                <a16:creationId xmlns:a16="http://schemas.microsoft.com/office/drawing/2014/main" id="{AB740BE9-E218-4144-BFDE-AE473D230A3D}"/>
+              </a:ext>
+            </a:extLst>
+          </p:cNvPr>
+          <p:cNvSpPr>
+            <a:spLocks noGrp="1"/>
+          </p:cNvSpPr>
+          <p:nvPr>
+            <p:ph type="sldNum" sz="quarter" idx="12"/>
+          </p:nvPr>
+        </p:nvSpPr>
+        <p:spPr/>
+        <p:txBody>
+          <a:bodyPr/>
+          <a:lstStyle/>
+          <a:p>
+            <a:pPr>
+              <a:defRPr/>
+            </a:pPr>
+            <a:fld id="{48B4153A-D4C5-4CEF-8992-0D8815C829E3}" type="slidenum">
+              <a:rPr lang="en-US" smtClean="0"/>
+              <a:pPr>
+                <a:defRPr/>
+              </a:pPr>
+              <a:t>21</a:t>
+            </a:fld>
+            <a:endParaRPr lang="en-US" dirty="0"/>
+          </a:p>
+        </p:txBody>
+      </p:sp>
+      <p:sp>
+        <p:nvSpPr>
+          <p:cNvPr id="8" name="Titolo 4">
+            <a:extLst>
+              <a:ext uri="{FF2B5EF4-FFF2-40B4-BE49-F238E27FC236}">
+                <a16:creationId xmlns:a16="http://schemas.microsoft.com/office/drawing/2014/main" id="{CF9A4806-60B4-80DC-1F76-D2EB3E6C376B}"/>
+              </a:ext>
+            </a:extLst>
+          </p:cNvPr>
+          <p:cNvSpPr>
+            <a:spLocks noGrp="1"/>
+          </p:cNvSpPr>
+          <p:nvPr>
+            <p:ph type="title"/>
+          </p:nvPr>
+        </p:nvSpPr>
+        <p:spPr>
+          <a:xfrm>
+            <a:off x="461169" y="422999"/>
+            <a:ext cx="11269662" cy="384721"/>
+          </a:xfrm>
+        </p:spPr>
+        <p:txBody>
+          <a:bodyPr/>
+          <a:lstStyle/>
+          <a:p>
+            <a:r>
+              <a:rPr lang="it-IT" sz="2800" dirty="0" smtClean="0">
+                <a:solidFill>
+                  <a:schemeClr val="tx1"/>
+                </a:solidFill>
+                <a:latin typeface="Tahoma" panose="020B0604030504040204" pitchFamily="34" charset="0"/>
+                <a:ea typeface="Tahoma" panose="020B0604030504040204" pitchFamily="34" charset="0"/>
+                <a:cs typeface="Tahoma" panose="020B0604030504040204" pitchFamily="34" charset="0"/>
+              </a:rPr>
+              <a:t>Crittografia Simmetrica: Algoritmo DES</a:t>
+            </a:r>
+            <a:endParaRPr lang="it-IT" dirty="0"/>
+          </a:p>
+        </p:txBody>
+      </p:sp>
+      <p:pic>
+        <p:nvPicPr>
+          <p:cNvPr id="3" name="Immagine 2"/>
+          <p:cNvPicPr>
+            <a:picLocks noChangeAspect="1"/>
+          </p:cNvPicPr>
+          <p:nvPr/>
+        </p:nvPicPr>
+        <p:blipFill>
+          <a:blip r:embed="rId3"/>
+          <a:stretch>
+            <a:fillRect/>
+          </a:stretch>
+        </p:blipFill>
+        <p:spPr>
+          <a:xfrm>
+            <a:off x="4820178" y="1435510"/>
+            <a:ext cx="7125495" cy="4748980"/>
+          </a:xfrm>
+          <a:prstGeom prst="rect">
+            <a:avLst/>
+          </a:prstGeom>
+        </p:spPr>
+      </p:pic>
+    </p:spTree>
+    <p:extLst>
+      <p:ext uri="{BB962C8B-B14F-4D97-AF65-F5344CB8AC3E}">
+        <p14:creationId xmlns:p14="http://schemas.microsoft.com/office/powerpoint/2010/main" val="3179778657"/>
+      </p:ext>
+    </p:extLst>
+  </p:cSld>
+  <p:clrMapOvr>
+    <a:masterClrMapping/>
+  </p:clrMapOvr>
+</p:sld>
+</file>
+
+<file path=ppt/slides/slide22.xml><?xml version="1.0" encoding="utf-8"?>
+<p:sld xmlns:a="http://schemas.openxmlformats.org/drawingml/2006/main" xmlns:r="http://schemas.openxmlformats.org/officeDocument/2006/relationships" xmlns:p="http://schemas.openxmlformats.org/presentationml/2006/main">
+  <p:cSld>
+    <p:spTree>
+      <p:nvGrpSpPr>
+        <p:cNvPr id="1" name=""/>
+        <p:cNvGrpSpPr/>
+        <p:nvPr/>
+      </p:nvGrpSpPr>
+      <p:grpSpPr>
+        <a:xfrm>
+          <a:off x="0" y="0"/>
+          <a:ext cx="0" cy="0"/>
+          <a:chOff x="0" y="0"/>
+          <a:chExt cx="0" cy="0"/>
+        </a:xfrm>
+      </p:grpSpPr>
+      <p:sp>
+        <p:nvSpPr>
+          <p:cNvPr id="2" name="Segnaposto testo 1">
+            <a:extLst>
+              <a:ext uri="{FF2B5EF4-FFF2-40B4-BE49-F238E27FC236}">
+                <a16:creationId xmlns:a16="http://schemas.microsoft.com/office/drawing/2014/main" id="{E5AE986C-196F-4141-A898-FA4C4198CDCC}"/>
+              </a:ext>
+            </a:extLst>
+          </p:cNvPr>
+          <p:cNvSpPr>
+            <a:spLocks noGrp="1"/>
+          </p:cNvSpPr>
+          <p:nvPr>
+            <p:ph type="body" idx="1"/>
+          </p:nvPr>
+        </p:nvSpPr>
+        <p:spPr>
+          <a:xfrm>
+            <a:off x="560785" y="1232694"/>
+            <a:ext cx="6311963" cy="4392612"/>
+          </a:xfrm>
+        </p:spPr>
+        <p:txBody>
+          <a:bodyPr/>
+          <a:lstStyle/>
+          <a:p>
+            <a:pPr marL="342900" indent="-342900" algn="just">
+              <a:buFont typeface="Wingdings" panose="05000000000000000000" pitchFamily="2" charset="2"/>
+              <a:buChar char="ü"/>
+            </a:pPr>
+            <a:r>
+              <a:rPr lang="it-IT" sz="2400" dirty="0" smtClean="0">
+                <a:solidFill>
+                  <a:schemeClr val="tx1"/>
+                </a:solidFill>
+                <a:latin typeface="Tahoma" panose="020B0604030504040204" pitchFamily="34" charset="0"/>
+                <a:ea typeface="Tahoma" panose="020B0604030504040204" pitchFamily="34" charset="0"/>
+                <a:cs typeface="Tahoma" panose="020B0604030504040204" pitchFamily="34" charset="0"/>
+              </a:rPr>
+              <a:t>Osserviamo </a:t>
+            </a:r>
+            <a:r>
+              <a:rPr lang="it-IT" sz="2400" dirty="0">
+                <a:solidFill>
+                  <a:schemeClr val="tx1"/>
+                </a:solidFill>
+                <a:latin typeface="Tahoma" panose="020B0604030504040204" pitchFamily="34" charset="0"/>
+                <a:ea typeface="Tahoma" panose="020B0604030504040204" pitchFamily="34" charset="0"/>
+                <a:cs typeface="Tahoma" panose="020B0604030504040204" pitchFamily="34" charset="0"/>
+              </a:rPr>
+              <a:t>tale </a:t>
+            </a:r>
+            <a:r>
+              <a:rPr lang="it-IT" sz="2400" b="1" dirty="0">
+                <a:solidFill>
+                  <a:schemeClr val="tx1"/>
+                </a:solidFill>
+                <a:latin typeface="Tahoma" panose="020B0604030504040204" pitchFamily="34" charset="0"/>
+                <a:ea typeface="Tahoma" panose="020B0604030504040204" pitchFamily="34" charset="0"/>
+                <a:cs typeface="Tahoma" panose="020B0604030504040204" pitchFamily="34" charset="0"/>
+              </a:rPr>
+              <a:t>matrice</a:t>
+            </a:r>
+            <a:r>
+              <a:rPr lang="it-IT" sz="2400" dirty="0">
+                <a:solidFill>
+                  <a:schemeClr val="tx1"/>
+                </a:solidFill>
+                <a:latin typeface="Tahoma" panose="020B0604030504040204" pitchFamily="34" charset="0"/>
+                <a:ea typeface="Tahoma" panose="020B0604030504040204" pitchFamily="34" charset="0"/>
+                <a:cs typeface="Tahoma" panose="020B0604030504040204" pitchFamily="34" charset="0"/>
+              </a:rPr>
+              <a:t>. </a:t>
+            </a:r>
+            <a:r>
+              <a:rPr lang="it-IT" sz="2400" dirty="0">
+                <a:solidFill>
+                  <a:schemeClr val="tx1"/>
+                </a:solidFill>
+                <a:latin typeface="Tahoma" panose="020B0604030504040204" pitchFamily="34" charset="0"/>
+                <a:ea typeface="Tahoma" panose="020B0604030504040204" pitchFamily="34" charset="0"/>
+                <a:cs typeface="Tahoma" panose="020B0604030504040204" pitchFamily="34" charset="0"/>
+              </a:rPr>
+              <a:t>Il bit pari a </a:t>
+            </a:r>
+            <a:r>
+              <a:rPr lang="it-IT" sz="2400" b="1" dirty="0">
+                <a:solidFill>
+                  <a:schemeClr val="tx1"/>
+                </a:solidFill>
+                <a:latin typeface="Tahoma" panose="020B0604030504040204" pitchFamily="34" charset="0"/>
+                <a:ea typeface="Tahoma" panose="020B0604030504040204" pitchFamily="34" charset="0"/>
+                <a:cs typeface="Tahoma" panose="020B0604030504040204" pitchFamily="34" charset="0"/>
+              </a:rPr>
+              <a:t>1</a:t>
+            </a:r>
+            <a:r>
+              <a:rPr lang="it-IT" sz="2400" dirty="0">
+                <a:solidFill>
+                  <a:schemeClr val="tx1"/>
+                </a:solidFill>
+                <a:latin typeface="Tahoma" panose="020B0604030504040204" pitchFamily="34" charset="0"/>
+                <a:ea typeface="Tahoma" panose="020B0604030504040204" pitchFamily="34" charset="0"/>
+                <a:cs typeface="Tahoma" panose="020B0604030504040204" pitchFamily="34" charset="0"/>
+              </a:rPr>
+              <a:t>, nella </a:t>
+            </a:r>
+            <a:r>
+              <a:rPr lang="it-IT" sz="2400" b="1" dirty="0">
+                <a:solidFill>
+                  <a:schemeClr val="tx1"/>
+                </a:solidFill>
+                <a:latin typeface="Tahoma" panose="020B0604030504040204" pitchFamily="34" charset="0"/>
+                <a:ea typeface="Tahoma" panose="020B0604030504040204" pitchFamily="34" charset="0"/>
+                <a:cs typeface="Tahoma" panose="020B0604030504040204" pitchFamily="34" charset="0"/>
+              </a:rPr>
+              <a:t>matrice</a:t>
+            </a:r>
+            <a:r>
+              <a:rPr lang="it-IT" sz="2400" dirty="0">
+                <a:solidFill>
+                  <a:schemeClr val="tx1"/>
+                </a:solidFill>
+                <a:latin typeface="Tahoma" panose="020B0604030504040204" pitchFamily="34" charset="0"/>
+                <a:ea typeface="Tahoma" panose="020B0604030504040204" pitchFamily="34" charset="0"/>
+                <a:cs typeface="Tahoma" panose="020B0604030504040204" pitchFamily="34" charset="0"/>
+              </a:rPr>
+              <a:t> risultate associata </a:t>
+            </a:r>
+            <a:r>
+              <a:rPr lang="it-IT" sz="2400" b="1" dirty="0">
+                <a:solidFill>
+                  <a:schemeClr val="tx1"/>
+                </a:solidFill>
+                <a:latin typeface="Tahoma" panose="020B0604030504040204" pitchFamily="34" charset="0"/>
+                <a:ea typeface="Tahoma" panose="020B0604030504040204" pitchFamily="34" charset="0"/>
+                <a:cs typeface="Tahoma" panose="020B0604030504040204" pitchFamily="34" charset="0"/>
+              </a:rPr>
+              <a:t>all’IP</a:t>
+            </a:r>
+            <a:r>
+              <a:rPr lang="it-IT" sz="2400" dirty="0">
+                <a:solidFill>
+                  <a:schemeClr val="tx1"/>
+                </a:solidFill>
+                <a:latin typeface="Tahoma" panose="020B0604030504040204" pitchFamily="34" charset="0"/>
+                <a:ea typeface="Tahoma" panose="020B0604030504040204" pitchFamily="34" charset="0"/>
+                <a:cs typeface="Tahoma" panose="020B0604030504040204" pitchFamily="34" charset="0"/>
+              </a:rPr>
+              <a:t>, si trovava in posizione </a:t>
+            </a:r>
+            <a:r>
+              <a:rPr lang="it-IT" sz="2400" b="1" dirty="0">
+                <a:solidFill>
+                  <a:schemeClr val="tx1"/>
+                </a:solidFill>
+                <a:latin typeface="Tahoma" panose="020B0604030504040204" pitchFamily="34" charset="0"/>
+                <a:ea typeface="Tahoma" panose="020B0604030504040204" pitchFamily="34" charset="0"/>
+                <a:cs typeface="Tahoma" panose="020B0604030504040204" pitchFamily="34" charset="0"/>
+              </a:rPr>
+              <a:t>40</a:t>
+            </a:r>
+            <a:r>
+              <a:rPr lang="it-IT" sz="2400" dirty="0">
+                <a:solidFill>
+                  <a:schemeClr val="tx1"/>
+                </a:solidFill>
+                <a:latin typeface="Tahoma" panose="020B0604030504040204" pitchFamily="34" charset="0"/>
+                <a:ea typeface="Tahoma" panose="020B0604030504040204" pitchFamily="34" charset="0"/>
+                <a:cs typeface="Tahoma" panose="020B0604030504040204" pitchFamily="34" charset="0"/>
+              </a:rPr>
+              <a:t>. Al termine della FP il </a:t>
+            </a:r>
+            <a:r>
+              <a:rPr lang="it-IT" sz="2400" b="1" dirty="0">
+                <a:solidFill>
+                  <a:schemeClr val="tx1"/>
+                </a:solidFill>
+                <a:latin typeface="Tahoma" panose="020B0604030504040204" pitchFamily="34" charset="0"/>
+                <a:ea typeface="Tahoma" panose="020B0604030504040204" pitchFamily="34" charset="0"/>
+                <a:cs typeface="Tahoma" panose="020B0604030504040204" pitchFamily="34" charset="0"/>
+              </a:rPr>
+              <a:t>bit</a:t>
+            </a:r>
+            <a:r>
+              <a:rPr lang="it-IT" sz="2400" dirty="0">
+                <a:solidFill>
+                  <a:schemeClr val="tx1"/>
+                </a:solidFill>
+                <a:latin typeface="Tahoma" panose="020B0604030504040204" pitchFamily="34" charset="0"/>
+                <a:ea typeface="Tahoma" panose="020B0604030504040204" pitchFamily="34" charset="0"/>
+                <a:cs typeface="Tahoma" panose="020B0604030504040204" pitchFamily="34" charset="0"/>
+              </a:rPr>
+              <a:t> </a:t>
+            </a:r>
+            <a:r>
+              <a:rPr lang="it-IT" sz="2400" b="1" dirty="0">
+                <a:solidFill>
+                  <a:schemeClr val="tx1"/>
+                </a:solidFill>
+                <a:latin typeface="Tahoma" panose="020B0604030504040204" pitchFamily="34" charset="0"/>
+                <a:ea typeface="Tahoma" panose="020B0604030504040204" pitchFamily="34" charset="0"/>
+                <a:cs typeface="Tahoma" panose="020B0604030504040204" pitchFamily="34" charset="0"/>
+              </a:rPr>
+              <a:t>40</a:t>
+            </a:r>
+            <a:r>
+              <a:rPr lang="it-IT" sz="2400" dirty="0">
+                <a:solidFill>
+                  <a:schemeClr val="tx1"/>
+                </a:solidFill>
+                <a:latin typeface="Tahoma" panose="020B0604030504040204" pitchFamily="34" charset="0"/>
+                <a:ea typeface="Tahoma" panose="020B0604030504040204" pitchFamily="34" charset="0"/>
+                <a:cs typeface="Tahoma" panose="020B0604030504040204" pitchFamily="34" charset="0"/>
+              </a:rPr>
+              <a:t> si troverà in posizione 1. </a:t>
+            </a:r>
+            <a:r>
+              <a:rPr lang="it-IT" sz="2400" dirty="0">
+                <a:solidFill>
+                  <a:schemeClr val="tx1"/>
+                </a:solidFill>
+                <a:latin typeface="Tahoma" panose="020B0604030504040204" pitchFamily="34" charset="0"/>
+                <a:ea typeface="Tahoma" panose="020B0604030504040204" pitchFamily="34" charset="0"/>
+                <a:cs typeface="Tahoma" panose="020B0604030504040204" pitchFamily="34" charset="0"/>
+              </a:rPr>
+              <a:t>Discorso </a:t>
+            </a:r>
+            <a:r>
+              <a:rPr lang="it-IT" sz="2400" b="1" dirty="0">
+                <a:solidFill>
+                  <a:schemeClr val="tx1"/>
+                </a:solidFill>
+                <a:latin typeface="Tahoma" panose="020B0604030504040204" pitchFamily="34" charset="0"/>
+                <a:ea typeface="Tahoma" panose="020B0604030504040204" pitchFamily="34" charset="0"/>
+                <a:cs typeface="Tahoma" panose="020B0604030504040204" pitchFamily="34" charset="0"/>
+              </a:rPr>
+              <a:t>analogo</a:t>
+            </a:r>
+            <a:r>
+              <a:rPr lang="it-IT" sz="2400" dirty="0">
+                <a:solidFill>
+                  <a:schemeClr val="tx1"/>
+                </a:solidFill>
+                <a:latin typeface="Tahoma" panose="020B0604030504040204" pitchFamily="34" charset="0"/>
+                <a:ea typeface="Tahoma" panose="020B0604030504040204" pitchFamily="34" charset="0"/>
+                <a:cs typeface="Tahoma" panose="020B0604030504040204" pitchFamily="34" charset="0"/>
+              </a:rPr>
+              <a:t> vale per il </a:t>
+            </a:r>
+            <a:r>
+              <a:rPr lang="it-IT" sz="2400" b="1" dirty="0">
+                <a:solidFill>
+                  <a:schemeClr val="tx1"/>
+                </a:solidFill>
+                <a:latin typeface="Tahoma" panose="020B0604030504040204" pitchFamily="34" charset="0"/>
+                <a:ea typeface="Tahoma" panose="020B0604030504040204" pitchFamily="34" charset="0"/>
+                <a:cs typeface="Tahoma" panose="020B0604030504040204" pitchFamily="34" charset="0"/>
+              </a:rPr>
+              <a:t>bit</a:t>
+            </a:r>
+            <a:r>
+              <a:rPr lang="it-IT" sz="2400" dirty="0">
+                <a:solidFill>
+                  <a:schemeClr val="tx1"/>
+                </a:solidFill>
+                <a:latin typeface="Tahoma" panose="020B0604030504040204" pitchFamily="34" charset="0"/>
+                <a:ea typeface="Tahoma" panose="020B0604030504040204" pitchFamily="34" charset="0"/>
+                <a:cs typeface="Tahoma" panose="020B0604030504040204" pitchFamily="34" charset="0"/>
+              </a:rPr>
+              <a:t> </a:t>
+            </a:r>
+            <a:r>
+              <a:rPr lang="it-IT" sz="2400" b="1" dirty="0">
+                <a:solidFill>
+                  <a:schemeClr val="tx1"/>
+                </a:solidFill>
+                <a:latin typeface="Tahoma" panose="020B0604030504040204" pitchFamily="34" charset="0"/>
+                <a:ea typeface="Tahoma" panose="020B0604030504040204" pitchFamily="34" charset="0"/>
+                <a:cs typeface="Tahoma" panose="020B0604030504040204" pitchFamily="34" charset="0"/>
+              </a:rPr>
+              <a:t>2</a:t>
+            </a:r>
+            <a:r>
+              <a:rPr lang="it-IT" sz="2400" dirty="0">
+                <a:solidFill>
+                  <a:schemeClr val="tx1"/>
+                </a:solidFill>
+                <a:latin typeface="Tahoma" panose="020B0604030504040204" pitchFamily="34" charset="0"/>
+                <a:ea typeface="Tahoma" panose="020B0604030504040204" pitchFamily="34" charset="0"/>
+                <a:cs typeface="Tahoma" panose="020B0604030504040204" pitchFamily="34" charset="0"/>
+              </a:rPr>
+              <a:t>, che nella matrice relativa </a:t>
+            </a:r>
+            <a:r>
+              <a:rPr lang="it-IT" sz="2400" b="1" dirty="0">
+                <a:solidFill>
+                  <a:schemeClr val="tx1"/>
+                </a:solidFill>
+                <a:latin typeface="Tahoma" panose="020B0604030504040204" pitchFamily="34" charset="0"/>
+                <a:ea typeface="Tahoma" panose="020B0604030504040204" pitchFamily="34" charset="0"/>
+                <a:cs typeface="Tahoma" panose="020B0604030504040204" pitchFamily="34" charset="0"/>
+              </a:rPr>
+              <a:t>all’IP</a:t>
+            </a:r>
+            <a:r>
+              <a:rPr lang="it-IT" sz="2400" dirty="0">
+                <a:solidFill>
+                  <a:schemeClr val="tx1"/>
+                </a:solidFill>
+                <a:latin typeface="Tahoma" panose="020B0604030504040204" pitchFamily="34" charset="0"/>
+                <a:ea typeface="Tahoma" panose="020B0604030504040204" pitchFamily="34" charset="0"/>
+                <a:cs typeface="Tahoma" panose="020B0604030504040204" pitchFamily="34" charset="0"/>
+              </a:rPr>
+              <a:t> si trovava in </a:t>
+            </a:r>
+            <a:r>
+              <a:rPr lang="it-IT" sz="2400" b="1" dirty="0">
+                <a:solidFill>
+                  <a:schemeClr val="tx1"/>
+                </a:solidFill>
+                <a:latin typeface="Tahoma" panose="020B0604030504040204" pitchFamily="34" charset="0"/>
+                <a:ea typeface="Tahoma" panose="020B0604030504040204" pitchFamily="34" charset="0"/>
+                <a:cs typeface="Tahoma" panose="020B0604030504040204" pitchFamily="34" charset="0"/>
+              </a:rPr>
+              <a:t>posizione</a:t>
+            </a:r>
+            <a:r>
+              <a:rPr lang="it-IT" sz="2400" dirty="0">
+                <a:solidFill>
+                  <a:schemeClr val="tx1"/>
+                </a:solidFill>
+                <a:latin typeface="Tahoma" panose="020B0604030504040204" pitchFamily="34" charset="0"/>
+                <a:ea typeface="Tahoma" panose="020B0604030504040204" pitchFamily="34" charset="0"/>
+                <a:cs typeface="Tahoma" panose="020B0604030504040204" pitchFamily="34" charset="0"/>
+              </a:rPr>
+              <a:t> </a:t>
+            </a:r>
+            <a:r>
+              <a:rPr lang="it-IT" sz="2400" b="1" dirty="0">
+                <a:solidFill>
+                  <a:schemeClr val="tx1"/>
+                </a:solidFill>
+                <a:latin typeface="Tahoma" panose="020B0604030504040204" pitchFamily="34" charset="0"/>
+                <a:ea typeface="Tahoma" panose="020B0604030504040204" pitchFamily="34" charset="0"/>
+                <a:cs typeface="Tahoma" panose="020B0604030504040204" pitchFamily="34" charset="0"/>
+              </a:rPr>
+              <a:t>8</a:t>
+            </a:r>
+            <a:r>
+              <a:rPr lang="it-IT" sz="2400" dirty="0">
+                <a:solidFill>
+                  <a:schemeClr val="tx1"/>
+                </a:solidFill>
+                <a:latin typeface="Tahoma" panose="020B0604030504040204" pitchFamily="34" charset="0"/>
+                <a:ea typeface="Tahoma" panose="020B0604030504040204" pitchFamily="34" charset="0"/>
+                <a:cs typeface="Tahoma" panose="020B0604030504040204" pitchFamily="34" charset="0"/>
+              </a:rPr>
+              <a:t>, quindi nella matrice prodotta dalla </a:t>
+            </a:r>
+            <a:r>
+              <a:rPr lang="it-IT" sz="2400" b="1" dirty="0">
+                <a:solidFill>
+                  <a:schemeClr val="tx1"/>
+                </a:solidFill>
+                <a:latin typeface="Tahoma" panose="020B0604030504040204" pitchFamily="34" charset="0"/>
+                <a:ea typeface="Tahoma" panose="020B0604030504040204" pitchFamily="34" charset="0"/>
+                <a:cs typeface="Tahoma" panose="020B0604030504040204" pitchFamily="34" charset="0"/>
+              </a:rPr>
+              <a:t>FP l’8</a:t>
+            </a:r>
+            <a:r>
+              <a:rPr lang="it-IT" sz="2400" dirty="0">
+                <a:solidFill>
+                  <a:schemeClr val="tx1"/>
+                </a:solidFill>
+                <a:latin typeface="Tahoma" panose="020B0604030504040204" pitchFamily="34" charset="0"/>
+                <a:ea typeface="Tahoma" panose="020B0604030504040204" pitchFamily="34" charset="0"/>
+                <a:cs typeface="Tahoma" panose="020B0604030504040204" pitchFamily="34" charset="0"/>
+              </a:rPr>
+              <a:t> si troverà in </a:t>
+            </a:r>
+            <a:r>
+              <a:rPr lang="it-IT" sz="2400" b="1" dirty="0">
+                <a:solidFill>
+                  <a:schemeClr val="tx1"/>
+                </a:solidFill>
+                <a:latin typeface="Tahoma" panose="020B0604030504040204" pitchFamily="34" charset="0"/>
+                <a:ea typeface="Tahoma" panose="020B0604030504040204" pitchFamily="34" charset="0"/>
+                <a:cs typeface="Tahoma" panose="020B0604030504040204" pitchFamily="34" charset="0"/>
+              </a:rPr>
+              <a:t>posizione</a:t>
+            </a:r>
+            <a:r>
+              <a:rPr lang="it-IT" sz="2400" dirty="0">
+                <a:solidFill>
+                  <a:schemeClr val="tx1"/>
+                </a:solidFill>
+                <a:latin typeface="Tahoma" panose="020B0604030504040204" pitchFamily="34" charset="0"/>
+                <a:ea typeface="Tahoma" panose="020B0604030504040204" pitchFamily="34" charset="0"/>
+                <a:cs typeface="Tahoma" panose="020B0604030504040204" pitchFamily="34" charset="0"/>
+              </a:rPr>
+              <a:t> </a:t>
+            </a:r>
+            <a:r>
+              <a:rPr lang="it-IT" sz="2400" b="1" dirty="0">
+                <a:solidFill>
+                  <a:schemeClr val="tx1"/>
+                </a:solidFill>
+                <a:latin typeface="Tahoma" panose="020B0604030504040204" pitchFamily="34" charset="0"/>
+                <a:ea typeface="Tahoma" panose="020B0604030504040204" pitchFamily="34" charset="0"/>
+                <a:cs typeface="Tahoma" panose="020B0604030504040204" pitchFamily="34" charset="0"/>
+              </a:rPr>
+              <a:t>2</a:t>
+            </a:r>
+            <a:r>
+              <a:rPr lang="it-IT" sz="2400" dirty="0">
+                <a:solidFill>
+                  <a:schemeClr val="tx1"/>
+                </a:solidFill>
+                <a:latin typeface="Tahoma" panose="020B0604030504040204" pitchFamily="34" charset="0"/>
+                <a:ea typeface="Tahoma" panose="020B0604030504040204" pitchFamily="34" charset="0"/>
+                <a:cs typeface="Tahoma" panose="020B0604030504040204" pitchFamily="34" charset="0"/>
+              </a:rPr>
+              <a:t> (e così via</a:t>
+            </a:r>
+            <a:r>
+              <a:rPr lang="it-IT" sz="2400" dirty="0" smtClean="0">
+                <a:solidFill>
+                  <a:schemeClr val="tx1"/>
+                </a:solidFill>
+                <a:latin typeface="Tahoma" panose="020B0604030504040204" pitchFamily="34" charset="0"/>
+                <a:ea typeface="Tahoma" panose="020B0604030504040204" pitchFamily="34" charset="0"/>
+                <a:cs typeface="Tahoma" panose="020B0604030504040204" pitchFamily="34" charset="0"/>
+              </a:rPr>
+              <a:t>).</a:t>
+            </a:r>
+          </a:p>
+          <a:p>
+            <a:pPr marL="342900" indent="-342900" algn="just">
+              <a:buFont typeface="Wingdings" panose="05000000000000000000" pitchFamily="2" charset="2"/>
+              <a:buChar char="ü"/>
+            </a:pPr>
+            <a:r>
+              <a:rPr lang="it-IT" sz="2400" dirty="0">
+                <a:solidFill>
+                  <a:schemeClr val="tx1"/>
+                </a:solidFill>
+                <a:latin typeface="Tahoma" panose="020B0604030504040204" pitchFamily="34" charset="0"/>
+                <a:ea typeface="Tahoma" panose="020B0604030504040204" pitchFamily="34" charset="0"/>
+                <a:cs typeface="Tahoma" panose="020B0604030504040204" pitchFamily="34" charset="0"/>
+              </a:rPr>
+              <a:t>Vediamo adesso cosa succede all’interno del </a:t>
+            </a:r>
+            <a:r>
+              <a:rPr lang="it-IT" sz="2400" b="1" dirty="0">
+                <a:solidFill>
+                  <a:schemeClr val="tx1"/>
+                </a:solidFill>
+                <a:latin typeface="Tahoma" panose="020B0604030504040204" pitchFamily="34" charset="0"/>
+                <a:ea typeface="Tahoma" panose="020B0604030504040204" pitchFamily="34" charset="0"/>
+                <a:cs typeface="Tahoma" panose="020B0604030504040204" pitchFamily="34" charset="0"/>
+              </a:rPr>
+              <a:t>blocco</a:t>
+            </a:r>
+            <a:r>
+              <a:rPr lang="it-IT" sz="2400" dirty="0">
+                <a:solidFill>
+                  <a:schemeClr val="tx1"/>
+                </a:solidFill>
+                <a:latin typeface="Tahoma" panose="020B0604030504040204" pitchFamily="34" charset="0"/>
+                <a:ea typeface="Tahoma" panose="020B0604030504040204" pitchFamily="34" charset="0"/>
+                <a:cs typeface="Tahoma" panose="020B0604030504040204" pitchFamily="34" charset="0"/>
+              </a:rPr>
+              <a:t> </a:t>
+            </a:r>
+            <a:r>
+              <a:rPr lang="it-IT" sz="2400" b="1" dirty="0">
+                <a:solidFill>
+                  <a:schemeClr val="tx1"/>
+                </a:solidFill>
+                <a:latin typeface="Tahoma" panose="020B0604030504040204" pitchFamily="34" charset="0"/>
+                <a:ea typeface="Tahoma" panose="020B0604030504040204" pitchFamily="34" charset="0"/>
+                <a:cs typeface="Tahoma" panose="020B0604030504040204" pitchFamily="34" charset="0"/>
+              </a:rPr>
+              <a:t>F</a:t>
+            </a:r>
+            <a:r>
+              <a:rPr lang="it-IT" sz="2400" dirty="0">
+                <a:solidFill>
+                  <a:schemeClr val="tx1"/>
+                </a:solidFill>
+                <a:latin typeface="Tahoma" panose="020B0604030504040204" pitchFamily="34" charset="0"/>
+                <a:ea typeface="Tahoma" panose="020B0604030504040204" pitchFamily="34" charset="0"/>
+                <a:cs typeface="Tahoma" panose="020B0604030504040204" pitchFamily="34" charset="0"/>
+              </a:rPr>
+              <a:t> (ovvero la </a:t>
+            </a:r>
+            <a:r>
+              <a:rPr lang="it-IT" sz="2400" b="1" dirty="0">
+                <a:solidFill>
+                  <a:schemeClr val="tx1"/>
+                </a:solidFill>
+                <a:latin typeface="Tahoma" panose="020B0604030504040204" pitchFamily="34" charset="0"/>
+                <a:ea typeface="Tahoma" panose="020B0604030504040204" pitchFamily="34" charset="0"/>
+                <a:cs typeface="Tahoma" panose="020B0604030504040204" pitchFamily="34" charset="0"/>
+              </a:rPr>
+              <a:t>funzione</a:t>
+            </a:r>
+            <a:r>
+              <a:rPr lang="it-IT" sz="2400" dirty="0">
+                <a:solidFill>
+                  <a:schemeClr val="tx1"/>
+                </a:solidFill>
+                <a:latin typeface="Tahoma" panose="020B0604030504040204" pitchFamily="34" charset="0"/>
+                <a:ea typeface="Tahoma" panose="020B0604030504040204" pitchFamily="34" charset="0"/>
+                <a:cs typeface="Tahoma" panose="020B0604030504040204" pitchFamily="34" charset="0"/>
+              </a:rPr>
+              <a:t> </a:t>
+            </a:r>
+            <a:r>
+              <a:rPr lang="it-IT" sz="2400" b="1" dirty="0">
+                <a:solidFill>
+                  <a:schemeClr val="tx1"/>
+                </a:solidFill>
+                <a:latin typeface="Tahoma" panose="020B0604030504040204" pitchFamily="34" charset="0"/>
+                <a:ea typeface="Tahoma" panose="020B0604030504040204" pitchFamily="34" charset="0"/>
+                <a:cs typeface="Tahoma" panose="020B0604030504040204" pitchFamily="34" charset="0"/>
+              </a:rPr>
+              <a:t>di</a:t>
+            </a:r>
+            <a:r>
+              <a:rPr lang="it-IT" sz="2400" dirty="0">
+                <a:solidFill>
+                  <a:schemeClr val="tx1"/>
+                </a:solidFill>
+                <a:latin typeface="Tahoma" panose="020B0604030504040204" pitchFamily="34" charset="0"/>
+                <a:ea typeface="Tahoma" panose="020B0604030504040204" pitchFamily="34" charset="0"/>
+                <a:cs typeface="Tahoma" panose="020B0604030504040204" pitchFamily="34" charset="0"/>
+              </a:rPr>
+              <a:t> </a:t>
+            </a:r>
+            <a:r>
+              <a:rPr lang="it-IT" sz="2400" b="1" dirty="0" err="1">
+                <a:solidFill>
+                  <a:schemeClr val="tx1"/>
+                </a:solidFill>
+                <a:latin typeface="Tahoma" panose="020B0604030504040204" pitchFamily="34" charset="0"/>
+                <a:ea typeface="Tahoma" panose="020B0604030504040204" pitchFamily="34" charset="0"/>
+                <a:cs typeface="Tahoma" panose="020B0604030504040204" pitchFamily="34" charset="0"/>
+              </a:rPr>
+              <a:t>Feistel</a:t>
+            </a:r>
+            <a:r>
+              <a:rPr lang="it-IT" sz="2400" dirty="0">
+                <a:solidFill>
+                  <a:schemeClr val="tx1"/>
+                </a:solidFill>
+                <a:latin typeface="Tahoma" panose="020B0604030504040204" pitchFamily="34" charset="0"/>
+                <a:ea typeface="Tahoma" panose="020B0604030504040204" pitchFamily="34" charset="0"/>
+                <a:cs typeface="Tahoma" panose="020B0604030504040204" pitchFamily="34" charset="0"/>
+              </a:rPr>
+              <a:t>). </a:t>
+            </a:r>
+            <a:r>
+              <a:rPr lang="it-IT" sz="2400" dirty="0">
+                <a:solidFill>
+                  <a:schemeClr val="tx1"/>
+                </a:solidFill>
+                <a:latin typeface="Tahoma" panose="020B0604030504040204" pitchFamily="34" charset="0"/>
+                <a:ea typeface="Tahoma" panose="020B0604030504040204" pitchFamily="34" charset="0"/>
+                <a:cs typeface="Tahoma" panose="020B0604030504040204" pitchFamily="34" charset="0"/>
+              </a:rPr>
+              <a:t>Essa, sostanzialmente, opera su mezzo </a:t>
+            </a:r>
+            <a:r>
+              <a:rPr lang="it-IT" sz="2400" b="1" dirty="0">
+                <a:solidFill>
+                  <a:schemeClr val="tx1"/>
+                </a:solidFill>
+                <a:latin typeface="Tahoma" panose="020B0604030504040204" pitchFamily="34" charset="0"/>
+                <a:ea typeface="Tahoma" panose="020B0604030504040204" pitchFamily="34" charset="0"/>
+                <a:cs typeface="Tahoma" panose="020B0604030504040204" pitchFamily="34" charset="0"/>
+              </a:rPr>
+              <a:t>blocco</a:t>
+            </a:r>
+            <a:r>
+              <a:rPr lang="it-IT" sz="2400" dirty="0">
+                <a:solidFill>
+                  <a:schemeClr val="tx1"/>
+                </a:solidFill>
+                <a:latin typeface="Tahoma" panose="020B0604030504040204" pitchFamily="34" charset="0"/>
+                <a:ea typeface="Tahoma" panose="020B0604030504040204" pitchFamily="34" charset="0"/>
+                <a:cs typeface="Tahoma" panose="020B0604030504040204" pitchFamily="34" charset="0"/>
+              </a:rPr>
+              <a:t> per volta (formato da </a:t>
+            </a:r>
+            <a:r>
+              <a:rPr lang="it-IT" sz="2400" b="1" dirty="0">
+                <a:solidFill>
+                  <a:schemeClr val="tx1"/>
+                </a:solidFill>
+                <a:latin typeface="Tahoma" panose="020B0604030504040204" pitchFamily="34" charset="0"/>
+                <a:ea typeface="Tahoma" panose="020B0604030504040204" pitchFamily="34" charset="0"/>
+                <a:cs typeface="Tahoma" panose="020B0604030504040204" pitchFamily="34" charset="0"/>
+              </a:rPr>
+              <a:t>32 bit</a:t>
+            </a:r>
+            <a:r>
+              <a:rPr lang="it-IT" sz="2400" dirty="0">
+                <a:solidFill>
+                  <a:schemeClr val="tx1"/>
+                </a:solidFill>
+                <a:latin typeface="Tahoma" panose="020B0604030504040204" pitchFamily="34" charset="0"/>
+                <a:ea typeface="Tahoma" panose="020B0604030504040204" pitchFamily="34" charset="0"/>
+                <a:cs typeface="Tahoma" panose="020B0604030504040204" pitchFamily="34" charset="0"/>
+              </a:rPr>
+              <a:t>) e consiste in </a:t>
+            </a:r>
+            <a:r>
+              <a:rPr lang="it-IT" sz="2400" b="1" dirty="0">
+                <a:solidFill>
+                  <a:schemeClr val="tx1"/>
+                </a:solidFill>
+                <a:latin typeface="Tahoma" panose="020B0604030504040204" pitchFamily="34" charset="0"/>
+                <a:ea typeface="Tahoma" panose="020B0604030504040204" pitchFamily="34" charset="0"/>
+                <a:cs typeface="Tahoma" panose="020B0604030504040204" pitchFamily="34" charset="0"/>
+              </a:rPr>
+              <a:t>4 passi</a:t>
+            </a:r>
+            <a:r>
+              <a:rPr lang="it-IT" sz="2400" dirty="0">
+                <a:solidFill>
+                  <a:schemeClr val="tx1"/>
+                </a:solidFill>
+                <a:latin typeface="Tahoma" panose="020B0604030504040204" pitchFamily="34" charset="0"/>
+                <a:ea typeface="Tahoma" panose="020B0604030504040204" pitchFamily="34" charset="0"/>
+                <a:cs typeface="Tahoma" panose="020B0604030504040204" pitchFamily="34" charset="0"/>
+              </a:rPr>
+              <a:t>, illustrati di </a:t>
+            </a:r>
+            <a:r>
+              <a:rPr lang="it-IT" sz="2400" dirty="0" smtClean="0">
+                <a:solidFill>
+                  <a:schemeClr val="tx1"/>
+                </a:solidFill>
+                <a:latin typeface="Tahoma" panose="020B0604030504040204" pitchFamily="34" charset="0"/>
+                <a:ea typeface="Tahoma" panose="020B0604030504040204" pitchFamily="34" charset="0"/>
+                <a:cs typeface="Tahoma" panose="020B0604030504040204" pitchFamily="34" charset="0"/>
+              </a:rPr>
+              <a:t>seguito.</a:t>
+            </a:r>
+            <a:endParaRPr lang="it-IT" sz="2400" dirty="0">
+              <a:solidFill>
+                <a:schemeClr val="tx1"/>
+              </a:solidFill>
+              <a:latin typeface="Tahoma" panose="020B0604030504040204" pitchFamily="34" charset="0"/>
+              <a:ea typeface="Tahoma" panose="020B0604030504040204" pitchFamily="34" charset="0"/>
+              <a:cs typeface="Tahoma" panose="020B0604030504040204" pitchFamily="34" charset="0"/>
+            </a:endParaRPr>
+          </a:p>
+        </p:txBody>
+      </p:sp>
+      <p:sp>
+        <p:nvSpPr>
+          <p:cNvPr id="7" name="Segnaposto numero diapositiva 6">
+            <a:extLst>
+              <a:ext uri="{FF2B5EF4-FFF2-40B4-BE49-F238E27FC236}">
+                <a16:creationId xmlns:a16="http://schemas.microsoft.com/office/drawing/2014/main" id="{AB740BE9-E218-4144-BFDE-AE473D230A3D}"/>
+              </a:ext>
+            </a:extLst>
+          </p:cNvPr>
+          <p:cNvSpPr>
+            <a:spLocks noGrp="1"/>
+          </p:cNvSpPr>
+          <p:nvPr>
+            <p:ph type="sldNum" sz="quarter" idx="12"/>
+          </p:nvPr>
+        </p:nvSpPr>
+        <p:spPr/>
+        <p:txBody>
+          <a:bodyPr/>
+          <a:lstStyle/>
+          <a:p>
+            <a:pPr>
+              <a:defRPr/>
+            </a:pPr>
+            <a:fld id="{48B4153A-D4C5-4CEF-8992-0D8815C829E3}" type="slidenum">
+              <a:rPr lang="en-US" smtClean="0"/>
+              <a:pPr>
+                <a:defRPr/>
+              </a:pPr>
+              <a:t>22</a:t>
+            </a:fld>
+            <a:endParaRPr lang="en-US" dirty="0"/>
+          </a:p>
+        </p:txBody>
+      </p:sp>
+      <p:sp>
+        <p:nvSpPr>
+          <p:cNvPr id="8" name="Titolo 4">
+            <a:extLst>
+              <a:ext uri="{FF2B5EF4-FFF2-40B4-BE49-F238E27FC236}">
+                <a16:creationId xmlns:a16="http://schemas.microsoft.com/office/drawing/2014/main" id="{CF9A4806-60B4-80DC-1F76-D2EB3E6C376B}"/>
+              </a:ext>
+            </a:extLst>
+          </p:cNvPr>
+          <p:cNvSpPr>
+            <a:spLocks noGrp="1"/>
+          </p:cNvSpPr>
+          <p:nvPr>
+            <p:ph type="title"/>
+          </p:nvPr>
+        </p:nvSpPr>
+        <p:spPr>
+          <a:xfrm>
+            <a:off x="461169" y="422999"/>
+            <a:ext cx="11269662" cy="384721"/>
+          </a:xfrm>
+        </p:spPr>
+        <p:txBody>
+          <a:bodyPr/>
+          <a:lstStyle/>
+          <a:p>
+            <a:r>
+              <a:rPr lang="it-IT" sz="2800" dirty="0" smtClean="0">
+                <a:solidFill>
+                  <a:schemeClr val="tx1"/>
+                </a:solidFill>
+                <a:latin typeface="Tahoma" panose="020B0604030504040204" pitchFamily="34" charset="0"/>
+                <a:ea typeface="Tahoma" panose="020B0604030504040204" pitchFamily="34" charset="0"/>
+                <a:cs typeface="Tahoma" panose="020B0604030504040204" pitchFamily="34" charset="0"/>
+              </a:rPr>
+              <a:t>Crittografia Simmetrica: Algoritmo DES</a:t>
+            </a:r>
+            <a:endParaRPr lang="it-IT" dirty="0"/>
+          </a:p>
+        </p:txBody>
+      </p:sp>
+      <p:pic>
+        <p:nvPicPr>
+          <p:cNvPr id="4" name="Immagine 3"/>
+          <p:cNvPicPr>
+            <a:picLocks noChangeAspect="1"/>
+          </p:cNvPicPr>
+          <p:nvPr/>
+        </p:nvPicPr>
+        <p:blipFill>
+          <a:blip r:embed="rId3">
+            <a:extLst>
+              <a:ext uri="{28A0092B-C50C-407E-A947-70E740481C1C}">
+                <a14:useLocalDpi xmlns:a14="http://schemas.microsoft.com/office/drawing/2010/main" val="0"/>
+              </a:ext>
+            </a:extLst>
+          </a:blip>
+          <a:stretch>
+            <a:fillRect/>
+          </a:stretch>
+        </p:blipFill>
+        <p:spPr>
+          <a:xfrm>
+            <a:off x="7780696" y="1232694"/>
+            <a:ext cx="3257550" cy="4762500"/>
+          </a:xfrm>
+          <a:prstGeom prst="rect">
+            <a:avLst/>
+          </a:prstGeom>
+        </p:spPr>
+      </p:pic>
+    </p:spTree>
+    <p:extLst>
+      <p:ext uri="{BB962C8B-B14F-4D97-AF65-F5344CB8AC3E}">
+        <p14:creationId xmlns:p14="http://schemas.microsoft.com/office/powerpoint/2010/main" val="4171426750"/>
+      </p:ext>
+    </p:extLst>
+  </p:cSld>
+  <p:clrMapOvr>
+    <a:masterClrMapping/>
+  </p:clrMapOvr>
+</p:sld>
+</file>
+
+<file path=ppt/slides/slide23.xml><?xml version="1.0" encoding="utf-8"?>
+<p:sld xmlns:a="http://schemas.openxmlformats.org/drawingml/2006/main" xmlns:r="http://schemas.openxmlformats.org/officeDocument/2006/relationships" xmlns:p="http://schemas.openxmlformats.org/presentationml/2006/main">
+  <p:cSld>
+    <p:spTree>
+      <p:nvGrpSpPr>
+        <p:cNvPr id="1" name=""/>
+        <p:cNvGrpSpPr/>
+        <p:nvPr/>
+      </p:nvGrpSpPr>
+      <p:grpSpPr>
+        <a:xfrm>
+          <a:off x="0" y="0"/>
+          <a:ext cx="0" cy="0"/>
+          <a:chOff x="0" y="0"/>
+          <a:chExt cx="0" cy="0"/>
+        </a:xfrm>
+      </p:grpSpPr>
+      <p:sp>
+        <p:nvSpPr>
+          <p:cNvPr id="7" name="Segnaposto numero diapositiva 6">
+            <a:extLst>
+              <a:ext uri="{FF2B5EF4-FFF2-40B4-BE49-F238E27FC236}">
+                <a16:creationId xmlns:a16="http://schemas.microsoft.com/office/drawing/2014/main" id="{AB740BE9-E218-4144-BFDE-AE473D230A3D}"/>
+              </a:ext>
+            </a:extLst>
+          </p:cNvPr>
+          <p:cNvSpPr>
+            <a:spLocks noGrp="1"/>
+          </p:cNvSpPr>
+          <p:nvPr>
+            <p:ph type="sldNum" sz="quarter" idx="12"/>
+          </p:nvPr>
+        </p:nvSpPr>
+        <p:spPr/>
+        <p:txBody>
+          <a:bodyPr/>
+          <a:lstStyle/>
+          <a:p>
+            <a:pPr>
+              <a:defRPr/>
+            </a:pPr>
+            <a:fld id="{48B4153A-D4C5-4CEF-8992-0D8815C829E3}" type="slidenum">
+              <a:rPr lang="en-US" smtClean="0"/>
+              <a:pPr>
+                <a:defRPr/>
+              </a:pPr>
+              <a:t>23</a:t>
+            </a:fld>
+            <a:endParaRPr lang="en-US" dirty="0"/>
+          </a:p>
+        </p:txBody>
+      </p:sp>
+      <p:sp>
+        <p:nvSpPr>
+          <p:cNvPr id="5" name="Titolo 4">
+            <a:extLst>
+              <a:ext uri="{FF2B5EF4-FFF2-40B4-BE49-F238E27FC236}">
+                <a16:creationId xmlns:a16="http://schemas.microsoft.com/office/drawing/2014/main" id="{82C46BA2-B380-4357-B125-BA9F08A643F5}"/>
+              </a:ext>
+            </a:extLst>
+          </p:cNvPr>
+          <p:cNvSpPr>
+            <a:spLocks noGrp="1"/>
+          </p:cNvSpPr>
+          <p:nvPr>
+            <p:ph type="title"/>
+          </p:nvPr>
+        </p:nvSpPr>
+        <p:spPr>
+          <a:xfrm>
+            <a:off x="468895" y="503475"/>
+            <a:ext cx="11269308" cy="384721"/>
+          </a:xfrm>
+        </p:spPr>
+        <p:txBody>
+          <a:bodyPr/>
+          <a:lstStyle/>
+          <a:p>
+            <a:r>
+              <a:rPr lang="it-IT" altLang="it-IT"/>
+              <a:t>Bibliografia</a:t>
+            </a:r>
+            <a:endParaRPr lang="it-IT" dirty="0"/>
+          </a:p>
+        </p:txBody>
+      </p:sp>
+      <p:sp>
+        <p:nvSpPr>
+          <p:cNvPr id="3" name="Segnaposto testo 2">
+            <a:extLst>
+              <a:ext uri="{FF2B5EF4-FFF2-40B4-BE49-F238E27FC236}">
+                <a16:creationId xmlns:a16="http://schemas.microsoft.com/office/drawing/2014/main" id="{15CD42DB-61E6-AA3D-7125-BF4BEDB5D886}"/>
+              </a:ext>
+            </a:extLst>
+          </p:cNvPr>
+          <p:cNvSpPr>
+            <a:spLocks noGrp="1"/>
+          </p:cNvSpPr>
+          <p:nvPr>
+            <p:ph type="body" idx="1"/>
+          </p:nvPr>
+        </p:nvSpPr>
+        <p:spPr>
+          <a:xfrm>
+            <a:off x="477519" y="1557338"/>
+            <a:ext cx="11043921" cy="4392612"/>
+          </a:xfrm>
+        </p:spPr>
+        <p:txBody>
+          <a:bodyPr/>
+          <a:lstStyle/>
+          <a:p>
+            <a:endParaRPr lang="it-IT" dirty="0"/>
+          </a:p>
+          <a:p>
+            <a:endParaRPr lang="it-IT" dirty="0"/>
+          </a:p>
+        </p:txBody>
+      </p:sp>
+      <p:sp>
+        <p:nvSpPr>
+          <p:cNvPr id="6" name="CasellaDiTesto 5">
+            <a:extLst>
+              <a:ext uri="{FF2B5EF4-FFF2-40B4-BE49-F238E27FC236}">
+                <a16:creationId xmlns:a16="http://schemas.microsoft.com/office/drawing/2014/main" id="{D6391C8D-6662-4D50-C544-D76CB446DE8E}"/>
+              </a:ext>
+            </a:extLst>
+          </p:cNvPr>
+          <p:cNvSpPr txBox="1"/>
+          <p:nvPr/>
+        </p:nvSpPr>
+        <p:spPr>
+          <a:xfrm>
+            <a:off x="477519" y="1372672"/>
+            <a:ext cx="6098344" cy="369332"/>
+          </a:xfrm>
+          <a:prstGeom prst="rect">
+            <a:avLst/>
+          </a:prstGeom>
+          <a:noFill/>
+        </p:spPr>
+        <p:txBody>
+          <a:bodyPr wrap="square">
+            <a:spAutoFit/>
+          </a:bodyPr>
+          <a:lstStyle/>
+          <a:p>
+            <a:r>
+              <a:rPr lang="it-IT" dirty="0"/>
+              <a:t>https://www.it-impresa.it/blog/tipi-di-crittografia/</a:t>
+            </a:r>
+          </a:p>
+        </p:txBody>
+      </p:sp>
+      <p:sp>
+        <p:nvSpPr>
+          <p:cNvPr id="4" name="Rettangolo 3"/>
+          <p:cNvSpPr/>
+          <p:nvPr/>
+        </p:nvSpPr>
+        <p:spPr>
+          <a:xfrm>
+            <a:off x="468895" y="1866113"/>
+            <a:ext cx="6096000" cy="646331"/>
+          </a:xfrm>
+          <a:prstGeom prst="rect">
+            <a:avLst/>
+          </a:prstGeom>
+        </p:spPr>
+        <p:txBody>
+          <a:bodyPr>
+            <a:spAutoFit/>
+          </a:bodyPr>
+          <a:lstStyle/>
+          <a:p>
+            <a:r>
+              <a:rPr lang="it-IT" dirty="0"/>
+              <a:t>https://nazarenolatella.myblog.it/2009/01/17/des-come-funziona-e-perche-e-vulnerabile/</a:t>
+            </a:r>
+          </a:p>
+        </p:txBody>
+      </p:sp>
+    </p:spTree>
+    <p:extLst>
+      <p:ext uri="{BB962C8B-B14F-4D97-AF65-F5344CB8AC3E}">
+        <p14:creationId xmlns:p14="http://schemas.microsoft.com/office/powerpoint/2010/main" val="3490964097"/>
       </p:ext>
     </p:extLst>
   </p:cSld>
@@ -11849,6 +20279,65 @@
 </file>
 
 <file path=customXml/item2.xml><?xml version="1.0" encoding="utf-8"?>
+<?mso-contentType ?>
+<FormTemplates xmlns="http://schemas.microsoft.com/sharepoint/v3/contenttype/forms">
+  <Display>DocumentLibraryForm</Display>
+  <Edit>DocumentLibraryForm</Edit>
+  <New>DocumentLibraryForm</New>
+</FormTemplates>
+</file>
+
+<file path=customXml/item3.xml><?xml version="1.0" encoding="utf-8"?>
+<?mso-contentType ?>
+<spe:Receivers xmlns:spe="http://schemas.microsoft.com/sharepoint/events">
+  <Receiver>
+    <Name>Document ID Generator</Name>
+    <Synchronization>Synchronous</Synchronization>
+    <Type>10001</Type>
+    <SequenceNumber>1000</SequenceNumber>
+    <Url/>
+    <Assembly>Microsoft.Office.DocumentManagement, Version=15.0.0.0, Culture=neutral, PublicKeyToken=71e9bce111e9429c</Assembly>
+    <Class>Microsoft.Office.DocumentManagement.Internal.DocIdHandler</Class>
+    <Data/>
+    <Filter/>
+  </Receiver>
+  <Receiver>
+    <Name>Document ID Generator</Name>
+    <Synchronization>Synchronous</Synchronization>
+    <Type>10002</Type>
+    <SequenceNumber>1001</SequenceNumber>
+    <Url/>
+    <Assembly>Microsoft.Office.DocumentManagement, Version=15.0.0.0, Culture=neutral, PublicKeyToken=71e9bce111e9429c</Assembly>
+    <Class>Microsoft.Office.DocumentManagement.Internal.DocIdHandler</Class>
+    <Data/>
+    <Filter/>
+  </Receiver>
+  <Receiver>
+    <Name>Document ID Generator</Name>
+    <Synchronization>Synchronous</Synchronization>
+    <Type>10004</Type>
+    <SequenceNumber>1002</SequenceNumber>
+    <Url/>
+    <Assembly>Microsoft.Office.DocumentManagement, Version=15.0.0.0, Culture=neutral, PublicKeyToken=71e9bce111e9429c</Assembly>
+    <Class>Microsoft.Office.DocumentManagement.Internal.DocIdHandler</Class>
+    <Data/>
+    <Filter/>
+  </Receiver>
+  <Receiver>
+    <Name>Document ID Generator</Name>
+    <Synchronization>Synchronous</Synchronization>
+    <Type>10006</Type>
+    <SequenceNumber>1003</SequenceNumber>
+    <Url/>
+    <Assembly>Microsoft.Office.DocumentManagement, Version=15.0.0.0, Culture=neutral, PublicKeyToken=71e9bce111e9429c</Assembly>
+    <Class>Microsoft.Office.DocumentManagement.Internal.DocIdHandler</Class>
+    <Data/>
+    <Filter/>
+  </Receiver>
+</spe:Receivers>
+</file>
+
+<file path=customXml/item4.xml><?xml version="1.0" encoding="utf-8"?>
 <ct:contentTypeSchema xmlns:ct="http://schemas.microsoft.com/office/2006/metadata/contentType" xmlns:ma="http://schemas.microsoft.com/office/2006/metadata/properties/metaAttributes" ct:_="" ma:_="" ma:contentTypeName="Documento" ma:contentTypeID="0x010100661A2BE3120D674DA36C11D6006822D4" ma:contentTypeVersion="3" ma:contentTypeDescription="Creare un nuovo documento." ma:contentTypeScope="" ma:versionID="2ad8b07f9840a1ce9cd199d874146b74">
   <xsd:schema xmlns:xsd="http://www.w3.org/2001/XMLSchema" xmlns:xs="http://www.w3.org/2001/XMLSchema" xmlns:p="http://schemas.microsoft.com/office/2006/metadata/properties" xmlns:ns2="c58f2efd-82a8-4ecf-b395-8c25e928921d" xmlns:ns3="459159c4-d20a-4ff3-9b11-fbd127bd52e5" xmlns:ns4="679261c3-551f-4e86-913f-177e0e529669" targetNamespace="http://schemas.microsoft.com/office/2006/metadata/properties" ma:root="true" ma:fieldsID="fffb0e16fb90ffea59fef1085e90ecca" ns2:_="" ns3:_="" ns4:_="">
     <xsd:import namespace="c58f2efd-82a8-4ecf-b395-8c25e928921d"/>
@@ -12035,84 +20524,41 @@
 </ct:contentTypeSchema>
 </file>
 
-<file path=customXml/item3.xml><?xml version="1.0" encoding="utf-8"?>
-<?mso-contentType ?>
-<spe:Receivers xmlns:spe="http://schemas.microsoft.com/sharepoint/events">
-  <Receiver>
-    <Name>Document ID Generator</Name>
-    <Synchronization>Synchronous</Synchronization>
-    <Type>10001</Type>
-    <SequenceNumber>1000</SequenceNumber>
-    <Url/>
-    <Assembly>Microsoft.Office.DocumentManagement, Version=15.0.0.0, Culture=neutral, PublicKeyToken=71e9bce111e9429c</Assembly>
-    <Class>Microsoft.Office.DocumentManagement.Internal.DocIdHandler</Class>
-    <Data/>
-    <Filter/>
-  </Receiver>
-  <Receiver>
-    <Name>Document ID Generator</Name>
-    <Synchronization>Synchronous</Synchronization>
-    <Type>10002</Type>
-    <SequenceNumber>1001</SequenceNumber>
-    <Url/>
-    <Assembly>Microsoft.Office.DocumentManagement, Version=15.0.0.0, Culture=neutral, PublicKeyToken=71e9bce111e9429c</Assembly>
-    <Class>Microsoft.Office.DocumentManagement.Internal.DocIdHandler</Class>
-    <Data/>
-    <Filter/>
-  </Receiver>
-  <Receiver>
-    <Name>Document ID Generator</Name>
-    <Synchronization>Synchronous</Synchronization>
-    <Type>10004</Type>
-    <SequenceNumber>1002</SequenceNumber>
-    <Url/>
-    <Assembly>Microsoft.Office.DocumentManagement, Version=15.0.0.0, Culture=neutral, PublicKeyToken=71e9bce111e9429c</Assembly>
-    <Class>Microsoft.Office.DocumentManagement.Internal.DocIdHandler</Class>
-    <Data/>
-    <Filter/>
-  </Receiver>
-  <Receiver>
-    <Name>Document ID Generator</Name>
-    <Synchronization>Synchronous</Synchronization>
-    <Type>10006</Type>
-    <SequenceNumber>1003</SequenceNumber>
-    <Url/>
-    <Assembly>Microsoft.Office.DocumentManagement, Version=15.0.0.0, Culture=neutral, PublicKeyToken=71e9bce111e9429c</Assembly>
-    <Class>Microsoft.Office.DocumentManagement.Internal.DocIdHandler</Class>
-    <Data/>
-    <Filter/>
-  </Receiver>
-</spe:Receivers>
-</file>
-
-<file path=customXml/item4.xml><?xml version="1.0" encoding="utf-8"?>
-<?mso-contentType ?>
-<FormTemplates xmlns="http://schemas.microsoft.com/sharepoint/v3/contenttype/forms">
-  <Display>DocumentLibraryForm</Display>
-  <Edit>DocumentLibraryForm</Edit>
-  <New>DocumentLibraryForm</New>
-</FormTemplates>
-</file>
-
 <file path=customXml/itemProps1.xml><?xml version="1.0" encoding="utf-8"?>
 <ds:datastoreItem xmlns:ds="http://schemas.openxmlformats.org/officeDocument/2006/customXml" ds:itemID="{3EF378BC-F4D0-4510-B4EC-07B6EFE18CF8}">
   <ds:schemaRefs>
+    <ds:schemaRef ds:uri="459159c4-d20a-4ff3-9b11-fbd127bd52e5"/>
+    <ds:schemaRef ds:uri="http://purl.org/dc/terms/"/>
+    <ds:schemaRef ds:uri="http://www.w3.org/XML/1998/namespace"/>
+    <ds:schemaRef ds:uri="http://schemas.openxmlformats.org/package/2006/metadata/core-properties"/>
+    <ds:schemaRef ds:uri="679261c3-551f-4e86-913f-177e0e529669"/>
+    <ds:schemaRef ds:uri="http://schemas.microsoft.com/office/2006/documentManagement/types"/>
     <ds:schemaRef ds:uri="http://schemas.microsoft.com/office/infopath/2007/PartnerControls"/>
+    <ds:schemaRef ds:uri="http://purl.org/dc/dcmitype/"/>
+    <ds:schemaRef ds:uri="c58f2efd-82a8-4ecf-b395-8c25e928921d"/>
+    <ds:schemaRef ds:uri="http://schemas.microsoft.com/office/2006/metadata/properties"/>
     <ds:schemaRef ds:uri="http://purl.org/dc/elements/1.1/"/>
-    <ds:schemaRef ds:uri="http://schemas.microsoft.com/office/2006/metadata/properties"/>
-    <ds:schemaRef ds:uri="http://schemas.openxmlformats.org/package/2006/metadata/core-properties"/>
-    <ds:schemaRef ds:uri="http://purl.org/dc/terms/"/>
-    <ds:schemaRef ds:uri="679261c3-551f-4e86-913f-177e0e529669"/>
-    <ds:schemaRef ds:uri="459159c4-d20a-4ff3-9b11-fbd127bd52e5"/>
-    <ds:schemaRef ds:uri="http://schemas.microsoft.com/office/2006/documentManagement/types"/>
-    <ds:schemaRef ds:uri="c58f2efd-82a8-4ecf-b395-8c25e928921d"/>
-    <ds:schemaRef ds:uri="http://www.w3.org/XML/1998/namespace"/>
-    <ds:schemaRef ds:uri="http://purl.org/dc/dcmitype/"/>
   </ds:schemaRefs>
 </ds:datastoreItem>
 </file>
 
 <file path=customXml/itemProps2.xml><?xml version="1.0" encoding="utf-8"?>
+<ds:datastoreItem xmlns:ds="http://schemas.openxmlformats.org/officeDocument/2006/customXml" ds:itemID="{BD9C238D-4D5C-4783-820B-4854DCE45D41}">
+  <ds:schemaRefs>
+    <ds:schemaRef ds:uri="http://schemas.microsoft.com/sharepoint/v3/contenttype/forms"/>
+  </ds:schemaRefs>
+</ds:datastoreItem>
+</file>
+
+<file path=customXml/itemProps3.xml><?xml version="1.0" encoding="utf-8"?>
+<ds:datastoreItem xmlns:ds="http://schemas.openxmlformats.org/officeDocument/2006/customXml" ds:itemID="{D9296C4F-9DE9-4B43-AA80-1FC85656CFFA}">
+  <ds:schemaRefs>
+    <ds:schemaRef ds:uri="http://schemas.microsoft.com/sharepoint/events"/>
+  </ds:schemaRefs>
+</ds:datastoreItem>
+</file>
+
+<file path=customXml/itemProps4.xml><?xml version="1.0" encoding="utf-8"?>
 <ds:datastoreItem xmlns:ds="http://schemas.openxmlformats.org/officeDocument/2006/customXml" ds:itemID="{3F66F418-6054-4EA5-BF8E-6AF3CEAE6265}">
   <ds:schemaRefs>
     <ds:schemaRef ds:uri="http://schemas.microsoft.com/office/2006/metadata/contentType"/>
@@ -12130,20 +20576,4 @@
     <ds:schemaRef ds:uri="http://schemas.microsoft.com/internal/obd"/>
   </ds:schemaRefs>
 </ds:datastoreItem>
-</file>
-
-<file path=customXml/itemProps3.xml><?xml version="1.0" encoding="utf-8"?>
-<ds:datastoreItem xmlns:ds="http://schemas.openxmlformats.org/officeDocument/2006/customXml" ds:itemID="{D9296C4F-9DE9-4B43-AA80-1FC85656CFFA}">
-  <ds:schemaRefs>
-    <ds:schemaRef ds:uri="http://schemas.microsoft.com/sharepoint/events"/>
-  </ds:schemaRefs>
-</ds:datastoreItem>
-</file>
-
-<file path=customXml/itemProps4.xml><?xml version="1.0" encoding="utf-8"?>
-<ds:datastoreItem xmlns:ds="http://schemas.openxmlformats.org/officeDocument/2006/customXml" ds:itemID="{BD9C238D-4D5C-4783-820B-4854DCE45D41}">
-  <ds:schemaRefs>
-    <ds:schemaRef ds:uri="http://schemas.microsoft.com/sharepoint/v3/contenttype/forms"/>
-  </ds:schemaRefs>
-</ds:datastoreItem>
 </file>